--- a/2023-2/Reportes/ReporteFinal/PresentacionPrototipo.pptx
+++ b/2023-2/Reportes/ReporteFinal/PresentacionPrototipo.pptx
@@ -521,7 +521,7 @@
           <a:p>
             <a:fld id="{89D7F374-E7E0-4B8D-9A42-55415141E493}" type="datetimeFigureOut">
               <a:rPr lang="es-MX" smtClean="0"/>
-              <a:t>06/06/2023</a:t>
+              <a:t>07/06/2023</a:t>
             </a:fld>
             <a:endParaRPr lang="es-MX"/>
           </a:p>
@@ -721,7 +721,7 @@
           <a:p>
             <a:fld id="{89D7F374-E7E0-4B8D-9A42-55415141E493}" type="datetimeFigureOut">
               <a:rPr lang="es-MX" smtClean="0"/>
-              <a:t>06/06/2023</a:t>
+              <a:t>07/06/2023</a:t>
             </a:fld>
             <a:endParaRPr lang="es-MX"/>
           </a:p>
@@ -931,7 +931,7 @@
           <a:p>
             <a:fld id="{89D7F374-E7E0-4B8D-9A42-55415141E493}" type="datetimeFigureOut">
               <a:rPr lang="es-MX" smtClean="0"/>
-              <a:t>06/06/2023</a:t>
+              <a:t>07/06/2023</a:t>
             </a:fld>
             <a:endParaRPr lang="es-MX"/>
           </a:p>
@@ -1131,7 +1131,7 @@
           <a:p>
             <a:fld id="{89D7F374-E7E0-4B8D-9A42-55415141E493}" type="datetimeFigureOut">
               <a:rPr lang="es-MX" smtClean="0"/>
-              <a:t>06/06/2023</a:t>
+              <a:t>07/06/2023</a:t>
             </a:fld>
             <a:endParaRPr lang="es-MX"/>
           </a:p>
@@ -1407,7 +1407,7 @@
           <a:p>
             <a:fld id="{89D7F374-E7E0-4B8D-9A42-55415141E493}" type="datetimeFigureOut">
               <a:rPr lang="es-MX" smtClean="0"/>
-              <a:t>06/06/2023</a:t>
+              <a:t>07/06/2023</a:t>
             </a:fld>
             <a:endParaRPr lang="es-MX"/>
           </a:p>
@@ -1675,7 +1675,7 @@
           <a:p>
             <a:fld id="{89D7F374-E7E0-4B8D-9A42-55415141E493}" type="datetimeFigureOut">
               <a:rPr lang="es-MX" smtClean="0"/>
-              <a:t>06/06/2023</a:t>
+              <a:t>07/06/2023</a:t>
             </a:fld>
             <a:endParaRPr lang="es-MX"/>
           </a:p>
@@ -2090,7 +2090,7 @@
           <a:p>
             <a:fld id="{89D7F374-E7E0-4B8D-9A42-55415141E493}" type="datetimeFigureOut">
               <a:rPr lang="es-MX" smtClean="0"/>
-              <a:t>06/06/2023</a:t>
+              <a:t>07/06/2023</a:t>
             </a:fld>
             <a:endParaRPr lang="es-MX"/>
           </a:p>
@@ -2232,7 +2232,7 @@
           <a:p>
             <a:fld id="{89D7F374-E7E0-4B8D-9A42-55415141E493}" type="datetimeFigureOut">
               <a:rPr lang="es-MX" smtClean="0"/>
-              <a:t>06/06/2023</a:t>
+              <a:t>07/06/2023</a:t>
             </a:fld>
             <a:endParaRPr lang="es-MX"/>
           </a:p>
@@ -2345,7 +2345,7 @@
           <a:p>
             <a:fld id="{89D7F374-E7E0-4B8D-9A42-55415141E493}" type="datetimeFigureOut">
               <a:rPr lang="es-MX" smtClean="0"/>
-              <a:t>06/06/2023</a:t>
+              <a:t>07/06/2023</a:t>
             </a:fld>
             <a:endParaRPr lang="es-MX"/>
           </a:p>
@@ -2658,7 +2658,7 @@
           <a:p>
             <a:fld id="{89D7F374-E7E0-4B8D-9A42-55415141E493}" type="datetimeFigureOut">
               <a:rPr lang="es-MX" smtClean="0"/>
-              <a:t>06/06/2023</a:t>
+              <a:t>07/06/2023</a:t>
             </a:fld>
             <a:endParaRPr lang="es-MX"/>
           </a:p>
@@ -2947,7 +2947,7 @@
           <a:p>
             <a:fld id="{89D7F374-E7E0-4B8D-9A42-55415141E493}" type="datetimeFigureOut">
               <a:rPr lang="es-MX" smtClean="0"/>
-              <a:t>06/06/2023</a:t>
+              <a:t>07/06/2023</a:t>
             </a:fld>
             <a:endParaRPr lang="es-MX"/>
           </a:p>
@@ -3190,7 +3190,7 @@
           <a:p>
             <a:fld id="{89D7F374-E7E0-4B8D-9A42-55415141E493}" type="datetimeFigureOut">
               <a:rPr lang="es-MX" smtClean="0"/>
-              <a:t>06/06/2023</a:t>
+              <a:t>07/06/2023</a:t>
             </a:fld>
             <a:endParaRPr lang="es-MX"/>
           </a:p>
@@ -3767,6 +3767,14 @@
 <file path=ppt/slides/slide3.xml><?xml version="1.0" encoding="utf-8"?>
 <p:sld xmlns:a="http://schemas.openxmlformats.org/drawingml/2006/main" xmlns:r="http://schemas.openxmlformats.org/officeDocument/2006/relationships" xmlns:p="http://schemas.openxmlformats.org/presentationml/2006/main">
   <p:cSld>
+    <p:bg>
+      <p:bgPr>
+        <a:solidFill>
+          <a:schemeClr val="bg1"/>
+        </a:solidFill>
+        <a:effectLst/>
+      </p:bgPr>
+    </p:bg>
     <p:spTree>
       <p:nvGrpSpPr>
         <p:cNvPr id="1" name=""/>
@@ -3783,6 +3791,69 @@
       </p:grpSpPr>
       <p:sp>
         <p:nvSpPr>
+          <p:cNvPr id="16" name="Flowchart: Document 15">
+            <a:extLst>
+              <a:ext uri="{FF2B5EF4-FFF2-40B4-BE49-F238E27FC236}">
+                <a16:creationId xmlns:a16="http://schemas.microsoft.com/office/drawing/2014/main" id="{D12DDE76-C203-4047-9998-63900085B5E8}"/>
+              </a:ext>
+              <a:ext uri="{C183D7F6-B498-43B3-948B-1728B52AA6E4}">
+                <adec:decorative xmlns:adec="http://schemas.microsoft.com/office/drawing/2017/decorative" val="1"/>
+              </a:ext>
+            </a:extLst>
+          </p:cNvPr>
+          <p:cNvSpPr>
+            <a:spLocks noGrp="1" noRot="1" noChangeAspect="1" noMove="1" noResize="1" noEditPoints="1" noAdjustHandles="1" noChangeArrowheads="1" noChangeShapeType="1" noTextEdit="1"/>
+          </p:cNvSpPr>
+          <p:nvPr>
+            <p:extLst>
+              <p:ext uri="{386F3935-93C4-4BCD-93E2-E3B085C9AB24}">
+                <p16:designElem xmlns:p16="http://schemas.microsoft.com/office/powerpoint/2015/main" val="1"/>
+              </p:ext>
+            </p:extLst>
+          </p:nvPr>
+        </p:nvSpPr>
+        <p:spPr>
+          <a:xfrm>
+            <a:off x="638175" y="0"/>
+            <a:ext cx="3248025" cy="3400426"/>
+          </a:xfrm>
+          <a:prstGeom prst="flowChartDocument">
+            <a:avLst/>
+          </a:prstGeom>
+          <a:solidFill>
+            <a:srgbClr val="56533B"/>
+          </a:solidFill>
+          <a:ln>
+            <a:noFill/>
+          </a:ln>
+        </p:spPr>
+        <p:style>
+          <a:lnRef idx="2">
+            <a:schemeClr val="accent1">
+              <a:shade val="50000"/>
+            </a:schemeClr>
+          </a:lnRef>
+          <a:fillRef idx="1">
+            <a:schemeClr val="accent1"/>
+          </a:fillRef>
+          <a:effectRef idx="0">
+            <a:schemeClr val="accent1"/>
+          </a:effectRef>
+          <a:fontRef idx="minor">
+            <a:schemeClr val="lt1"/>
+          </a:fontRef>
+        </p:style>
+        <p:txBody>
+          <a:bodyPr rtlCol="0" anchor="ctr"/>
+          <a:lstStyle/>
+          <a:p>
+            <a:pPr algn="ctr"/>
+            <a:endParaRPr lang="en-US"/>
+          </a:p>
+        </p:txBody>
+      </p:sp>
+      <p:sp>
+        <p:nvSpPr>
           <p:cNvPr id="2" name="Título 1">
             <a:extLst>
               <a:ext uri="{FF2B5EF4-FFF2-40B4-BE49-F238E27FC236}">
@@ -3797,66 +3868,47 @@
             <p:ph type="title"/>
           </p:nvPr>
         </p:nvSpPr>
-        <p:spPr/>
-        <p:txBody>
-          <a:bodyPr/>
-          <a:lstStyle/>
-          <a:p>
-            <a:pPr algn="ctr"/>
-            <a:r>
-              <a:rPr lang="es-ES" dirty="0"/>
-              <a:t>Cadena de </a:t>
-            </a:r>
-            <a:r>
-              <a:rPr lang="es-ES" dirty="0" err="1"/>
-              <a:t>Markov</a:t>
-            </a:r>
-            <a:r>
-              <a:rPr lang="es-ES" dirty="0"/>
-              <a:t> para servicios de video en vivo (Modelo)</a:t>
-            </a:r>
-            <a:endParaRPr lang="es-MX" dirty="0"/>
-          </a:p>
-        </p:txBody>
-      </p:sp>
-      <p:sp>
-        <p:nvSpPr>
-          <p:cNvPr id="3" name="Marcador de contenido 2">
-            <a:extLst>
-              <a:ext uri="{FF2B5EF4-FFF2-40B4-BE49-F238E27FC236}">
-                <a16:creationId xmlns:a16="http://schemas.microsoft.com/office/drawing/2014/main" id="{F71E97B8-C28F-4CFD-E306-FFA1831B1EC3}"/>
-              </a:ext>
-            </a:extLst>
-          </p:cNvPr>
-          <p:cNvSpPr>
-            <a:spLocks noGrp="1"/>
-          </p:cNvSpPr>
-          <p:nvPr>
-            <p:ph idx="1"/>
-          </p:nvPr>
-        </p:nvSpPr>
-        <p:spPr/>
-        <p:txBody>
-          <a:bodyPr/>
-          <a:lstStyle/>
-          <a:p>
-            <a:endParaRPr lang="es-MX"/>
+        <p:spPr>
+          <a:xfrm>
+            <a:off x="838200" y="171162"/>
+            <a:ext cx="2840182" cy="2371148"/>
+          </a:xfrm>
+        </p:spPr>
+        <p:txBody>
+          <a:bodyPr vert="horz" lIns="91440" tIns="45720" rIns="91440" bIns="45720" rtlCol="0" anchor="ctr">
+            <a:normAutofit/>
+          </a:bodyPr>
+          <a:lstStyle/>
+          <a:p>
+            <a:r>
+              <a:rPr lang="en-US" sz="3200" kern="1200">
+                <a:solidFill>
+                  <a:srgbClr val="FFFFFF"/>
+                </a:solidFill>
+                <a:latin typeface="+mj-lt"/>
+                <a:ea typeface="+mj-ea"/>
+                <a:cs typeface="+mj-cs"/>
+              </a:rPr>
+              <a:t>Cadena de Markov para servicios de video en vivo (Modelo)</a:t>
+            </a:r>
           </a:p>
         </p:txBody>
       </p:sp>
       <p:pic>
         <p:nvPicPr>
-          <p:cNvPr id="4" name="Imagen 52" descr="Diagrama&#10;&#10;Descripción generada automáticamente">
-            <a:extLst>
-              <a:ext uri="{FF2B5EF4-FFF2-40B4-BE49-F238E27FC236}">
-                <a16:creationId xmlns:a16="http://schemas.microsoft.com/office/drawing/2014/main" id="{B6DC8511-0BFC-3E58-9B68-C06C6CA8156A}"/>
+          <p:cNvPr id="11" name="Marcador de contenido 10" descr="Diagrama&#10;&#10;Descripción generada automáticamente">
+            <a:extLst>
+              <a:ext uri="{FF2B5EF4-FFF2-40B4-BE49-F238E27FC236}">
+                <a16:creationId xmlns:a16="http://schemas.microsoft.com/office/drawing/2014/main" id="{5BBA9726-E15F-0A59-1501-F4EA2940FDE4}"/>
               </a:ext>
             </a:extLst>
           </p:cNvPr>
           <p:cNvPicPr>
-            <a:picLocks noChangeAspect="1" noChangeArrowheads="1"/>
+            <a:picLocks noGrp="1" noChangeAspect="1"/>
           </p:cNvPicPr>
-          <p:nvPr/>
+          <p:nvPr>
+            <p:ph idx="1"/>
+          </p:nvPr>
         </p:nvPicPr>
         <p:blipFill>
           <a:blip r:embed="rId2">
@@ -3866,496 +3918,20 @@
               </a:ext>
             </a:extLst>
           </a:blip>
-          <a:srcRect/>
           <a:stretch>
             <a:fillRect/>
           </a:stretch>
         </p:blipFill>
-        <p:spPr bwMode="auto">
+        <p:spPr>
           <a:xfrm>
-            <a:off x="3179356" y="2145906"/>
-            <a:ext cx="5400675" cy="3794125"/>
+            <a:off x="4328316" y="640080"/>
+            <a:ext cx="7106771" cy="5578816"/>
           </a:xfrm>
           <a:prstGeom prst="rect">
             <a:avLst/>
           </a:prstGeom>
-          <a:noFill/>
-          <a:extLst>
-            <a:ext uri="{909E8E84-426E-40DD-AFC4-6F175D3DCCD1}">
-              <a14:hiddenFill xmlns:a14="http://schemas.microsoft.com/office/drawing/2010/main">
-                <a:solidFill>
-                  <a:srgbClr val="FFFFFF"/>
-                </a:solidFill>
-              </a14:hiddenFill>
-            </a:ext>
-          </a:extLst>
         </p:spPr>
       </p:pic>
-      <p:sp>
-        <p:nvSpPr>
-          <p:cNvPr id="5" name="Cuadro de texto 2">
-            <a:extLst>
-              <a:ext uri="{FF2B5EF4-FFF2-40B4-BE49-F238E27FC236}">
-                <a16:creationId xmlns:a16="http://schemas.microsoft.com/office/drawing/2014/main" id="{3134115D-F9D0-B6BA-5A4E-B63A46E2E7AC}"/>
-              </a:ext>
-            </a:extLst>
-          </p:cNvPr>
-          <p:cNvSpPr txBox="1">
-            <a:spLocks noChangeArrowheads="1"/>
-          </p:cNvSpPr>
-          <p:nvPr/>
-        </p:nvSpPr>
-        <p:spPr bwMode="auto">
-          <a:xfrm>
-            <a:off x="5046941" y="2021943"/>
-            <a:ext cx="1200150" cy="673100"/>
-          </a:xfrm>
-          <a:prstGeom prst="rect">
-            <a:avLst/>
-          </a:prstGeom>
-          <a:noFill/>
-          <a:ln w="9525">
-            <a:solidFill>
-              <a:srgbClr val="7030A0"/>
-            </a:solidFill>
-            <a:miter lim="800000"/>
-            <a:headEnd/>
-            <a:tailEnd/>
-          </a:ln>
-          <a:extLst>
-            <a:ext uri="{909E8E84-426E-40DD-AFC4-6F175D3DCCD1}">
-              <a14:hiddenFill xmlns:a14="http://schemas.microsoft.com/office/drawing/2010/main">
-                <a:solidFill>
-                  <a:srgbClr val="FFFFFF"/>
-                </a:solidFill>
-              </a14:hiddenFill>
-            </a:ext>
-          </a:extLst>
-        </p:spPr>
-        <p:txBody>
-          <a:bodyPr vert="horz" wrap="square" lIns="91440" tIns="45720" rIns="91440" bIns="45720" numCol="1" anchor="t" anchorCtr="0" compatLnSpc="1">
-            <a:prstTxWarp prst="textNoShape">
-              <a:avLst/>
-            </a:prstTxWarp>
-          </a:bodyPr>
-          <a:lstStyle/>
-          <a:p>
-            <a:pPr marL="0" marR="0" lvl="0" indent="0" algn="l" defTabSz="914400" rtl="0" eaLnBrk="0" fontAlgn="base" latinLnBrk="0" hangingPunct="0">
-              <a:lnSpc>
-                <a:spcPct val="100000"/>
-              </a:lnSpc>
-              <a:spcBef>
-                <a:spcPct val="0"/>
-              </a:spcBef>
-              <a:spcAft>
-                <a:spcPct val="0"/>
-              </a:spcAft>
-              <a:buClrTx/>
-              <a:buSzTx/>
-              <a:buFontTx/>
-              <a:buNone/>
-              <a:tabLst/>
-            </a:pPr>
-            <a:r>
-              <a:rPr kumimoji="0" lang="es-MX" altLang="es-MX" sz="1100" b="0" i="0" u="none" strike="noStrike" cap="none" normalizeH="0" baseline="0">
-                <a:ln>
-                  <a:noFill/>
-                </a:ln>
-                <a:solidFill>
-                  <a:schemeClr val="tx1"/>
-                </a:solidFill>
-                <a:effectLst/>
-                <a:latin typeface="Calibri" panose="020F0502020204030204" pitchFamily="34" charset="0"/>
-                <a:ea typeface="Times New Roman" panose="02020603050405020304" pitchFamily="18" charset="0"/>
-                <a:cs typeface="Times New Roman" panose="02020603050405020304" pitchFamily="18" charset="0"/>
-              </a:rPr>
-              <a:t>Sección A</a:t>
-            </a:r>
-            <a:endParaRPr kumimoji="0" lang="es-MX" altLang="es-MX" sz="1800" b="0" i="0" u="none" strike="noStrike" cap="none" normalizeH="0" baseline="0">
-              <a:ln>
-                <a:noFill/>
-              </a:ln>
-              <a:solidFill>
-                <a:schemeClr val="tx1"/>
-              </a:solidFill>
-              <a:effectLst/>
-              <a:latin typeface="Arial" panose="020B0604020202020204" pitchFamily="34" charset="0"/>
-            </a:endParaRPr>
-          </a:p>
-        </p:txBody>
-      </p:sp>
-      <p:sp>
-        <p:nvSpPr>
-          <p:cNvPr id="6" name="Text Box 1">
-            <a:extLst>
-              <a:ext uri="{FF2B5EF4-FFF2-40B4-BE49-F238E27FC236}">
-                <a16:creationId xmlns:a16="http://schemas.microsoft.com/office/drawing/2014/main" id="{4C4A764C-2FDF-8B72-4A21-9B981CAA881E}"/>
-              </a:ext>
-            </a:extLst>
-          </p:cNvPr>
-          <p:cNvSpPr txBox="1">
-            <a:spLocks noChangeArrowheads="1"/>
-          </p:cNvSpPr>
-          <p:nvPr/>
-        </p:nvSpPr>
-        <p:spPr bwMode="auto">
-          <a:xfrm>
-            <a:off x="6415219" y="1912268"/>
-            <a:ext cx="2241550" cy="1524000"/>
-          </a:xfrm>
-          <a:prstGeom prst="rect">
-            <a:avLst/>
-          </a:prstGeom>
-          <a:noFill/>
-          <a:ln w="9525">
-            <a:solidFill>
-              <a:srgbClr val="7030A0"/>
-            </a:solidFill>
-            <a:miter lim="800000"/>
-            <a:headEnd/>
-            <a:tailEnd/>
-          </a:ln>
-          <a:extLst>
-            <a:ext uri="{909E8E84-426E-40DD-AFC4-6F175D3DCCD1}">
-              <a14:hiddenFill xmlns:a14="http://schemas.microsoft.com/office/drawing/2010/main">
-                <a:solidFill>
-                  <a:srgbClr val="FFFFFF"/>
-                </a:solidFill>
-              </a14:hiddenFill>
-            </a:ext>
-          </a:extLst>
-        </p:spPr>
-        <p:txBody>
-          <a:bodyPr vert="horz" wrap="square" lIns="91440" tIns="45720" rIns="91440" bIns="45720" numCol="1" anchor="t" anchorCtr="0" compatLnSpc="1">
-            <a:prstTxWarp prst="textNoShape">
-              <a:avLst/>
-            </a:prstTxWarp>
-          </a:bodyPr>
-          <a:lstStyle/>
-          <a:p>
-            <a:pPr marL="0" marR="0" lvl="0" indent="0" algn="l" defTabSz="914400" rtl="0" eaLnBrk="0" fontAlgn="base" latinLnBrk="0" hangingPunct="0">
-              <a:lnSpc>
-                <a:spcPct val="100000"/>
-              </a:lnSpc>
-              <a:spcBef>
-                <a:spcPct val="0"/>
-              </a:spcBef>
-              <a:spcAft>
-                <a:spcPct val="0"/>
-              </a:spcAft>
-              <a:buClrTx/>
-              <a:buSzTx/>
-              <a:buFontTx/>
-              <a:buNone/>
-              <a:tabLst/>
-            </a:pPr>
-            <a:r>
-              <a:rPr kumimoji="0" lang="es-MX" altLang="es-MX" sz="1100" b="0" i="0" u="none" strike="noStrike" cap="none" normalizeH="0" baseline="0">
-                <a:ln>
-                  <a:noFill/>
-                </a:ln>
-                <a:solidFill>
-                  <a:schemeClr val="tx1"/>
-                </a:solidFill>
-                <a:effectLst/>
-                <a:latin typeface="Calibri" panose="020F0502020204030204" pitchFamily="34" charset="0"/>
-                <a:ea typeface="Times New Roman" panose="02020603050405020304" pitchFamily="18" charset="0"/>
-                <a:cs typeface="Times New Roman" panose="02020603050405020304" pitchFamily="18" charset="0"/>
-              </a:rPr>
-              <a:t>Sección B</a:t>
-            </a:r>
-            <a:endParaRPr kumimoji="0" lang="es-MX" altLang="es-MX" sz="1800" b="0" i="0" u="none" strike="noStrike" cap="none" normalizeH="0" baseline="0">
-              <a:ln>
-                <a:noFill/>
-              </a:ln>
-              <a:solidFill>
-                <a:schemeClr val="tx1"/>
-              </a:solidFill>
-              <a:effectLst/>
-              <a:latin typeface="Arial" panose="020B0604020202020204" pitchFamily="34" charset="0"/>
-            </a:endParaRPr>
-          </a:p>
-        </p:txBody>
-      </p:sp>
-      <p:sp>
-        <p:nvSpPr>
-          <p:cNvPr id="7" name="Text Box 2">
-            <a:extLst>
-              <a:ext uri="{FF2B5EF4-FFF2-40B4-BE49-F238E27FC236}">
-                <a16:creationId xmlns:a16="http://schemas.microsoft.com/office/drawing/2014/main" id="{C4A7E1B5-9CB3-6F2E-933F-BE0B523DD13B}"/>
-              </a:ext>
-            </a:extLst>
-          </p:cNvPr>
-          <p:cNvSpPr txBox="1">
-            <a:spLocks noChangeArrowheads="1"/>
-          </p:cNvSpPr>
-          <p:nvPr/>
-        </p:nvSpPr>
-        <p:spPr bwMode="auto">
-          <a:xfrm>
-            <a:off x="3102618" y="2826151"/>
-            <a:ext cx="1651000" cy="901700"/>
-          </a:xfrm>
-          <a:prstGeom prst="rect">
-            <a:avLst/>
-          </a:prstGeom>
-          <a:noFill/>
-          <a:ln w="9525">
-            <a:solidFill>
-              <a:srgbClr val="7030A0"/>
-            </a:solidFill>
-            <a:miter lim="800000"/>
-            <a:headEnd/>
-            <a:tailEnd/>
-          </a:ln>
-          <a:extLst>
-            <a:ext uri="{909E8E84-426E-40DD-AFC4-6F175D3DCCD1}">
-              <a14:hiddenFill xmlns:a14="http://schemas.microsoft.com/office/drawing/2010/main">
-                <a:solidFill>
-                  <a:srgbClr val="FFFFFF"/>
-                </a:solidFill>
-              </a14:hiddenFill>
-            </a:ext>
-          </a:extLst>
-        </p:spPr>
-        <p:txBody>
-          <a:bodyPr vert="horz" wrap="square" lIns="91440" tIns="45720" rIns="91440" bIns="45720" numCol="1" anchor="t" anchorCtr="0" compatLnSpc="1">
-            <a:prstTxWarp prst="textNoShape">
-              <a:avLst/>
-            </a:prstTxWarp>
-          </a:bodyPr>
-          <a:lstStyle/>
-          <a:p>
-            <a:pPr marL="0" marR="0" lvl="0" indent="0" algn="l" defTabSz="914400" rtl="0" eaLnBrk="0" fontAlgn="base" latinLnBrk="0" hangingPunct="0">
-              <a:lnSpc>
-                <a:spcPct val="100000"/>
-              </a:lnSpc>
-              <a:spcBef>
-                <a:spcPct val="0"/>
-              </a:spcBef>
-              <a:spcAft>
-                <a:spcPct val="0"/>
-              </a:spcAft>
-              <a:buClrTx/>
-              <a:buSzTx/>
-              <a:buFontTx/>
-              <a:buNone/>
-              <a:tabLst/>
-            </a:pPr>
-            <a:r>
-              <a:rPr kumimoji="0" lang="es-MX" altLang="es-MX" sz="1100" b="0" i="0" u="none" strike="noStrike" cap="none" normalizeH="0" baseline="0">
-                <a:ln>
-                  <a:noFill/>
-                </a:ln>
-                <a:solidFill>
-                  <a:schemeClr val="tx1"/>
-                </a:solidFill>
-                <a:effectLst/>
-                <a:latin typeface="Calibri" panose="020F0502020204030204" pitchFamily="34" charset="0"/>
-                <a:ea typeface="Times New Roman" panose="02020603050405020304" pitchFamily="18" charset="0"/>
-                <a:cs typeface="Times New Roman" panose="02020603050405020304" pitchFamily="18" charset="0"/>
-              </a:rPr>
-              <a:t>Sección E</a:t>
-            </a:r>
-            <a:endParaRPr kumimoji="0" lang="es-MX" altLang="es-MX" sz="1800" b="0" i="0" u="none" strike="noStrike" cap="none" normalizeH="0" baseline="0">
-              <a:ln>
-                <a:noFill/>
-              </a:ln>
-              <a:solidFill>
-                <a:schemeClr val="tx1"/>
-              </a:solidFill>
-              <a:effectLst/>
-              <a:latin typeface="Arial" panose="020B0604020202020204" pitchFamily="34" charset="0"/>
-            </a:endParaRPr>
-          </a:p>
-        </p:txBody>
-      </p:sp>
-      <p:sp>
-        <p:nvSpPr>
-          <p:cNvPr id="8" name="Text Box 3">
-            <a:extLst>
-              <a:ext uri="{FF2B5EF4-FFF2-40B4-BE49-F238E27FC236}">
-                <a16:creationId xmlns:a16="http://schemas.microsoft.com/office/drawing/2014/main" id="{B6CB7B63-15E8-A7EA-1322-68180C558D15}"/>
-              </a:ext>
-            </a:extLst>
-          </p:cNvPr>
-          <p:cNvSpPr txBox="1">
-            <a:spLocks noChangeArrowheads="1"/>
-          </p:cNvSpPr>
-          <p:nvPr/>
-        </p:nvSpPr>
-        <p:spPr bwMode="auto">
-          <a:xfrm>
-            <a:off x="3062479" y="4472390"/>
-            <a:ext cx="2209800" cy="990600"/>
-          </a:xfrm>
-          <a:prstGeom prst="rect">
-            <a:avLst/>
-          </a:prstGeom>
-          <a:noFill/>
-          <a:ln w="9525">
-            <a:solidFill>
-              <a:srgbClr val="7030A0"/>
-            </a:solidFill>
-            <a:miter lim="800000"/>
-            <a:headEnd/>
-            <a:tailEnd/>
-          </a:ln>
-          <a:extLst>
-            <a:ext uri="{909E8E84-426E-40DD-AFC4-6F175D3DCCD1}">
-              <a14:hiddenFill xmlns:a14="http://schemas.microsoft.com/office/drawing/2010/main">
-                <a:solidFill>
-                  <a:srgbClr val="FFFFFF"/>
-                </a:solidFill>
-              </a14:hiddenFill>
-            </a:ext>
-          </a:extLst>
-        </p:spPr>
-        <p:txBody>
-          <a:bodyPr vert="horz" wrap="square" lIns="91440" tIns="45720" rIns="91440" bIns="45720" numCol="1" anchor="t" anchorCtr="0" compatLnSpc="1">
-            <a:prstTxWarp prst="textNoShape">
-              <a:avLst/>
-            </a:prstTxWarp>
-          </a:bodyPr>
-          <a:lstStyle/>
-          <a:p>
-            <a:pPr marL="0" marR="0" lvl="0" indent="0" algn="l" defTabSz="914400" rtl="0" eaLnBrk="0" fontAlgn="base" latinLnBrk="0" hangingPunct="0">
-              <a:lnSpc>
-                <a:spcPct val="100000"/>
-              </a:lnSpc>
-              <a:spcBef>
-                <a:spcPct val="0"/>
-              </a:spcBef>
-              <a:spcAft>
-                <a:spcPct val="0"/>
-              </a:spcAft>
-              <a:buClrTx/>
-              <a:buSzTx/>
-              <a:buFontTx/>
-              <a:buNone/>
-              <a:tabLst/>
-            </a:pPr>
-            <a:r>
-              <a:rPr kumimoji="0" lang="es-MX" altLang="es-MX" sz="1100" b="0" i="0" u="none" strike="noStrike" cap="none" normalizeH="0" baseline="0">
-                <a:ln>
-                  <a:noFill/>
-                </a:ln>
-                <a:solidFill>
-                  <a:schemeClr val="tx1"/>
-                </a:solidFill>
-                <a:effectLst/>
-                <a:latin typeface="Calibri" panose="020F0502020204030204" pitchFamily="34" charset="0"/>
-                <a:ea typeface="Times New Roman" panose="02020603050405020304" pitchFamily="18" charset="0"/>
-                <a:cs typeface="Times New Roman" panose="02020603050405020304" pitchFamily="18" charset="0"/>
-              </a:rPr>
-              <a:t>Sección D</a:t>
-            </a:r>
-            <a:endParaRPr kumimoji="0" lang="es-MX" altLang="es-MX" sz="1800" b="0" i="0" u="none" strike="noStrike" cap="none" normalizeH="0" baseline="0">
-              <a:ln>
-                <a:noFill/>
-              </a:ln>
-              <a:solidFill>
-                <a:schemeClr val="tx1"/>
-              </a:solidFill>
-              <a:effectLst/>
-              <a:latin typeface="Arial" panose="020B0604020202020204" pitchFamily="34" charset="0"/>
-            </a:endParaRPr>
-          </a:p>
-        </p:txBody>
-      </p:sp>
-      <p:sp>
-        <p:nvSpPr>
-          <p:cNvPr id="9" name="Text Box 6">
-            <a:extLst>
-              <a:ext uri="{FF2B5EF4-FFF2-40B4-BE49-F238E27FC236}">
-                <a16:creationId xmlns:a16="http://schemas.microsoft.com/office/drawing/2014/main" id="{CC4693BD-F608-2BD9-6B5F-A2CF78BA9D71}"/>
-              </a:ext>
-            </a:extLst>
-          </p:cNvPr>
-          <p:cNvSpPr txBox="1">
-            <a:spLocks noChangeArrowheads="1"/>
-          </p:cNvSpPr>
-          <p:nvPr/>
-        </p:nvSpPr>
-        <p:spPr bwMode="auto">
-          <a:xfrm>
-            <a:off x="6415219" y="3727851"/>
-            <a:ext cx="2228850" cy="2311400"/>
-          </a:xfrm>
-          <a:prstGeom prst="rect">
-            <a:avLst/>
-          </a:prstGeom>
-          <a:noFill/>
-          <a:ln w="9525">
-            <a:solidFill>
-              <a:srgbClr val="7030A0"/>
-            </a:solidFill>
-            <a:miter lim="800000"/>
-            <a:headEnd/>
-            <a:tailEnd/>
-          </a:ln>
-          <a:extLst>
-            <a:ext uri="{909E8E84-426E-40DD-AFC4-6F175D3DCCD1}">
-              <a14:hiddenFill xmlns:a14="http://schemas.microsoft.com/office/drawing/2010/main">
-                <a:solidFill>
-                  <a:srgbClr val="FFFFFF"/>
-                </a:solidFill>
-              </a14:hiddenFill>
-            </a:ext>
-          </a:extLst>
-        </p:spPr>
-        <p:txBody>
-          <a:bodyPr vert="horz" wrap="square" lIns="91440" tIns="45720" rIns="91440" bIns="45720" numCol="1" anchor="t" anchorCtr="0" compatLnSpc="1">
-            <a:prstTxWarp prst="textNoShape">
-              <a:avLst/>
-            </a:prstTxWarp>
-          </a:bodyPr>
-          <a:lstStyle/>
-          <a:p>
-            <a:pPr marL="0" marR="0" lvl="0" indent="0" algn="l" defTabSz="914400" rtl="0" eaLnBrk="0" fontAlgn="base" latinLnBrk="0" hangingPunct="0">
-              <a:lnSpc>
-                <a:spcPct val="100000"/>
-              </a:lnSpc>
-              <a:spcBef>
-                <a:spcPct val="0"/>
-              </a:spcBef>
-              <a:spcAft>
-                <a:spcPct val="0"/>
-              </a:spcAft>
-              <a:buClrTx/>
-              <a:buSzTx/>
-              <a:buFontTx/>
-              <a:buNone/>
-              <a:tabLst/>
-            </a:pPr>
-            <a:r>
-              <a:rPr kumimoji="0" lang="es-MX" altLang="es-MX" sz="1100" b="0" i="0" u="none" strike="noStrike" cap="none" normalizeH="0" baseline="0">
-                <a:ln>
-                  <a:noFill/>
-                </a:ln>
-                <a:solidFill>
-                  <a:schemeClr val="tx1"/>
-                </a:solidFill>
-                <a:effectLst/>
-                <a:latin typeface="Calibri" panose="020F0502020204030204" pitchFamily="34" charset="0"/>
-                <a:ea typeface="Times New Roman" panose="02020603050405020304" pitchFamily="18" charset="0"/>
-                <a:cs typeface="Times New Roman" panose="02020603050405020304" pitchFamily="18" charset="0"/>
-              </a:rPr>
-              <a:t>        Sección C</a:t>
-            </a:r>
-            <a:endParaRPr kumimoji="0" lang="es-MX" altLang="es-MX" sz="1800" b="0" i="0" u="none" strike="noStrike" cap="none" normalizeH="0" baseline="0">
-              <a:ln>
-                <a:noFill/>
-              </a:ln>
-              <a:solidFill>
-                <a:schemeClr val="tx1"/>
-              </a:solidFill>
-              <a:effectLst/>
-              <a:latin typeface="Arial" panose="020B0604020202020204" pitchFamily="34" charset="0"/>
-            </a:endParaRPr>
-          </a:p>
-        </p:txBody>
-      </p:sp>
     </p:spTree>
     <p:extLst>
       <p:ext uri="{BB962C8B-B14F-4D97-AF65-F5344CB8AC3E}">

--- a/2023-2/Reportes/ReporteFinal/PresentacionPrototipo.pptx
+++ b/2023-2/Reportes/ReporteFinal/PresentacionPrototipo.pptx
@@ -10,6 +10,18 @@
     <p:sldId id="261" r:id="rId4"/>
     <p:sldId id="260" r:id="rId5"/>
     <p:sldId id="259" r:id="rId6"/>
+    <p:sldId id="263" r:id="rId7"/>
+    <p:sldId id="266" r:id="rId8"/>
+    <p:sldId id="267" r:id="rId9"/>
+    <p:sldId id="265" r:id="rId10"/>
+    <p:sldId id="270" r:id="rId11"/>
+    <p:sldId id="271" r:id="rId12"/>
+    <p:sldId id="272" r:id="rId13"/>
+    <p:sldId id="273" r:id="rId14"/>
+    <p:sldId id="268" r:id="rId15"/>
+    <p:sldId id="269" r:id="rId16"/>
+    <p:sldId id="274" r:id="rId17"/>
+    <p:sldId id="275" r:id="rId18"/>
   </p:sldIdLst>
   <p:sldSz cx="12192000" cy="6858000"/>
   <p:notesSz cx="6858000" cy="9144000"/>
@@ -521,7 +533,7 @@
           <a:p>
             <a:fld id="{89D7F374-E7E0-4B8D-9A42-55415141E493}" type="datetimeFigureOut">
               <a:rPr lang="es-MX" smtClean="0"/>
-              <a:t>06/06/2023</a:t>
+              <a:t>07/06/2023</a:t>
             </a:fld>
             <a:endParaRPr lang="es-MX"/>
           </a:p>
@@ -721,7 +733,7 @@
           <a:p>
             <a:fld id="{89D7F374-E7E0-4B8D-9A42-55415141E493}" type="datetimeFigureOut">
               <a:rPr lang="es-MX" smtClean="0"/>
-              <a:t>06/06/2023</a:t>
+              <a:t>07/06/2023</a:t>
             </a:fld>
             <a:endParaRPr lang="es-MX"/>
           </a:p>
@@ -931,7 +943,7 @@
           <a:p>
             <a:fld id="{89D7F374-E7E0-4B8D-9A42-55415141E493}" type="datetimeFigureOut">
               <a:rPr lang="es-MX" smtClean="0"/>
-              <a:t>06/06/2023</a:t>
+              <a:t>07/06/2023</a:t>
             </a:fld>
             <a:endParaRPr lang="es-MX"/>
           </a:p>
@@ -1131,7 +1143,7 @@
           <a:p>
             <a:fld id="{89D7F374-E7E0-4B8D-9A42-55415141E493}" type="datetimeFigureOut">
               <a:rPr lang="es-MX" smtClean="0"/>
-              <a:t>06/06/2023</a:t>
+              <a:t>07/06/2023</a:t>
             </a:fld>
             <a:endParaRPr lang="es-MX"/>
           </a:p>
@@ -1407,7 +1419,7 @@
           <a:p>
             <a:fld id="{89D7F374-E7E0-4B8D-9A42-55415141E493}" type="datetimeFigureOut">
               <a:rPr lang="es-MX" smtClean="0"/>
-              <a:t>06/06/2023</a:t>
+              <a:t>07/06/2023</a:t>
             </a:fld>
             <a:endParaRPr lang="es-MX"/>
           </a:p>
@@ -1675,7 +1687,7 @@
           <a:p>
             <a:fld id="{89D7F374-E7E0-4B8D-9A42-55415141E493}" type="datetimeFigureOut">
               <a:rPr lang="es-MX" smtClean="0"/>
-              <a:t>06/06/2023</a:t>
+              <a:t>07/06/2023</a:t>
             </a:fld>
             <a:endParaRPr lang="es-MX"/>
           </a:p>
@@ -2090,7 +2102,7 @@
           <a:p>
             <a:fld id="{89D7F374-E7E0-4B8D-9A42-55415141E493}" type="datetimeFigureOut">
               <a:rPr lang="es-MX" smtClean="0"/>
-              <a:t>06/06/2023</a:t>
+              <a:t>07/06/2023</a:t>
             </a:fld>
             <a:endParaRPr lang="es-MX"/>
           </a:p>
@@ -2232,7 +2244,7 @@
           <a:p>
             <a:fld id="{89D7F374-E7E0-4B8D-9A42-55415141E493}" type="datetimeFigureOut">
               <a:rPr lang="es-MX" smtClean="0"/>
-              <a:t>06/06/2023</a:t>
+              <a:t>07/06/2023</a:t>
             </a:fld>
             <a:endParaRPr lang="es-MX"/>
           </a:p>
@@ -2345,7 +2357,7 @@
           <a:p>
             <a:fld id="{89D7F374-E7E0-4B8D-9A42-55415141E493}" type="datetimeFigureOut">
               <a:rPr lang="es-MX" smtClean="0"/>
-              <a:t>06/06/2023</a:t>
+              <a:t>07/06/2023</a:t>
             </a:fld>
             <a:endParaRPr lang="es-MX"/>
           </a:p>
@@ -2658,7 +2670,7 @@
           <a:p>
             <a:fld id="{89D7F374-E7E0-4B8D-9A42-55415141E493}" type="datetimeFigureOut">
               <a:rPr lang="es-MX" smtClean="0"/>
-              <a:t>06/06/2023</a:t>
+              <a:t>07/06/2023</a:t>
             </a:fld>
             <a:endParaRPr lang="es-MX"/>
           </a:p>
@@ -2947,7 +2959,7 @@
           <a:p>
             <a:fld id="{89D7F374-E7E0-4B8D-9A42-55415141E493}" type="datetimeFigureOut">
               <a:rPr lang="es-MX" smtClean="0"/>
-              <a:t>06/06/2023</a:t>
+              <a:t>07/06/2023</a:t>
             </a:fld>
             <a:endParaRPr lang="es-MX"/>
           </a:p>
@@ -3190,7 +3202,7 @@
           <a:p>
             <a:fld id="{89D7F374-E7E0-4B8D-9A42-55415141E493}" type="datetimeFigureOut">
               <a:rPr lang="es-MX" smtClean="0"/>
-              <a:t>06/06/2023</a:t>
+              <a:t>07/06/2023</a:t>
             </a:fld>
             <a:endParaRPr lang="es-MX"/>
           </a:p>
@@ -3670,6 +3682,1604 @@
 </p:sld>
 </file>
 
+<file path=ppt/slides/slide10.xml><?xml version="1.0" encoding="utf-8"?>
+<p:sld xmlns:a="http://schemas.openxmlformats.org/drawingml/2006/main" xmlns:r="http://schemas.openxmlformats.org/officeDocument/2006/relationships" xmlns:p="http://schemas.openxmlformats.org/presentationml/2006/main">
+  <p:cSld>
+    <p:spTree>
+      <p:nvGrpSpPr>
+        <p:cNvPr id="1" name=""/>
+        <p:cNvGrpSpPr/>
+        <p:nvPr/>
+      </p:nvGrpSpPr>
+      <p:grpSpPr>
+        <a:xfrm>
+          <a:off x="0" y="0"/>
+          <a:ext cx="0" cy="0"/>
+          <a:chOff x="0" y="0"/>
+          <a:chExt cx="0" cy="0"/>
+        </a:xfrm>
+      </p:grpSpPr>
+      <p:sp>
+        <p:nvSpPr>
+          <p:cNvPr id="2" name="Título 1">
+            <a:extLst>
+              <a:ext uri="{FF2B5EF4-FFF2-40B4-BE49-F238E27FC236}">
+                <a16:creationId xmlns:a16="http://schemas.microsoft.com/office/drawing/2014/main" id="{F600FCF1-509C-5945-E5FA-C136288907AD}"/>
+              </a:ext>
+            </a:extLst>
+          </p:cNvPr>
+          <p:cNvSpPr>
+            <a:spLocks noGrp="1"/>
+          </p:cNvSpPr>
+          <p:nvPr>
+            <p:ph type="title"/>
+          </p:nvPr>
+        </p:nvSpPr>
+        <p:spPr/>
+        <p:txBody>
+          <a:bodyPr/>
+          <a:lstStyle/>
+          <a:p>
+            <a:r>
+              <a:rPr lang="es-MX" dirty="0"/>
+              <a:t>DU (poblaciones, iteraciones, estable) </a:t>
+            </a:r>
+          </a:p>
+        </p:txBody>
+      </p:sp>
+      <p:pic>
+        <p:nvPicPr>
+          <p:cNvPr id="5" name="Marcador de contenido 4">
+            <a:extLst>
+              <a:ext uri="{FF2B5EF4-FFF2-40B4-BE49-F238E27FC236}">
+                <a16:creationId xmlns:a16="http://schemas.microsoft.com/office/drawing/2014/main" id="{4A27A819-D218-3225-474A-9A3152076D31}"/>
+              </a:ext>
+            </a:extLst>
+          </p:cNvPr>
+          <p:cNvPicPr>
+            <a:picLocks noGrp="1" noChangeAspect="1"/>
+          </p:cNvPicPr>
+          <p:nvPr>
+            <p:ph idx="1"/>
+          </p:nvPr>
+        </p:nvPicPr>
+        <p:blipFill>
+          <a:blip r:embed="rId2"/>
+          <a:stretch>
+            <a:fillRect/>
+          </a:stretch>
+        </p:blipFill>
+        <p:spPr>
+          <a:xfrm>
+            <a:off x="394283" y="2472280"/>
+            <a:ext cx="3772749" cy="2829562"/>
+          </a:xfrm>
+        </p:spPr>
+      </p:pic>
+      <p:pic>
+        <p:nvPicPr>
+          <p:cNvPr id="7" name="Imagen 6">
+            <a:extLst>
+              <a:ext uri="{FF2B5EF4-FFF2-40B4-BE49-F238E27FC236}">
+                <a16:creationId xmlns:a16="http://schemas.microsoft.com/office/drawing/2014/main" id="{4469CA4F-E696-EDBA-BDE3-CA2DF8DF94DE}"/>
+              </a:ext>
+            </a:extLst>
+          </p:cNvPr>
+          <p:cNvPicPr>
+            <a:picLocks noChangeAspect="1"/>
+          </p:cNvPicPr>
+          <p:nvPr/>
+        </p:nvPicPr>
+        <p:blipFill>
+          <a:blip r:embed="rId3"/>
+          <a:stretch>
+            <a:fillRect/>
+          </a:stretch>
+        </p:blipFill>
+        <p:spPr>
+          <a:xfrm>
+            <a:off x="3985301" y="2472280"/>
+            <a:ext cx="3678571" cy="2758928"/>
+          </a:xfrm>
+          <a:prstGeom prst="rect">
+            <a:avLst/>
+          </a:prstGeom>
+        </p:spPr>
+      </p:pic>
+      <p:pic>
+        <p:nvPicPr>
+          <p:cNvPr id="9" name="Imagen 8">
+            <a:extLst>
+              <a:ext uri="{FF2B5EF4-FFF2-40B4-BE49-F238E27FC236}">
+                <a16:creationId xmlns:a16="http://schemas.microsoft.com/office/drawing/2014/main" id="{8126F093-4F4F-E0E2-A1C0-0B8E974E4860}"/>
+              </a:ext>
+            </a:extLst>
+          </p:cNvPr>
+          <p:cNvPicPr>
+            <a:picLocks noChangeAspect="1"/>
+          </p:cNvPicPr>
+          <p:nvPr/>
+        </p:nvPicPr>
+        <p:blipFill>
+          <a:blip r:embed="rId4"/>
+          <a:stretch>
+            <a:fillRect/>
+          </a:stretch>
+        </p:blipFill>
+        <p:spPr>
+          <a:xfrm>
+            <a:off x="8042267" y="2472280"/>
+            <a:ext cx="3678570" cy="2758928"/>
+          </a:xfrm>
+          <a:prstGeom prst="rect">
+            <a:avLst/>
+          </a:prstGeom>
+        </p:spPr>
+      </p:pic>
+    </p:spTree>
+    <p:extLst>
+      <p:ext uri="{BB962C8B-B14F-4D97-AF65-F5344CB8AC3E}">
+        <p14:creationId xmlns:p14="http://schemas.microsoft.com/office/powerpoint/2010/main" val="549818669"/>
+      </p:ext>
+    </p:extLst>
+  </p:cSld>
+  <p:clrMapOvr>
+    <a:masterClrMapping/>
+  </p:clrMapOvr>
+</p:sld>
+</file>
+
+<file path=ppt/slides/slide11.xml><?xml version="1.0" encoding="utf-8"?>
+<p:sld xmlns:a="http://schemas.openxmlformats.org/drawingml/2006/main" xmlns:r="http://schemas.openxmlformats.org/officeDocument/2006/relationships" xmlns:p="http://schemas.openxmlformats.org/presentationml/2006/main">
+  <p:cSld>
+    <p:spTree>
+      <p:nvGrpSpPr>
+        <p:cNvPr id="1" name=""/>
+        <p:cNvGrpSpPr/>
+        <p:nvPr/>
+      </p:nvGrpSpPr>
+      <p:grpSpPr>
+        <a:xfrm>
+          <a:off x="0" y="0"/>
+          <a:ext cx="0" cy="0"/>
+          <a:chOff x="0" y="0"/>
+          <a:chExt cx="0" cy="0"/>
+        </a:xfrm>
+      </p:grpSpPr>
+      <p:sp>
+        <p:nvSpPr>
+          <p:cNvPr id="2" name="Título 1">
+            <a:extLst>
+              <a:ext uri="{FF2B5EF4-FFF2-40B4-BE49-F238E27FC236}">
+                <a16:creationId xmlns:a16="http://schemas.microsoft.com/office/drawing/2014/main" id="{461F9AC8-5A88-5D2E-3AAE-5C3FCE874071}"/>
+              </a:ext>
+            </a:extLst>
+          </p:cNvPr>
+          <p:cNvSpPr>
+            <a:spLocks noGrp="1"/>
+          </p:cNvSpPr>
+          <p:nvPr>
+            <p:ph type="title"/>
+          </p:nvPr>
+        </p:nvSpPr>
+        <p:spPr/>
+        <p:txBody>
+          <a:bodyPr/>
+          <a:lstStyle/>
+          <a:p>
+            <a:r>
+              <a:rPr lang="es-MX" dirty="0"/>
+              <a:t>Q (poblaciones, iteraciones, estable) </a:t>
+            </a:r>
+          </a:p>
+        </p:txBody>
+      </p:sp>
+      <p:pic>
+        <p:nvPicPr>
+          <p:cNvPr id="5" name="Marcador de contenido 4">
+            <a:extLst>
+              <a:ext uri="{FF2B5EF4-FFF2-40B4-BE49-F238E27FC236}">
+                <a16:creationId xmlns:a16="http://schemas.microsoft.com/office/drawing/2014/main" id="{9A402BCD-F0EA-2A7A-E107-C7EA36753913}"/>
+              </a:ext>
+            </a:extLst>
+          </p:cNvPr>
+          <p:cNvPicPr>
+            <a:picLocks noGrp="1" noChangeAspect="1"/>
+          </p:cNvPicPr>
+          <p:nvPr>
+            <p:ph idx="1"/>
+          </p:nvPr>
+        </p:nvPicPr>
+        <p:blipFill>
+          <a:blip r:embed="rId2"/>
+          <a:stretch>
+            <a:fillRect/>
+          </a:stretch>
+        </p:blipFill>
+        <p:spPr>
+          <a:xfrm>
+            <a:off x="199239" y="2235936"/>
+            <a:ext cx="3840000" cy="2880000"/>
+          </a:xfrm>
+        </p:spPr>
+      </p:pic>
+      <p:pic>
+        <p:nvPicPr>
+          <p:cNvPr id="7" name="Imagen 6">
+            <a:extLst>
+              <a:ext uri="{FF2B5EF4-FFF2-40B4-BE49-F238E27FC236}">
+                <a16:creationId xmlns:a16="http://schemas.microsoft.com/office/drawing/2014/main" id="{02AD4007-980F-FB65-EEC8-4E1BE1119111}"/>
+              </a:ext>
+            </a:extLst>
+          </p:cNvPr>
+          <p:cNvPicPr>
+            <a:picLocks noChangeAspect="1"/>
+          </p:cNvPicPr>
+          <p:nvPr/>
+        </p:nvPicPr>
+        <p:blipFill>
+          <a:blip r:embed="rId3"/>
+          <a:stretch>
+            <a:fillRect/>
+          </a:stretch>
+        </p:blipFill>
+        <p:spPr>
+          <a:xfrm>
+            <a:off x="4228112" y="2235936"/>
+            <a:ext cx="3840000" cy="2880000"/>
+          </a:xfrm>
+          <a:prstGeom prst="rect">
+            <a:avLst/>
+          </a:prstGeom>
+        </p:spPr>
+      </p:pic>
+      <p:pic>
+        <p:nvPicPr>
+          <p:cNvPr id="9" name="Imagen 8">
+            <a:extLst>
+              <a:ext uri="{FF2B5EF4-FFF2-40B4-BE49-F238E27FC236}">
+                <a16:creationId xmlns:a16="http://schemas.microsoft.com/office/drawing/2014/main" id="{F8AF5BE7-ED5F-5EA1-2C86-2FD7DBB8AEB0}"/>
+              </a:ext>
+            </a:extLst>
+          </p:cNvPr>
+          <p:cNvPicPr>
+            <a:picLocks noChangeAspect="1"/>
+          </p:cNvPicPr>
+          <p:nvPr/>
+        </p:nvPicPr>
+        <p:blipFill>
+          <a:blip r:embed="rId4"/>
+          <a:stretch>
+            <a:fillRect/>
+          </a:stretch>
+        </p:blipFill>
+        <p:spPr>
+          <a:xfrm>
+            <a:off x="8068112" y="2235936"/>
+            <a:ext cx="3840000" cy="2880000"/>
+          </a:xfrm>
+          <a:prstGeom prst="rect">
+            <a:avLst/>
+          </a:prstGeom>
+        </p:spPr>
+      </p:pic>
+    </p:spTree>
+    <p:extLst>
+      <p:ext uri="{BB962C8B-B14F-4D97-AF65-F5344CB8AC3E}">
+        <p14:creationId xmlns:p14="http://schemas.microsoft.com/office/powerpoint/2010/main" val="528648544"/>
+      </p:ext>
+    </p:extLst>
+  </p:cSld>
+  <p:clrMapOvr>
+    <a:masterClrMapping/>
+  </p:clrMapOvr>
+</p:sld>
+</file>
+
+<file path=ppt/slides/slide12.xml><?xml version="1.0" encoding="utf-8"?>
+<p:sld xmlns:a="http://schemas.openxmlformats.org/drawingml/2006/main" xmlns:r="http://schemas.openxmlformats.org/officeDocument/2006/relationships" xmlns:p="http://schemas.openxmlformats.org/presentationml/2006/main">
+  <p:cSld>
+    <p:spTree>
+      <p:nvGrpSpPr>
+        <p:cNvPr id="1" name=""/>
+        <p:cNvGrpSpPr/>
+        <p:nvPr/>
+      </p:nvGrpSpPr>
+      <p:grpSpPr>
+        <a:xfrm>
+          <a:off x="0" y="0"/>
+          <a:ext cx="0" cy="0"/>
+          <a:chOff x="0" y="0"/>
+          <a:chExt cx="0" cy="0"/>
+        </a:xfrm>
+      </p:grpSpPr>
+      <p:sp>
+        <p:nvSpPr>
+          <p:cNvPr id="2" name="Título 1">
+            <a:extLst>
+              <a:ext uri="{FF2B5EF4-FFF2-40B4-BE49-F238E27FC236}">
+                <a16:creationId xmlns:a16="http://schemas.microsoft.com/office/drawing/2014/main" id="{1D032CCF-CD22-587D-9A2D-9D6A81D57352}"/>
+              </a:ext>
+            </a:extLst>
+          </p:cNvPr>
+          <p:cNvSpPr>
+            <a:spLocks noGrp="1"/>
+          </p:cNvSpPr>
+          <p:nvPr>
+            <p:ph type="title"/>
+          </p:nvPr>
+        </p:nvSpPr>
+        <p:spPr/>
+        <p:txBody>
+          <a:bodyPr/>
+          <a:lstStyle/>
+          <a:p>
+            <a:pPr algn="ctr"/>
+            <a:r>
+              <a:rPr lang="es-MX" dirty="0"/>
+              <a:t>3 valores de Q </a:t>
+            </a:r>
+            <a:r>
+              <a:rPr lang="es-MX" dirty="0" err="1"/>
+              <a:t>iteracion</a:t>
+            </a:r>
+            <a:endParaRPr lang="es-MX" dirty="0"/>
+          </a:p>
+        </p:txBody>
+      </p:sp>
+      <p:pic>
+        <p:nvPicPr>
+          <p:cNvPr id="5" name="Marcador de contenido 4">
+            <a:extLst>
+              <a:ext uri="{FF2B5EF4-FFF2-40B4-BE49-F238E27FC236}">
+                <a16:creationId xmlns:a16="http://schemas.microsoft.com/office/drawing/2014/main" id="{A859590C-3C82-05EA-3111-213A2E4F1330}"/>
+              </a:ext>
+            </a:extLst>
+          </p:cNvPr>
+          <p:cNvPicPr>
+            <a:picLocks noGrp="1" noChangeAspect="1"/>
+          </p:cNvPicPr>
+          <p:nvPr>
+            <p:ph idx="1"/>
+          </p:nvPr>
+        </p:nvPicPr>
+        <p:blipFill>
+          <a:blip r:embed="rId2"/>
+          <a:stretch>
+            <a:fillRect/>
+          </a:stretch>
+        </p:blipFill>
+        <p:spPr>
+          <a:xfrm>
+            <a:off x="392185" y="1573205"/>
+            <a:ext cx="2880000" cy="2160000"/>
+          </a:xfrm>
+        </p:spPr>
+      </p:pic>
+      <p:pic>
+        <p:nvPicPr>
+          <p:cNvPr id="7" name="Imagen 6">
+            <a:extLst>
+              <a:ext uri="{FF2B5EF4-FFF2-40B4-BE49-F238E27FC236}">
+                <a16:creationId xmlns:a16="http://schemas.microsoft.com/office/drawing/2014/main" id="{D4F0EC91-AC91-1F29-3268-3DC06D1A2E2A}"/>
+              </a:ext>
+            </a:extLst>
+          </p:cNvPr>
+          <p:cNvPicPr>
+            <a:picLocks noChangeAspect="1"/>
+          </p:cNvPicPr>
+          <p:nvPr/>
+        </p:nvPicPr>
+        <p:blipFill>
+          <a:blip r:embed="rId3"/>
+          <a:stretch>
+            <a:fillRect/>
+          </a:stretch>
+        </p:blipFill>
+        <p:spPr>
+          <a:xfrm>
+            <a:off x="3429000" y="1428750"/>
+            <a:ext cx="2880000" cy="2160000"/>
+          </a:xfrm>
+          <a:prstGeom prst="rect">
+            <a:avLst/>
+          </a:prstGeom>
+        </p:spPr>
+      </p:pic>
+      <p:pic>
+        <p:nvPicPr>
+          <p:cNvPr id="9" name="Imagen 8">
+            <a:extLst>
+              <a:ext uri="{FF2B5EF4-FFF2-40B4-BE49-F238E27FC236}">
+                <a16:creationId xmlns:a16="http://schemas.microsoft.com/office/drawing/2014/main" id="{9889731C-249A-70C0-4E3C-DBE55D0454DD}"/>
+              </a:ext>
+            </a:extLst>
+          </p:cNvPr>
+          <p:cNvPicPr>
+            <a:picLocks noChangeAspect="1"/>
+          </p:cNvPicPr>
+          <p:nvPr/>
+        </p:nvPicPr>
+        <p:blipFill>
+          <a:blip r:embed="rId4"/>
+          <a:stretch>
+            <a:fillRect/>
+          </a:stretch>
+        </p:blipFill>
+        <p:spPr>
+          <a:xfrm>
+            <a:off x="7187268" y="1690688"/>
+            <a:ext cx="2880000" cy="2160000"/>
+          </a:xfrm>
+          <a:prstGeom prst="rect">
+            <a:avLst/>
+          </a:prstGeom>
+        </p:spPr>
+      </p:pic>
+      <p:pic>
+        <p:nvPicPr>
+          <p:cNvPr id="11" name="Imagen 10">
+            <a:extLst>
+              <a:ext uri="{FF2B5EF4-FFF2-40B4-BE49-F238E27FC236}">
+                <a16:creationId xmlns:a16="http://schemas.microsoft.com/office/drawing/2014/main" id="{BF6C1AEB-0720-93AD-FAD1-37894BBC6C17}"/>
+              </a:ext>
+            </a:extLst>
+          </p:cNvPr>
+          <p:cNvPicPr>
+            <a:picLocks noChangeAspect="1"/>
+          </p:cNvPicPr>
+          <p:nvPr/>
+        </p:nvPicPr>
+        <p:blipFill>
+          <a:blip r:embed="rId5"/>
+          <a:stretch>
+            <a:fillRect/>
+          </a:stretch>
+        </p:blipFill>
+        <p:spPr>
+          <a:xfrm>
+            <a:off x="838200" y="4204795"/>
+            <a:ext cx="2880000" cy="2160000"/>
+          </a:xfrm>
+          <a:prstGeom prst="rect">
+            <a:avLst/>
+          </a:prstGeom>
+        </p:spPr>
+      </p:pic>
+    </p:spTree>
+    <p:extLst>
+      <p:ext uri="{BB962C8B-B14F-4D97-AF65-F5344CB8AC3E}">
+        <p14:creationId xmlns:p14="http://schemas.microsoft.com/office/powerpoint/2010/main" val="3987067576"/>
+      </p:ext>
+    </p:extLst>
+  </p:cSld>
+  <p:clrMapOvr>
+    <a:masterClrMapping/>
+  </p:clrMapOvr>
+</p:sld>
+</file>
+
+<file path=ppt/slides/slide13.xml><?xml version="1.0" encoding="utf-8"?>
+<p:sld xmlns:a="http://schemas.openxmlformats.org/drawingml/2006/main" xmlns:r="http://schemas.openxmlformats.org/officeDocument/2006/relationships" xmlns:p="http://schemas.openxmlformats.org/presentationml/2006/main">
+  <p:cSld>
+    <p:spTree>
+      <p:nvGrpSpPr>
+        <p:cNvPr id="1" name=""/>
+        <p:cNvGrpSpPr/>
+        <p:nvPr/>
+      </p:nvGrpSpPr>
+      <p:grpSpPr>
+        <a:xfrm>
+          <a:off x="0" y="0"/>
+          <a:ext cx="0" cy="0"/>
+          <a:chOff x="0" y="0"/>
+          <a:chExt cx="0" cy="0"/>
+        </a:xfrm>
+      </p:grpSpPr>
+      <p:sp>
+        <p:nvSpPr>
+          <p:cNvPr id="2" name="Título 1">
+            <a:extLst>
+              <a:ext uri="{FF2B5EF4-FFF2-40B4-BE49-F238E27FC236}">
+                <a16:creationId xmlns:a16="http://schemas.microsoft.com/office/drawing/2014/main" id="{32429E9D-68BC-FA7E-EF8F-D50647FA5740}"/>
+              </a:ext>
+            </a:extLst>
+          </p:cNvPr>
+          <p:cNvSpPr>
+            <a:spLocks noGrp="1"/>
+          </p:cNvSpPr>
+          <p:nvPr>
+            <p:ph type="title"/>
+          </p:nvPr>
+        </p:nvSpPr>
+        <p:spPr/>
+        <p:txBody>
+          <a:bodyPr/>
+          <a:lstStyle/>
+          <a:p>
+            <a:pPr algn="ctr"/>
+            <a:r>
+              <a:rPr lang="es-MX" dirty="0"/>
+              <a:t>3 valores de Q estable</a:t>
+            </a:r>
+          </a:p>
+        </p:txBody>
+      </p:sp>
+      <p:pic>
+        <p:nvPicPr>
+          <p:cNvPr id="5" name="Marcador de contenido 4">
+            <a:extLst>
+              <a:ext uri="{FF2B5EF4-FFF2-40B4-BE49-F238E27FC236}">
+                <a16:creationId xmlns:a16="http://schemas.microsoft.com/office/drawing/2014/main" id="{FE37BE1B-8489-91A6-3196-01AC547384BB}"/>
+              </a:ext>
+            </a:extLst>
+          </p:cNvPr>
+          <p:cNvPicPr>
+            <a:picLocks noGrp="1" noChangeAspect="1"/>
+          </p:cNvPicPr>
+          <p:nvPr>
+            <p:ph idx="1"/>
+          </p:nvPr>
+        </p:nvPicPr>
+        <p:blipFill>
+          <a:blip r:embed="rId2"/>
+          <a:stretch>
+            <a:fillRect/>
+          </a:stretch>
+        </p:blipFill>
+        <p:spPr>
+          <a:xfrm>
+            <a:off x="283128" y="1405425"/>
+            <a:ext cx="2880000" cy="2160000"/>
+          </a:xfrm>
+        </p:spPr>
+      </p:pic>
+      <p:pic>
+        <p:nvPicPr>
+          <p:cNvPr id="7" name="Imagen 6">
+            <a:extLst>
+              <a:ext uri="{FF2B5EF4-FFF2-40B4-BE49-F238E27FC236}">
+                <a16:creationId xmlns:a16="http://schemas.microsoft.com/office/drawing/2014/main" id="{5DC6BDF4-4E2C-454A-4692-22990820B022}"/>
+              </a:ext>
+            </a:extLst>
+          </p:cNvPr>
+          <p:cNvPicPr>
+            <a:picLocks noChangeAspect="1"/>
+          </p:cNvPicPr>
+          <p:nvPr/>
+        </p:nvPicPr>
+        <p:blipFill>
+          <a:blip r:embed="rId3"/>
+          <a:stretch>
+            <a:fillRect/>
+          </a:stretch>
+        </p:blipFill>
+        <p:spPr>
+          <a:xfrm>
+            <a:off x="3429000" y="1428750"/>
+            <a:ext cx="2880000" cy="2160000"/>
+          </a:xfrm>
+          <a:prstGeom prst="rect">
+            <a:avLst/>
+          </a:prstGeom>
+        </p:spPr>
+      </p:pic>
+      <p:pic>
+        <p:nvPicPr>
+          <p:cNvPr id="9" name="Imagen 8">
+            <a:extLst>
+              <a:ext uri="{FF2B5EF4-FFF2-40B4-BE49-F238E27FC236}">
+                <a16:creationId xmlns:a16="http://schemas.microsoft.com/office/drawing/2014/main" id="{94039635-0FA6-2BDC-14FD-DB6F4A1E1823}"/>
+              </a:ext>
+            </a:extLst>
+          </p:cNvPr>
+          <p:cNvPicPr>
+            <a:picLocks noChangeAspect="1"/>
+          </p:cNvPicPr>
+          <p:nvPr/>
+        </p:nvPicPr>
+        <p:blipFill>
+          <a:blip r:embed="rId4"/>
+          <a:stretch>
+            <a:fillRect/>
+          </a:stretch>
+        </p:blipFill>
+        <p:spPr>
+          <a:xfrm>
+            <a:off x="7313103" y="1405425"/>
+            <a:ext cx="2880000" cy="2160000"/>
+          </a:xfrm>
+          <a:prstGeom prst="rect">
+            <a:avLst/>
+          </a:prstGeom>
+        </p:spPr>
+      </p:pic>
+      <p:pic>
+        <p:nvPicPr>
+          <p:cNvPr id="11" name="Imagen 10">
+            <a:extLst>
+              <a:ext uri="{FF2B5EF4-FFF2-40B4-BE49-F238E27FC236}">
+                <a16:creationId xmlns:a16="http://schemas.microsoft.com/office/drawing/2014/main" id="{F66FA803-621E-5590-B567-6C51D41DF265}"/>
+              </a:ext>
+            </a:extLst>
+          </p:cNvPr>
+          <p:cNvPicPr>
+            <a:picLocks noChangeAspect="1"/>
+          </p:cNvPicPr>
+          <p:nvPr/>
+        </p:nvPicPr>
+        <p:blipFill>
+          <a:blip r:embed="rId5"/>
+          <a:stretch>
+            <a:fillRect/>
+          </a:stretch>
+        </p:blipFill>
+        <p:spPr>
+          <a:xfrm>
+            <a:off x="3856838" y="4239062"/>
+            <a:ext cx="2880000" cy="2160000"/>
+          </a:xfrm>
+          <a:prstGeom prst="rect">
+            <a:avLst/>
+          </a:prstGeom>
+        </p:spPr>
+      </p:pic>
+    </p:spTree>
+    <p:extLst>
+      <p:ext uri="{BB962C8B-B14F-4D97-AF65-F5344CB8AC3E}">
+        <p14:creationId xmlns:p14="http://schemas.microsoft.com/office/powerpoint/2010/main" val="3449812364"/>
+      </p:ext>
+    </p:extLst>
+  </p:cSld>
+  <p:clrMapOvr>
+    <a:masterClrMapping/>
+  </p:clrMapOvr>
+</p:sld>
+</file>
+
+<file path=ppt/slides/slide14.xml><?xml version="1.0" encoding="utf-8"?>
+<p:sld xmlns:a="http://schemas.openxmlformats.org/drawingml/2006/main" xmlns:r="http://schemas.openxmlformats.org/officeDocument/2006/relationships" xmlns:p="http://schemas.openxmlformats.org/presentationml/2006/main">
+  <p:cSld>
+    <p:spTree>
+      <p:nvGrpSpPr>
+        <p:cNvPr id="1" name=""/>
+        <p:cNvGrpSpPr/>
+        <p:nvPr/>
+      </p:nvGrpSpPr>
+      <p:grpSpPr>
+        <a:xfrm>
+          <a:off x="0" y="0"/>
+          <a:ext cx="0" cy="0"/>
+          <a:chOff x="0" y="0"/>
+          <a:chExt cx="0" cy="0"/>
+        </a:xfrm>
+      </p:grpSpPr>
+      <p:sp>
+        <p:nvSpPr>
+          <p:cNvPr id="2" name="Título 1">
+            <a:extLst>
+              <a:ext uri="{FF2B5EF4-FFF2-40B4-BE49-F238E27FC236}">
+                <a16:creationId xmlns:a16="http://schemas.microsoft.com/office/drawing/2014/main" id="{322EC00E-CD4C-ED91-AC72-D62F49779B26}"/>
+              </a:ext>
+            </a:extLst>
+          </p:cNvPr>
+          <p:cNvSpPr>
+            <a:spLocks noGrp="1"/>
+          </p:cNvSpPr>
+          <p:nvPr>
+            <p:ph type="title"/>
+          </p:nvPr>
+        </p:nvSpPr>
+        <p:spPr/>
+        <p:txBody>
+          <a:bodyPr/>
+          <a:lstStyle/>
+          <a:p>
+            <a:r>
+              <a:rPr lang="es-MX" dirty="0"/>
+              <a:t>3D DU</a:t>
+            </a:r>
+          </a:p>
+        </p:txBody>
+      </p:sp>
+      <p:pic>
+        <p:nvPicPr>
+          <p:cNvPr id="5" name="Marcador de contenido 4">
+            <a:extLst>
+              <a:ext uri="{FF2B5EF4-FFF2-40B4-BE49-F238E27FC236}">
+                <a16:creationId xmlns:a16="http://schemas.microsoft.com/office/drawing/2014/main" id="{8D4B53B7-C7A0-B129-BD3C-3D0282B5B875}"/>
+              </a:ext>
+            </a:extLst>
+          </p:cNvPr>
+          <p:cNvPicPr>
+            <a:picLocks noGrp="1" noChangeAspect="1"/>
+          </p:cNvPicPr>
+          <p:nvPr>
+            <p:ph idx="1"/>
+          </p:nvPr>
+        </p:nvPicPr>
+        <p:blipFill>
+          <a:blip r:embed="rId2"/>
+          <a:stretch>
+            <a:fillRect/>
+          </a:stretch>
+        </p:blipFill>
+        <p:spPr>
+          <a:xfrm>
+            <a:off x="576744" y="1959099"/>
+            <a:ext cx="5334000" cy="4000500"/>
+          </a:xfrm>
+        </p:spPr>
+      </p:pic>
+      <p:pic>
+        <p:nvPicPr>
+          <p:cNvPr id="7" name="Imagen 6">
+            <a:extLst>
+              <a:ext uri="{FF2B5EF4-FFF2-40B4-BE49-F238E27FC236}">
+                <a16:creationId xmlns:a16="http://schemas.microsoft.com/office/drawing/2014/main" id="{D19E0DEE-BDD6-FF7E-0FC6-6FA69573FAC3}"/>
+              </a:ext>
+            </a:extLst>
+          </p:cNvPr>
+          <p:cNvPicPr>
+            <a:picLocks noChangeAspect="1"/>
+          </p:cNvPicPr>
+          <p:nvPr/>
+        </p:nvPicPr>
+        <p:blipFill>
+          <a:blip r:embed="rId3"/>
+          <a:stretch>
+            <a:fillRect/>
+          </a:stretch>
+        </p:blipFill>
+        <p:spPr>
+          <a:xfrm>
+            <a:off x="6096000" y="1690688"/>
+            <a:ext cx="5334000" cy="4000500"/>
+          </a:xfrm>
+          <a:prstGeom prst="rect">
+            <a:avLst/>
+          </a:prstGeom>
+        </p:spPr>
+      </p:pic>
+    </p:spTree>
+    <p:extLst>
+      <p:ext uri="{BB962C8B-B14F-4D97-AF65-F5344CB8AC3E}">
+        <p14:creationId xmlns:p14="http://schemas.microsoft.com/office/powerpoint/2010/main" val="384500544"/>
+      </p:ext>
+    </p:extLst>
+  </p:cSld>
+  <p:clrMapOvr>
+    <a:masterClrMapping/>
+  </p:clrMapOvr>
+</p:sld>
+</file>
+
+<file path=ppt/slides/slide15.xml><?xml version="1.0" encoding="utf-8"?>
+<p:sld xmlns:a="http://schemas.openxmlformats.org/drawingml/2006/main" xmlns:r="http://schemas.openxmlformats.org/officeDocument/2006/relationships" xmlns:p="http://schemas.openxmlformats.org/presentationml/2006/main">
+  <p:cSld>
+    <p:spTree>
+      <p:nvGrpSpPr>
+        <p:cNvPr id="1" name=""/>
+        <p:cNvGrpSpPr/>
+        <p:nvPr/>
+      </p:nvGrpSpPr>
+      <p:grpSpPr>
+        <a:xfrm>
+          <a:off x="0" y="0"/>
+          <a:ext cx="0" cy="0"/>
+          <a:chOff x="0" y="0"/>
+          <a:chExt cx="0" cy="0"/>
+        </a:xfrm>
+      </p:grpSpPr>
+      <p:sp>
+        <p:nvSpPr>
+          <p:cNvPr id="2" name="Título 1">
+            <a:extLst>
+              <a:ext uri="{FF2B5EF4-FFF2-40B4-BE49-F238E27FC236}">
+                <a16:creationId xmlns:a16="http://schemas.microsoft.com/office/drawing/2014/main" id="{FDD87866-0F89-DC0C-DCC8-E50CBB5E143F}"/>
+              </a:ext>
+            </a:extLst>
+          </p:cNvPr>
+          <p:cNvSpPr>
+            <a:spLocks noGrp="1"/>
+          </p:cNvSpPr>
+          <p:nvPr>
+            <p:ph type="title"/>
+          </p:nvPr>
+        </p:nvSpPr>
+        <p:spPr/>
+        <p:txBody>
+          <a:bodyPr/>
+          <a:lstStyle/>
+          <a:p>
+            <a:r>
+              <a:rPr lang="es-MX" dirty="0"/>
+              <a:t>3D Q</a:t>
+            </a:r>
+          </a:p>
+        </p:txBody>
+      </p:sp>
+      <p:pic>
+        <p:nvPicPr>
+          <p:cNvPr id="5" name="Marcador de contenido 4">
+            <a:extLst>
+              <a:ext uri="{FF2B5EF4-FFF2-40B4-BE49-F238E27FC236}">
+                <a16:creationId xmlns:a16="http://schemas.microsoft.com/office/drawing/2014/main" id="{DB8C7A66-3F75-B931-5358-0A7E44D1ABF2}"/>
+              </a:ext>
+            </a:extLst>
+          </p:cNvPr>
+          <p:cNvPicPr>
+            <a:picLocks noGrp="1" noChangeAspect="1"/>
+          </p:cNvPicPr>
+          <p:nvPr>
+            <p:ph idx="1"/>
+          </p:nvPr>
+        </p:nvPicPr>
+        <p:blipFill>
+          <a:blip r:embed="rId2"/>
+          <a:stretch>
+            <a:fillRect/>
+          </a:stretch>
+        </p:blipFill>
+        <p:spPr>
+          <a:xfrm>
+            <a:off x="652244" y="2101712"/>
+            <a:ext cx="5334000" cy="4000500"/>
+          </a:xfrm>
+        </p:spPr>
+      </p:pic>
+      <p:pic>
+        <p:nvPicPr>
+          <p:cNvPr id="7" name="Imagen 6">
+            <a:extLst>
+              <a:ext uri="{FF2B5EF4-FFF2-40B4-BE49-F238E27FC236}">
+                <a16:creationId xmlns:a16="http://schemas.microsoft.com/office/drawing/2014/main" id="{D1E68D28-E485-5386-544D-A507D4A8D7BE}"/>
+              </a:ext>
+            </a:extLst>
+          </p:cNvPr>
+          <p:cNvPicPr>
+            <a:picLocks noChangeAspect="1"/>
+          </p:cNvPicPr>
+          <p:nvPr/>
+        </p:nvPicPr>
+        <p:blipFill>
+          <a:blip r:embed="rId3"/>
+          <a:stretch>
+            <a:fillRect/>
+          </a:stretch>
+        </p:blipFill>
+        <p:spPr>
+          <a:xfrm>
+            <a:off x="6205756" y="1915312"/>
+            <a:ext cx="5334000" cy="4000500"/>
+          </a:xfrm>
+          <a:prstGeom prst="rect">
+            <a:avLst/>
+          </a:prstGeom>
+        </p:spPr>
+      </p:pic>
+    </p:spTree>
+    <p:extLst>
+      <p:ext uri="{BB962C8B-B14F-4D97-AF65-F5344CB8AC3E}">
+        <p14:creationId xmlns:p14="http://schemas.microsoft.com/office/powerpoint/2010/main" val="1013387670"/>
+      </p:ext>
+    </p:extLst>
+  </p:cSld>
+  <p:clrMapOvr>
+    <a:masterClrMapping/>
+  </p:clrMapOvr>
+</p:sld>
+</file>
+
+<file path=ppt/slides/slide16.xml><?xml version="1.0" encoding="utf-8"?>
+<p:sld xmlns:a="http://schemas.openxmlformats.org/drawingml/2006/main" xmlns:r="http://schemas.openxmlformats.org/officeDocument/2006/relationships" xmlns:p="http://schemas.openxmlformats.org/presentationml/2006/main">
+  <p:cSld>
+    <p:spTree>
+      <p:nvGrpSpPr>
+        <p:cNvPr id="1" name=""/>
+        <p:cNvGrpSpPr/>
+        <p:nvPr/>
+      </p:nvGrpSpPr>
+      <p:grpSpPr>
+        <a:xfrm>
+          <a:off x="0" y="0"/>
+          <a:ext cx="0" cy="0"/>
+          <a:chOff x="0" y="0"/>
+          <a:chExt cx="0" cy="0"/>
+        </a:xfrm>
+      </p:grpSpPr>
+      <p:sp>
+        <p:nvSpPr>
+          <p:cNvPr id="2" name="Título 1">
+            <a:extLst>
+              <a:ext uri="{FF2B5EF4-FFF2-40B4-BE49-F238E27FC236}">
+                <a16:creationId xmlns:a16="http://schemas.microsoft.com/office/drawing/2014/main" id="{F390A88F-3764-F207-6C0D-1CD1545AABF9}"/>
+              </a:ext>
+            </a:extLst>
+          </p:cNvPr>
+          <p:cNvSpPr>
+            <a:spLocks noGrp="1"/>
+          </p:cNvSpPr>
+          <p:nvPr>
+            <p:ph type="title"/>
+          </p:nvPr>
+        </p:nvSpPr>
+        <p:spPr/>
+        <p:txBody>
+          <a:bodyPr/>
+          <a:lstStyle/>
+          <a:p>
+            <a:r>
+              <a:rPr lang="es-MX" dirty="0"/>
+              <a:t>Parámetros normales </a:t>
+            </a:r>
+            <a:br>
+              <a:rPr lang="es-MX" dirty="0"/>
+            </a:br>
+            <a:endParaRPr lang="es-MX" dirty="0"/>
+          </a:p>
+        </p:txBody>
+      </p:sp>
+      <p:sp>
+        <p:nvSpPr>
+          <p:cNvPr id="3" name="Marcador de contenido 2">
+            <a:extLst>
+              <a:ext uri="{FF2B5EF4-FFF2-40B4-BE49-F238E27FC236}">
+                <a16:creationId xmlns:a16="http://schemas.microsoft.com/office/drawing/2014/main" id="{9891DEB3-AE6C-6C58-3C70-57D15AF1D23E}"/>
+              </a:ext>
+            </a:extLst>
+          </p:cNvPr>
+          <p:cNvSpPr>
+            <a:spLocks noGrp="1"/>
+          </p:cNvSpPr>
+          <p:nvPr>
+            <p:ph idx="1"/>
+          </p:nvPr>
+        </p:nvSpPr>
+        <p:spPr/>
+        <p:txBody>
+          <a:bodyPr>
+            <a:normAutofit lnSpcReduction="10000"/>
+          </a:bodyPr>
+          <a:lstStyle/>
+          <a:p>
+            <a:r>
+              <a:rPr lang="es-MX" sz="1800" b="0" i="0" u="none" strike="noStrike" baseline="0" dirty="0">
+                <a:solidFill>
+                  <a:srgbClr val="000000"/>
+                </a:solidFill>
+                <a:latin typeface="Courier New" panose="02070309020205020404" pitchFamily="49" charset="0"/>
+              </a:rPr>
+              <a:t>C=[36];</a:t>
+            </a:r>
+            <a:r>
+              <a:rPr lang="es-MX" sz="1800" b="0" i="0" u="none" strike="noStrike" baseline="0" dirty="0">
+                <a:solidFill>
+                  <a:srgbClr val="028009"/>
+                </a:solidFill>
+                <a:latin typeface="Courier New" panose="02070309020205020404" pitchFamily="49" charset="0"/>
+              </a:rPr>
+              <a:t>% Número de ventanas para q=12</a:t>
+            </a:r>
+          </a:p>
+          <a:p>
+            <a:r>
+              <a:rPr lang="es-ES" sz="1800" b="0" i="0" u="none" strike="noStrike" baseline="0" dirty="0">
+                <a:solidFill>
+                  <a:srgbClr val="000000"/>
+                </a:solidFill>
+                <a:latin typeface="Courier New" panose="02070309020205020404" pitchFamily="49" charset="0"/>
+              </a:rPr>
+              <a:t>teta=[2].*(10^-3);</a:t>
+            </a:r>
+            <a:r>
+              <a:rPr lang="es-ES" sz="1800" b="0" i="0" u="none" strike="noStrike" baseline="0" dirty="0">
+                <a:solidFill>
+                  <a:srgbClr val="028009"/>
+                </a:solidFill>
+                <a:latin typeface="Courier New" panose="02070309020205020404" pitchFamily="49" charset="0"/>
+              </a:rPr>
+              <a:t>%Tasa de desconexión general  para q=4</a:t>
+            </a:r>
+          </a:p>
+          <a:p>
+            <a:r>
+              <a:rPr lang="es-ES" sz="1800" b="0" i="0" u="none" strike="noStrike" baseline="0" dirty="0" err="1">
+                <a:solidFill>
+                  <a:srgbClr val="000000"/>
+                </a:solidFill>
+                <a:latin typeface="Courier New" panose="02070309020205020404" pitchFamily="49" charset="0"/>
+              </a:rPr>
+              <a:t>lmb</a:t>
+            </a:r>
+            <a:r>
+              <a:rPr lang="es-ES" sz="1800" b="0" i="0" u="none" strike="noStrike" baseline="0" dirty="0">
+                <a:solidFill>
+                  <a:srgbClr val="000000"/>
+                </a:solidFill>
+                <a:latin typeface="Courier New" panose="02070309020205020404" pitchFamily="49" charset="0"/>
+              </a:rPr>
+              <a:t>=0.04;</a:t>
+            </a:r>
+            <a:r>
+              <a:rPr lang="es-ES" sz="1800" b="0" i="0" u="none" strike="noStrike" baseline="0" dirty="0">
+                <a:solidFill>
+                  <a:srgbClr val="028009"/>
+                </a:solidFill>
+                <a:latin typeface="Courier New" panose="02070309020205020404" pitchFamily="49" charset="0"/>
+              </a:rPr>
+              <a:t>%Tasa de conexión </a:t>
+            </a:r>
+          </a:p>
+          <a:p>
+            <a:r>
+              <a:rPr lang="es-MX" sz="1800" b="0" i="0" u="none" strike="noStrike" baseline="0" dirty="0">
+                <a:solidFill>
+                  <a:srgbClr val="000000"/>
+                </a:solidFill>
+                <a:latin typeface="Courier New" panose="02070309020205020404" pitchFamily="49" charset="0"/>
+              </a:rPr>
+              <a:t>c=0.00407;</a:t>
+            </a:r>
+            <a:r>
+              <a:rPr lang="es-MX" sz="1800" b="0" i="0" u="none" strike="noStrike" baseline="0" dirty="0">
+                <a:solidFill>
+                  <a:srgbClr val="028009"/>
+                </a:solidFill>
+                <a:latin typeface="Courier New" panose="02070309020205020404" pitchFamily="49" charset="0"/>
+              </a:rPr>
+              <a:t>%Tasa de descarga general</a:t>
+            </a:r>
+          </a:p>
+          <a:p>
+            <a:r>
+              <a:rPr lang="es-MX" sz="1800" b="0" i="0" u="none" strike="noStrike" baseline="0" dirty="0">
+                <a:solidFill>
+                  <a:srgbClr val="000000"/>
+                </a:solidFill>
+                <a:latin typeface="Courier New" panose="02070309020205020404" pitchFamily="49" charset="0"/>
+              </a:rPr>
+              <a:t>mu=0.00255;</a:t>
+            </a:r>
+            <a:r>
+              <a:rPr lang="es-MX" sz="1800" b="0" i="0" u="none" strike="noStrike" baseline="0" dirty="0">
+                <a:solidFill>
+                  <a:srgbClr val="028009"/>
+                </a:solidFill>
+                <a:latin typeface="Courier New" panose="02070309020205020404" pitchFamily="49" charset="0"/>
+              </a:rPr>
+              <a:t>%Tasa de subida general</a:t>
+            </a:r>
+          </a:p>
+          <a:p>
+            <a:r>
+              <a:rPr lang="es-ES" sz="1800" b="0" i="0" u="none" strike="noStrike" baseline="0" dirty="0">
+                <a:solidFill>
+                  <a:srgbClr val="000000"/>
+                </a:solidFill>
+                <a:latin typeface="Courier New" panose="02070309020205020404" pitchFamily="49" charset="0"/>
+              </a:rPr>
+              <a:t>ms=1.24;</a:t>
+            </a:r>
+            <a:r>
+              <a:rPr lang="es-ES" sz="1800" b="0" i="0" u="none" strike="noStrike" baseline="0" dirty="0">
+                <a:solidFill>
+                  <a:srgbClr val="028009"/>
+                </a:solidFill>
+                <a:latin typeface="Courier New" panose="02070309020205020404" pitchFamily="49" charset="0"/>
+              </a:rPr>
+              <a:t>%Tasa de subida red CDN</a:t>
+            </a:r>
+          </a:p>
+          <a:p>
+            <a:r>
+              <a:rPr lang="es-MX" sz="1800" b="0" i="0" u="none" strike="noStrike" baseline="0" dirty="0" err="1">
+                <a:solidFill>
+                  <a:srgbClr val="000000"/>
+                </a:solidFill>
+                <a:latin typeface="Courier New" panose="02070309020205020404" pitchFamily="49" charset="0"/>
+              </a:rPr>
+              <a:t>X_prom</a:t>
+            </a:r>
+            <a:r>
+              <a:rPr lang="es-MX" sz="1800" b="0" i="0" u="none" strike="noStrike" baseline="0" dirty="0">
+                <a:solidFill>
+                  <a:srgbClr val="000000"/>
+                </a:solidFill>
+                <a:latin typeface="Courier New" panose="02070309020205020404" pitchFamily="49" charset="0"/>
+              </a:rPr>
+              <a:t>=</a:t>
+            </a:r>
+            <a:r>
+              <a:rPr lang="es-MX" sz="1800" b="0" i="0" u="none" strike="noStrike" baseline="0" dirty="0" err="1">
+                <a:solidFill>
+                  <a:srgbClr val="000000"/>
+                </a:solidFill>
+                <a:latin typeface="Courier New" panose="02070309020205020404" pitchFamily="49" charset="0"/>
+              </a:rPr>
+              <a:t>zeros</a:t>
+            </a:r>
+            <a:r>
+              <a:rPr lang="es-MX" sz="1800" b="0" i="0" u="none" strike="noStrike" baseline="0" dirty="0">
+                <a:solidFill>
+                  <a:srgbClr val="000000"/>
+                </a:solidFill>
+                <a:latin typeface="Courier New" panose="02070309020205020404" pitchFamily="49" charset="0"/>
+              </a:rPr>
+              <a:t>(</a:t>
+            </a:r>
+            <a:r>
+              <a:rPr lang="es-MX" sz="1800" b="0" i="0" u="none" strike="noStrike" baseline="0" dirty="0" err="1">
+                <a:solidFill>
+                  <a:srgbClr val="000000"/>
+                </a:solidFill>
+                <a:latin typeface="Courier New" panose="02070309020205020404" pitchFamily="49" charset="0"/>
+              </a:rPr>
+              <a:t>length</a:t>
+            </a:r>
+            <a:r>
+              <a:rPr lang="es-MX" sz="1800" b="0" i="0" u="none" strike="noStrike" baseline="0" dirty="0">
+                <a:solidFill>
+                  <a:srgbClr val="000000"/>
+                </a:solidFill>
+                <a:latin typeface="Courier New" panose="02070309020205020404" pitchFamily="49" charset="0"/>
+              </a:rPr>
+              <a:t>(C),</a:t>
+            </a:r>
+            <a:r>
+              <a:rPr lang="es-MX" sz="1800" b="0" i="0" u="none" strike="noStrike" baseline="0" dirty="0" err="1">
+                <a:solidFill>
+                  <a:srgbClr val="000000"/>
+                </a:solidFill>
+                <a:latin typeface="Courier New" panose="02070309020205020404" pitchFamily="49" charset="0"/>
+              </a:rPr>
+              <a:t>length</a:t>
+            </a:r>
+            <a:r>
+              <a:rPr lang="es-MX" sz="1800" b="0" i="0" u="none" strike="noStrike" baseline="0" dirty="0">
+                <a:solidFill>
+                  <a:srgbClr val="000000"/>
+                </a:solidFill>
+                <a:latin typeface="Courier New" panose="02070309020205020404" pitchFamily="49" charset="0"/>
+              </a:rPr>
+              <a:t>(teta));</a:t>
+            </a:r>
+            <a:r>
+              <a:rPr lang="es-MX" sz="1800" b="0" i="0" u="none" strike="noStrike" baseline="0" dirty="0">
+                <a:solidFill>
+                  <a:srgbClr val="028009"/>
+                </a:solidFill>
+                <a:latin typeface="Courier New" panose="02070309020205020404" pitchFamily="49" charset="0"/>
+              </a:rPr>
+              <a:t>%Matriz de </a:t>
+            </a:r>
+            <a:r>
+              <a:rPr lang="es-MX" sz="1800" b="0" i="0" u="none" strike="noStrike" baseline="0" dirty="0" err="1">
+                <a:solidFill>
+                  <a:srgbClr val="028009"/>
+                </a:solidFill>
+                <a:latin typeface="Courier New" panose="02070309020205020404" pitchFamily="49" charset="0"/>
+              </a:rPr>
+              <a:t>downloaders</a:t>
+            </a:r>
+            <a:r>
+              <a:rPr lang="es-MX" sz="1800" b="0" i="0" u="none" strike="noStrike" baseline="0" dirty="0">
+                <a:solidFill>
+                  <a:srgbClr val="028009"/>
+                </a:solidFill>
+                <a:latin typeface="Courier New" panose="02070309020205020404" pitchFamily="49" charset="0"/>
+              </a:rPr>
+              <a:t> promedio</a:t>
+            </a:r>
+          </a:p>
+          <a:p>
+            <a:r>
+              <a:rPr lang="es-ES" sz="1800" b="0" i="0" u="none" strike="noStrike" baseline="0" dirty="0">
+                <a:solidFill>
+                  <a:srgbClr val="000000"/>
+                </a:solidFill>
+                <a:latin typeface="Courier New" panose="02070309020205020404" pitchFamily="49" charset="0"/>
+              </a:rPr>
+              <a:t>IT=1000000;</a:t>
+            </a:r>
+            <a:r>
+              <a:rPr lang="es-ES" sz="1800" b="0" i="0" u="none" strike="noStrike" baseline="0" dirty="0">
+                <a:solidFill>
+                  <a:srgbClr val="028009"/>
+                </a:solidFill>
+                <a:latin typeface="Courier New" panose="02070309020205020404" pitchFamily="49" charset="0"/>
+              </a:rPr>
+              <a:t>%Número de iteraciones para la simulación</a:t>
+            </a:r>
+          </a:p>
+          <a:p>
+            <a:r>
+              <a:rPr lang="es-ES" sz="1800" b="0" i="0" u="none" strike="noStrike" baseline="0" dirty="0" err="1">
+                <a:solidFill>
+                  <a:srgbClr val="000000"/>
+                </a:solidFill>
+                <a:latin typeface="Courier New" panose="02070309020205020404" pitchFamily="49" charset="0"/>
+              </a:rPr>
+              <a:t>cw</a:t>
+            </a:r>
+            <a:r>
+              <a:rPr lang="es-ES" sz="1800" b="0" i="0" u="none" strike="noStrike" baseline="0" dirty="0">
+                <a:solidFill>
+                  <a:srgbClr val="000000"/>
+                </a:solidFill>
+                <a:latin typeface="Courier New" panose="02070309020205020404" pitchFamily="49" charset="0"/>
+              </a:rPr>
+              <a:t>=C(</a:t>
+            </a:r>
+            <a:r>
+              <a:rPr lang="es-ES" sz="1800" b="0" i="0" u="none" strike="noStrike" baseline="0" dirty="0" err="1">
+                <a:solidFill>
+                  <a:srgbClr val="000000"/>
+                </a:solidFill>
+                <a:latin typeface="Courier New" panose="02070309020205020404" pitchFamily="49" charset="0"/>
+              </a:rPr>
+              <a:t>idxc</a:t>
+            </a:r>
+            <a:r>
+              <a:rPr lang="es-ES" sz="1800" b="0" i="0" u="none" strike="noStrike" baseline="0" dirty="0">
+                <a:solidFill>
+                  <a:srgbClr val="000000"/>
+                </a:solidFill>
+                <a:latin typeface="Courier New" panose="02070309020205020404" pitchFamily="49" charset="0"/>
+              </a:rPr>
+              <a:t>)*c;</a:t>
+            </a:r>
+            <a:r>
+              <a:rPr lang="es-ES" sz="1800" b="0" i="0" u="none" strike="noStrike" baseline="0" dirty="0">
+                <a:solidFill>
+                  <a:srgbClr val="028009"/>
+                </a:solidFill>
+                <a:latin typeface="Courier New" panose="02070309020205020404" pitchFamily="49" charset="0"/>
+              </a:rPr>
+              <a:t>%Tasa de descarga promedio de un peer</a:t>
+            </a:r>
+          </a:p>
+          <a:p>
+            <a:r>
+              <a:rPr lang="es-ES" sz="1800" b="0" i="0" u="none" strike="noStrike" baseline="0" dirty="0">
+                <a:solidFill>
+                  <a:srgbClr val="000000"/>
+                </a:solidFill>
+                <a:latin typeface="Courier New" panose="02070309020205020404" pitchFamily="49" charset="0"/>
+              </a:rPr>
+              <a:t>      </a:t>
+            </a:r>
+            <a:r>
+              <a:rPr lang="es-ES" sz="1800" b="0" i="0" u="none" strike="noStrike" baseline="0" dirty="0" err="1">
+                <a:solidFill>
+                  <a:srgbClr val="000000"/>
+                </a:solidFill>
+                <a:latin typeface="Courier New" panose="02070309020205020404" pitchFamily="49" charset="0"/>
+              </a:rPr>
+              <a:t>mw</a:t>
+            </a:r>
+            <a:r>
+              <a:rPr lang="es-ES" sz="1800" b="0" i="0" u="none" strike="noStrike" baseline="0" dirty="0">
+                <a:solidFill>
+                  <a:srgbClr val="000000"/>
+                </a:solidFill>
+                <a:latin typeface="Courier New" panose="02070309020205020404" pitchFamily="49" charset="0"/>
+              </a:rPr>
+              <a:t>=C(</a:t>
+            </a:r>
+            <a:r>
+              <a:rPr lang="es-ES" sz="1800" b="0" i="0" u="none" strike="noStrike" baseline="0" dirty="0" err="1">
+                <a:solidFill>
+                  <a:srgbClr val="000000"/>
+                </a:solidFill>
+                <a:latin typeface="Courier New" panose="02070309020205020404" pitchFamily="49" charset="0"/>
+              </a:rPr>
+              <a:t>idxc</a:t>
+            </a:r>
+            <a:r>
+              <a:rPr lang="es-ES" sz="1800" b="0" i="0" u="none" strike="noStrike" baseline="0" dirty="0">
+                <a:solidFill>
+                  <a:srgbClr val="000000"/>
+                </a:solidFill>
+                <a:latin typeface="Courier New" panose="02070309020205020404" pitchFamily="49" charset="0"/>
+              </a:rPr>
+              <a:t>)*mu;</a:t>
+            </a:r>
+            <a:r>
+              <a:rPr lang="es-ES" sz="1800" b="0" i="0" u="none" strike="noStrike" baseline="0" dirty="0">
+                <a:solidFill>
+                  <a:srgbClr val="028009"/>
+                </a:solidFill>
+                <a:latin typeface="Courier New" panose="02070309020205020404" pitchFamily="49" charset="0"/>
+              </a:rPr>
+              <a:t>%Tasa de subida promedio de un peer</a:t>
+            </a:r>
+          </a:p>
+          <a:p>
+            <a:r>
+              <a:rPr lang="es-ES" sz="1800" b="0" i="0" u="none" strike="noStrike" baseline="0" dirty="0">
+                <a:solidFill>
+                  <a:srgbClr val="000000"/>
+                </a:solidFill>
+                <a:latin typeface="Courier New" panose="02070309020205020404" pitchFamily="49" charset="0"/>
+              </a:rPr>
+              <a:t>      </a:t>
+            </a:r>
+            <a:r>
+              <a:rPr lang="es-ES" sz="1800" b="0" i="0" u="none" strike="noStrike" baseline="0" dirty="0" err="1">
+                <a:solidFill>
+                  <a:srgbClr val="000000"/>
+                </a:solidFill>
+                <a:latin typeface="Courier New" panose="02070309020205020404" pitchFamily="49" charset="0"/>
+              </a:rPr>
+              <a:t>Pw</a:t>
+            </a:r>
+            <a:r>
+              <a:rPr lang="es-ES" sz="1800" b="0" i="0" u="none" strike="noStrike" baseline="0" dirty="0">
+                <a:solidFill>
+                  <a:srgbClr val="000000"/>
+                </a:solidFill>
+                <a:latin typeface="Courier New" panose="02070309020205020404" pitchFamily="49" charset="0"/>
+              </a:rPr>
+              <a:t>=0.5*</a:t>
+            </a:r>
+            <a:r>
+              <a:rPr lang="es-ES" sz="1800" b="0" i="0" u="none" strike="noStrike" baseline="0" dirty="0" err="1">
+                <a:solidFill>
+                  <a:srgbClr val="000000"/>
+                </a:solidFill>
+                <a:latin typeface="Courier New" panose="02070309020205020404" pitchFamily="49" charset="0"/>
+              </a:rPr>
+              <a:t>cw</a:t>
+            </a:r>
+            <a:r>
+              <a:rPr lang="es-ES" sz="1800" b="0" i="0" u="none" strike="noStrike" baseline="0" dirty="0">
+                <a:solidFill>
+                  <a:srgbClr val="000000"/>
+                </a:solidFill>
+                <a:latin typeface="Courier New" panose="02070309020205020404" pitchFamily="49" charset="0"/>
+              </a:rPr>
+              <a:t>;</a:t>
+            </a:r>
+            <a:r>
+              <a:rPr lang="es-ES" sz="1800" b="0" i="0" u="none" strike="noStrike" baseline="0" dirty="0">
+                <a:solidFill>
+                  <a:srgbClr val="028009"/>
+                </a:solidFill>
+                <a:latin typeface="Courier New" panose="02070309020205020404" pitchFamily="49" charset="0"/>
+              </a:rPr>
+              <a:t>%Tasa de producción del video</a:t>
+            </a:r>
+          </a:p>
+          <a:p>
+            <a:r>
+              <a:rPr lang="es-ES" sz="1800" b="0" i="0" u="none" strike="noStrike" baseline="0" dirty="0">
+                <a:solidFill>
+                  <a:srgbClr val="000000"/>
+                </a:solidFill>
+                <a:latin typeface="Courier New" panose="02070309020205020404" pitchFamily="49" charset="0"/>
+              </a:rPr>
+              <a:t>      teta0=(</a:t>
+            </a:r>
+            <a:r>
+              <a:rPr lang="es-ES" sz="1800" b="0" i="0" u="none" strike="noStrike" baseline="0" dirty="0" err="1">
+                <a:solidFill>
+                  <a:srgbClr val="000000"/>
+                </a:solidFill>
+                <a:latin typeface="Courier New" panose="02070309020205020404" pitchFamily="49" charset="0"/>
+              </a:rPr>
+              <a:t>teta+Pw</a:t>
+            </a:r>
+            <a:r>
+              <a:rPr lang="es-ES" sz="1800" b="0" i="0" u="none" strike="noStrike" baseline="0" dirty="0">
+                <a:solidFill>
+                  <a:srgbClr val="000000"/>
+                </a:solidFill>
+                <a:latin typeface="Courier New" panose="02070309020205020404" pitchFamily="49" charset="0"/>
+              </a:rPr>
+              <a:t>);</a:t>
+            </a:r>
+            <a:r>
+              <a:rPr lang="es-ES" sz="1800" b="0" i="0" u="none" strike="noStrike" baseline="0" dirty="0">
+                <a:solidFill>
+                  <a:srgbClr val="028009"/>
+                </a:solidFill>
+                <a:latin typeface="Courier New" panose="02070309020205020404" pitchFamily="49" charset="0"/>
+              </a:rPr>
+              <a:t>%Tasa de desconexión para </a:t>
+            </a:r>
+            <a:r>
+              <a:rPr lang="es-ES" sz="1800" b="0" i="0" u="none" strike="noStrike" baseline="0" dirty="0" err="1">
+                <a:solidFill>
+                  <a:srgbClr val="028009"/>
+                </a:solidFill>
+                <a:latin typeface="Courier New" panose="02070309020205020404" pitchFamily="49" charset="0"/>
+              </a:rPr>
+              <a:t>peers</a:t>
+            </a:r>
+            <a:r>
+              <a:rPr lang="es-ES" sz="1800" b="0" i="0" u="none" strike="noStrike" baseline="0" dirty="0">
+                <a:solidFill>
+                  <a:srgbClr val="028009"/>
+                </a:solidFill>
+                <a:latin typeface="Courier New" panose="02070309020205020404" pitchFamily="49" charset="0"/>
+              </a:rPr>
+              <a:t> en la ventana 0</a:t>
+            </a:r>
+          </a:p>
+          <a:p>
+            <a:endParaRPr lang="es-MX" b="0" i="0" u="none" strike="noStrike" baseline="0" dirty="0"/>
+          </a:p>
+          <a:p>
+            <a:endParaRPr lang="es-MX" dirty="0"/>
+          </a:p>
+        </p:txBody>
+      </p:sp>
+    </p:spTree>
+    <p:extLst>
+      <p:ext uri="{BB962C8B-B14F-4D97-AF65-F5344CB8AC3E}">
+        <p14:creationId xmlns:p14="http://schemas.microsoft.com/office/powerpoint/2010/main" val="3710381175"/>
+      </p:ext>
+    </p:extLst>
+  </p:cSld>
+  <p:clrMapOvr>
+    <a:masterClrMapping/>
+  </p:clrMapOvr>
+</p:sld>
+</file>
+
+<file path=ppt/slides/slide17.xml><?xml version="1.0" encoding="utf-8"?>
+<p:sld xmlns:a="http://schemas.openxmlformats.org/drawingml/2006/main" xmlns:r="http://schemas.openxmlformats.org/officeDocument/2006/relationships" xmlns:p="http://schemas.openxmlformats.org/presentationml/2006/main">
+  <p:cSld>
+    <p:spTree>
+      <p:nvGrpSpPr>
+        <p:cNvPr id="1" name=""/>
+        <p:cNvGrpSpPr/>
+        <p:nvPr/>
+      </p:nvGrpSpPr>
+      <p:grpSpPr>
+        <a:xfrm>
+          <a:off x="0" y="0"/>
+          <a:ext cx="0" cy="0"/>
+          <a:chOff x="0" y="0"/>
+          <a:chExt cx="0" cy="0"/>
+        </a:xfrm>
+      </p:grpSpPr>
+      <p:sp>
+        <p:nvSpPr>
+          <p:cNvPr id="2" name="Título 1">
+            <a:extLst>
+              <a:ext uri="{FF2B5EF4-FFF2-40B4-BE49-F238E27FC236}">
+                <a16:creationId xmlns:a16="http://schemas.microsoft.com/office/drawing/2014/main" id="{E3B07A23-DB50-D53C-01E5-EAD1CCA01339}"/>
+              </a:ext>
+            </a:extLst>
+          </p:cNvPr>
+          <p:cNvSpPr>
+            <a:spLocks noGrp="1"/>
+          </p:cNvSpPr>
+          <p:nvPr>
+            <p:ph type="title"/>
+          </p:nvPr>
+        </p:nvSpPr>
+        <p:spPr/>
+        <p:txBody>
+          <a:bodyPr/>
+          <a:lstStyle/>
+          <a:p>
+            <a:r>
+              <a:rPr lang="es-MX" dirty="0"/>
+              <a:t>Parámetros 3D</a:t>
+            </a:r>
+          </a:p>
+        </p:txBody>
+      </p:sp>
+      <p:sp>
+        <p:nvSpPr>
+          <p:cNvPr id="3" name="Marcador de contenido 2">
+            <a:extLst>
+              <a:ext uri="{FF2B5EF4-FFF2-40B4-BE49-F238E27FC236}">
+                <a16:creationId xmlns:a16="http://schemas.microsoft.com/office/drawing/2014/main" id="{8A6FE9BB-2777-3188-CC55-F2FB100C3F76}"/>
+              </a:ext>
+            </a:extLst>
+          </p:cNvPr>
+          <p:cNvSpPr>
+            <a:spLocks noGrp="1"/>
+          </p:cNvSpPr>
+          <p:nvPr>
+            <p:ph idx="1"/>
+          </p:nvPr>
+        </p:nvSpPr>
+        <p:spPr/>
+        <p:txBody>
+          <a:bodyPr/>
+          <a:lstStyle/>
+          <a:p>
+            <a:r>
+              <a:rPr lang="es-MX" sz="1800" b="0" i="0" u="none" strike="noStrike" baseline="0" dirty="0">
+                <a:solidFill>
+                  <a:srgbClr val="000000"/>
+                </a:solidFill>
+                <a:latin typeface="Courier New" panose="02070309020205020404" pitchFamily="49" charset="0"/>
+              </a:rPr>
+              <a:t>C=[36 32 28 24 20 16 12];</a:t>
+            </a:r>
+            <a:r>
+              <a:rPr lang="es-MX" sz="1800" b="0" i="0" u="none" strike="noStrike" baseline="0" dirty="0">
+                <a:solidFill>
+                  <a:srgbClr val="028009"/>
+                </a:solidFill>
+                <a:latin typeface="Courier New" panose="02070309020205020404" pitchFamily="49" charset="0"/>
+              </a:rPr>
+              <a:t>% Número de ventanas</a:t>
+            </a:r>
+          </a:p>
+          <a:p>
+            <a:r>
+              <a:rPr lang="es-ES" sz="1800" b="0" i="0" u="none" strike="noStrike" baseline="0" dirty="0">
+                <a:solidFill>
+                  <a:srgbClr val="000000"/>
+                </a:solidFill>
+                <a:latin typeface="Courier New" panose="02070309020205020404" pitchFamily="49" charset="0"/>
+              </a:rPr>
+              <a:t>teta=[2 4 6 8 10].*(10^-3);</a:t>
+            </a:r>
+            <a:r>
+              <a:rPr lang="es-ES" sz="1800" b="0" i="0" u="none" strike="noStrike" baseline="0" dirty="0">
+                <a:solidFill>
+                  <a:srgbClr val="028009"/>
+                </a:solidFill>
+                <a:latin typeface="Courier New" panose="02070309020205020404" pitchFamily="49" charset="0"/>
+              </a:rPr>
+              <a:t>%Tasa de desconexión general</a:t>
+            </a:r>
+          </a:p>
+          <a:p>
+            <a:endParaRPr lang="es-MX" dirty="0"/>
+          </a:p>
+          <a:p>
+            <a:r>
+              <a:rPr lang="es-MX" dirty="0"/>
+              <a:t>Q para 3 valores</a:t>
+            </a:r>
+          </a:p>
+          <a:p>
+            <a:r>
+              <a:rPr lang="es-MX" sz="1800" b="0" i="0" u="none" strike="noStrike" baseline="0" dirty="0">
+                <a:solidFill>
+                  <a:srgbClr val="000000"/>
+                </a:solidFill>
+                <a:latin typeface="Courier New" panose="02070309020205020404" pitchFamily="49" charset="0"/>
+              </a:rPr>
+              <a:t>Q=[12 24 36];</a:t>
+            </a:r>
+            <a:r>
+              <a:rPr lang="es-MX" sz="1800" b="0" i="0" u="none" strike="noStrike" baseline="0" dirty="0">
+                <a:solidFill>
+                  <a:srgbClr val="028009"/>
+                </a:solidFill>
+                <a:latin typeface="Courier New" panose="02070309020205020404" pitchFamily="49" charset="0"/>
+              </a:rPr>
+              <a:t>%Número de ventanas hacia atrás </a:t>
+            </a:r>
+          </a:p>
+          <a:p>
+            <a:endParaRPr lang="es-MX" dirty="0"/>
+          </a:p>
+        </p:txBody>
+      </p:sp>
+    </p:spTree>
+    <p:extLst>
+      <p:ext uri="{BB962C8B-B14F-4D97-AF65-F5344CB8AC3E}">
+        <p14:creationId xmlns:p14="http://schemas.microsoft.com/office/powerpoint/2010/main" val="3283557896"/>
+      </p:ext>
+    </p:extLst>
+  </p:cSld>
+  <p:clrMapOvr>
+    <a:masterClrMapping/>
+  </p:clrMapOvr>
+</p:sld>
+</file>
+
 <file path=ppt/slides/slide2.xml><?xml version="1.0" encoding="utf-8"?>
 <p:sld xmlns:a="http://schemas.openxmlformats.org/drawingml/2006/main" xmlns:r="http://schemas.openxmlformats.org/officeDocument/2006/relationships" xmlns:p="http://schemas.openxmlformats.org/presentationml/2006/main">
   <p:cSld>
@@ -4584,6 +6194,6628 @@
     <p:extLst>
       <p:ext uri="{BB962C8B-B14F-4D97-AF65-F5344CB8AC3E}">
         <p14:creationId xmlns:p14="http://schemas.microsoft.com/office/powerpoint/2010/main" val="2332364587"/>
+      </p:ext>
+    </p:extLst>
+  </p:cSld>
+  <p:clrMapOvr>
+    <a:masterClrMapping/>
+  </p:clrMapOvr>
+</p:sld>
+</file>
+
+<file path=ppt/slides/slide6.xml><?xml version="1.0" encoding="utf-8"?>
+<p:sld xmlns:a="http://schemas.openxmlformats.org/drawingml/2006/main" xmlns:r="http://schemas.openxmlformats.org/officeDocument/2006/relationships" xmlns:p="http://schemas.openxmlformats.org/presentationml/2006/main">
+  <p:cSld>
+    <p:spTree>
+      <p:nvGrpSpPr>
+        <p:cNvPr id="1" name=""/>
+        <p:cNvGrpSpPr/>
+        <p:nvPr/>
+      </p:nvGrpSpPr>
+      <p:grpSpPr>
+        <a:xfrm>
+          <a:off x="0" y="0"/>
+          <a:ext cx="0" cy="0"/>
+          <a:chOff x="0" y="0"/>
+          <a:chExt cx="0" cy="0"/>
+        </a:xfrm>
+      </p:grpSpPr>
+      <p:sp>
+        <p:nvSpPr>
+          <p:cNvPr id="2" name="Título 1">
+            <a:extLst>
+              <a:ext uri="{FF2B5EF4-FFF2-40B4-BE49-F238E27FC236}">
+                <a16:creationId xmlns:a16="http://schemas.microsoft.com/office/drawing/2014/main" id="{02EF3EA3-6A17-C9DF-F2BC-BA6E884CD5FC}"/>
+              </a:ext>
+            </a:extLst>
+          </p:cNvPr>
+          <p:cNvSpPr>
+            <a:spLocks noGrp="1"/>
+          </p:cNvSpPr>
+          <p:nvPr>
+            <p:ph type="title"/>
+          </p:nvPr>
+        </p:nvSpPr>
+        <p:spPr/>
+        <p:txBody>
+          <a:bodyPr/>
+          <a:lstStyle/>
+          <a:p>
+            <a:pPr algn="ctr"/>
+            <a:r>
+              <a:rPr lang="es-MX" dirty="0"/>
+              <a:t>Cálculo de Anchos de Banda Consumido</a:t>
+            </a:r>
+          </a:p>
+        </p:txBody>
+      </p:sp>
+      <mc:AlternateContent xmlns:mc="http://schemas.openxmlformats.org/markup-compatibility/2006">
+        <mc:Choice xmlns:a14="http://schemas.microsoft.com/office/drawing/2010/main" Requires="a14">
+          <p:sp>
+            <p:nvSpPr>
+              <p:cNvPr id="3" name="Marcador de contenido 2">
+                <a:extLst>
+                  <a:ext uri="{FF2B5EF4-FFF2-40B4-BE49-F238E27FC236}">
+                    <a16:creationId xmlns:a16="http://schemas.microsoft.com/office/drawing/2014/main" id="{C9787550-EFBB-BD0D-9CF4-3E87BECAFD25}"/>
+                  </a:ext>
+                </a:extLst>
+              </p:cNvPr>
+              <p:cNvSpPr>
+                <a:spLocks noGrp="1"/>
+              </p:cNvSpPr>
+              <p:nvPr>
+                <p:ph idx="1"/>
+              </p:nvPr>
+            </p:nvSpPr>
+            <p:spPr/>
+            <p:txBody>
+              <a:bodyPr/>
+              <a:lstStyle/>
+              <a:p>
+                <a:pPr marL="0" indent="0">
+                  <a:buNone/>
+                </a:pPr>
+                <a14:m>
+                  <m:oMathPara xmlns:m="http://schemas.openxmlformats.org/officeDocument/2006/math">
+                    <m:oMathParaPr>
+                      <m:jc m:val="centerGroup"/>
+                    </m:oMathParaPr>
+                    <m:oMath xmlns:m="http://schemas.openxmlformats.org/officeDocument/2006/math">
+                      <m:sSubSup>
+                        <m:sSubSupPr>
+                          <m:ctrlPr>
+                            <a:rPr lang="es-MX" sz="1800" i="1" smtClean="0">
+                              <a:effectLst/>
+                              <a:latin typeface="Cambria Math" panose="02040503050406030204" pitchFamily="18" charset="0"/>
+                              <a:cs typeface="Arial" panose="020B0604020202020204" pitchFamily="34" charset="0"/>
+                            </a:rPr>
+                          </m:ctrlPr>
+                        </m:sSubSupPr>
+                        <m:e>
+                          <m:r>
+                            <a:rPr lang="es-ES" sz="1800" i="1">
+                              <a:effectLst/>
+                              <a:latin typeface="Cambria Math" panose="02040503050406030204" pitchFamily="18" charset="0"/>
+                              <a:ea typeface="Times New Roman" panose="02020603050405020304" pitchFamily="18" charset="0"/>
+                              <a:cs typeface="Arial" panose="020B0604020202020204" pitchFamily="34" charset="0"/>
+                            </a:rPr>
+                            <m:t>𝐵</m:t>
+                          </m:r>
+                        </m:e>
+                        <m:sub>
+                          <m:r>
+                            <a:rPr lang="es-ES" sz="1800" i="1">
+                              <a:effectLst/>
+                              <a:latin typeface="Cambria Math" panose="02040503050406030204" pitchFamily="18" charset="0"/>
+                              <a:ea typeface="Times New Roman" panose="02020603050405020304" pitchFamily="18" charset="0"/>
+                              <a:cs typeface="Arial" panose="020B0604020202020204" pitchFamily="34" charset="0"/>
+                            </a:rPr>
+                            <m:t>𝑑</m:t>
+                          </m:r>
+                        </m:sub>
+                        <m:sup>
+                          <m:r>
+                            <a:rPr lang="es-ES" sz="1800" i="1">
+                              <a:effectLst/>
+                              <a:latin typeface="Cambria Math" panose="02040503050406030204" pitchFamily="18" charset="0"/>
+                              <a:ea typeface="Times New Roman" panose="02020603050405020304" pitchFamily="18" charset="0"/>
+                              <a:cs typeface="Arial" panose="020B0604020202020204" pitchFamily="34" charset="0"/>
+                            </a:rPr>
+                            <m:t>𝑖</m:t>
+                          </m:r>
+                        </m:sup>
+                      </m:sSubSup>
+                      <m:r>
+                        <a:rPr lang="es-ES" sz="1800" i="1">
+                          <a:effectLst/>
+                          <a:latin typeface="Cambria Math" panose="02040503050406030204" pitchFamily="18" charset="0"/>
+                          <a:ea typeface="Times New Roman" panose="02020603050405020304" pitchFamily="18" charset="0"/>
+                          <a:cs typeface="Arial" panose="020B0604020202020204" pitchFamily="34" charset="0"/>
+                        </a:rPr>
+                        <m:t>=</m:t>
+                      </m:r>
+                      <m:r>
+                        <m:rPr>
+                          <m:sty m:val="p"/>
+                        </m:rPr>
+                        <a:rPr lang="es-ES" sz="1800">
+                          <a:effectLst/>
+                          <a:latin typeface="Cambria Math" panose="02040503050406030204" pitchFamily="18" charset="0"/>
+                          <a:ea typeface="Times New Roman" panose="02020603050405020304" pitchFamily="18" charset="0"/>
+                          <a:cs typeface="Arial" panose="020B0604020202020204" pitchFamily="34" charset="0"/>
+                        </a:rPr>
+                        <m:t>min</m:t>
+                      </m:r>
+                      <m:r>
+                        <a:rPr lang="es-ES" sz="1800" i="1">
+                          <a:effectLst/>
+                          <a:latin typeface="Cambria Math" panose="02040503050406030204" pitchFamily="18" charset="0"/>
+                          <a:ea typeface="Times New Roman" panose="02020603050405020304" pitchFamily="18" charset="0"/>
+                          <a:cs typeface="Arial" panose="020B0604020202020204" pitchFamily="34" charset="0"/>
+                        </a:rPr>
+                        <m:t>⁡{</m:t>
+                      </m:r>
+                      <m:sSub>
+                        <m:sSubPr>
+                          <m:ctrlPr>
+                            <a:rPr lang="es-MX" sz="1800" i="1">
+                              <a:effectLst/>
+                              <a:latin typeface="Cambria Math" panose="02040503050406030204" pitchFamily="18" charset="0"/>
+                              <a:cs typeface="Arial" panose="020B0604020202020204" pitchFamily="34" charset="0"/>
+                            </a:rPr>
+                          </m:ctrlPr>
+                        </m:sSubPr>
+                        <m:e>
+                          <m:r>
+                            <a:rPr lang="es-ES" sz="1800" i="1">
+                              <a:effectLst/>
+                              <a:latin typeface="Cambria Math" panose="02040503050406030204" pitchFamily="18" charset="0"/>
+                              <a:ea typeface="Times New Roman" panose="02020603050405020304" pitchFamily="18" charset="0"/>
+                              <a:cs typeface="Arial" panose="020B0604020202020204" pitchFamily="34" charset="0"/>
+                            </a:rPr>
+                            <m:t>𝐶</m:t>
+                          </m:r>
+                        </m:e>
+                        <m:sub>
+                          <m:r>
+                            <a:rPr lang="es-ES" sz="1800" i="1">
+                              <a:effectLst/>
+                              <a:latin typeface="Cambria Math" panose="02040503050406030204" pitchFamily="18" charset="0"/>
+                              <a:ea typeface="Times New Roman" panose="02020603050405020304" pitchFamily="18" charset="0"/>
+                              <a:cs typeface="Arial" panose="020B0604020202020204" pitchFamily="34" charset="0"/>
+                            </a:rPr>
+                            <m:t>𝜔</m:t>
+                          </m:r>
+                        </m:sub>
+                      </m:sSub>
+                      <m:r>
+                        <a:rPr lang="es-ES" sz="1800" i="1">
+                          <a:effectLst/>
+                          <a:latin typeface="Cambria Math" panose="02040503050406030204" pitchFamily="18" charset="0"/>
+                          <a:ea typeface="Times New Roman" panose="02020603050405020304" pitchFamily="18" charset="0"/>
+                          <a:cs typeface="Arial" panose="020B0604020202020204" pitchFamily="34" charset="0"/>
+                        </a:rPr>
+                        <m:t>∗</m:t>
+                      </m:r>
+                      <m:sSub>
+                        <m:sSubPr>
+                          <m:ctrlPr>
+                            <a:rPr lang="es-MX" sz="1800" i="1">
+                              <a:effectLst/>
+                              <a:latin typeface="Cambria Math" panose="02040503050406030204" pitchFamily="18" charset="0"/>
+                              <a:cs typeface="Arial" panose="020B0604020202020204" pitchFamily="34" charset="0"/>
+                            </a:rPr>
+                          </m:ctrlPr>
+                        </m:sSubPr>
+                        <m:e>
+                          <m:r>
+                            <a:rPr lang="es-ES" sz="1800" i="1">
+                              <a:effectLst/>
+                              <a:latin typeface="Cambria Math" panose="02040503050406030204" pitchFamily="18" charset="0"/>
+                              <a:ea typeface="Times New Roman" panose="02020603050405020304" pitchFamily="18" charset="0"/>
+                              <a:cs typeface="Arial" panose="020B0604020202020204" pitchFamily="34" charset="0"/>
+                            </a:rPr>
+                            <m:t>𝑋</m:t>
+                          </m:r>
+                        </m:e>
+                        <m:sub>
+                          <m:r>
+                            <a:rPr lang="es-ES" sz="1800" i="1">
+                              <a:effectLst/>
+                              <a:latin typeface="Cambria Math" panose="02040503050406030204" pitchFamily="18" charset="0"/>
+                              <a:ea typeface="Times New Roman" panose="02020603050405020304" pitchFamily="18" charset="0"/>
+                              <a:cs typeface="Arial" panose="020B0604020202020204" pitchFamily="34" charset="0"/>
+                            </a:rPr>
+                            <m:t>𝑖</m:t>
+                          </m:r>
+                        </m:sub>
+                      </m:sSub>
+                      <m:r>
+                        <a:rPr lang="es-ES" sz="1800" i="1">
+                          <a:effectLst/>
+                          <a:latin typeface="Cambria Math" panose="02040503050406030204" pitchFamily="18" charset="0"/>
+                          <a:ea typeface="Times New Roman" panose="02020603050405020304" pitchFamily="18" charset="0"/>
+                          <a:cs typeface="Arial" panose="020B0604020202020204" pitchFamily="34" charset="0"/>
+                        </a:rPr>
+                        <m:t>,</m:t>
+                      </m:r>
+                      <m:nary>
+                        <m:naryPr>
+                          <m:chr m:val="∑"/>
+                          <m:ctrlPr>
+                            <a:rPr lang="es-MX" sz="1800" i="1">
+                              <a:effectLst/>
+                              <a:latin typeface="Cambria Math" panose="02040503050406030204" pitchFamily="18" charset="0"/>
+                              <a:cs typeface="Arial" panose="020B0604020202020204" pitchFamily="34" charset="0"/>
+                            </a:rPr>
+                          </m:ctrlPr>
+                        </m:naryPr>
+                        <m:sub>
+                          <m:r>
+                            <a:rPr lang="es-ES" sz="1800" i="1">
+                              <a:effectLst/>
+                              <a:latin typeface="Cambria Math" panose="02040503050406030204" pitchFamily="18" charset="0"/>
+                              <a:ea typeface="Times New Roman" panose="02020603050405020304" pitchFamily="18" charset="0"/>
+                              <a:cs typeface="Arial" panose="020B0604020202020204" pitchFamily="34" charset="0"/>
+                            </a:rPr>
+                            <m:t>𝑘</m:t>
+                          </m:r>
+                          <m:r>
+                            <a:rPr lang="es-ES" sz="1800" i="1">
+                              <a:effectLst/>
+                              <a:latin typeface="Cambria Math" panose="02040503050406030204" pitchFamily="18" charset="0"/>
+                              <a:ea typeface="Times New Roman" panose="02020603050405020304" pitchFamily="18" charset="0"/>
+                              <a:cs typeface="Arial" panose="020B0604020202020204" pitchFamily="34" charset="0"/>
+                            </a:rPr>
+                            <m:t>=</m:t>
+                          </m:r>
+                          <m:r>
+                            <a:rPr lang="es-ES" sz="1800" i="1">
+                              <a:effectLst/>
+                              <a:latin typeface="Cambria Math" panose="02040503050406030204" pitchFamily="18" charset="0"/>
+                              <a:ea typeface="Times New Roman" panose="02020603050405020304" pitchFamily="18" charset="0"/>
+                              <a:cs typeface="Arial" panose="020B0604020202020204" pitchFamily="34" charset="0"/>
+                            </a:rPr>
+                            <m:t>𝑖</m:t>
+                          </m:r>
+                          <m:r>
+                            <a:rPr lang="es-ES" sz="1800" i="1">
+                              <a:effectLst/>
+                              <a:latin typeface="Cambria Math" panose="02040503050406030204" pitchFamily="18" charset="0"/>
+                              <a:ea typeface="Times New Roman" panose="02020603050405020304" pitchFamily="18" charset="0"/>
+                              <a:cs typeface="Arial" panose="020B0604020202020204" pitchFamily="34" charset="0"/>
+                            </a:rPr>
+                            <m:t>+1</m:t>
+                          </m:r>
+                        </m:sub>
+                        <m:sup>
+                          <m:r>
+                            <a:rPr lang="es-ES" sz="1800" i="1">
+                              <a:effectLst/>
+                              <a:latin typeface="Cambria Math" panose="02040503050406030204" pitchFamily="18" charset="0"/>
+                              <a:ea typeface="Times New Roman" panose="02020603050405020304" pitchFamily="18" charset="0"/>
+                              <a:cs typeface="Arial" panose="020B0604020202020204" pitchFamily="34" charset="0"/>
+                            </a:rPr>
+                            <m:t>𝐶</m:t>
+                          </m:r>
+                        </m:sup>
+                        <m:e>
+                          <m:f>
+                            <m:fPr>
+                              <m:ctrlPr>
+                                <a:rPr lang="es-MX" sz="1800" i="1">
+                                  <a:effectLst/>
+                                  <a:latin typeface="Cambria Math" panose="02040503050406030204" pitchFamily="18" charset="0"/>
+                                  <a:cs typeface="Arial" panose="020B0604020202020204" pitchFamily="34" charset="0"/>
+                                </a:rPr>
+                              </m:ctrlPr>
+                            </m:fPr>
+                            <m:num>
+                              <m:sSub>
+                                <m:sSubPr>
+                                  <m:ctrlPr>
+                                    <a:rPr lang="es-MX" sz="1800" i="1">
+                                      <a:effectLst/>
+                                      <a:latin typeface="Cambria Math" panose="02040503050406030204" pitchFamily="18" charset="0"/>
+                                      <a:cs typeface="Arial" panose="020B0604020202020204" pitchFamily="34" charset="0"/>
+                                    </a:rPr>
+                                  </m:ctrlPr>
+                                </m:sSubPr>
+                                <m:e>
+                                  <m:r>
+                                    <a:rPr lang="es-ES" sz="1800" i="1">
+                                      <a:effectLst/>
+                                      <a:latin typeface="Cambria Math" panose="02040503050406030204" pitchFamily="18" charset="0"/>
+                                      <a:ea typeface="Times New Roman" panose="02020603050405020304" pitchFamily="18" charset="0"/>
+                                      <a:cs typeface="Arial" panose="020B0604020202020204" pitchFamily="34" charset="0"/>
+                                    </a:rPr>
+                                    <m:t>𝜇</m:t>
+                                  </m:r>
+                                </m:e>
+                                <m:sub>
+                                  <m:r>
+                                    <a:rPr lang="es-ES" sz="1800" i="1">
+                                      <a:effectLst/>
+                                      <a:latin typeface="Cambria Math" panose="02040503050406030204" pitchFamily="18" charset="0"/>
+                                      <a:ea typeface="Times New Roman" panose="02020603050405020304" pitchFamily="18" charset="0"/>
+                                      <a:cs typeface="Arial" panose="020B0604020202020204" pitchFamily="34" charset="0"/>
+                                    </a:rPr>
+                                    <m:t>𝜔</m:t>
+                                  </m:r>
+                                </m:sub>
+                              </m:sSub>
+                              <m:r>
+                                <a:rPr lang="es-ES" sz="1800" i="1">
+                                  <a:effectLst/>
+                                  <a:latin typeface="Cambria Math" panose="02040503050406030204" pitchFamily="18" charset="0"/>
+                                  <a:ea typeface="Times New Roman" panose="02020603050405020304" pitchFamily="18" charset="0"/>
+                                  <a:cs typeface="Arial" panose="020B0604020202020204" pitchFamily="34" charset="0"/>
+                                </a:rPr>
+                                <m:t>∗</m:t>
+                              </m:r>
+                              <m:sSub>
+                                <m:sSubPr>
+                                  <m:ctrlPr>
+                                    <a:rPr lang="es-MX" sz="1800" i="1">
+                                      <a:effectLst/>
+                                      <a:latin typeface="Cambria Math" panose="02040503050406030204" pitchFamily="18" charset="0"/>
+                                      <a:cs typeface="Arial" panose="020B0604020202020204" pitchFamily="34" charset="0"/>
+                                    </a:rPr>
+                                  </m:ctrlPr>
+                                </m:sSubPr>
+                                <m:e>
+                                  <m:r>
+                                    <a:rPr lang="es-ES" sz="1800" i="1">
+                                      <a:effectLst/>
+                                      <a:latin typeface="Cambria Math" panose="02040503050406030204" pitchFamily="18" charset="0"/>
+                                      <a:ea typeface="Times New Roman" panose="02020603050405020304" pitchFamily="18" charset="0"/>
+                                      <a:cs typeface="Arial" panose="020B0604020202020204" pitchFamily="34" charset="0"/>
+                                    </a:rPr>
+                                    <m:t>𝑋</m:t>
+                                  </m:r>
+                                </m:e>
+                                <m:sub>
+                                  <m:r>
+                                    <a:rPr lang="es-ES" sz="1800" i="1">
+                                      <a:effectLst/>
+                                      <a:latin typeface="Cambria Math" panose="02040503050406030204" pitchFamily="18" charset="0"/>
+                                      <a:ea typeface="Times New Roman" panose="02020603050405020304" pitchFamily="18" charset="0"/>
+                                      <a:cs typeface="Arial" panose="020B0604020202020204" pitchFamily="34" charset="0"/>
+                                    </a:rPr>
+                                    <m:t>𝑘</m:t>
+                                  </m:r>
+                                </m:sub>
+                              </m:sSub>
+                              <m:r>
+                                <a:rPr lang="es-ES" sz="1800" i="1">
+                                  <a:effectLst/>
+                                  <a:latin typeface="Cambria Math" panose="02040503050406030204" pitchFamily="18" charset="0"/>
+                                  <a:ea typeface="Times New Roman" panose="02020603050405020304" pitchFamily="18" charset="0"/>
+                                  <a:cs typeface="Arial" panose="020B0604020202020204" pitchFamily="34" charset="0"/>
+                                </a:rPr>
+                                <m:t>∗</m:t>
+                              </m:r>
+                              <m:sSub>
+                                <m:sSubPr>
+                                  <m:ctrlPr>
+                                    <a:rPr lang="es-MX" sz="1800" i="1">
+                                      <a:effectLst/>
+                                      <a:latin typeface="Cambria Math" panose="02040503050406030204" pitchFamily="18" charset="0"/>
+                                      <a:cs typeface="Arial" panose="020B0604020202020204" pitchFamily="34" charset="0"/>
+                                    </a:rPr>
+                                  </m:ctrlPr>
+                                </m:sSubPr>
+                                <m:e>
+                                  <m:r>
+                                    <a:rPr lang="es-ES" sz="1800" i="1">
+                                      <a:effectLst/>
+                                      <a:latin typeface="Cambria Math" panose="02040503050406030204" pitchFamily="18" charset="0"/>
+                                      <a:ea typeface="Times New Roman" panose="02020603050405020304" pitchFamily="18" charset="0"/>
+                                      <a:cs typeface="Arial" panose="020B0604020202020204" pitchFamily="34" charset="0"/>
+                                    </a:rPr>
+                                    <m:t>𝑋</m:t>
+                                  </m:r>
+                                </m:e>
+                                <m:sub>
+                                  <m:r>
+                                    <a:rPr lang="es-ES" sz="1800" i="1">
+                                      <a:effectLst/>
+                                      <a:latin typeface="Cambria Math" panose="02040503050406030204" pitchFamily="18" charset="0"/>
+                                      <a:ea typeface="Times New Roman" panose="02020603050405020304" pitchFamily="18" charset="0"/>
+                                      <a:cs typeface="Arial" panose="020B0604020202020204" pitchFamily="34" charset="0"/>
+                                    </a:rPr>
+                                    <m:t>𝑖</m:t>
+                                  </m:r>
+                                </m:sub>
+                              </m:sSub>
+                            </m:num>
+                            <m:den>
+                              <m:nary>
+                                <m:naryPr>
+                                  <m:chr m:val="∑"/>
+                                  <m:ctrlPr>
+                                    <a:rPr lang="es-MX" sz="1800" i="1">
+                                      <a:effectLst/>
+                                      <a:latin typeface="Cambria Math" panose="02040503050406030204" pitchFamily="18" charset="0"/>
+                                      <a:cs typeface="Arial" panose="020B0604020202020204" pitchFamily="34" charset="0"/>
+                                    </a:rPr>
+                                  </m:ctrlPr>
+                                </m:naryPr>
+                                <m:sub>
+                                  <m:r>
+                                    <a:rPr lang="es-ES" sz="1800" i="1">
+                                      <a:effectLst/>
+                                      <a:latin typeface="Cambria Math" panose="02040503050406030204" pitchFamily="18" charset="0"/>
+                                      <a:ea typeface="Times New Roman" panose="02020603050405020304" pitchFamily="18" charset="0"/>
+                                      <a:cs typeface="Arial" panose="020B0604020202020204" pitchFamily="34" charset="0"/>
+                                    </a:rPr>
+                                    <m:t>𝑗</m:t>
+                                  </m:r>
+                                  <m:r>
+                                    <a:rPr lang="es-ES" sz="1800" i="1">
+                                      <a:effectLst/>
+                                      <a:latin typeface="Cambria Math" panose="02040503050406030204" pitchFamily="18" charset="0"/>
+                                      <a:ea typeface="Times New Roman" panose="02020603050405020304" pitchFamily="18" charset="0"/>
+                                      <a:cs typeface="Arial" panose="020B0604020202020204" pitchFamily="34" charset="0"/>
+                                    </a:rPr>
+                                    <m:t>=0</m:t>
+                                  </m:r>
+                                </m:sub>
+                                <m:sup>
+                                  <m:r>
+                                    <a:rPr lang="es-ES" sz="1800" i="1">
+                                      <a:effectLst/>
+                                      <a:latin typeface="Cambria Math" panose="02040503050406030204" pitchFamily="18" charset="0"/>
+                                      <a:ea typeface="Times New Roman" panose="02020603050405020304" pitchFamily="18" charset="0"/>
+                                      <a:cs typeface="Arial" panose="020B0604020202020204" pitchFamily="34" charset="0"/>
+                                    </a:rPr>
+                                    <m:t>𝑘</m:t>
+                                  </m:r>
+                                  <m:r>
+                                    <a:rPr lang="es-ES" sz="1800" i="1">
+                                      <a:effectLst/>
+                                      <a:latin typeface="Cambria Math" panose="02040503050406030204" pitchFamily="18" charset="0"/>
+                                      <a:ea typeface="Times New Roman" panose="02020603050405020304" pitchFamily="18" charset="0"/>
+                                      <a:cs typeface="Arial" panose="020B0604020202020204" pitchFamily="34" charset="0"/>
+                                    </a:rPr>
+                                    <m:t>−1</m:t>
+                                  </m:r>
+                                </m:sup>
+                                <m:e>
+                                  <m:sSub>
+                                    <m:sSubPr>
+                                      <m:ctrlPr>
+                                        <a:rPr lang="es-MX" sz="1800" i="1">
+                                          <a:effectLst/>
+                                          <a:latin typeface="Cambria Math" panose="02040503050406030204" pitchFamily="18" charset="0"/>
+                                          <a:cs typeface="Arial" panose="020B0604020202020204" pitchFamily="34" charset="0"/>
+                                        </a:rPr>
+                                      </m:ctrlPr>
+                                    </m:sSubPr>
+                                    <m:e>
+                                      <m:r>
+                                        <a:rPr lang="es-ES" sz="1800" i="1">
+                                          <a:effectLst/>
+                                          <a:latin typeface="Cambria Math" panose="02040503050406030204" pitchFamily="18" charset="0"/>
+                                          <a:ea typeface="Times New Roman" panose="02020603050405020304" pitchFamily="18" charset="0"/>
+                                          <a:cs typeface="Arial" panose="020B0604020202020204" pitchFamily="34" charset="0"/>
+                                        </a:rPr>
+                                        <m:t>𝑋</m:t>
+                                      </m:r>
+                                    </m:e>
+                                    <m:sub>
+                                      <m:r>
+                                        <a:rPr lang="es-ES" sz="1800" i="1">
+                                          <a:effectLst/>
+                                          <a:latin typeface="Cambria Math" panose="02040503050406030204" pitchFamily="18" charset="0"/>
+                                          <a:ea typeface="Times New Roman" panose="02020603050405020304" pitchFamily="18" charset="0"/>
+                                          <a:cs typeface="Arial" panose="020B0604020202020204" pitchFamily="34" charset="0"/>
+                                        </a:rPr>
+                                        <m:t>𝑗</m:t>
+                                      </m:r>
+                                    </m:sub>
+                                  </m:sSub>
+                                </m:e>
+                              </m:nary>
+                            </m:den>
+                          </m:f>
+                        </m:e>
+                      </m:nary>
+                      <m:r>
+                        <a:rPr lang="es-ES" sz="1800" i="1">
+                          <a:effectLst/>
+                          <a:latin typeface="Cambria Math" panose="02040503050406030204" pitchFamily="18" charset="0"/>
+                          <a:ea typeface="Times New Roman" panose="02020603050405020304" pitchFamily="18" charset="0"/>
+                          <a:cs typeface="Arial" panose="020B0604020202020204" pitchFamily="34" charset="0"/>
+                        </a:rPr>
+                        <m:t>+</m:t>
+                      </m:r>
+                      <m:f>
+                        <m:fPr>
+                          <m:ctrlPr>
+                            <a:rPr lang="es-MX" sz="1800" i="1">
+                              <a:effectLst/>
+                              <a:latin typeface="Cambria Math" panose="02040503050406030204" pitchFamily="18" charset="0"/>
+                              <a:cs typeface="Arial" panose="020B0604020202020204" pitchFamily="34" charset="0"/>
+                            </a:rPr>
+                          </m:ctrlPr>
+                        </m:fPr>
+                        <m:num>
+                          <m:sSub>
+                            <m:sSubPr>
+                              <m:ctrlPr>
+                                <a:rPr lang="es-MX" sz="1800" i="1">
+                                  <a:effectLst/>
+                                  <a:latin typeface="Cambria Math" panose="02040503050406030204" pitchFamily="18" charset="0"/>
+                                  <a:cs typeface="Arial" panose="020B0604020202020204" pitchFamily="34" charset="0"/>
+                                </a:rPr>
+                              </m:ctrlPr>
+                            </m:sSubPr>
+                            <m:e>
+                              <m:r>
+                                <a:rPr lang="es-ES" sz="1800" i="1">
+                                  <a:effectLst/>
+                                  <a:latin typeface="Cambria Math" panose="02040503050406030204" pitchFamily="18" charset="0"/>
+                                  <a:ea typeface="Times New Roman" panose="02020603050405020304" pitchFamily="18" charset="0"/>
+                                  <a:cs typeface="Arial" panose="020B0604020202020204" pitchFamily="34" charset="0"/>
+                                </a:rPr>
+                                <m:t>𝜇</m:t>
+                              </m:r>
+                            </m:e>
+                            <m:sub>
+                              <m:r>
+                                <a:rPr lang="es-ES" sz="1800" i="1">
+                                  <a:effectLst/>
+                                  <a:latin typeface="Cambria Math" panose="02040503050406030204" pitchFamily="18" charset="0"/>
+                                  <a:ea typeface="Times New Roman" panose="02020603050405020304" pitchFamily="18" charset="0"/>
+                                  <a:cs typeface="Arial" panose="020B0604020202020204" pitchFamily="34" charset="0"/>
+                                </a:rPr>
+                                <m:t>𝑠</m:t>
+                              </m:r>
+                            </m:sub>
+                          </m:sSub>
+                          <m:r>
+                            <a:rPr lang="es-ES" sz="1800" i="1">
+                              <a:effectLst/>
+                              <a:latin typeface="Cambria Math" panose="02040503050406030204" pitchFamily="18" charset="0"/>
+                              <a:ea typeface="Times New Roman" panose="02020603050405020304" pitchFamily="18" charset="0"/>
+                              <a:cs typeface="Arial" panose="020B0604020202020204" pitchFamily="34" charset="0"/>
+                            </a:rPr>
+                            <m:t>∗</m:t>
+                          </m:r>
+                          <m:sSub>
+                            <m:sSubPr>
+                              <m:ctrlPr>
+                                <a:rPr lang="es-MX" sz="1800" i="1">
+                                  <a:effectLst/>
+                                  <a:latin typeface="Cambria Math" panose="02040503050406030204" pitchFamily="18" charset="0"/>
+                                  <a:cs typeface="Arial" panose="020B0604020202020204" pitchFamily="34" charset="0"/>
+                                </a:rPr>
+                              </m:ctrlPr>
+                            </m:sSubPr>
+                            <m:e>
+                              <m:r>
+                                <a:rPr lang="es-ES" sz="1800" i="1">
+                                  <a:effectLst/>
+                                  <a:latin typeface="Cambria Math" panose="02040503050406030204" pitchFamily="18" charset="0"/>
+                                  <a:ea typeface="Times New Roman" panose="02020603050405020304" pitchFamily="18" charset="0"/>
+                                  <a:cs typeface="Arial" panose="020B0604020202020204" pitchFamily="34" charset="0"/>
+                                </a:rPr>
+                                <m:t>𝑋</m:t>
+                              </m:r>
+                            </m:e>
+                            <m:sub>
+                              <m:r>
+                                <a:rPr lang="es-ES" sz="1800" i="1">
+                                  <a:effectLst/>
+                                  <a:latin typeface="Cambria Math" panose="02040503050406030204" pitchFamily="18" charset="0"/>
+                                  <a:ea typeface="Times New Roman" panose="02020603050405020304" pitchFamily="18" charset="0"/>
+                                  <a:cs typeface="Arial" panose="020B0604020202020204" pitchFamily="34" charset="0"/>
+                                </a:rPr>
+                                <m:t>𝑖</m:t>
+                              </m:r>
+                            </m:sub>
+                          </m:sSub>
+                        </m:num>
+                        <m:den>
+                          <m:nary>
+                            <m:naryPr>
+                              <m:chr m:val="∑"/>
+                              <m:ctrlPr>
+                                <a:rPr lang="es-MX" sz="1800" i="1">
+                                  <a:effectLst/>
+                                  <a:latin typeface="Cambria Math" panose="02040503050406030204" pitchFamily="18" charset="0"/>
+                                  <a:cs typeface="Arial" panose="020B0604020202020204" pitchFamily="34" charset="0"/>
+                                </a:rPr>
+                              </m:ctrlPr>
+                            </m:naryPr>
+                            <m:sub>
+                              <m:r>
+                                <a:rPr lang="es-ES" sz="1800" i="1">
+                                  <a:effectLst/>
+                                  <a:latin typeface="Cambria Math" panose="02040503050406030204" pitchFamily="18" charset="0"/>
+                                  <a:ea typeface="Times New Roman" panose="02020603050405020304" pitchFamily="18" charset="0"/>
+                                  <a:cs typeface="Arial" panose="020B0604020202020204" pitchFamily="34" charset="0"/>
+                                </a:rPr>
+                                <m:t>𝑗</m:t>
+                              </m:r>
+                              <m:r>
+                                <a:rPr lang="es-ES" sz="1800" i="1">
+                                  <a:effectLst/>
+                                  <a:latin typeface="Cambria Math" panose="02040503050406030204" pitchFamily="18" charset="0"/>
+                                  <a:ea typeface="Times New Roman" panose="02020603050405020304" pitchFamily="18" charset="0"/>
+                                  <a:cs typeface="Arial" panose="020B0604020202020204" pitchFamily="34" charset="0"/>
+                                </a:rPr>
+                                <m:t>=0</m:t>
+                              </m:r>
+                            </m:sub>
+                            <m:sup>
+                              <m:r>
+                                <a:rPr lang="es-ES" sz="1800" i="1">
+                                  <a:effectLst/>
+                                  <a:latin typeface="Cambria Math" panose="02040503050406030204" pitchFamily="18" charset="0"/>
+                                  <a:ea typeface="Times New Roman" panose="02020603050405020304" pitchFamily="18" charset="0"/>
+                                  <a:cs typeface="Arial" panose="020B0604020202020204" pitchFamily="34" charset="0"/>
+                                </a:rPr>
+                                <m:t>𝐶</m:t>
+                              </m:r>
+                              <m:r>
+                                <a:rPr lang="es-ES" sz="1800" i="1">
+                                  <a:effectLst/>
+                                  <a:latin typeface="Cambria Math" panose="02040503050406030204" pitchFamily="18" charset="0"/>
+                                  <a:ea typeface="Times New Roman" panose="02020603050405020304" pitchFamily="18" charset="0"/>
+                                  <a:cs typeface="Arial" panose="020B0604020202020204" pitchFamily="34" charset="0"/>
+                                </a:rPr>
+                                <m:t>−1</m:t>
+                              </m:r>
+                            </m:sup>
+                            <m:e>
+                              <m:sSub>
+                                <m:sSubPr>
+                                  <m:ctrlPr>
+                                    <a:rPr lang="es-MX" sz="1800" i="1">
+                                      <a:effectLst/>
+                                      <a:latin typeface="Cambria Math" panose="02040503050406030204" pitchFamily="18" charset="0"/>
+                                      <a:cs typeface="Arial" panose="020B0604020202020204" pitchFamily="34" charset="0"/>
+                                    </a:rPr>
+                                  </m:ctrlPr>
+                                </m:sSubPr>
+                                <m:e>
+                                  <m:r>
+                                    <a:rPr lang="es-ES" sz="1800" i="1">
+                                      <a:effectLst/>
+                                      <a:latin typeface="Cambria Math" panose="02040503050406030204" pitchFamily="18" charset="0"/>
+                                      <a:ea typeface="Times New Roman" panose="02020603050405020304" pitchFamily="18" charset="0"/>
+                                      <a:cs typeface="Arial" panose="020B0604020202020204" pitchFamily="34" charset="0"/>
+                                    </a:rPr>
+                                    <m:t>𝑋</m:t>
+                                  </m:r>
+                                </m:e>
+                                <m:sub>
+                                  <m:r>
+                                    <a:rPr lang="es-ES" sz="1800" i="1">
+                                      <a:effectLst/>
+                                      <a:latin typeface="Cambria Math" panose="02040503050406030204" pitchFamily="18" charset="0"/>
+                                      <a:ea typeface="Times New Roman" panose="02020603050405020304" pitchFamily="18" charset="0"/>
+                                      <a:cs typeface="Arial" panose="020B0604020202020204" pitchFamily="34" charset="0"/>
+                                    </a:rPr>
+                                    <m:t>𝑗</m:t>
+                                  </m:r>
+                                </m:sub>
+                              </m:sSub>
+                            </m:e>
+                          </m:nary>
+                        </m:den>
+                      </m:f>
+                      <m:r>
+                        <a:rPr lang="es-ES" sz="1800" i="1">
+                          <a:effectLst/>
+                          <a:latin typeface="Cambria Math" panose="02040503050406030204" pitchFamily="18" charset="0"/>
+                          <a:ea typeface="Times New Roman" panose="02020603050405020304" pitchFamily="18" charset="0"/>
+                          <a:cs typeface="Arial" panose="020B0604020202020204" pitchFamily="34" charset="0"/>
+                        </a:rPr>
+                        <m:t>}</m:t>
+                      </m:r>
+                    </m:oMath>
+                  </m:oMathPara>
+                </a14:m>
+                <a:endParaRPr lang="es-MX" dirty="0"/>
+              </a:p>
+              <a:p>
+                <a:pPr marL="0" indent="0">
+                  <a:buNone/>
+                </a:pPr>
+                <a:endParaRPr lang="es-MX" sz="1800" i="1" dirty="0">
+                  <a:effectLst/>
+                  <a:latin typeface="Cambria Math" panose="02040503050406030204" pitchFamily="18" charset="0"/>
+                  <a:cs typeface="Arial" panose="020B0604020202020204" pitchFamily="34" charset="0"/>
+                </a:endParaRPr>
+              </a:p>
+              <a:p>
+                <a:pPr marL="0" indent="0">
+                  <a:buNone/>
+                </a:pPr>
+                <a:endParaRPr lang="es-MX" dirty="0"/>
+              </a:p>
+              <a:p>
+                <a:pPr marL="0" indent="0">
+                  <a:buNone/>
+                </a:pPr>
+                <a:endParaRPr lang="es-MX" sz="1800" i="1" dirty="0">
+                  <a:effectLst/>
+                  <a:latin typeface="Cambria Math" panose="02040503050406030204" pitchFamily="18" charset="0"/>
+                  <a:cs typeface="Arial" panose="020B0604020202020204" pitchFamily="34" charset="0"/>
+                </a:endParaRPr>
+              </a:p>
+              <a:p>
+                <a:pPr marL="0" indent="0">
+                  <a:buNone/>
+                </a:pPr>
+                <a:endParaRPr lang="es-MX" dirty="0"/>
+              </a:p>
+            </p:txBody>
+          </p:sp>
+        </mc:Choice>
+        <mc:Fallback>
+          <p:sp>
+            <p:nvSpPr>
+              <p:cNvPr id="3" name="Marcador de contenido 2">
+                <a:extLst>
+                  <a:ext uri="{FF2B5EF4-FFF2-40B4-BE49-F238E27FC236}">
+                    <a16:creationId xmlns:a16="http://schemas.microsoft.com/office/drawing/2014/main" id="{C9787550-EFBB-BD0D-9CF4-3E87BECAFD25}"/>
+                  </a:ext>
+                </a:extLst>
+              </p:cNvPr>
+              <p:cNvSpPr>
+                <a:spLocks noGrp="1" noRot="1" noChangeAspect="1" noMove="1" noResize="1" noEditPoints="1" noAdjustHandles="1" noChangeArrowheads="1" noChangeShapeType="1" noTextEdit="1"/>
+              </p:cNvSpPr>
+              <p:nvPr>
+                <p:ph idx="1"/>
+              </p:nvPr>
+            </p:nvSpPr>
+            <p:spPr>
+              <a:blipFill>
+                <a:blip r:embed="rId2"/>
+                <a:stretch>
+                  <a:fillRect/>
+                </a:stretch>
+              </a:blipFill>
+            </p:spPr>
+            <p:txBody>
+              <a:bodyPr/>
+              <a:lstStyle/>
+              <a:p>
+                <a:r>
+                  <a:rPr lang="es-MX">
+                    <a:noFill/>
+                  </a:rPr>
+                  <a:t> </a:t>
+                </a:r>
+              </a:p>
+            </p:txBody>
+          </p:sp>
+        </mc:Fallback>
+      </mc:AlternateContent>
+      <mc:AlternateContent xmlns:mc="http://schemas.openxmlformats.org/markup-compatibility/2006">
+        <mc:Choice xmlns:a14="http://schemas.microsoft.com/office/drawing/2010/main" Requires="a14">
+          <p:sp>
+            <p:nvSpPr>
+              <p:cNvPr id="6" name="CuadroTexto 5">
+                <a:extLst>
+                  <a:ext uri="{FF2B5EF4-FFF2-40B4-BE49-F238E27FC236}">
+                    <a16:creationId xmlns:a16="http://schemas.microsoft.com/office/drawing/2014/main" id="{EBC3F3E1-9C69-7699-D0E5-C4FB459222B5}"/>
+                  </a:ext>
+                </a:extLst>
+              </p:cNvPr>
+              <p:cNvSpPr txBox="1"/>
+              <p:nvPr/>
+            </p:nvSpPr>
+            <p:spPr>
+              <a:xfrm>
+                <a:off x="4225255" y="4279484"/>
+                <a:ext cx="3741490" cy="872868"/>
+              </a:xfrm>
+              <a:prstGeom prst="rect">
+                <a:avLst/>
+              </a:prstGeom>
+              <a:noFill/>
+            </p:spPr>
+            <p:txBody>
+              <a:bodyPr wrap="square" rtlCol="0">
+                <a:spAutoFit/>
+              </a:bodyPr>
+              <a:lstStyle/>
+              <a:p>
+                <a14:m>
+                  <m:oMathPara xmlns:m="http://schemas.openxmlformats.org/officeDocument/2006/math">
+                    <m:oMathParaPr>
+                      <m:jc m:val="centerGroup"/>
+                    </m:oMathParaPr>
+                    <m:oMath xmlns:m="http://schemas.openxmlformats.org/officeDocument/2006/math">
+                      <m:sSubSup>
+                        <m:sSubSupPr>
+                          <m:ctrlPr>
+                            <a:rPr lang="es-MX" sz="1800" i="1" smtClean="0">
+                              <a:effectLst/>
+                              <a:latin typeface="Cambria Math" panose="02040503050406030204" pitchFamily="18" charset="0"/>
+                              <a:cs typeface="Arial" panose="020B0604020202020204" pitchFamily="34" charset="0"/>
+                            </a:rPr>
+                          </m:ctrlPr>
+                        </m:sSubSupPr>
+                        <m:e>
+                          <m:r>
+                            <a:rPr lang="es-ES" sz="1800" i="1">
+                              <a:effectLst/>
+                              <a:latin typeface="Cambria Math" panose="02040503050406030204" pitchFamily="18" charset="0"/>
+                              <a:ea typeface="Times New Roman" panose="02020603050405020304" pitchFamily="18" charset="0"/>
+                              <a:cs typeface="Arial" panose="020B0604020202020204" pitchFamily="34" charset="0"/>
+                            </a:rPr>
+                            <m:t>𝐵</m:t>
+                          </m:r>
+                        </m:e>
+                        <m:sub>
+                          <m:r>
+                            <a:rPr lang="es-ES" sz="1800" i="1">
+                              <a:effectLst/>
+                              <a:latin typeface="Cambria Math" panose="02040503050406030204" pitchFamily="18" charset="0"/>
+                              <a:ea typeface="Times New Roman" panose="02020603050405020304" pitchFamily="18" charset="0"/>
+                              <a:cs typeface="Arial" panose="020B0604020202020204" pitchFamily="34" charset="0"/>
+                            </a:rPr>
+                            <m:t>𝑢</m:t>
+                          </m:r>
+                          <m:r>
+                            <a:rPr lang="es-ES" sz="1800" i="1">
+                              <a:effectLst/>
+                              <a:latin typeface="Cambria Math" panose="02040503050406030204" pitchFamily="18" charset="0"/>
+                              <a:ea typeface="Times New Roman" panose="02020603050405020304" pitchFamily="18" charset="0"/>
+                              <a:cs typeface="Arial" panose="020B0604020202020204" pitchFamily="34" charset="0"/>
+                            </a:rPr>
+                            <m:t>,</m:t>
+                          </m:r>
+                          <m:r>
+                            <a:rPr lang="es-ES" sz="1800" i="1">
+                              <a:effectLst/>
+                              <a:latin typeface="Cambria Math" panose="02040503050406030204" pitchFamily="18" charset="0"/>
+                              <a:ea typeface="Times New Roman" panose="02020603050405020304" pitchFamily="18" charset="0"/>
+                              <a:cs typeface="Arial" panose="020B0604020202020204" pitchFamily="34" charset="0"/>
+                            </a:rPr>
+                            <m:t>𝑝</m:t>
+                          </m:r>
+                        </m:sub>
+                        <m:sup>
+                          <m:r>
+                            <a:rPr lang="es-ES" sz="1800" i="1">
+                              <a:effectLst/>
+                              <a:latin typeface="Cambria Math" panose="02040503050406030204" pitchFamily="18" charset="0"/>
+                              <a:ea typeface="Times New Roman" panose="02020603050405020304" pitchFamily="18" charset="0"/>
+                              <a:cs typeface="Arial" panose="020B0604020202020204" pitchFamily="34" charset="0"/>
+                            </a:rPr>
+                            <m:t>𝑖</m:t>
+                          </m:r>
+                        </m:sup>
+                      </m:sSubSup>
+                      <m:r>
+                        <a:rPr lang="es-MX" sz="1800" i="1">
+                          <a:effectLst/>
+                          <a:latin typeface="Cambria Math" panose="02040503050406030204" pitchFamily="18" charset="0"/>
+                          <a:ea typeface="Times New Roman" panose="02020603050405020304" pitchFamily="18" charset="0"/>
+                          <a:cs typeface="Arial" panose="020B0604020202020204" pitchFamily="34" charset="0"/>
+                        </a:rPr>
+                        <m:t>=</m:t>
+                      </m:r>
+                      <m:nary>
+                        <m:naryPr>
+                          <m:chr m:val="∑"/>
+                          <m:ctrlPr>
+                            <a:rPr lang="es-MX" sz="1800" i="1">
+                              <a:effectLst/>
+                              <a:latin typeface="Cambria Math" panose="02040503050406030204" pitchFamily="18" charset="0"/>
+                              <a:cs typeface="Arial" panose="020B0604020202020204" pitchFamily="34" charset="0"/>
+                            </a:rPr>
+                          </m:ctrlPr>
+                        </m:naryPr>
+                        <m:sub>
+                          <m:r>
+                            <a:rPr lang="es-ES" sz="1800" i="1">
+                              <a:effectLst/>
+                              <a:latin typeface="Cambria Math" panose="02040503050406030204" pitchFamily="18" charset="0"/>
+                              <a:ea typeface="Times New Roman" panose="02020603050405020304" pitchFamily="18" charset="0"/>
+                              <a:cs typeface="Arial" panose="020B0604020202020204" pitchFamily="34" charset="0"/>
+                            </a:rPr>
+                            <m:t>𝑘</m:t>
+                          </m:r>
+                          <m:r>
+                            <a:rPr lang="es-ES" sz="1800" i="1">
+                              <a:effectLst/>
+                              <a:latin typeface="Cambria Math" panose="02040503050406030204" pitchFamily="18" charset="0"/>
+                              <a:ea typeface="Times New Roman" panose="02020603050405020304" pitchFamily="18" charset="0"/>
+                              <a:cs typeface="Arial" panose="020B0604020202020204" pitchFamily="34" charset="0"/>
+                            </a:rPr>
+                            <m:t>=</m:t>
+                          </m:r>
+                          <m:r>
+                            <a:rPr lang="es-ES" sz="1800" i="1">
+                              <a:effectLst/>
+                              <a:latin typeface="Cambria Math" panose="02040503050406030204" pitchFamily="18" charset="0"/>
+                              <a:ea typeface="Times New Roman" panose="02020603050405020304" pitchFamily="18" charset="0"/>
+                              <a:cs typeface="Arial" panose="020B0604020202020204" pitchFamily="34" charset="0"/>
+                            </a:rPr>
+                            <m:t>𝑖</m:t>
+                          </m:r>
+                          <m:r>
+                            <a:rPr lang="es-ES" sz="1800" i="1">
+                              <a:effectLst/>
+                              <a:latin typeface="Cambria Math" panose="02040503050406030204" pitchFamily="18" charset="0"/>
+                              <a:ea typeface="Times New Roman" panose="02020603050405020304" pitchFamily="18" charset="0"/>
+                              <a:cs typeface="Arial" panose="020B0604020202020204" pitchFamily="34" charset="0"/>
+                            </a:rPr>
+                            <m:t>+1</m:t>
+                          </m:r>
+                        </m:sub>
+                        <m:sup>
+                          <m:r>
+                            <a:rPr lang="es-ES" sz="1800" i="1">
+                              <a:effectLst/>
+                              <a:latin typeface="Cambria Math" panose="02040503050406030204" pitchFamily="18" charset="0"/>
+                              <a:ea typeface="Times New Roman" panose="02020603050405020304" pitchFamily="18" charset="0"/>
+                              <a:cs typeface="Arial" panose="020B0604020202020204" pitchFamily="34" charset="0"/>
+                            </a:rPr>
+                            <m:t>𝐶</m:t>
+                          </m:r>
+                        </m:sup>
+                        <m:e>
+                          <m:f>
+                            <m:fPr>
+                              <m:ctrlPr>
+                                <a:rPr lang="es-MX" sz="1800" i="1">
+                                  <a:effectLst/>
+                                  <a:latin typeface="Cambria Math" panose="02040503050406030204" pitchFamily="18" charset="0"/>
+                                  <a:cs typeface="Arial" panose="020B0604020202020204" pitchFamily="34" charset="0"/>
+                                </a:rPr>
+                              </m:ctrlPr>
+                            </m:fPr>
+                            <m:num>
+                              <m:sSub>
+                                <m:sSubPr>
+                                  <m:ctrlPr>
+                                    <a:rPr lang="es-MX" sz="1800" i="1">
+                                      <a:effectLst/>
+                                      <a:latin typeface="Cambria Math" panose="02040503050406030204" pitchFamily="18" charset="0"/>
+                                      <a:cs typeface="Arial" panose="020B0604020202020204" pitchFamily="34" charset="0"/>
+                                    </a:rPr>
+                                  </m:ctrlPr>
+                                </m:sSubPr>
+                                <m:e>
+                                  <m:r>
+                                    <a:rPr lang="es-ES" sz="1800" i="1">
+                                      <a:effectLst/>
+                                      <a:latin typeface="Cambria Math" panose="02040503050406030204" pitchFamily="18" charset="0"/>
+                                      <a:ea typeface="Times New Roman" panose="02020603050405020304" pitchFamily="18" charset="0"/>
+                                      <a:cs typeface="Arial" panose="020B0604020202020204" pitchFamily="34" charset="0"/>
+                                    </a:rPr>
+                                    <m:t>𝜇</m:t>
+                                  </m:r>
+                                </m:e>
+                                <m:sub>
+                                  <m:r>
+                                    <a:rPr lang="es-ES" sz="1800" i="1">
+                                      <a:effectLst/>
+                                      <a:latin typeface="Cambria Math" panose="02040503050406030204" pitchFamily="18" charset="0"/>
+                                      <a:ea typeface="Times New Roman" panose="02020603050405020304" pitchFamily="18" charset="0"/>
+                                      <a:cs typeface="Arial" panose="020B0604020202020204" pitchFamily="34" charset="0"/>
+                                    </a:rPr>
+                                    <m:t>𝜔</m:t>
+                                  </m:r>
+                                </m:sub>
+                              </m:sSub>
+                              <m:r>
+                                <a:rPr lang="es-ES" sz="1800" i="1">
+                                  <a:effectLst/>
+                                  <a:latin typeface="Cambria Math" panose="02040503050406030204" pitchFamily="18" charset="0"/>
+                                  <a:ea typeface="Times New Roman" panose="02020603050405020304" pitchFamily="18" charset="0"/>
+                                  <a:cs typeface="Arial" panose="020B0604020202020204" pitchFamily="34" charset="0"/>
+                                </a:rPr>
+                                <m:t>∗</m:t>
+                              </m:r>
+                              <m:sSub>
+                                <m:sSubPr>
+                                  <m:ctrlPr>
+                                    <a:rPr lang="es-MX" sz="1800" i="1">
+                                      <a:effectLst/>
+                                      <a:latin typeface="Cambria Math" panose="02040503050406030204" pitchFamily="18" charset="0"/>
+                                      <a:cs typeface="Arial" panose="020B0604020202020204" pitchFamily="34" charset="0"/>
+                                    </a:rPr>
+                                  </m:ctrlPr>
+                                </m:sSubPr>
+                                <m:e>
+                                  <m:r>
+                                    <a:rPr lang="es-ES" sz="1800" i="1">
+                                      <a:effectLst/>
+                                      <a:latin typeface="Cambria Math" panose="02040503050406030204" pitchFamily="18" charset="0"/>
+                                      <a:ea typeface="Times New Roman" panose="02020603050405020304" pitchFamily="18" charset="0"/>
+                                      <a:cs typeface="Arial" panose="020B0604020202020204" pitchFamily="34" charset="0"/>
+                                    </a:rPr>
+                                    <m:t>𝑋</m:t>
+                                  </m:r>
+                                </m:e>
+                                <m:sub>
+                                  <m:r>
+                                    <a:rPr lang="es-ES" sz="1800" i="1">
+                                      <a:effectLst/>
+                                      <a:latin typeface="Cambria Math" panose="02040503050406030204" pitchFamily="18" charset="0"/>
+                                      <a:ea typeface="Times New Roman" panose="02020603050405020304" pitchFamily="18" charset="0"/>
+                                      <a:cs typeface="Arial" panose="020B0604020202020204" pitchFamily="34" charset="0"/>
+                                    </a:rPr>
+                                    <m:t>𝑘</m:t>
+                                  </m:r>
+                                </m:sub>
+                              </m:sSub>
+                              <m:r>
+                                <a:rPr lang="es-ES" sz="1800" i="1">
+                                  <a:effectLst/>
+                                  <a:latin typeface="Cambria Math" panose="02040503050406030204" pitchFamily="18" charset="0"/>
+                                  <a:ea typeface="Times New Roman" panose="02020603050405020304" pitchFamily="18" charset="0"/>
+                                  <a:cs typeface="Arial" panose="020B0604020202020204" pitchFamily="34" charset="0"/>
+                                </a:rPr>
+                                <m:t>∗</m:t>
+                              </m:r>
+                              <m:sSub>
+                                <m:sSubPr>
+                                  <m:ctrlPr>
+                                    <a:rPr lang="es-MX" sz="1800" i="1">
+                                      <a:effectLst/>
+                                      <a:latin typeface="Cambria Math" panose="02040503050406030204" pitchFamily="18" charset="0"/>
+                                      <a:cs typeface="Arial" panose="020B0604020202020204" pitchFamily="34" charset="0"/>
+                                    </a:rPr>
+                                  </m:ctrlPr>
+                                </m:sSubPr>
+                                <m:e>
+                                  <m:r>
+                                    <a:rPr lang="es-ES" sz="1800" i="1">
+                                      <a:effectLst/>
+                                      <a:latin typeface="Cambria Math" panose="02040503050406030204" pitchFamily="18" charset="0"/>
+                                      <a:ea typeface="Times New Roman" panose="02020603050405020304" pitchFamily="18" charset="0"/>
+                                      <a:cs typeface="Arial" panose="020B0604020202020204" pitchFamily="34" charset="0"/>
+                                    </a:rPr>
+                                    <m:t>𝑋</m:t>
+                                  </m:r>
+                                </m:e>
+                                <m:sub>
+                                  <m:r>
+                                    <a:rPr lang="es-ES" sz="1800" i="1">
+                                      <a:effectLst/>
+                                      <a:latin typeface="Cambria Math" panose="02040503050406030204" pitchFamily="18" charset="0"/>
+                                      <a:ea typeface="Times New Roman" panose="02020603050405020304" pitchFamily="18" charset="0"/>
+                                      <a:cs typeface="Arial" panose="020B0604020202020204" pitchFamily="34" charset="0"/>
+                                    </a:rPr>
+                                    <m:t>𝑖</m:t>
+                                  </m:r>
+                                </m:sub>
+                              </m:sSub>
+                            </m:num>
+                            <m:den>
+                              <m:nary>
+                                <m:naryPr>
+                                  <m:chr m:val="∑"/>
+                                  <m:ctrlPr>
+                                    <a:rPr lang="es-MX" sz="1800" i="1">
+                                      <a:effectLst/>
+                                      <a:latin typeface="Cambria Math" panose="02040503050406030204" pitchFamily="18" charset="0"/>
+                                      <a:cs typeface="Arial" panose="020B0604020202020204" pitchFamily="34" charset="0"/>
+                                    </a:rPr>
+                                  </m:ctrlPr>
+                                </m:naryPr>
+                                <m:sub>
+                                  <m:r>
+                                    <a:rPr lang="es-ES" sz="1800" i="1">
+                                      <a:effectLst/>
+                                      <a:latin typeface="Cambria Math" panose="02040503050406030204" pitchFamily="18" charset="0"/>
+                                      <a:ea typeface="Times New Roman" panose="02020603050405020304" pitchFamily="18" charset="0"/>
+                                      <a:cs typeface="Arial" panose="020B0604020202020204" pitchFamily="34" charset="0"/>
+                                    </a:rPr>
+                                    <m:t>𝑗</m:t>
+                                  </m:r>
+                                  <m:r>
+                                    <a:rPr lang="es-ES" sz="1800" i="1">
+                                      <a:effectLst/>
+                                      <a:latin typeface="Cambria Math" panose="02040503050406030204" pitchFamily="18" charset="0"/>
+                                      <a:ea typeface="Times New Roman" panose="02020603050405020304" pitchFamily="18" charset="0"/>
+                                      <a:cs typeface="Arial" panose="020B0604020202020204" pitchFamily="34" charset="0"/>
+                                    </a:rPr>
+                                    <m:t>=0</m:t>
+                                  </m:r>
+                                </m:sub>
+                                <m:sup>
+                                  <m:r>
+                                    <a:rPr lang="es-ES" sz="1800" i="1">
+                                      <a:effectLst/>
+                                      <a:latin typeface="Cambria Math" panose="02040503050406030204" pitchFamily="18" charset="0"/>
+                                      <a:ea typeface="Times New Roman" panose="02020603050405020304" pitchFamily="18" charset="0"/>
+                                      <a:cs typeface="Arial" panose="020B0604020202020204" pitchFamily="34" charset="0"/>
+                                    </a:rPr>
+                                    <m:t>𝑘</m:t>
+                                  </m:r>
+                                  <m:r>
+                                    <a:rPr lang="es-ES" sz="1800" i="1">
+                                      <a:effectLst/>
+                                      <a:latin typeface="Cambria Math" panose="02040503050406030204" pitchFamily="18" charset="0"/>
+                                      <a:ea typeface="Times New Roman" panose="02020603050405020304" pitchFamily="18" charset="0"/>
+                                      <a:cs typeface="Arial" panose="020B0604020202020204" pitchFamily="34" charset="0"/>
+                                    </a:rPr>
+                                    <m:t>−1</m:t>
+                                  </m:r>
+                                </m:sup>
+                                <m:e>
+                                  <m:sSub>
+                                    <m:sSubPr>
+                                      <m:ctrlPr>
+                                        <a:rPr lang="es-MX" sz="1800" i="1">
+                                          <a:effectLst/>
+                                          <a:latin typeface="Cambria Math" panose="02040503050406030204" pitchFamily="18" charset="0"/>
+                                          <a:cs typeface="Arial" panose="020B0604020202020204" pitchFamily="34" charset="0"/>
+                                        </a:rPr>
+                                      </m:ctrlPr>
+                                    </m:sSubPr>
+                                    <m:e>
+                                      <m:r>
+                                        <a:rPr lang="es-ES" sz="1800" i="1">
+                                          <a:effectLst/>
+                                          <a:latin typeface="Cambria Math" panose="02040503050406030204" pitchFamily="18" charset="0"/>
+                                          <a:ea typeface="Times New Roman" panose="02020603050405020304" pitchFamily="18" charset="0"/>
+                                          <a:cs typeface="Arial" panose="020B0604020202020204" pitchFamily="34" charset="0"/>
+                                        </a:rPr>
+                                        <m:t>𝑋</m:t>
+                                      </m:r>
+                                    </m:e>
+                                    <m:sub>
+                                      <m:r>
+                                        <a:rPr lang="es-ES" sz="1800" i="1">
+                                          <a:effectLst/>
+                                          <a:latin typeface="Cambria Math" panose="02040503050406030204" pitchFamily="18" charset="0"/>
+                                          <a:ea typeface="Times New Roman" panose="02020603050405020304" pitchFamily="18" charset="0"/>
+                                          <a:cs typeface="Arial" panose="020B0604020202020204" pitchFamily="34" charset="0"/>
+                                        </a:rPr>
+                                        <m:t>𝑗</m:t>
+                                      </m:r>
+                                    </m:sub>
+                                  </m:sSub>
+                                </m:e>
+                              </m:nary>
+                            </m:den>
+                          </m:f>
+                        </m:e>
+                      </m:nary>
+                    </m:oMath>
+                  </m:oMathPara>
+                </a14:m>
+                <a:endParaRPr lang="es-MX" dirty="0"/>
+              </a:p>
+            </p:txBody>
+          </p:sp>
+        </mc:Choice>
+        <mc:Fallback>
+          <p:sp>
+            <p:nvSpPr>
+              <p:cNvPr id="6" name="CuadroTexto 5">
+                <a:extLst>
+                  <a:ext uri="{FF2B5EF4-FFF2-40B4-BE49-F238E27FC236}">
+                    <a16:creationId xmlns:a16="http://schemas.microsoft.com/office/drawing/2014/main" id="{EBC3F3E1-9C69-7699-D0E5-C4FB459222B5}"/>
+                  </a:ext>
+                </a:extLst>
+              </p:cNvPr>
+              <p:cNvSpPr txBox="1">
+                <a:spLocks noRot="1" noChangeAspect="1" noMove="1" noResize="1" noEditPoints="1" noAdjustHandles="1" noChangeArrowheads="1" noChangeShapeType="1" noTextEdit="1"/>
+              </p:cNvSpPr>
+              <p:nvPr/>
+            </p:nvSpPr>
+            <p:spPr>
+              <a:xfrm>
+                <a:off x="4225255" y="4279484"/>
+                <a:ext cx="3741490" cy="872868"/>
+              </a:xfrm>
+              <a:prstGeom prst="rect">
+                <a:avLst/>
+              </a:prstGeom>
+              <a:blipFill>
+                <a:blip r:embed="rId3"/>
+                <a:stretch>
+                  <a:fillRect/>
+                </a:stretch>
+              </a:blipFill>
+            </p:spPr>
+            <p:txBody>
+              <a:bodyPr/>
+              <a:lstStyle/>
+              <a:p>
+                <a:r>
+                  <a:rPr lang="es-MX">
+                    <a:noFill/>
+                  </a:rPr>
+                  <a:t> </a:t>
+                </a:r>
+              </a:p>
+            </p:txBody>
+          </p:sp>
+        </mc:Fallback>
+      </mc:AlternateContent>
+      <p:sp>
+        <p:nvSpPr>
+          <p:cNvPr id="7" name="CuadroTexto 6">
+            <a:extLst>
+              <a:ext uri="{FF2B5EF4-FFF2-40B4-BE49-F238E27FC236}">
+                <a16:creationId xmlns:a16="http://schemas.microsoft.com/office/drawing/2014/main" id="{F9B37BD9-7C06-FB42-586E-E5408A024611}"/>
+              </a:ext>
+            </a:extLst>
+          </p:cNvPr>
+          <p:cNvSpPr txBox="1"/>
+          <p:nvPr/>
+        </p:nvSpPr>
+        <p:spPr>
+          <a:xfrm>
+            <a:off x="4942164" y="3112579"/>
+            <a:ext cx="2307672" cy="646331"/>
+          </a:xfrm>
+          <a:prstGeom prst="rect">
+            <a:avLst/>
+          </a:prstGeom>
+          <a:noFill/>
+        </p:spPr>
+        <p:txBody>
+          <a:bodyPr wrap="square" rtlCol="0">
+            <a:spAutoFit/>
+          </a:bodyPr>
+          <a:lstStyle/>
+          <a:p>
+            <a:pPr algn="ctr"/>
+            <a:r>
+              <a:rPr lang="es-MX" dirty="0"/>
+              <a:t>Recursos que proporciona la red P2P</a:t>
+            </a:r>
+          </a:p>
+        </p:txBody>
+      </p:sp>
+      <mc:AlternateContent xmlns:mc="http://schemas.openxmlformats.org/markup-compatibility/2006">
+        <mc:Choice xmlns:a14="http://schemas.microsoft.com/office/drawing/2010/main" Requires="a14">
+          <p:sp>
+            <p:nvSpPr>
+              <p:cNvPr id="8" name="CuadroTexto 7">
+                <a:extLst>
+                  <a:ext uri="{FF2B5EF4-FFF2-40B4-BE49-F238E27FC236}">
+                    <a16:creationId xmlns:a16="http://schemas.microsoft.com/office/drawing/2014/main" id="{F60F6149-D4A2-BB17-179A-4543995BB6A1}"/>
+                  </a:ext>
+                </a:extLst>
+              </p:cNvPr>
+              <p:cNvSpPr txBox="1"/>
+              <p:nvPr/>
+            </p:nvSpPr>
+            <p:spPr>
+              <a:xfrm>
+                <a:off x="8099833" y="4356107"/>
+                <a:ext cx="3741490" cy="719621"/>
+              </a:xfrm>
+              <a:prstGeom prst="rect">
+                <a:avLst/>
+              </a:prstGeom>
+              <a:noFill/>
+            </p:spPr>
+            <p:txBody>
+              <a:bodyPr wrap="square" rtlCol="0">
+                <a:spAutoFit/>
+              </a:bodyPr>
+              <a:lstStyle/>
+              <a:p>
+                <a14:m>
+                  <m:oMathPara xmlns:m="http://schemas.openxmlformats.org/officeDocument/2006/math">
+                    <m:oMathParaPr>
+                      <m:jc m:val="centerGroup"/>
+                    </m:oMathParaPr>
+                    <m:oMath xmlns:m="http://schemas.openxmlformats.org/officeDocument/2006/math">
+                      <m:sSubSup>
+                        <m:sSubSupPr>
+                          <m:ctrlPr>
+                            <a:rPr lang="es-MX" i="1" smtClean="0">
+                              <a:latin typeface="Cambria Math" panose="02040503050406030204" pitchFamily="18" charset="0"/>
+                              <a:cs typeface="Arial" panose="020B0604020202020204" pitchFamily="34" charset="0"/>
+                            </a:rPr>
+                          </m:ctrlPr>
+                        </m:sSubSupPr>
+                        <m:e>
+                          <m:r>
+                            <a:rPr lang="es-ES" i="1">
+                              <a:latin typeface="Cambria Math" panose="02040503050406030204" pitchFamily="18" charset="0"/>
+                              <a:ea typeface="Times New Roman" panose="02020603050405020304" pitchFamily="18" charset="0"/>
+                              <a:cs typeface="Arial" panose="020B0604020202020204" pitchFamily="34" charset="0"/>
+                            </a:rPr>
+                            <m:t>𝐵</m:t>
+                          </m:r>
+                        </m:e>
+                        <m:sub>
+                          <m:r>
+                            <a:rPr lang="es-ES" i="1">
+                              <a:latin typeface="Cambria Math" panose="02040503050406030204" pitchFamily="18" charset="0"/>
+                              <a:ea typeface="Times New Roman" panose="02020603050405020304" pitchFamily="18" charset="0"/>
+                              <a:cs typeface="Arial" panose="020B0604020202020204" pitchFamily="34" charset="0"/>
+                            </a:rPr>
+                            <m:t>𝑢</m:t>
+                          </m:r>
+                          <m:r>
+                            <a:rPr lang="es-ES" i="1">
+                              <a:latin typeface="Cambria Math" panose="02040503050406030204" pitchFamily="18" charset="0"/>
+                              <a:ea typeface="Times New Roman" panose="02020603050405020304" pitchFamily="18" charset="0"/>
+                              <a:cs typeface="Arial" panose="020B0604020202020204" pitchFamily="34" charset="0"/>
+                            </a:rPr>
+                            <m:t>,</m:t>
+                          </m:r>
+                          <m:r>
+                            <a:rPr lang="es-ES" i="1">
+                              <a:latin typeface="Cambria Math" panose="02040503050406030204" pitchFamily="18" charset="0"/>
+                              <a:ea typeface="Times New Roman" panose="02020603050405020304" pitchFamily="18" charset="0"/>
+                              <a:cs typeface="Arial" panose="020B0604020202020204" pitchFamily="34" charset="0"/>
+                            </a:rPr>
+                            <m:t>𝑠</m:t>
+                          </m:r>
+                        </m:sub>
+                        <m:sup>
+                          <m:r>
+                            <a:rPr lang="es-ES" i="1">
+                              <a:latin typeface="Cambria Math" panose="02040503050406030204" pitchFamily="18" charset="0"/>
+                              <a:ea typeface="Times New Roman" panose="02020603050405020304" pitchFamily="18" charset="0"/>
+                              <a:cs typeface="Arial" panose="020B0604020202020204" pitchFamily="34" charset="0"/>
+                            </a:rPr>
+                            <m:t>𝑖</m:t>
+                          </m:r>
+                        </m:sup>
+                      </m:sSubSup>
+                      <m:r>
+                        <a:rPr lang="es-ES" i="1">
+                          <a:latin typeface="Cambria Math" panose="02040503050406030204" pitchFamily="18" charset="0"/>
+                          <a:ea typeface="Times New Roman" panose="02020603050405020304" pitchFamily="18" charset="0"/>
+                          <a:cs typeface="Arial" panose="020B0604020202020204" pitchFamily="34" charset="0"/>
+                        </a:rPr>
+                        <m:t>=</m:t>
+                      </m:r>
+                      <m:f>
+                        <m:fPr>
+                          <m:ctrlPr>
+                            <a:rPr lang="es-MX" i="1">
+                              <a:latin typeface="Cambria Math" panose="02040503050406030204" pitchFamily="18" charset="0"/>
+                              <a:cs typeface="Arial" panose="020B0604020202020204" pitchFamily="34" charset="0"/>
+                            </a:rPr>
+                          </m:ctrlPr>
+                        </m:fPr>
+                        <m:num>
+                          <m:sSub>
+                            <m:sSubPr>
+                              <m:ctrlPr>
+                                <a:rPr lang="es-MX" i="1">
+                                  <a:latin typeface="Cambria Math" panose="02040503050406030204" pitchFamily="18" charset="0"/>
+                                  <a:cs typeface="Arial" panose="020B0604020202020204" pitchFamily="34" charset="0"/>
+                                </a:rPr>
+                              </m:ctrlPr>
+                            </m:sSubPr>
+                            <m:e>
+                              <m:r>
+                                <a:rPr lang="es-ES" i="1">
+                                  <a:latin typeface="Cambria Math" panose="02040503050406030204" pitchFamily="18" charset="0"/>
+                                  <a:ea typeface="Times New Roman" panose="02020603050405020304" pitchFamily="18" charset="0"/>
+                                  <a:cs typeface="Arial" panose="020B0604020202020204" pitchFamily="34" charset="0"/>
+                                </a:rPr>
+                                <m:t>𝜇</m:t>
+                              </m:r>
+                            </m:e>
+                            <m:sub>
+                              <m:r>
+                                <a:rPr lang="es-ES" i="1">
+                                  <a:latin typeface="Cambria Math" panose="02040503050406030204" pitchFamily="18" charset="0"/>
+                                  <a:ea typeface="Times New Roman" panose="02020603050405020304" pitchFamily="18" charset="0"/>
+                                  <a:cs typeface="Arial" panose="020B0604020202020204" pitchFamily="34" charset="0"/>
+                                </a:rPr>
+                                <m:t>𝑠</m:t>
+                              </m:r>
+                            </m:sub>
+                          </m:sSub>
+                          <m:r>
+                            <a:rPr lang="es-ES" i="1">
+                              <a:latin typeface="Cambria Math" panose="02040503050406030204" pitchFamily="18" charset="0"/>
+                              <a:ea typeface="Times New Roman" panose="02020603050405020304" pitchFamily="18" charset="0"/>
+                              <a:cs typeface="Arial" panose="020B0604020202020204" pitchFamily="34" charset="0"/>
+                            </a:rPr>
+                            <m:t>∗</m:t>
+                          </m:r>
+                          <m:sSub>
+                            <m:sSubPr>
+                              <m:ctrlPr>
+                                <a:rPr lang="es-MX" i="1">
+                                  <a:latin typeface="Cambria Math" panose="02040503050406030204" pitchFamily="18" charset="0"/>
+                                  <a:cs typeface="Arial" panose="020B0604020202020204" pitchFamily="34" charset="0"/>
+                                </a:rPr>
+                              </m:ctrlPr>
+                            </m:sSubPr>
+                            <m:e>
+                              <m:r>
+                                <a:rPr lang="es-ES" i="1">
+                                  <a:latin typeface="Cambria Math" panose="02040503050406030204" pitchFamily="18" charset="0"/>
+                                  <a:ea typeface="Times New Roman" panose="02020603050405020304" pitchFamily="18" charset="0"/>
+                                  <a:cs typeface="Arial" panose="020B0604020202020204" pitchFamily="34" charset="0"/>
+                                </a:rPr>
+                                <m:t>𝑋</m:t>
+                              </m:r>
+                            </m:e>
+                            <m:sub>
+                              <m:r>
+                                <a:rPr lang="es-ES" i="1">
+                                  <a:latin typeface="Cambria Math" panose="02040503050406030204" pitchFamily="18" charset="0"/>
+                                  <a:ea typeface="Times New Roman" panose="02020603050405020304" pitchFamily="18" charset="0"/>
+                                  <a:cs typeface="Arial" panose="020B0604020202020204" pitchFamily="34" charset="0"/>
+                                </a:rPr>
+                                <m:t>𝑖</m:t>
+                              </m:r>
+                            </m:sub>
+                          </m:sSub>
+                        </m:num>
+                        <m:den>
+                          <m:nary>
+                            <m:naryPr>
+                              <m:chr m:val="∑"/>
+                              <m:ctrlPr>
+                                <a:rPr lang="es-MX" i="1">
+                                  <a:latin typeface="Cambria Math" panose="02040503050406030204" pitchFamily="18" charset="0"/>
+                                  <a:cs typeface="Arial" panose="020B0604020202020204" pitchFamily="34" charset="0"/>
+                                </a:rPr>
+                              </m:ctrlPr>
+                            </m:naryPr>
+                            <m:sub>
+                              <m:r>
+                                <a:rPr lang="es-ES" i="1">
+                                  <a:latin typeface="Cambria Math" panose="02040503050406030204" pitchFamily="18" charset="0"/>
+                                  <a:ea typeface="Times New Roman" panose="02020603050405020304" pitchFamily="18" charset="0"/>
+                                  <a:cs typeface="Arial" panose="020B0604020202020204" pitchFamily="34" charset="0"/>
+                                </a:rPr>
+                                <m:t>𝑗</m:t>
+                              </m:r>
+                              <m:r>
+                                <a:rPr lang="es-ES" i="1">
+                                  <a:latin typeface="Cambria Math" panose="02040503050406030204" pitchFamily="18" charset="0"/>
+                                  <a:ea typeface="Times New Roman" panose="02020603050405020304" pitchFamily="18" charset="0"/>
+                                  <a:cs typeface="Arial" panose="020B0604020202020204" pitchFamily="34" charset="0"/>
+                                </a:rPr>
+                                <m:t>=0</m:t>
+                              </m:r>
+                            </m:sub>
+                            <m:sup>
+                              <m:r>
+                                <a:rPr lang="es-ES" i="1">
+                                  <a:latin typeface="Cambria Math" panose="02040503050406030204" pitchFamily="18" charset="0"/>
+                                  <a:ea typeface="Times New Roman" panose="02020603050405020304" pitchFamily="18" charset="0"/>
+                                  <a:cs typeface="Arial" panose="020B0604020202020204" pitchFamily="34" charset="0"/>
+                                </a:rPr>
+                                <m:t>𝐶</m:t>
+                              </m:r>
+                              <m:r>
+                                <a:rPr lang="es-ES" i="1">
+                                  <a:latin typeface="Cambria Math" panose="02040503050406030204" pitchFamily="18" charset="0"/>
+                                  <a:ea typeface="Times New Roman" panose="02020603050405020304" pitchFamily="18" charset="0"/>
+                                  <a:cs typeface="Arial" panose="020B0604020202020204" pitchFamily="34" charset="0"/>
+                                </a:rPr>
+                                <m:t>−1</m:t>
+                              </m:r>
+                            </m:sup>
+                            <m:e>
+                              <m:sSub>
+                                <m:sSubPr>
+                                  <m:ctrlPr>
+                                    <a:rPr lang="es-MX" i="1">
+                                      <a:latin typeface="Cambria Math" panose="02040503050406030204" pitchFamily="18" charset="0"/>
+                                      <a:cs typeface="Arial" panose="020B0604020202020204" pitchFamily="34" charset="0"/>
+                                    </a:rPr>
+                                  </m:ctrlPr>
+                                </m:sSubPr>
+                                <m:e>
+                                  <m:r>
+                                    <a:rPr lang="es-ES" i="1">
+                                      <a:latin typeface="Cambria Math" panose="02040503050406030204" pitchFamily="18" charset="0"/>
+                                      <a:ea typeface="Times New Roman" panose="02020603050405020304" pitchFamily="18" charset="0"/>
+                                      <a:cs typeface="Arial" panose="020B0604020202020204" pitchFamily="34" charset="0"/>
+                                    </a:rPr>
+                                    <m:t>𝑋</m:t>
+                                  </m:r>
+                                </m:e>
+                                <m:sub>
+                                  <m:r>
+                                    <a:rPr lang="es-ES" i="1">
+                                      <a:latin typeface="Cambria Math" panose="02040503050406030204" pitchFamily="18" charset="0"/>
+                                      <a:ea typeface="Times New Roman" panose="02020603050405020304" pitchFamily="18" charset="0"/>
+                                      <a:cs typeface="Arial" panose="020B0604020202020204" pitchFamily="34" charset="0"/>
+                                    </a:rPr>
+                                    <m:t>𝑗</m:t>
+                                  </m:r>
+                                </m:sub>
+                              </m:sSub>
+                            </m:e>
+                          </m:nary>
+                        </m:den>
+                      </m:f>
+                    </m:oMath>
+                  </m:oMathPara>
+                </a14:m>
+                <a:endParaRPr lang="es-MX" dirty="0"/>
+              </a:p>
+            </p:txBody>
+          </p:sp>
+        </mc:Choice>
+        <mc:Fallback>
+          <p:sp>
+            <p:nvSpPr>
+              <p:cNvPr id="8" name="CuadroTexto 7">
+                <a:extLst>
+                  <a:ext uri="{FF2B5EF4-FFF2-40B4-BE49-F238E27FC236}">
+                    <a16:creationId xmlns:a16="http://schemas.microsoft.com/office/drawing/2014/main" id="{F60F6149-D4A2-BB17-179A-4543995BB6A1}"/>
+                  </a:ext>
+                </a:extLst>
+              </p:cNvPr>
+              <p:cNvSpPr txBox="1">
+                <a:spLocks noRot="1" noChangeAspect="1" noMove="1" noResize="1" noEditPoints="1" noAdjustHandles="1" noChangeArrowheads="1" noChangeShapeType="1" noTextEdit="1"/>
+              </p:cNvSpPr>
+              <p:nvPr/>
+            </p:nvSpPr>
+            <p:spPr>
+              <a:xfrm>
+                <a:off x="8099833" y="4356107"/>
+                <a:ext cx="3741490" cy="719621"/>
+              </a:xfrm>
+              <a:prstGeom prst="rect">
+                <a:avLst/>
+              </a:prstGeom>
+              <a:blipFill>
+                <a:blip r:embed="rId4"/>
+                <a:stretch>
+                  <a:fillRect/>
+                </a:stretch>
+              </a:blipFill>
+            </p:spPr>
+            <p:txBody>
+              <a:bodyPr/>
+              <a:lstStyle/>
+              <a:p>
+                <a:r>
+                  <a:rPr lang="es-MX">
+                    <a:noFill/>
+                  </a:rPr>
+                  <a:t> </a:t>
+                </a:r>
+              </a:p>
+            </p:txBody>
+          </p:sp>
+        </mc:Fallback>
+      </mc:AlternateContent>
+      <p:sp>
+        <p:nvSpPr>
+          <p:cNvPr id="9" name="CuadroTexto 8">
+            <a:extLst>
+              <a:ext uri="{FF2B5EF4-FFF2-40B4-BE49-F238E27FC236}">
+                <a16:creationId xmlns:a16="http://schemas.microsoft.com/office/drawing/2014/main" id="{1B9B81A1-EC77-3F7D-9D85-94AA0382AA81}"/>
+              </a:ext>
+            </a:extLst>
+          </p:cNvPr>
+          <p:cNvSpPr txBox="1"/>
+          <p:nvPr/>
+        </p:nvSpPr>
+        <p:spPr>
+          <a:xfrm>
+            <a:off x="8784672" y="3112579"/>
+            <a:ext cx="2371812" cy="646331"/>
+          </a:xfrm>
+          <a:prstGeom prst="rect">
+            <a:avLst/>
+          </a:prstGeom>
+          <a:noFill/>
+        </p:spPr>
+        <p:txBody>
+          <a:bodyPr wrap="square" rtlCol="0">
+            <a:spAutoFit/>
+          </a:bodyPr>
+          <a:lstStyle/>
+          <a:p>
+            <a:pPr algn="ctr"/>
+            <a:r>
+              <a:rPr lang="es-MX" dirty="0"/>
+              <a:t>Recursos que proporciona la red CDN</a:t>
+            </a:r>
+          </a:p>
+        </p:txBody>
+      </p:sp>
+      <mc:AlternateContent xmlns:mc="http://schemas.openxmlformats.org/markup-compatibility/2006">
+        <mc:Choice xmlns:a14="http://schemas.microsoft.com/office/drawing/2010/main" Requires="a14">
+          <p:sp>
+            <p:nvSpPr>
+              <p:cNvPr id="10" name="CuadroTexto 9">
+                <a:extLst>
+                  <a:ext uri="{FF2B5EF4-FFF2-40B4-BE49-F238E27FC236}">
+                    <a16:creationId xmlns:a16="http://schemas.microsoft.com/office/drawing/2014/main" id="{EA2759FF-418B-BE33-AB3B-FFD48B20B7DB}"/>
+                  </a:ext>
+                </a:extLst>
+              </p:cNvPr>
+              <p:cNvSpPr txBox="1"/>
+              <p:nvPr/>
+            </p:nvSpPr>
+            <p:spPr>
+              <a:xfrm>
+                <a:off x="838200" y="3112579"/>
+                <a:ext cx="2371812" cy="646331"/>
+              </a:xfrm>
+              <a:prstGeom prst="rect">
+                <a:avLst/>
+              </a:prstGeom>
+              <a:noFill/>
+            </p:spPr>
+            <p:txBody>
+              <a:bodyPr wrap="square" rtlCol="0">
+                <a:spAutoFit/>
+              </a:bodyPr>
+              <a:lstStyle/>
+              <a:p>
+                <a:pPr algn="ctr"/>
+                <a:r>
+                  <a:rPr lang="es-MX" dirty="0"/>
+                  <a:t>Descarga máxima de la población </a:t>
+                </a:r>
+                <a14:m>
+                  <m:oMath xmlns:m="http://schemas.openxmlformats.org/officeDocument/2006/math">
+                    <m:sSub>
+                      <m:sSubPr>
+                        <m:ctrlPr>
+                          <a:rPr lang="es-MX" sz="1800" i="1" smtClean="0">
+                            <a:effectLst/>
+                            <a:latin typeface="Cambria Math" panose="02040503050406030204" pitchFamily="18" charset="0"/>
+                            <a:cs typeface="Arial" panose="020B0604020202020204" pitchFamily="34" charset="0"/>
+                          </a:rPr>
+                        </m:ctrlPr>
+                      </m:sSubPr>
+                      <m:e>
+                        <m:r>
+                          <a:rPr lang="es-ES" sz="1800" i="1">
+                            <a:effectLst/>
+                            <a:latin typeface="Cambria Math" panose="02040503050406030204" pitchFamily="18" charset="0"/>
+                            <a:ea typeface="Times New Roman" panose="02020603050405020304" pitchFamily="18" charset="0"/>
+                            <a:cs typeface="Arial" panose="020B0604020202020204" pitchFamily="34" charset="0"/>
+                          </a:rPr>
+                          <m:t>𝑋</m:t>
+                        </m:r>
+                      </m:e>
+                      <m:sub>
+                        <m:r>
+                          <a:rPr lang="es-ES" sz="1800" i="1">
+                            <a:effectLst/>
+                            <a:latin typeface="Cambria Math" panose="02040503050406030204" pitchFamily="18" charset="0"/>
+                            <a:ea typeface="Times New Roman" panose="02020603050405020304" pitchFamily="18" charset="0"/>
+                            <a:cs typeface="Arial" panose="020B0604020202020204" pitchFamily="34" charset="0"/>
+                          </a:rPr>
+                          <m:t>𝑖</m:t>
+                        </m:r>
+                      </m:sub>
+                    </m:sSub>
+                  </m:oMath>
+                </a14:m>
+                <a:endParaRPr lang="es-MX" dirty="0"/>
+              </a:p>
+            </p:txBody>
+          </p:sp>
+        </mc:Choice>
+        <mc:Fallback>
+          <p:sp>
+            <p:nvSpPr>
+              <p:cNvPr id="10" name="CuadroTexto 9">
+                <a:extLst>
+                  <a:ext uri="{FF2B5EF4-FFF2-40B4-BE49-F238E27FC236}">
+                    <a16:creationId xmlns:a16="http://schemas.microsoft.com/office/drawing/2014/main" id="{EA2759FF-418B-BE33-AB3B-FFD48B20B7DB}"/>
+                  </a:ext>
+                </a:extLst>
+              </p:cNvPr>
+              <p:cNvSpPr txBox="1">
+                <a:spLocks noRot="1" noChangeAspect="1" noMove="1" noResize="1" noEditPoints="1" noAdjustHandles="1" noChangeArrowheads="1" noChangeShapeType="1" noTextEdit="1"/>
+              </p:cNvSpPr>
+              <p:nvPr/>
+            </p:nvSpPr>
+            <p:spPr>
+              <a:xfrm>
+                <a:off x="838200" y="3112579"/>
+                <a:ext cx="2371812" cy="646331"/>
+              </a:xfrm>
+              <a:prstGeom prst="rect">
+                <a:avLst/>
+              </a:prstGeom>
+              <a:blipFill>
+                <a:blip r:embed="rId5"/>
+                <a:stretch>
+                  <a:fillRect l="-1028" t="-5660" r="-771" b="-14151"/>
+                </a:stretch>
+              </a:blipFill>
+            </p:spPr>
+            <p:txBody>
+              <a:bodyPr/>
+              <a:lstStyle/>
+              <a:p>
+                <a:r>
+                  <a:rPr lang="es-MX">
+                    <a:noFill/>
+                  </a:rPr>
+                  <a:t> </a:t>
+                </a:r>
+              </a:p>
+            </p:txBody>
+          </p:sp>
+        </mc:Fallback>
+      </mc:AlternateContent>
+      <mc:AlternateContent xmlns:mc="http://schemas.openxmlformats.org/markup-compatibility/2006">
+        <mc:Choice xmlns:a14="http://schemas.microsoft.com/office/drawing/2010/main" Requires="a14">
+          <p:sp>
+            <p:nvSpPr>
+              <p:cNvPr id="11" name="CuadroTexto 10">
+                <a:extLst>
+                  <a:ext uri="{FF2B5EF4-FFF2-40B4-BE49-F238E27FC236}">
+                    <a16:creationId xmlns:a16="http://schemas.microsoft.com/office/drawing/2014/main" id="{4AB785DD-0DBF-EE6F-58AE-D5C840473F3E}"/>
+                  </a:ext>
+                </a:extLst>
+              </p:cNvPr>
+              <p:cNvSpPr txBox="1"/>
+              <p:nvPr/>
+            </p:nvSpPr>
+            <p:spPr>
+              <a:xfrm>
+                <a:off x="233231" y="4459298"/>
+                <a:ext cx="3741490" cy="369332"/>
+              </a:xfrm>
+              <a:prstGeom prst="rect">
+                <a:avLst/>
+              </a:prstGeom>
+              <a:noFill/>
+            </p:spPr>
+            <p:txBody>
+              <a:bodyPr wrap="square" rtlCol="0">
+                <a:spAutoFit/>
+              </a:bodyPr>
+              <a:lstStyle/>
+              <a:p>
+                <a14:m>
+                  <m:oMathPara xmlns:m="http://schemas.openxmlformats.org/officeDocument/2006/math">
+                    <m:oMathParaPr>
+                      <m:jc m:val="centerGroup"/>
+                    </m:oMathParaPr>
+                    <m:oMath xmlns:m="http://schemas.openxmlformats.org/officeDocument/2006/math">
+                      <m:r>
+                        <a:rPr lang="es-MX" sz="1800" b="0" i="1" smtClean="0">
+                          <a:effectLst/>
+                          <a:latin typeface="Cambria Math" panose="02040503050406030204" pitchFamily="18" charset="0"/>
+                          <a:cs typeface="Arial" panose="020B0604020202020204" pitchFamily="34" charset="0"/>
+                        </a:rPr>
+                        <m:t>𝐵𝑊</m:t>
+                      </m:r>
+                      <m:r>
+                        <a:rPr lang="es-MX" sz="1800" i="1">
+                          <a:effectLst/>
+                          <a:latin typeface="Cambria Math" panose="02040503050406030204" pitchFamily="18" charset="0"/>
+                          <a:ea typeface="Times New Roman" panose="02020603050405020304" pitchFamily="18" charset="0"/>
+                          <a:cs typeface="Arial" panose="020B0604020202020204" pitchFamily="34" charset="0"/>
+                        </a:rPr>
+                        <m:t>=</m:t>
+                      </m:r>
+                      <m:sSub>
+                        <m:sSubPr>
+                          <m:ctrlPr>
+                            <a:rPr lang="es-MX" i="1">
+                              <a:latin typeface="Cambria Math" panose="02040503050406030204" pitchFamily="18" charset="0"/>
+                              <a:cs typeface="Arial" panose="020B0604020202020204" pitchFamily="34" charset="0"/>
+                            </a:rPr>
+                          </m:ctrlPr>
+                        </m:sSubPr>
+                        <m:e>
+                          <m:r>
+                            <a:rPr lang="es-ES" i="1">
+                              <a:latin typeface="Cambria Math" panose="02040503050406030204" pitchFamily="18" charset="0"/>
+                              <a:ea typeface="Times New Roman" panose="02020603050405020304" pitchFamily="18" charset="0"/>
+                              <a:cs typeface="Arial" panose="020B0604020202020204" pitchFamily="34" charset="0"/>
+                            </a:rPr>
+                            <m:t>𝐶</m:t>
+                          </m:r>
+                        </m:e>
+                        <m:sub>
+                          <m:r>
+                            <a:rPr lang="es-ES" i="1">
+                              <a:latin typeface="Cambria Math" panose="02040503050406030204" pitchFamily="18" charset="0"/>
+                              <a:ea typeface="Times New Roman" panose="02020603050405020304" pitchFamily="18" charset="0"/>
+                              <a:cs typeface="Arial" panose="020B0604020202020204" pitchFamily="34" charset="0"/>
+                            </a:rPr>
+                            <m:t>𝜔</m:t>
+                          </m:r>
+                        </m:sub>
+                      </m:sSub>
+                      <m:r>
+                        <a:rPr lang="es-ES" i="1">
+                          <a:latin typeface="Cambria Math" panose="02040503050406030204" pitchFamily="18" charset="0"/>
+                          <a:ea typeface="Times New Roman" panose="02020603050405020304" pitchFamily="18" charset="0"/>
+                          <a:cs typeface="Arial" panose="020B0604020202020204" pitchFamily="34" charset="0"/>
+                        </a:rPr>
+                        <m:t>∗</m:t>
+                      </m:r>
+                      <m:sSub>
+                        <m:sSubPr>
+                          <m:ctrlPr>
+                            <a:rPr lang="es-MX" i="1">
+                              <a:latin typeface="Cambria Math" panose="02040503050406030204" pitchFamily="18" charset="0"/>
+                              <a:cs typeface="Arial" panose="020B0604020202020204" pitchFamily="34" charset="0"/>
+                            </a:rPr>
+                          </m:ctrlPr>
+                        </m:sSubPr>
+                        <m:e>
+                          <m:r>
+                            <a:rPr lang="es-ES" i="1">
+                              <a:latin typeface="Cambria Math" panose="02040503050406030204" pitchFamily="18" charset="0"/>
+                              <a:ea typeface="Times New Roman" panose="02020603050405020304" pitchFamily="18" charset="0"/>
+                              <a:cs typeface="Arial" panose="020B0604020202020204" pitchFamily="34" charset="0"/>
+                            </a:rPr>
+                            <m:t>𝑋</m:t>
+                          </m:r>
+                        </m:e>
+                        <m:sub>
+                          <m:r>
+                            <a:rPr lang="es-ES" i="1">
+                              <a:latin typeface="Cambria Math" panose="02040503050406030204" pitchFamily="18" charset="0"/>
+                              <a:ea typeface="Times New Roman" panose="02020603050405020304" pitchFamily="18" charset="0"/>
+                              <a:cs typeface="Arial" panose="020B0604020202020204" pitchFamily="34" charset="0"/>
+                            </a:rPr>
+                            <m:t>𝑖</m:t>
+                          </m:r>
+                        </m:sub>
+                      </m:sSub>
+                    </m:oMath>
+                  </m:oMathPara>
+                </a14:m>
+                <a:endParaRPr lang="es-MX" dirty="0"/>
+              </a:p>
+            </p:txBody>
+          </p:sp>
+        </mc:Choice>
+        <mc:Fallback>
+          <p:sp>
+            <p:nvSpPr>
+              <p:cNvPr id="11" name="CuadroTexto 10">
+                <a:extLst>
+                  <a:ext uri="{FF2B5EF4-FFF2-40B4-BE49-F238E27FC236}">
+                    <a16:creationId xmlns:a16="http://schemas.microsoft.com/office/drawing/2014/main" id="{4AB785DD-0DBF-EE6F-58AE-D5C840473F3E}"/>
+                  </a:ext>
+                </a:extLst>
+              </p:cNvPr>
+              <p:cNvSpPr txBox="1">
+                <a:spLocks noRot="1" noChangeAspect="1" noMove="1" noResize="1" noEditPoints="1" noAdjustHandles="1" noChangeArrowheads="1" noChangeShapeType="1" noTextEdit="1"/>
+              </p:cNvSpPr>
+              <p:nvPr/>
+            </p:nvSpPr>
+            <p:spPr>
+              <a:xfrm>
+                <a:off x="233231" y="4459298"/>
+                <a:ext cx="3741490" cy="369332"/>
+              </a:xfrm>
+              <a:prstGeom prst="rect">
+                <a:avLst/>
+              </a:prstGeom>
+              <a:blipFill>
+                <a:blip r:embed="rId6"/>
+                <a:stretch>
+                  <a:fillRect b="-1667"/>
+                </a:stretch>
+              </a:blipFill>
+            </p:spPr>
+            <p:txBody>
+              <a:bodyPr/>
+              <a:lstStyle/>
+              <a:p>
+                <a:r>
+                  <a:rPr lang="es-MX">
+                    <a:noFill/>
+                  </a:rPr>
+                  <a:t> </a:t>
+                </a:r>
+              </a:p>
+            </p:txBody>
+          </p:sp>
+        </mc:Fallback>
+      </mc:AlternateContent>
+    </p:spTree>
+    <p:extLst>
+      <p:ext uri="{BB962C8B-B14F-4D97-AF65-F5344CB8AC3E}">
+        <p14:creationId xmlns:p14="http://schemas.microsoft.com/office/powerpoint/2010/main" val="437528652"/>
+      </p:ext>
+    </p:extLst>
+  </p:cSld>
+  <p:clrMapOvr>
+    <a:masterClrMapping/>
+  </p:clrMapOvr>
+</p:sld>
+</file>
+
+<file path=ppt/slides/slide7.xml><?xml version="1.0" encoding="utf-8"?>
+<p:sld xmlns:a="http://schemas.openxmlformats.org/drawingml/2006/main" xmlns:r="http://schemas.openxmlformats.org/officeDocument/2006/relationships" xmlns:p="http://schemas.openxmlformats.org/presentationml/2006/main">
+  <p:cSld>
+    <p:spTree>
+      <p:nvGrpSpPr>
+        <p:cNvPr id="1" name=""/>
+        <p:cNvGrpSpPr/>
+        <p:nvPr/>
+      </p:nvGrpSpPr>
+      <p:grpSpPr>
+        <a:xfrm>
+          <a:off x="0" y="0"/>
+          <a:ext cx="0" cy="0"/>
+          <a:chOff x="0" y="0"/>
+          <a:chExt cx="0" cy="0"/>
+        </a:xfrm>
+      </p:grpSpPr>
+      <p:sp>
+        <p:nvSpPr>
+          <p:cNvPr id="2" name="Título 1">
+            <a:extLst>
+              <a:ext uri="{FF2B5EF4-FFF2-40B4-BE49-F238E27FC236}">
+                <a16:creationId xmlns:a16="http://schemas.microsoft.com/office/drawing/2014/main" id="{32691174-20F9-D4FC-F56B-CF040D76952A}"/>
+              </a:ext>
+            </a:extLst>
+          </p:cNvPr>
+          <p:cNvSpPr>
+            <a:spLocks noGrp="1"/>
+          </p:cNvSpPr>
+          <p:nvPr>
+            <p:ph type="title"/>
+          </p:nvPr>
+        </p:nvSpPr>
+        <p:spPr/>
+        <p:txBody>
+          <a:bodyPr/>
+          <a:lstStyle/>
+          <a:p>
+            <a:pPr algn="ctr"/>
+            <a:r>
+              <a:rPr lang="es-MX" dirty="0"/>
+              <a:t>Abundancia</a:t>
+            </a:r>
+          </a:p>
+        </p:txBody>
+      </p:sp>
+      <mc:AlternateContent xmlns:mc="http://schemas.openxmlformats.org/markup-compatibility/2006">
+        <mc:Choice xmlns:a14="http://schemas.microsoft.com/office/drawing/2010/main" Requires="a14">
+          <p:sp>
+            <p:nvSpPr>
+              <p:cNvPr id="3" name="Marcador de contenido 2">
+                <a:extLst>
+                  <a:ext uri="{FF2B5EF4-FFF2-40B4-BE49-F238E27FC236}">
+                    <a16:creationId xmlns:a16="http://schemas.microsoft.com/office/drawing/2014/main" id="{CF2555D5-EEDD-1F82-F4B6-F4C4ABDE29D4}"/>
+                  </a:ext>
+                </a:extLst>
+              </p:cNvPr>
+              <p:cNvSpPr>
+                <a:spLocks noGrp="1"/>
+              </p:cNvSpPr>
+              <p:nvPr>
+                <p:ph idx="1"/>
+              </p:nvPr>
+            </p:nvSpPr>
+            <p:spPr/>
+            <p:txBody>
+              <a:bodyPr/>
+              <a:lstStyle/>
+              <a:p>
+                <a:pPr marL="0" indent="0">
+                  <a:buNone/>
+                </a:pPr>
+                <a14:m>
+                  <m:oMathPara xmlns:m="http://schemas.openxmlformats.org/officeDocument/2006/math">
+                    <m:oMathParaPr>
+                      <m:jc m:val="centerGroup"/>
+                    </m:oMathParaPr>
+                    <m:oMath xmlns:m="http://schemas.openxmlformats.org/officeDocument/2006/math">
+                      <m:sSubSup>
+                        <m:sSubSupPr>
+                          <m:ctrlPr>
+                            <a:rPr lang="es-MX" sz="2800" i="1" smtClean="0">
+                              <a:effectLst/>
+                              <a:latin typeface="Cambria Math" panose="02040503050406030204" pitchFamily="18" charset="0"/>
+                              <a:cs typeface="Arial" panose="020B0604020202020204" pitchFamily="34" charset="0"/>
+                            </a:rPr>
+                          </m:ctrlPr>
+                        </m:sSubSupPr>
+                        <m:e>
+                          <m:r>
+                            <a:rPr lang="es-ES" sz="2800" i="1">
+                              <a:effectLst/>
+                              <a:latin typeface="Cambria Math" panose="02040503050406030204" pitchFamily="18" charset="0"/>
+                              <a:ea typeface="Times New Roman" panose="02020603050405020304" pitchFamily="18" charset="0"/>
+                              <a:cs typeface="Arial" panose="020B0604020202020204" pitchFamily="34" charset="0"/>
+                            </a:rPr>
+                            <m:t>𝐵</m:t>
+                          </m:r>
+                        </m:e>
+                        <m:sub>
+                          <m:r>
+                            <a:rPr lang="es-ES" sz="2800" i="1">
+                              <a:effectLst/>
+                              <a:latin typeface="Cambria Math" panose="02040503050406030204" pitchFamily="18" charset="0"/>
+                              <a:ea typeface="Times New Roman" panose="02020603050405020304" pitchFamily="18" charset="0"/>
+                              <a:cs typeface="Arial" panose="020B0604020202020204" pitchFamily="34" charset="0"/>
+                            </a:rPr>
+                            <m:t>𝑑</m:t>
+                          </m:r>
+                        </m:sub>
+                        <m:sup>
+                          <m:r>
+                            <a:rPr lang="es-ES" sz="2800" i="1">
+                              <a:effectLst/>
+                              <a:latin typeface="Cambria Math" panose="02040503050406030204" pitchFamily="18" charset="0"/>
+                              <a:ea typeface="Times New Roman" panose="02020603050405020304" pitchFamily="18" charset="0"/>
+                              <a:cs typeface="Arial" panose="020B0604020202020204" pitchFamily="34" charset="0"/>
+                            </a:rPr>
+                            <m:t>𝑖</m:t>
+                          </m:r>
+                        </m:sup>
+                      </m:sSubSup>
+                      <m:r>
+                        <a:rPr lang="es-ES" sz="2800" i="1">
+                          <a:effectLst/>
+                          <a:latin typeface="Cambria Math" panose="02040503050406030204" pitchFamily="18" charset="0"/>
+                          <a:ea typeface="Times New Roman" panose="02020603050405020304" pitchFamily="18" charset="0"/>
+                          <a:cs typeface="Arial" panose="020B0604020202020204" pitchFamily="34" charset="0"/>
+                        </a:rPr>
+                        <m:t>=</m:t>
+                      </m:r>
+                      <m:sSub>
+                        <m:sSubPr>
+                          <m:ctrlPr>
+                            <a:rPr lang="es-MX" sz="2800" i="1">
+                              <a:effectLst/>
+                              <a:latin typeface="Cambria Math" panose="02040503050406030204" pitchFamily="18" charset="0"/>
+                              <a:cs typeface="Arial" panose="020B0604020202020204" pitchFamily="34" charset="0"/>
+                            </a:rPr>
+                          </m:ctrlPr>
+                        </m:sSubPr>
+                        <m:e>
+                          <m:r>
+                            <a:rPr lang="es-ES" sz="2800" i="1">
+                              <a:effectLst/>
+                              <a:latin typeface="Cambria Math" panose="02040503050406030204" pitchFamily="18" charset="0"/>
+                              <a:ea typeface="Times New Roman" panose="02020603050405020304" pitchFamily="18" charset="0"/>
+                              <a:cs typeface="Arial" panose="020B0604020202020204" pitchFamily="34" charset="0"/>
+                            </a:rPr>
+                            <m:t>𝐶</m:t>
+                          </m:r>
+                        </m:e>
+                        <m:sub>
+                          <m:r>
+                            <a:rPr lang="es-ES" sz="2800" i="1">
+                              <a:effectLst/>
+                              <a:latin typeface="Cambria Math" panose="02040503050406030204" pitchFamily="18" charset="0"/>
+                              <a:ea typeface="Times New Roman" panose="02020603050405020304" pitchFamily="18" charset="0"/>
+                              <a:cs typeface="Arial" panose="020B0604020202020204" pitchFamily="34" charset="0"/>
+                            </a:rPr>
+                            <m:t>𝜔</m:t>
+                          </m:r>
+                        </m:sub>
+                      </m:sSub>
+                      <m:r>
+                        <a:rPr lang="es-ES" sz="2800" i="1">
+                          <a:effectLst/>
+                          <a:latin typeface="Cambria Math" panose="02040503050406030204" pitchFamily="18" charset="0"/>
+                          <a:ea typeface="Times New Roman" panose="02020603050405020304" pitchFamily="18" charset="0"/>
+                          <a:cs typeface="Arial" panose="020B0604020202020204" pitchFamily="34" charset="0"/>
+                        </a:rPr>
+                        <m:t>∗</m:t>
+                      </m:r>
+                      <m:sSub>
+                        <m:sSubPr>
+                          <m:ctrlPr>
+                            <a:rPr lang="es-MX" sz="2800" i="1">
+                              <a:effectLst/>
+                              <a:latin typeface="Cambria Math" panose="02040503050406030204" pitchFamily="18" charset="0"/>
+                              <a:cs typeface="Arial" panose="020B0604020202020204" pitchFamily="34" charset="0"/>
+                            </a:rPr>
+                          </m:ctrlPr>
+                        </m:sSubPr>
+                        <m:e>
+                          <m:r>
+                            <a:rPr lang="es-ES" sz="2800" i="1">
+                              <a:effectLst/>
+                              <a:latin typeface="Cambria Math" panose="02040503050406030204" pitchFamily="18" charset="0"/>
+                              <a:ea typeface="Times New Roman" panose="02020603050405020304" pitchFamily="18" charset="0"/>
+                              <a:cs typeface="Arial" panose="020B0604020202020204" pitchFamily="34" charset="0"/>
+                            </a:rPr>
+                            <m:t>𝑋</m:t>
+                          </m:r>
+                        </m:e>
+                        <m:sub>
+                          <m:r>
+                            <a:rPr lang="es-ES" sz="2800" i="1">
+                              <a:effectLst/>
+                              <a:latin typeface="Cambria Math" panose="02040503050406030204" pitchFamily="18" charset="0"/>
+                              <a:ea typeface="Times New Roman" panose="02020603050405020304" pitchFamily="18" charset="0"/>
+                              <a:cs typeface="Arial" panose="020B0604020202020204" pitchFamily="34" charset="0"/>
+                            </a:rPr>
+                            <m:t>𝑖</m:t>
+                          </m:r>
+                        </m:sub>
+                      </m:sSub>
+                      <m:r>
+                        <a:rPr lang="es-MX" sz="2800" b="0" i="1" smtClean="0">
+                          <a:effectLst/>
+                          <a:latin typeface="Cambria Math" panose="02040503050406030204" pitchFamily="18" charset="0"/>
+                          <a:ea typeface="Times New Roman" panose="02020603050405020304" pitchFamily="18" charset="0"/>
+                          <a:cs typeface="Arial" panose="020B0604020202020204" pitchFamily="34" charset="0"/>
+                        </a:rPr>
+                        <m:t>(</m:t>
+                      </m:r>
+                      <m:r>
+                        <a:rPr lang="es-MX" sz="2800" b="0" i="1" smtClean="0">
+                          <a:effectLst/>
+                          <a:latin typeface="Cambria Math" panose="02040503050406030204" pitchFamily="18" charset="0"/>
+                          <a:ea typeface="Times New Roman" panose="02020603050405020304" pitchFamily="18" charset="0"/>
+                          <a:cs typeface="Arial" panose="020B0604020202020204" pitchFamily="34" charset="0"/>
+                        </a:rPr>
+                        <m:t>𝐵𝑊</m:t>
+                      </m:r>
+                      <m:r>
+                        <a:rPr lang="es-MX" sz="2800" b="0" i="1" smtClean="0">
+                          <a:effectLst/>
+                          <a:latin typeface="Cambria Math" panose="02040503050406030204" pitchFamily="18" charset="0"/>
+                          <a:ea typeface="Times New Roman" panose="02020603050405020304" pitchFamily="18" charset="0"/>
+                          <a:cs typeface="Arial" panose="020B0604020202020204" pitchFamily="34" charset="0"/>
+                        </a:rPr>
+                        <m:t>)</m:t>
+                      </m:r>
+                    </m:oMath>
+                  </m:oMathPara>
+                </a14:m>
+                <a:endParaRPr lang="es-MX" dirty="0"/>
+              </a:p>
+            </p:txBody>
+          </p:sp>
+        </mc:Choice>
+        <mc:Fallback>
+          <p:sp>
+            <p:nvSpPr>
+              <p:cNvPr id="3" name="Marcador de contenido 2">
+                <a:extLst>
+                  <a:ext uri="{FF2B5EF4-FFF2-40B4-BE49-F238E27FC236}">
+                    <a16:creationId xmlns:a16="http://schemas.microsoft.com/office/drawing/2014/main" id="{CF2555D5-EEDD-1F82-F4B6-F4C4ABDE29D4}"/>
+                  </a:ext>
+                </a:extLst>
+              </p:cNvPr>
+              <p:cNvSpPr>
+                <a:spLocks noGrp="1" noRot="1" noChangeAspect="1" noMove="1" noResize="1" noEditPoints="1" noAdjustHandles="1" noChangeArrowheads="1" noChangeShapeType="1" noTextEdit="1"/>
+              </p:cNvSpPr>
+              <p:nvPr>
+                <p:ph idx="1"/>
+              </p:nvPr>
+            </p:nvSpPr>
+            <p:spPr>
+              <a:blipFill>
+                <a:blip r:embed="rId2"/>
+                <a:stretch>
+                  <a:fillRect/>
+                </a:stretch>
+              </a:blipFill>
+            </p:spPr>
+            <p:txBody>
+              <a:bodyPr/>
+              <a:lstStyle/>
+              <a:p>
+                <a:r>
+                  <a:rPr lang="es-MX">
+                    <a:noFill/>
+                  </a:rPr>
+                  <a:t> </a:t>
+                </a:r>
+              </a:p>
+            </p:txBody>
+          </p:sp>
+        </mc:Fallback>
+      </mc:AlternateContent>
+      <mc:AlternateContent xmlns:mc="http://schemas.openxmlformats.org/markup-compatibility/2006">
+        <mc:Choice xmlns:a14="http://schemas.microsoft.com/office/drawing/2010/main" Requires="a14">
+          <p:sp>
+            <p:nvSpPr>
+              <p:cNvPr id="4" name="CuadroTexto 3">
+                <a:extLst>
+                  <a:ext uri="{FF2B5EF4-FFF2-40B4-BE49-F238E27FC236}">
+                    <a16:creationId xmlns:a16="http://schemas.microsoft.com/office/drawing/2014/main" id="{184FA38F-2D90-639F-A569-5EF6EC277F0F}"/>
+                  </a:ext>
+                </a:extLst>
+              </p:cNvPr>
+              <p:cNvSpPr txBox="1"/>
+              <p:nvPr/>
+            </p:nvSpPr>
+            <p:spPr>
+              <a:xfrm>
+                <a:off x="3730304" y="2425517"/>
+                <a:ext cx="5044580" cy="1154611"/>
+              </a:xfrm>
+              <a:prstGeom prst="rect">
+                <a:avLst/>
+              </a:prstGeom>
+              <a:noFill/>
+            </p:spPr>
+            <p:txBody>
+              <a:bodyPr wrap="square" rtlCol="0">
+                <a:spAutoFit/>
+              </a:bodyPr>
+              <a:lstStyle/>
+              <a:p>
+                <a14:m>
+                  <m:oMathPara xmlns:m="http://schemas.openxmlformats.org/officeDocument/2006/math">
+                    <m:oMathParaPr>
+                      <m:jc m:val="centerGroup"/>
+                    </m:oMathParaPr>
+                    <m:oMath xmlns:m="http://schemas.openxmlformats.org/officeDocument/2006/math">
+                      <m:sSubSup>
+                        <m:sSubSupPr>
+                          <m:ctrlPr>
+                            <a:rPr lang="es-MX" sz="2800" i="1" smtClean="0">
+                              <a:effectLst/>
+                              <a:latin typeface="Cambria Math" panose="02040503050406030204" pitchFamily="18" charset="0"/>
+                              <a:cs typeface="Arial" panose="020B0604020202020204" pitchFamily="34" charset="0"/>
+                            </a:rPr>
+                          </m:ctrlPr>
+                        </m:sSubSupPr>
+                        <m:e>
+                          <m:r>
+                            <a:rPr lang="es-ES" sz="2800" i="1">
+                              <a:effectLst/>
+                              <a:latin typeface="Cambria Math" panose="02040503050406030204" pitchFamily="18" charset="0"/>
+                              <a:ea typeface="Times New Roman" panose="02020603050405020304" pitchFamily="18" charset="0"/>
+                              <a:cs typeface="Arial" panose="020B0604020202020204" pitchFamily="34" charset="0"/>
+                            </a:rPr>
+                            <m:t>𝐵</m:t>
+                          </m:r>
+                        </m:e>
+                        <m:sub>
+                          <m:r>
+                            <a:rPr lang="es-ES" sz="2800" i="1">
+                              <a:effectLst/>
+                              <a:latin typeface="Cambria Math" panose="02040503050406030204" pitchFamily="18" charset="0"/>
+                              <a:ea typeface="Times New Roman" panose="02020603050405020304" pitchFamily="18" charset="0"/>
+                              <a:cs typeface="Arial" panose="020B0604020202020204" pitchFamily="34" charset="0"/>
+                            </a:rPr>
+                            <m:t>𝑝</m:t>
+                          </m:r>
+                          <m:r>
+                            <a:rPr lang="es-MX" sz="2800" b="0" i="1" smtClean="0">
+                              <a:effectLst/>
+                              <a:latin typeface="Cambria Math" panose="02040503050406030204" pitchFamily="18" charset="0"/>
+                              <a:ea typeface="Times New Roman" panose="02020603050405020304" pitchFamily="18" charset="0"/>
+                              <a:cs typeface="Arial" panose="020B0604020202020204" pitchFamily="34" charset="0"/>
+                            </a:rPr>
+                            <m:t>2</m:t>
+                          </m:r>
+                          <m:r>
+                            <a:rPr lang="es-MX" sz="2800" b="0" i="1" smtClean="0">
+                              <a:effectLst/>
+                              <a:latin typeface="Cambria Math" panose="02040503050406030204" pitchFamily="18" charset="0"/>
+                              <a:ea typeface="Times New Roman" panose="02020603050405020304" pitchFamily="18" charset="0"/>
+                              <a:cs typeface="Arial" panose="020B0604020202020204" pitchFamily="34" charset="0"/>
+                            </a:rPr>
+                            <m:t>𝑝</m:t>
+                          </m:r>
+                        </m:sub>
+                        <m:sup>
+                          <m:r>
+                            <a:rPr lang="es-ES" sz="2800" i="1">
+                              <a:effectLst/>
+                              <a:latin typeface="Cambria Math" panose="02040503050406030204" pitchFamily="18" charset="0"/>
+                              <a:ea typeface="Times New Roman" panose="02020603050405020304" pitchFamily="18" charset="0"/>
+                              <a:cs typeface="Arial" panose="020B0604020202020204" pitchFamily="34" charset="0"/>
+                            </a:rPr>
+                            <m:t>𝑖</m:t>
+                          </m:r>
+                        </m:sup>
+                      </m:sSubSup>
+                      <m:r>
+                        <a:rPr lang="es-MX" sz="2800" i="1">
+                          <a:effectLst/>
+                          <a:latin typeface="Cambria Math" panose="02040503050406030204" pitchFamily="18" charset="0"/>
+                          <a:ea typeface="Times New Roman" panose="02020603050405020304" pitchFamily="18" charset="0"/>
+                          <a:cs typeface="Arial" panose="020B0604020202020204" pitchFamily="34" charset="0"/>
+                        </a:rPr>
+                        <m:t>=</m:t>
+                      </m:r>
+                      <m:r>
+                        <m:rPr>
+                          <m:sty m:val="p"/>
+                        </m:rPr>
+                        <a:rPr lang="es-ES" sz="2800">
+                          <a:latin typeface="Cambria Math" panose="02040503050406030204" pitchFamily="18" charset="0"/>
+                          <a:ea typeface="Times New Roman" panose="02020603050405020304" pitchFamily="18" charset="0"/>
+                          <a:cs typeface="Arial" panose="020B0604020202020204" pitchFamily="34" charset="0"/>
+                        </a:rPr>
+                        <m:t>min</m:t>
+                      </m:r>
+                      <m:r>
+                        <a:rPr lang="es-ES" sz="2800" i="1">
+                          <a:latin typeface="Cambria Math" panose="02040503050406030204" pitchFamily="18" charset="0"/>
+                          <a:ea typeface="Times New Roman" panose="02020603050405020304" pitchFamily="18" charset="0"/>
+                          <a:cs typeface="Arial" panose="020B0604020202020204" pitchFamily="34" charset="0"/>
+                        </a:rPr>
+                        <m:t>⁡{</m:t>
+                      </m:r>
+                      <m:sSubSup>
+                        <m:sSubSupPr>
+                          <m:ctrlPr>
+                            <a:rPr lang="es-MX" sz="2800" i="1">
+                              <a:latin typeface="Cambria Math" panose="02040503050406030204" pitchFamily="18" charset="0"/>
+                              <a:cs typeface="Arial" panose="020B0604020202020204" pitchFamily="34" charset="0"/>
+                            </a:rPr>
+                          </m:ctrlPr>
+                        </m:sSubSupPr>
+                        <m:e>
+                          <m:r>
+                            <a:rPr lang="es-ES" sz="2800" i="1">
+                              <a:latin typeface="Cambria Math" panose="02040503050406030204" pitchFamily="18" charset="0"/>
+                              <a:ea typeface="Times New Roman" panose="02020603050405020304" pitchFamily="18" charset="0"/>
+                              <a:cs typeface="Arial" panose="020B0604020202020204" pitchFamily="34" charset="0"/>
+                            </a:rPr>
+                            <m:t>𝐵</m:t>
+                          </m:r>
+                        </m:e>
+                        <m:sub>
+                          <m:r>
+                            <a:rPr lang="es-ES" sz="2800" i="1">
+                              <a:latin typeface="Cambria Math" panose="02040503050406030204" pitchFamily="18" charset="0"/>
+                              <a:ea typeface="Times New Roman" panose="02020603050405020304" pitchFamily="18" charset="0"/>
+                              <a:cs typeface="Arial" panose="020B0604020202020204" pitchFamily="34" charset="0"/>
+                            </a:rPr>
+                            <m:t>𝑑</m:t>
+                          </m:r>
+                        </m:sub>
+                        <m:sup>
+                          <m:r>
+                            <a:rPr lang="es-ES" sz="2800" i="1">
+                              <a:latin typeface="Cambria Math" panose="02040503050406030204" pitchFamily="18" charset="0"/>
+                              <a:ea typeface="Times New Roman" panose="02020603050405020304" pitchFamily="18" charset="0"/>
+                              <a:cs typeface="Arial" panose="020B0604020202020204" pitchFamily="34" charset="0"/>
+                            </a:rPr>
+                            <m:t>𝑖</m:t>
+                          </m:r>
+                        </m:sup>
+                      </m:sSubSup>
+                      <m:r>
+                        <a:rPr lang="es-ES" sz="2800" i="1">
+                          <a:latin typeface="Cambria Math" panose="02040503050406030204" pitchFamily="18" charset="0"/>
+                          <a:ea typeface="Times New Roman" panose="02020603050405020304" pitchFamily="18" charset="0"/>
+                          <a:cs typeface="Arial" panose="020B0604020202020204" pitchFamily="34" charset="0"/>
+                        </a:rPr>
+                        <m:t>,</m:t>
+                      </m:r>
+                      <m:sSubSup>
+                        <m:sSubSupPr>
+                          <m:ctrlPr>
+                            <a:rPr lang="es-MX" sz="2800" i="1">
+                              <a:latin typeface="Cambria Math" panose="02040503050406030204" pitchFamily="18" charset="0"/>
+                              <a:cs typeface="Arial" panose="020B0604020202020204" pitchFamily="34" charset="0"/>
+                            </a:rPr>
+                          </m:ctrlPr>
+                        </m:sSubSupPr>
+                        <m:e>
+                          <m:r>
+                            <a:rPr lang="es-ES" sz="2800" i="1">
+                              <a:latin typeface="Cambria Math" panose="02040503050406030204" pitchFamily="18" charset="0"/>
+                              <a:ea typeface="Times New Roman" panose="02020603050405020304" pitchFamily="18" charset="0"/>
+                              <a:cs typeface="Arial" panose="020B0604020202020204" pitchFamily="34" charset="0"/>
+                            </a:rPr>
+                            <m:t>𝐵</m:t>
+                          </m:r>
+                        </m:e>
+                        <m:sub>
+                          <m:r>
+                            <a:rPr lang="es-ES" sz="2800" i="1">
+                              <a:latin typeface="Cambria Math" panose="02040503050406030204" pitchFamily="18" charset="0"/>
+                              <a:ea typeface="Times New Roman" panose="02020603050405020304" pitchFamily="18" charset="0"/>
+                              <a:cs typeface="Arial" panose="020B0604020202020204" pitchFamily="34" charset="0"/>
+                            </a:rPr>
+                            <m:t>𝑢</m:t>
+                          </m:r>
+                          <m:r>
+                            <a:rPr lang="es-ES" sz="2800" i="1">
+                              <a:latin typeface="Cambria Math" panose="02040503050406030204" pitchFamily="18" charset="0"/>
+                              <a:ea typeface="Times New Roman" panose="02020603050405020304" pitchFamily="18" charset="0"/>
+                              <a:cs typeface="Arial" panose="020B0604020202020204" pitchFamily="34" charset="0"/>
+                            </a:rPr>
+                            <m:t>,</m:t>
+                          </m:r>
+                          <m:r>
+                            <a:rPr lang="es-ES" sz="2800" i="1">
+                              <a:latin typeface="Cambria Math" panose="02040503050406030204" pitchFamily="18" charset="0"/>
+                              <a:ea typeface="Times New Roman" panose="02020603050405020304" pitchFamily="18" charset="0"/>
+                              <a:cs typeface="Arial" panose="020B0604020202020204" pitchFamily="34" charset="0"/>
+                            </a:rPr>
+                            <m:t>𝑝</m:t>
+                          </m:r>
+                        </m:sub>
+                        <m:sup>
+                          <m:r>
+                            <a:rPr lang="es-ES" sz="2800" i="1">
+                              <a:latin typeface="Cambria Math" panose="02040503050406030204" pitchFamily="18" charset="0"/>
+                              <a:ea typeface="Times New Roman" panose="02020603050405020304" pitchFamily="18" charset="0"/>
+                              <a:cs typeface="Arial" panose="020B0604020202020204" pitchFamily="34" charset="0"/>
+                            </a:rPr>
+                            <m:t>𝑖</m:t>
+                          </m:r>
+                        </m:sup>
+                      </m:sSubSup>
+                      <m:r>
+                        <a:rPr lang="es-ES" sz="2800" i="1">
+                          <a:latin typeface="Cambria Math" panose="02040503050406030204" pitchFamily="18" charset="0"/>
+                          <a:ea typeface="Times New Roman" panose="02020603050405020304" pitchFamily="18" charset="0"/>
+                          <a:cs typeface="Arial" panose="020B0604020202020204" pitchFamily="34" charset="0"/>
+                        </a:rPr>
+                        <m:t>}</m:t>
+                      </m:r>
+                    </m:oMath>
+                  </m:oMathPara>
+                </a14:m>
+                <a:endParaRPr lang="es-MX" sz="2800" dirty="0"/>
+              </a:p>
+              <a:p>
+                <a:endParaRPr lang="es-MX" dirty="0"/>
+              </a:p>
+              <a:p>
+                <a:endParaRPr lang="es-MX" dirty="0"/>
+              </a:p>
+            </p:txBody>
+          </p:sp>
+        </mc:Choice>
+        <mc:Fallback>
+          <p:sp>
+            <p:nvSpPr>
+              <p:cNvPr id="4" name="CuadroTexto 3">
+                <a:extLst>
+                  <a:ext uri="{FF2B5EF4-FFF2-40B4-BE49-F238E27FC236}">
+                    <a16:creationId xmlns:a16="http://schemas.microsoft.com/office/drawing/2014/main" id="{184FA38F-2D90-639F-A569-5EF6EC277F0F}"/>
+                  </a:ext>
+                </a:extLst>
+              </p:cNvPr>
+              <p:cNvSpPr txBox="1">
+                <a:spLocks noRot="1" noChangeAspect="1" noMove="1" noResize="1" noEditPoints="1" noAdjustHandles="1" noChangeArrowheads="1" noChangeShapeType="1" noTextEdit="1"/>
+              </p:cNvSpPr>
+              <p:nvPr/>
+            </p:nvSpPr>
+            <p:spPr>
+              <a:xfrm>
+                <a:off x="3730304" y="2425517"/>
+                <a:ext cx="5044580" cy="1154611"/>
+              </a:xfrm>
+              <a:prstGeom prst="rect">
+                <a:avLst/>
+              </a:prstGeom>
+              <a:blipFill>
+                <a:blip r:embed="rId3"/>
+                <a:stretch>
+                  <a:fillRect/>
+                </a:stretch>
+              </a:blipFill>
+            </p:spPr>
+            <p:txBody>
+              <a:bodyPr/>
+              <a:lstStyle/>
+              <a:p>
+                <a:r>
+                  <a:rPr lang="es-MX">
+                    <a:noFill/>
+                  </a:rPr>
+                  <a:t> </a:t>
+                </a:r>
+              </a:p>
+            </p:txBody>
+          </p:sp>
+        </mc:Fallback>
+      </mc:AlternateContent>
+      <mc:AlternateContent xmlns:mc="http://schemas.openxmlformats.org/markup-compatibility/2006">
+        <mc:Choice xmlns:a14="http://schemas.microsoft.com/office/drawing/2010/main" Requires="a14">
+          <p:sp>
+            <p:nvSpPr>
+              <p:cNvPr id="5" name="CuadroTexto 4">
+                <a:extLst>
+                  <a:ext uri="{FF2B5EF4-FFF2-40B4-BE49-F238E27FC236}">
+                    <a16:creationId xmlns:a16="http://schemas.microsoft.com/office/drawing/2014/main" id="{B81F4E12-E35D-307C-1755-6611306B74FA}"/>
+                  </a:ext>
+                </a:extLst>
+              </p:cNvPr>
+              <p:cNvSpPr txBox="1"/>
+              <p:nvPr/>
+            </p:nvSpPr>
+            <p:spPr>
+              <a:xfrm>
+                <a:off x="838200" y="3779833"/>
+                <a:ext cx="2307672" cy="1621021"/>
+              </a:xfrm>
+              <a:prstGeom prst="rect">
+                <a:avLst/>
+              </a:prstGeom>
+              <a:noFill/>
+            </p:spPr>
+            <p:txBody>
+              <a:bodyPr wrap="square" rtlCol="0">
+                <a:spAutoFit/>
+              </a:bodyPr>
+              <a:lstStyle/>
+              <a:p>
+                <a:pPr algn="ctr"/>
+                <a:r>
+                  <a:rPr lang="es-MX" dirty="0"/>
+                  <a:t>Caso </a:t>
+                </a:r>
+                <a14:m>
+                  <m:oMath xmlns:m="http://schemas.openxmlformats.org/officeDocument/2006/math">
+                    <m:sSubSup>
+                      <m:sSubSupPr>
+                        <m:ctrlPr>
+                          <a:rPr lang="es-MX" sz="1800" i="1" smtClean="0">
+                            <a:effectLst/>
+                            <a:latin typeface="Cambria Math" panose="02040503050406030204" pitchFamily="18" charset="0"/>
+                            <a:cs typeface="Arial" panose="020B0604020202020204" pitchFamily="34" charset="0"/>
+                          </a:rPr>
+                        </m:ctrlPr>
+                      </m:sSubSupPr>
+                      <m:e>
+                        <m:r>
+                          <a:rPr lang="es-ES" sz="1800" i="1">
+                            <a:effectLst/>
+                            <a:latin typeface="Cambria Math" panose="02040503050406030204" pitchFamily="18" charset="0"/>
+                            <a:ea typeface="Times New Roman" panose="02020603050405020304" pitchFamily="18" charset="0"/>
+                            <a:cs typeface="Arial" panose="020B0604020202020204" pitchFamily="34" charset="0"/>
+                          </a:rPr>
+                          <m:t>𝐵</m:t>
+                        </m:r>
+                      </m:e>
+                      <m:sub>
+                        <m:r>
+                          <a:rPr lang="es-ES" sz="1800" i="1">
+                            <a:effectLst/>
+                            <a:latin typeface="Cambria Math" panose="02040503050406030204" pitchFamily="18" charset="0"/>
+                            <a:ea typeface="Times New Roman" panose="02020603050405020304" pitchFamily="18" charset="0"/>
+                            <a:cs typeface="Arial" panose="020B0604020202020204" pitchFamily="34" charset="0"/>
+                          </a:rPr>
+                          <m:t>𝑝</m:t>
+                        </m:r>
+                        <m:r>
+                          <a:rPr lang="es-MX" sz="1800" b="0" i="1" smtClean="0">
+                            <a:effectLst/>
+                            <a:latin typeface="Cambria Math" panose="02040503050406030204" pitchFamily="18" charset="0"/>
+                            <a:ea typeface="Times New Roman" panose="02020603050405020304" pitchFamily="18" charset="0"/>
+                            <a:cs typeface="Arial" panose="020B0604020202020204" pitchFamily="34" charset="0"/>
+                          </a:rPr>
+                          <m:t>2</m:t>
+                        </m:r>
+                        <m:r>
+                          <a:rPr lang="es-MX" sz="1800" b="0" i="1" smtClean="0">
+                            <a:effectLst/>
+                            <a:latin typeface="Cambria Math" panose="02040503050406030204" pitchFamily="18" charset="0"/>
+                            <a:ea typeface="Times New Roman" panose="02020603050405020304" pitchFamily="18" charset="0"/>
+                            <a:cs typeface="Arial" panose="020B0604020202020204" pitchFamily="34" charset="0"/>
+                          </a:rPr>
+                          <m:t>𝑝</m:t>
+                        </m:r>
+                      </m:sub>
+                      <m:sup>
+                        <m:r>
+                          <a:rPr lang="es-ES" sz="1800" i="1">
+                            <a:effectLst/>
+                            <a:latin typeface="Cambria Math" panose="02040503050406030204" pitchFamily="18" charset="0"/>
+                            <a:ea typeface="Times New Roman" panose="02020603050405020304" pitchFamily="18" charset="0"/>
+                            <a:cs typeface="Arial" panose="020B0604020202020204" pitchFamily="34" charset="0"/>
+                          </a:rPr>
+                          <m:t>𝑖</m:t>
+                        </m:r>
+                      </m:sup>
+                    </m:sSubSup>
+                    <m:r>
+                      <a:rPr lang="es-MX" sz="1800" i="1">
+                        <a:effectLst/>
+                        <a:latin typeface="Cambria Math" panose="02040503050406030204" pitchFamily="18" charset="0"/>
+                        <a:ea typeface="Times New Roman" panose="02020603050405020304" pitchFamily="18" charset="0"/>
+                        <a:cs typeface="Arial" panose="020B0604020202020204" pitchFamily="34" charset="0"/>
+                      </a:rPr>
+                      <m:t>=</m:t>
+                    </m:r>
+                    <m:sSubSup>
+                      <m:sSubSupPr>
+                        <m:ctrlPr>
+                          <a:rPr lang="es-MX" sz="1800" i="1">
+                            <a:latin typeface="Cambria Math" panose="02040503050406030204" pitchFamily="18" charset="0"/>
+                            <a:cs typeface="Arial" panose="020B0604020202020204" pitchFamily="34" charset="0"/>
+                          </a:rPr>
+                        </m:ctrlPr>
+                      </m:sSubSupPr>
+                      <m:e>
+                        <m:r>
+                          <a:rPr lang="es-ES" sz="1800" i="1">
+                            <a:latin typeface="Cambria Math" panose="02040503050406030204" pitchFamily="18" charset="0"/>
+                            <a:ea typeface="Times New Roman" panose="02020603050405020304" pitchFamily="18" charset="0"/>
+                            <a:cs typeface="Arial" panose="020B0604020202020204" pitchFamily="34" charset="0"/>
+                          </a:rPr>
+                          <m:t>𝐵</m:t>
+                        </m:r>
+                      </m:e>
+                      <m:sub>
+                        <m:r>
+                          <a:rPr lang="es-ES" sz="1800" i="1">
+                            <a:latin typeface="Cambria Math" panose="02040503050406030204" pitchFamily="18" charset="0"/>
+                            <a:ea typeface="Times New Roman" panose="02020603050405020304" pitchFamily="18" charset="0"/>
+                            <a:cs typeface="Arial" panose="020B0604020202020204" pitchFamily="34" charset="0"/>
+                          </a:rPr>
+                          <m:t>𝑑</m:t>
+                        </m:r>
+                      </m:sub>
+                      <m:sup>
+                        <m:r>
+                          <a:rPr lang="es-ES" sz="1800" i="1">
+                            <a:latin typeface="Cambria Math" panose="02040503050406030204" pitchFamily="18" charset="0"/>
+                            <a:ea typeface="Times New Roman" panose="02020603050405020304" pitchFamily="18" charset="0"/>
+                            <a:cs typeface="Arial" panose="020B0604020202020204" pitchFamily="34" charset="0"/>
+                          </a:rPr>
+                          <m:t>𝑖</m:t>
+                        </m:r>
+                      </m:sup>
+                    </m:sSubSup>
+                  </m:oMath>
+                </a14:m>
+                <a:endParaRPr lang="es-MX" dirty="0"/>
+              </a:p>
+              <a:p>
+                <a:pPr algn="ctr"/>
+                <a:endParaRPr lang="es-MX" dirty="0"/>
+              </a:p>
+              <a:p>
+                <a:pPr algn="ctr"/>
+                <a14:m>
+                  <m:oMath xmlns:m="http://schemas.openxmlformats.org/officeDocument/2006/math">
+                    <m:sSubSup>
+                      <m:sSubSupPr>
+                        <m:ctrlPr>
+                          <a:rPr lang="es-MX" sz="1800" i="1" smtClean="0">
+                            <a:effectLst/>
+                            <a:latin typeface="Cambria Math" panose="02040503050406030204" pitchFamily="18" charset="0"/>
+                            <a:cs typeface="Arial" panose="020B0604020202020204" pitchFamily="34" charset="0"/>
+                          </a:rPr>
+                        </m:ctrlPr>
+                      </m:sSubSupPr>
+                      <m:e>
+                        <m:r>
+                          <a:rPr lang="es-ES" sz="1800" i="1">
+                            <a:effectLst/>
+                            <a:latin typeface="Cambria Math" panose="02040503050406030204" pitchFamily="18" charset="0"/>
+                            <a:ea typeface="Times New Roman" panose="02020603050405020304" pitchFamily="18" charset="0"/>
+                            <a:cs typeface="Arial" panose="020B0604020202020204" pitchFamily="34" charset="0"/>
+                          </a:rPr>
+                          <m:t>𝐵</m:t>
+                        </m:r>
+                      </m:e>
+                      <m:sub>
+                        <m:r>
+                          <a:rPr lang="es-MX" sz="1800" b="0" i="1" smtClean="0">
+                            <a:effectLst/>
+                            <a:latin typeface="Cambria Math" panose="02040503050406030204" pitchFamily="18" charset="0"/>
+                            <a:ea typeface="Times New Roman" panose="02020603050405020304" pitchFamily="18" charset="0"/>
+                            <a:cs typeface="Arial" panose="020B0604020202020204" pitchFamily="34" charset="0"/>
+                          </a:rPr>
+                          <m:t>𝑠𝑒𝑟𝑣</m:t>
+                        </m:r>
+                      </m:sub>
+                      <m:sup>
+                        <m:r>
+                          <a:rPr lang="es-ES" sz="1800" i="1">
+                            <a:effectLst/>
+                            <a:latin typeface="Cambria Math" panose="02040503050406030204" pitchFamily="18" charset="0"/>
+                            <a:ea typeface="Times New Roman" panose="02020603050405020304" pitchFamily="18" charset="0"/>
+                            <a:cs typeface="Arial" panose="020B0604020202020204" pitchFamily="34" charset="0"/>
+                          </a:rPr>
+                          <m:t>𝑖</m:t>
+                        </m:r>
+                      </m:sup>
+                    </m:sSubSup>
+                    <m:r>
+                      <a:rPr lang="es-MX" sz="1800" i="1">
+                        <a:effectLst/>
+                        <a:latin typeface="Cambria Math" panose="02040503050406030204" pitchFamily="18" charset="0"/>
+                        <a:ea typeface="Times New Roman" panose="02020603050405020304" pitchFamily="18" charset="0"/>
+                        <a:cs typeface="Arial" panose="020B0604020202020204" pitchFamily="34" charset="0"/>
+                      </a:rPr>
+                      <m:t>=</m:t>
+                    </m:r>
+                    <m:sSubSup>
+                      <m:sSubSupPr>
+                        <m:ctrlPr>
+                          <a:rPr lang="es-MX" i="1">
+                            <a:latin typeface="Cambria Math" panose="02040503050406030204" pitchFamily="18" charset="0"/>
+                            <a:cs typeface="Arial" panose="020B0604020202020204" pitchFamily="34" charset="0"/>
+                          </a:rPr>
+                        </m:ctrlPr>
+                      </m:sSubSupPr>
+                      <m:e>
+                        <m:r>
+                          <a:rPr lang="es-ES" i="1">
+                            <a:latin typeface="Cambria Math" panose="02040503050406030204" pitchFamily="18" charset="0"/>
+                            <a:ea typeface="Times New Roman" panose="02020603050405020304" pitchFamily="18" charset="0"/>
+                            <a:cs typeface="Arial" panose="020B0604020202020204" pitchFamily="34" charset="0"/>
+                          </a:rPr>
+                          <m:t>𝐵</m:t>
+                        </m:r>
+                      </m:e>
+                      <m:sub>
+                        <m:r>
+                          <a:rPr lang="es-ES" i="1">
+                            <a:latin typeface="Cambria Math" panose="02040503050406030204" pitchFamily="18" charset="0"/>
+                            <a:ea typeface="Times New Roman" panose="02020603050405020304" pitchFamily="18" charset="0"/>
+                            <a:cs typeface="Arial" panose="020B0604020202020204" pitchFamily="34" charset="0"/>
+                          </a:rPr>
+                          <m:t>𝑑</m:t>
+                        </m:r>
+                      </m:sub>
+                      <m:sup>
+                        <m:r>
+                          <a:rPr lang="es-ES" i="1">
+                            <a:latin typeface="Cambria Math" panose="02040503050406030204" pitchFamily="18" charset="0"/>
+                            <a:ea typeface="Times New Roman" panose="02020603050405020304" pitchFamily="18" charset="0"/>
+                            <a:cs typeface="Arial" panose="020B0604020202020204" pitchFamily="34" charset="0"/>
+                          </a:rPr>
+                          <m:t>𝑖</m:t>
+                        </m:r>
+                      </m:sup>
+                    </m:sSubSup>
+                  </m:oMath>
+                </a14:m>
+                <a:r>
+                  <a:rPr lang="es-MX" dirty="0"/>
+                  <a:t>-</a:t>
+                </a:r>
+                <a:r>
+                  <a:rPr lang="es-MX" dirty="0">
+                    <a:cs typeface="Arial" panose="020B0604020202020204" pitchFamily="34" charset="0"/>
+                  </a:rPr>
+                  <a:t> </a:t>
+                </a:r>
+                <a14:m>
+                  <m:oMath xmlns:m="http://schemas.openxmlformats.org/officeDocument/2006/math">
+                    <m:sSubSup>
+                      <m:sSubSupPr>
+                        <m:ctrlPr>
+                          <a:rPr lang="es-MX" i="1">
+                            <a:latin typeface="Cambria Math" panose="02040503050406030204" pitchFamily="18" charset="0"/>
+                            <a:cs typeface="Arial" panose="020B0604020202020204" pitchFamily="34" charset="0"/>
+                          </a:rPr>
+                        </m:ctrlPr>
+                      </m:sSubSupPr>
+                      <m:e>
+                        <m:r>
+                          <a:rPr lang="es-ES" i="1">
+                            <a:latin typeface="Cambria Math" panose="02040503050406030204" pitchFamily="18" charset="0"/>
+                            <a:ea typeface="Times New Roman" panose="02020603050405020304" pitchFamily="18" charset="0"/>
+                            <a:cs typeface="Arial" panose="020B0604020202020204" pitchFamily="34" charset="0"/>
+                          </a:rPr>
+                          <m:t>𝐵</m:t>
+                        </m:r>
+                      </m:e>
+                      <m:sub>
+                        <m:r>
+                          <a:rPr lang="es-ES" i="1">
+                            <a:latin typeface="Cambria Math" panose="02040503050406030204" pitchFamily="18" charset="0"/>
+                            <a:ea typeface="Times New Roman" panose="02020603050405020304" pitchFamily="18" charset="0"/>
+                            <a:cs typeface="Arial" panose="020B0604020202020204" pitchFamily="34" charset="0"/>
+                          </a:rPr>
+                          <m:t>𝑝</m:t>
+                        </m:r>
+                        <m:r>
+                          <a:rPr lang="es-MX" i="1">
+                            <a:latin typeface="Cambria Math" panose="02040503050406030204" pitchFamily="18" charset="0"/>
+                            <a:ea typeface="Times New Roman" panose="02020603050405020304" pitchFamily="18" charset="0"/>
+                            <a:cs typeface="Arial" panose="020B0604020202020204" pitchFamily="34" charset="0"/>
+                          </a:rPr>
+                          <m:t>2</m:t>
+                        </m:r>
+                        <m:r>
+                          <a:rPr lang="es-MX" i="1">
+                            <a:latin typeface="Cambria Math" panose="02040503050406030204" pitchFamily="18" charset="0"/>
+                            <a:ea typeface="Times New Roman" panose="02020603050405020304" pitchFamily="18" charset="0"/>
+                            <a:cs typeface="Arial" panose="020B0604020202020204" pitchFamily="34" charset="0"/>
+                          </a:rPr>
+                          <m:t>𝑝</m:t>
+                        </m:r>
+                      </m:sub>
+                      <m:sup>
+                        <m:r>
+                          <a:rPr lang="es-ES" i="1">
+                            <a:latin typeface="Cambria Math" panose="02040503050406030204" pitchFamily="18" charset="0"/>
+                            <a:ea typeface="Times New Roman" panose="02020603050405020304" pitchFamily="18" charset="0"/>
+                            <a:cs typeface="Arial" panose="020B0604020202020204" pitchFamily="34" charset="0"/>
+                          </a:rPr>
+                          <m:t>𝑖</m:t>
+                        </m:r>
+                      </m:sup>
+                    </m:sSubSup>
+                  </m:oMath>
+                </a14:m>
+                <a:endParaRPr lang="es-MX" dirty="0"/>
+              </a:p>
+              <a:p>
+                <a:pPr algn="ctr"/>
+                <a:endParaRPr lang="es-MX" dirty="0"/>
+              </a:p>
+              <a:p>
+                <a:pPr algn="ctr"/>
+                <a14:m>
+                  <m:oMathPara xmlns:m="http://schemas.openxmlformats.org/officeDocument/2006/math">
+                    <m:oMathParaPr>
+                      <m:jc m:val="centerGroup"/>
+                    </m:oMathParaPr>
+                    <m:oMath xmlns:m="http://schemas.openxmlformats.org/officeDocument/2006/math">
+                      <m:sSubSup>
+                        <m:sSubSupPr>
+                          <m:ctrlPr>
+                            <a:rPr lang="es-MX" sz="1800" i="1" smtClean="0">
+                              <a:effectLst/>
+                              <a:latin typeface="Cambria Math" panose="02040503050406030204" pitchFamily="18" charset="0"/>
+                              <a:cs typeface="Arial" panose="020B0604020202020204" pitchFamily="34" charset="0"/>
+                            </a:rPr>
+                          </m:ctrlPr>
+                        </m:sSubSupPr>
+                        <m:e>
+                          <m:r>
+                            <a:rPr lang="es-ES" sz="1800" i="1">
+                              <a:effectLst/>
+                              <a:latin typeface="Cambria Math" panose="02040503050406030204" pitchFamily="18" charset="0"/>
+                              <a:ea typeface="Times New Roman" panose="02020603050405020304" pitchFamily="18" charset="0"/>
+                              <a:cs typeface="Arial" panose="020B0604020202020204" pitchFamily="34" charset="0"/>
+                            </a:rPr>
+                            <m:t>𝐵</m:t>
+                          </m:r>
+                        </m:e>
+                        <m:sub>
+                          <m:r>
+                            <a:rPr lang="es-MX" sz="1800" b="0" i="1" smtClean="0">
+                              <a:effectLst/>
+                              <a:latin typeface="Cambria Math" panose="02040503050406030204" pitchFamily="18" charset="0"/>
+                              <a:ea typeface="Times New Roman" panose="02020603050405020304" pitchFamily="18" charset="0"/>
+                              <a:cs typeface="Arial" panose="020B0604020202020204" pitchFamily="34" charset="0"/>
+                            </a:rPr>
+                            <m:t>𝑠𝑒𝑟𝑣</m:t>
+                          </m:r>
+                        </m:sub>
+                        <m:sup>
+                          <m:r>
+                            <a:rPr lang="es-ES" sz="1800" i="1">
+                              <a:effectLst/>
+                              <a:latin typeface="Cambria Math" panose="02040503050406030204" pitchFamily="18" charset="0"/>
+                              <a:ea typeface="Times New Roman" panose="02020603050405020304" pitchFamily="18" charset="0"/>
+                              <a:cs typeface="Arial" panose="020B0604020202020204" pitchFamily="34" charset="0"/>
+                            </a:rPr>
+                            <m:t>𝑖</m:t>
+                          </m:r>
+                        </m:sup>
+                      </m:sSubSup>
+                      <m:r>
+                        <a:rPr lang="es-MX" sz="1800" i="1">
+                          <a:effectLst/>
+                          <a:latin typeface="Cambria Math" panose="02040503050406030204" pitchFamily="18" charset="0"/>
+                          <a:ea typeface="Times New Roman" panose="02020603050405020304" pitchFamily="18" charset="0"/>
+                          <a:cs typeface="Arial" panose="020B0604020202020204" pitchFamily="34" charset="0"/>
+                        </a:rPr>
+                        <m:t>=</m:t>
+                      </m:r>
+                      <m:r>
+                        <a:rPr lang="es-MX" sz="1800" b="0" i="1" smtClean="0">
+                          <a:effectLst/>
+                          <a:latin typeface="Cambria Math" panose="02040503050406030204" pitchFamily="18" charset="0"/>
+                          <a:ea typeface="Times New Roman" panose="02020603050405020304" pitchFamily="18" charset="0"/>
+                          <a:cs typeface="Arial" panose="020B0604020202020204" pitchFamily="34" charset="0"/>
+                        </a:rPr>
+                        <m:t>0</m:t>
+                      </m:r>
+                    </m:oMath>
+                  </m:oMathPara>
+                </a14:m>
+                <a:endParaRPr lang="es-MX" dirty="0"/>
+              </a:p>
+            </p:txBody>
+          </p:sp>
+        </mc:Choice>
+        <mc:Fallback>
+          <p:sp>
+            <p:nvSpPr>
+              <p:cNvPr id="5" name="CuadroTexto 4">
+                <a:extLst>
+                  <a:ext uri="{FF2B5EF4-FFF2-40B4-BE49-F238E27FC236}">
+                    <a16:creationId xmlns:a16="http://schemas.microsoft.com/office/drawing/2014/main" id="{B81F4E12-E35D-307C-1755-6611306B74FA}"/>
+                  </a:ext>
+                </a:extLst>
+              </p:cNvPr>
+              <p:cNvSpPr txBox="1">
+                <a:spLocks noRot="1" noChangeAspect="1" noMove="1" noResize="1" noEditPoints="1" noAdjustHandles="1" noChangeArrowheads="1" noChangeShapeType="1" noTextEdit="1"/>
+              </p:cNvSpPr>
+              <p:nvPr/>
+            </p:nvSpPr>
+            <p:spPr>
+              <a:xfrm>
+                <a:off x="838200" y="3779833"/>
+                <a:ext cx="2307672" cy="1621021"/>
+              </a:xfrm>
+              <a:prstGeom prst="rect">
+                <a:avLst/>
+              </a:prstGeom>
+              <a:blipFill>
+                <a:blip r:embed="rId4"/>
+                <a:stretch>
+                  <a:fillRect t="-376"/>
+                </a:stretch>
+              </a:blipFill>
+            </p:spPr>
+            <p:txBody>
+              <a:bodyPr/>
+              <a:lstStyle/>
+              <a:p>
+                <a:r>
+                  <a:rPr lang="es-MX">
+                    <a:noFill/>
+                  </a:rPr>
+                  <a:t> </a:t>
+                </a:r>
+              </a:p>
+            </p:txBody>
+          </p:sp>
+        </mc:Fallback>
+      </mc:AlternateContent>
+      <mc:AlternateContent xmlns:mc="http://schemas.openxmlformats.org/markup-compatibility/2006">
+        <mc:Choice xmlns:a14="http://schemas.microsoft.com/office/drawing/2010/main" Requires="a14">
+          <p:sp>
+            <p:nvSpPr>
+              <p:cNvPr id="7" name="CuadroTexto 6">
+                <a:extLst>
+                  <a:ext uri="{FF2B5EF4-FFF2-40B4-BE49-F238E27FC236}">
+                    <a16:creationId xmlns:a16="http://schemas.microsoft.com/office/drawing/2014/main" id="{4EC06DB4-FD3B-F67A-CBEB-D1C8E057DE51}"/>
+                  </a:ext>
+                </a:extLst>
+              </p:cNvPr>
+              <p:cNvSpPr txBox="1"/>
+              <p:nvPr/>
+            </p:nvSpPr>
+            <p:spPr>
+              <a:xfrm>
+                <a:off x="8774884" y="3715065"/>
+                <a:ext cx="2307672" cy="1580113"/>
+              </a:xfrm>
+              <a:prstGeom prst="rect">
+                <a:avLst/>
+              </a:prstGeom>
+              <a:noFill/>
+            </p:spPr>
+            <p:txBody>
+              <a:bodyPr wrap="square" rtlCol="0">
+                <a:spAutoFit/>
+              </a:bodyPr>
+              <a:lstStyle/>
+              <a:p>
+                <a:pPr algn="ctr"/>
+                <a:r>
+                  <a:rPr lang="es-MX" dirty="0"/>
+                  <a:t>Caso </a:t>
+                </a:r>
+                <a14:m>
+                  <m:oMath xmlns:m="http://schemas.openxmlformats.org/officeDocument/2006/math">
+                    <m:sSubSup>
+                      <m:sSubSupPr>
+                        <m:ctrlPr>
+                          <a:rPr lang="es-MX" sz="1800" i="1" smtClean="0">
+                            <a:effectLst/>
+                            <a:latin typeface="Cambria Math" panose="02040503050406030204" pitchFamily="18" charset="0"/>
+                            <a:cs typeface="Arial" panose="020B0604020202020204" pitchFamily="34" charset="0"/>
+                          </a:rPr>
+                        </m:ctrlPr>
+                      </m:sSubSupPr>
+                      <m:e>
+                        <m:r>
+                          <a:rPr lang="es-ES" sz="1800" i="1">
+                            <a:effectLst/>
+                            <a:latin typeface="Cambria Math" panose="02040503050406030204" pitchFamily="18" charset="0"/>
+                            <a:ea typeface="Times New Roman" panose="02020603050405020304" pitchFamily="18" charset="0"/>
+                            <a:cs typeface="Arial" panose="020B0604020202020204" pitchFamily="34" charset="0"/>
+                          </a:rPr>
+                          <m:t>𝐵</m:t>
+                        </m:r>
+                      </m:e>
+                      <m:sub>
+                        <m:r>
+                          <a:rPr lang="es-ES" sz="1800" i="1">
+                            <a:effectLst/>
+                            <a:latin typeface="Cambria Math" panose="02040503050406030204" pitchFamily="18" charset="0"/>
+                            <a:ea typeface="Times New Roman" panose="02020603050405020304" pitchFamily="18" charset="0"/>
+                            <a:cs typeface="Arial" panose="020B0604020202020204" pitchFamily="34" charset="0"/>
+                          </a:rPr>
+                          <m:t>𝑝</m:t>
+                        </m:r>
+                        <m:r>
+                          <a:rPr lang="es-MX" sz="1800" b="0" i="1" smtClean="0">
+                            <a:effectLst/>
+                            <a:latin typeface="Cambria Math" panose="02040503050406030204" pitchFamily="18" charset="0"/>
+                            <a:ea typeface="Times New Roman" panose="02020603050405020304" pitchFamily="18" charset="0"/>
+                            <a:cs typeface="Arial" panose="020B0604020202020204" pitchFamily="34" charset="0"/>
+                          </a:rPr>
+                          <m:t>2</m:t>
+                        </m:r>
+                        <m:r>
+                          <a:rPr lang="es-MX" sz="1800" b="0" i="1" smtClean="0">
+                            <a:effectLst/>
+                            <a:latin typeface="Cambria Math" panose="02040503050406030204" pitchFamily="18" charset="0"/>
+                            <a:ea typeface="Times New Roman" panose="02020603050405020304" pitchFamily="18" charset="0"/>
+                            <a:cs typeface="Arial" panose="020B0604020202020204" pitchFamily="34" charset="0"/>
+                          </a:rPr>
+                          <m:t>𝑝</m:t>
+                        </m:r>
+                      </m:sub>
+                      <m:sup>
+                        <m:r>
+                          <a:rPr lang="es-ES" sz="1800" i="1">
+                            <a:effectLst/>
+                            <a:latin typeface="Cambria Math" panose="02040503050406030204" pitchFamily="18" charset="0"/>
+                            <a:ea typeface="Times New Roman" panose="02020603050405020304" pitchFamily="18" charset="0"/>
+                            <a:cs typeface="Arial" panose="020B0604020202020204" pitchFamily="34" charset="0"/>
+                          </a:rPr>
+                          <m:t>𝑖</m:t>
+                        </m:r>
+                      </m:sup>
+                    </m:sSubSup>
+                    <m:r>
+                      <a:rPr lang="es-MX" sz="1800" i="1">
+                        <a:effectLst/>
+                        <a:latin typeface="Cambria Math" panose="02040503050406030204" pitchFamily="18" charset="0"/>
+                        <a:ea typeface="Times New Roman" panose="02020603050405020304" pitchFamily="18" charset="0"/>
+                        <a:cs typeface="Arial" panose="020B0604020202020204" pitchFamily="34" charset="0"/>
+                      </a:rPr>
+                      <m:t>=</m:t>
+                    </m:r>
+                    <m:sSubSup>
+                      <m:sSubSupPr>
+                        <m:ctrlPr>
+                          <a:rPr lang="es-MX" i="1">
+                            <a:latin typeface="Cambria Math" panose="02040503050406030204" pitchFamily="18" charset="0"/>
+                            <a:cs typeface="Arial" panose="020B0604020202020204" pitchFamily="34" charset="0"/>
+                          </a:rPr>
+                        </m:ctrlPr>
+                      </m:sSubSupPr>
+                      <m:e>
+                        <m:r>
+                          <a:rPr lang="es-ES" i="1">
+                            <a:latin typeface="Cambria Math" panose="02040503050406030204" pitchFamily="18" charset="0"/>
+                            <a:ea typeface="Times New Roman" panose="02020603050405020304" pitchFamily="18" charset="0"/>
+                            <a:cs typeface="Arial" panose="020B0604020202020204" pitchFamily="34" charset="0"/>
+                          </a:rPr>
+                          <m:t>𝐵</m:t>
+                        </m:r>
+                      </m:e>
+                      <m:sub>
+                        <m:r>
+                          <a:rPr lang="es-ES" i="1">
+                            <a:latin typeface="Cambria Math" panose="02040503050406030204" pitchFamily="18" charset="0"/>
+                            <a:ea typeface="Times New Roman" panose="02020603050405020304" pitchFamily="18" charset="0"/>
+                            <a:cs typeface="Arial" panose="020B0604020202020204" pitchFamily="34" charset="0"/>
+                          </a:rPr>
+                          <m:t>𝑢</m:t>
+                        </m:r>
+                        <m:r>
+                          <a:rPr lang="es-ES" i="1">
+                            <a:latin typeface="Cambria Math" panose="02040503050406030204" pitchFamily="18" charset="0"/>
+                            <a:ea typeface="Times New Roman" panose="02020603050405020304" pitchFamily="18" charset="0"/>
+                            <a:cs typeface="Arial" panose="020B0604020202020204" pitchFamily="34" charset="0"/>
+                          </a:rPr>
+                          <m:t>,</m:t>
+                        </m:r>
+                        <m:r>
+                          <a:rPr lang="es-ES" i="1">
+                            <a:latin typeface="Cambria Math" panose="02040503050406030204" pitchFamily="18" charset="0"/>
+                            <a:ea typeface="Times New Roman" panose="02020603050405020304" pitchFamily="18" charset="0"/>
+                            <a:cs typeface="Arial" panose="020B0604020202020204" pitchFamily="34" charset="0"/>
+                          </a:rPr>
+                          <m:t>𝑝</m:t>
+                        </m:r>
+                      </m:sub>
+                      <m:sup>
+                        <m:r>
+                          <a:rPr lang="es-ES" i="1">
+                            <a:latin typeface="Cambria Math" panose="02040503050406030204" pitchFamily="18" charset="0"/>
+                            <a:ea typeface="Times New Roman" panose="02020603050405020304" pitchFamily="18" charset="0"/>
+                            <a:cs typeface="Arial" panose="020B0604020202020204" pitchFamily="34" charset="0"/>
+                          </a:rPr>
+                          <m:t>𝑖</m:t>
+                        </m:r>
+                      </m:sup>
+                    </m:sSubSup>
+                  </m:oMath>
+                </a14:m>
+                <a:endParaRPr lang="es-MX" dirty="0"/>
+              </a:p>
+              <a:p>
+                <a:pPr algn="ctr"/>
+                <a:endParaRPr lang="es-MX" dirty="0"/>
+              </a:p>
+              <a:p>
+                <a:pPr algn="ctr"/>
+                <a14:m>
+                  <m:oMath xmlns:m="http://schemas.openxmlformats.org/officeDocument/2006/math">
+                    <m:sSubSup>
+                      <m:sSubSupPr>
+                        <m:ctrlPr>
+                          <a:rPr lang="es-MX" sz="1800" i="1" smtClean="0">
+                            <a:effectLst/>
+                            <a:latin typeface="Cambria Math" panose="02040503050406030204" pitchFamily="18" charset="0"/>
+                            <a:cs typeface="Arial" panose="020B0604020202020204" pitchFamily="34" charset="0"/>
+                          </a:rPr>
+                        </m:ctrlPr>
+                      </m:sSubSupPr>
+                      <m:e>
+                        <m:r>
+                          <a:rPr lang="es-ES" sz="1800" i="1">
+                            <a:effectLst/>
+                            <a:latin typeface="Cambria Math" panose="02040503050406030204" pitchFamily="18" charset="0"/>
+                            <a:ea typeface="Times New Roman" panose="02020603050405020304" pitchFamily="18" charset="0"/>
+                            <a:cs typeface="Arial" panose="020B0604020202020204" pitchFamily="34" charset="0"/>
+                          </a:rPr>
+                          <m:t>𝐵</m:t>
+                        </m:r>
+                      </m:e>
+                      <m:sub>
+                        <m:r>
+                          <a:rPr lang="es-MX" sz="1800" b="0" i="1" smtClean="0">
+                            <a:effectLst/>
+                            <a:latin typeface="Cambria Math" panose="02040503050406030204" pitchFamily="18" charset="0"/>
+                            <a:ea typeface="Times New Roman" panose="02020603050405020304" pitchFamily="18" charset="0"/>
+                            <a:cs typeface="Arial" panose="020B0604020202020204" pitchFamily="34" charset="0"/>
+                          </a:rPr>
+                          <m:t>𝑠𝑒𝑟𝑣</m:t>
+                        </m:r>
+                      </m:sub>
+                      <m:sup>
+                        <m:r>
+                          <a:rPr lang="es-ES" sz="1800" i="1">
+                            <a:effectLst/>
+                            <a:latin typeface="Cambria Math" panose="02040503050406030204" pitchFamily="18" charset="0"/>
+                            <a:ea typeface="Times New Roman" panose="02020603050405020304" pitchFamily="18" charset="0"/>
+                            <a:cs typeface="Arial" panose="020B0604020202020204" pitchFamily="34" charset="0"/>
+                          </a:rPr>
+                          <m:t>𝑖</m:t>
+                        </m:r>
+                      </m:sup>
+                    </m:sSubSup>
+                    <m:r>
+                      <a:rPr lang="es-MX" sz="1800" i="1">
+                        <a:effectLst/>
+                        <a:latin typeface="Cambria Math" panose="02040503050406030204" pitchFamily="18" charset="0"/>
+                        <a:ea typeface="Times New Roman" panose="02020603050405020304" pitchFamily="18" charset="0"/>
+                        <a:cs typeface="Arial" panose="020B0604020202020204" pitchFamily="34" charset="0"/>
+                      </a:rPr>
+                      <m:t>=</m:t>
+                    </m:r>
+                    <m:sSubSup>
+                      <m:sSubSupPr>
+                        <m:ctrlPr>
+                          <a:rPr lang="es-MX" i="1">
+                            <a:latin typeface="Cambria Math" panose="02040503050406030204" pitchFamily="18" charset="0"/>
+                            <a:cs typeface="Arial" panose="020B0604020202020204" pitchFamily="34" charset="0"/>
+                          </a:rPr>
+                        </m:ctrlPr>
+                      </m:sSubSupPr>
+                      <m:e>
+                        <m:r>
+                          <a:rPr lang="es-ES" i="1">
+                            <a:latin typeface="Cambria Math" panose="02040503050406030204" pitchFamily="18" charset="0"/>
+                            <a:ea typeface="Times New Roman" panose="02020603050405020304" pitchFamily="18" charset="0"/>
+                            <a:cs typeface="Arial" panose="020B0604020202020204" pitchFamily="34" charset="0"/>
+                          </a:rPr>
+                          <m:t>𝐵</m:t>
+                        </m:r>
+                      </m:e>
+                      <m:sub>
+                        <m:r>
+                          <a:rPr lang="es-ES" i="1">
+                            <a:latin typeface="Cambria Math" panose="02040503050406030204" pitchFamily="18" charset="0"/>
+                            <a:ea typeface="Times New Roman" panose="02020603050405020304" pitchFamily="18" charset="0"/>
+                            <a:cs typeface="Arial" panose="020B0604020202020204" pitchFamily="34" charset="0"/>
+                          </a:rPr>
+                          <m:t>𝑑</m:t>
+                        </m:r>
+                      </m:sub>
+                      <m:sup>
+                        <m:r>
+                          <a:rPr lang="es-ES" i="1">
+                            <a:latin typeface="Cambria Math" panose="02040503050406030204" pitchFamily="18" charset="0"/>
+                            <a:ea typeface="Times New Roman" panose="02020603050405020304" pitchFamily="18" charset="0"/>
+                            <a:cs typeface="Arial" panose="020B0604020202020204" pitchFamily="34" charset="0"/>
+                          </a:rPr>
+                          <m:t>𝑖</m:t>
+                        </m:r>
+                      </m:sup>
+                    </m:sSubSup>
+                  </m:oMath>
+                </a14:m>
+                <a:r>
+                  <a:rPr lang="es-MX" dirty="0"/>
+                  <a:t>-</a:t>
+                </a:r>
+                <a:r>
+                  <a:rPr lang="es-MX" dirty="0">
+                    <a:cs typeface="Arial" panose="020B0604020202020204" pitchFamily="34" charset="0"/>
+                  </a:rPr>
+                  <a:t> </a:t>
+                </a:r>
+                <a14:m>
+                  <m:oMath xmlns:m="http://schemas.openxmlformats.org/officeDocument/2006/math">
+                    <m:sSubSup>
+                      <m:sSubSupPr>
+                        <m:ctrlPr>
+                          <a:rPr lang="es-MX" i="1">
+                            <a:latin typeface="Cambria Math" panose="02040503050406030204" pitchFamily="18" charset="0"/>
+                            <a:cs typeface="Arial" panose="020B0604020202020204" pitchFamily="34" charset="0"/>
+                          </a:rPr>
+                        </m:ctrlPr>
+                      </m:sSubSupPr>
+                      <m:e>
+                        <m:r>
+                          <a:rPr lang="es-ES" i="1">
+                            <a:latin typeface="Cambria Math" panose="02040503050406030204" pitchFamily="18" charset="0"/>
+                            <a:ea typeface="Times New Roman" panose="02020603050405020304" pitchFamily="18" charset="0"/>
+                            <a:cs typeface="Arial" panose="020B0604020202020204" pitchFamily="34" charset="0"/>
+                          </a:rPr>
+                          <m:t>𝐵</m:t>
+                        </m:r>
+                      </m:e>
+                      <m:sub>
+                        <m:r>
+                          <a:rPr lang="es-ES" i="1">
+                            <a:latin typeface="Cambria Math" panose="02040503050406030204" pitchFamily="18" charset="0"/>
+                            <a:ea typeface="Times New Roman" panose="02020603050405020304" pitchFamily="18" charset="0"/>
+                            <a:cs typeface="Arial" panose="020B0604020202020204" pitchFamily="34" charset="0"/>
+                          </a:rPr>
+                          <m:t>𝑝</m:t>
+                        </m:r>
+                        <m:r>
+                          <a:rPr lang="es-MX" i="1">
+                            <a:latin typeface="Cambria Math" panose="02040503050406030204" pitchFamily="18" charset="0"/>
+                            <a:ea typeface="Times New Roman" panose="02020603050405020304" pitchFamily="18" charset="0"/>
+                            <a:cs typeface="Arial" panose="020B0604020202020204" pitchFamily="34" charset="0"/>
+                          </a:rPr>
+                          <m:t>2</m:t>
+                        </m:r>
+                        <m:r>
+                          <a:rPr lang="es-MX" i="1">
+                            <a:latin typeface="Cambria Math" panose="02040503050406030204" pitchFamily="18" charset="0"/>
+                            <a:ea typeface="Times New Roman" panose="02020603050405020304" pitchFamily="18" charset="0"/>
+                            <a:cs typeface="Arial" panose="020B0604020202020204" pitchFamily="34" charset="0"/>
+                          </a:rPr>
+                          <m:t>𝑝</m:t>
+                        </m:r>
+                      </m:sub>
+                      <m:sup>
+                        <m:r>
+                          <a:rPr lang="es-ES" i="1">
+                            <a:latin typeface="Cambria Math" panose="02040503050406030204" pitchFamily="18" charset="0"/>
+                            <a:ea typeface="Times New Roman" panose="02020603050405020304" pitchFamily="18" charset="0"/>
+                            <a:cs typeface="Arial" panose="020B0604020202020204" pitchFamily="34" charset="0"/>
+                          </a:rPr>
+                          <m:t>𝑖</m:t>
+                        </m:r>
+                      </m:sup>
+                    </m:sSubSup>
+                  </m:oMath>
+                </a14:m>
+                <a:endParaRPr lang="es-MX" dirty="0"/>
+              </a:p>
+              <a:p>
+                <a:pPr algn="ctr"/>
+                <a:endParaRPr lang="es-MX" dirty="0"/>
+              </a:p>
+              <a:p>
+                <a:pPr algn="ctr"/>
+                <a14:m>
+                  <m:oMathPara xmlns:m="http://schemas.openxmlformats.org/officeDocument/2006/math">
+                    <m:oMathParaPr>
+                      <m:jc m:val="centerGroup"/>
+                    </m:oMathParaPr>
+                    <m:oMath xmlns:m="http://schemas.openxmlformats.org/officeDocument/2006/math">
+                      <m:sSubSup>
+                        <m:sSubSupPr>
+                          <m:ctrlPr>
+                            <a:rPr lang="es-MX" sz="1800" i="1" smtClean="0">
+                              <a:effectLst/>
+                              <a:latin typeface="Cambria Math" panose="02040503050406030204" pitchFamily="18" charset="0"/>
+                              <a:cs typeface="Arial" panose="020B0604020202020204" pitchFamily="34" charset="0"/>
+                            </a:rPr>
+                          </m:ctrlPr>
+                        </m:sSubSupPr>
+                        <m:e>
+                          <m:r>
+                            <a:rPr lang="es-ES" sz="1800" i="1">
+                              <a:effectLst/>
+                              <a:latin typeface="Cambria Math" panose="02040503050406030204" pitchFamily="18" charset="0"/>
+                              <a:ea typeface="Times New Roman" panose="02020603050405020304" pitchFamily="18" charset="0"/>
+                              <a:cs typeface="Arial" panose="020B0604020202020204" pitchFamily="34" charset="0"/>
+                            </a:rPr>
+                            <m:t>𝐵</m:t>
+                          </m:r>
+                        </m:e>
+                        <m:sub>
+                          <m:r>
+                            <a:rPr lang="es-MX" sz="1800" b="0" i="1" smtClean="0">
+                              <a:effectLst/>
+                              <a:latin typeface="Cambria Math" panose="02040503050406030204" pitchFamily="18" charset="0"/>
+                              <a:ea typeface="Times New Roman" panose="02020603050405020304" pitchFamily="18" charset="0"/>
+                              <a:cs typeface="Arial" panose="020B0604020202020204" pitchFamily="34" charset="0"/>
+                            </a:rPr>
+                            <m:t>𝑠𝑒𝑟𝑣</m:t>
+                          </m:r>
+                        </m:sub>
+                        <m:sup>
+                          <m:r>
+                            <a:rPr lang="es-ES" sz="1800" i="1">
+                              <a:effectLst/>
+                              <a:latin typeface="Cambria Math" panose="02040503050406030204" pitchFamily="18" charset="0"/>
+                              <a:ea typeface="Times New Roman" panose="02020603050405020304" pitchFamily="18" charset="0"/>
+                              <a:cs typeface="Arial" panose="020B0604020202020204" pitchFamily="34" charset="0"/>
+                            </a:rPr>
+                            <m:t>𝑖</m:t>
+                          </m:r>
+                        </m:sup>
+                      </m:sSubSup>
+                      <m:r>
+                        <a:rPr lang="es-MX" i="1">
+                          <a:latin typeface="Cambria Math" panose="02040503050406030204" pitchFamily="18" charset="0"/>
+                          <a:ea typeface="Times New Roman" panose="02020603050405020304" pitchFamily="18" charset="0"/>
+                          <a:cs typeface="Arial" panose="020B0604020202020204" pitchFamily="34" charset="0"/>
+                        </a:rPr>
+                        <m:t>≠</m:t>
+                      </m:r>
+                      <m:r>
+                        <a:rPr lang="es-MX" sz="1800" b="0" i="1" smtClean="0">
+                          <a:effectLst/>
+                          <a:latin typeface="Cambria Math" panose="02040503050406030204" pitchFamily="18" charset="0"/>
+                          <a:ea typeface="Times New Roman" panose="02020603050405020304" pitchFamily="18" charset="0"/>
+                          <a:cs typeface="Arial" panose="020B0604020202020204" pitchFamily="34" charset="0"/>
+                        </a:rPr>
+                        <m:t>0</m:t>
+                      </m:r>
+                    </m:oMath>
+                  </m:oMathPara>
+                </a14:m>
+                <a:endParaRPr lang="es-MX" dirty="0"/>
+              </a:p>
+            </p:txBody>
+          </p:sp>
+        </mc:Choice>
+        <mc:Fallback>
+          <p:sp>
+            <p:nvSpPr>
+              <p:cNvPr id="7" name="CuadroTexto 6">
+                <a:extLst>
+                  <a:ext uri="{FF2B5EF4-FFF2-40B4-BE49-F238E27FC236}">
+                    <a16:creationId xmlns:a16="http://schemas.microsoft.com/office/drawing/2014/main" id="{4EC06DB4-FD3B-F67A-CBEB-D1C8E057DE51}"/>
+                  </a:ext>
+                </a:extLst>
+              </p:cNvPr>
+              <p:cNvSpPr txBox="1">
+                <a:spLocks noRot="1" noChangeAspect="1" noMove="1" noResize="1" noEditPoints="1" noAdjustHandles="1" noChangeArrowheads="1" noChangeShapeType="1" noTextEdit="1"/>
+              </p:cNvSpPr>
+              <p:nvPr/>
+            </p:nvSpPr>
+            <p:spPr>
+              <a:xfrm>
+                <a:off x="8774884" y="3715065"/>
+                <a:ext cx="2307672" cy="1580113"/>
+              </a:xfrm>
+              <a:prstGeom prst="rect">
+                <a:avLst/>
+              </a:prstGeom>
+              <a:blipFill>
+                <a:blip r:embed="rId5"/>
+                <a:stretch>
+                  <a:fillRect t="-385"/>
+                </a:stretch>
+              </a:blipFill>
+            </p:spPr>
+            <p:txBody>
+              <a:bodyPr/>
+              <a:lstStyle/>
+              <a:p>
+                <a:r>
+                  <a:rPr lang="es-MX">
+                    <a:noFill/>
+                  </a:rPr>
+                  <a:t> </a:t>
+                </a:r>
+              </a:p>
+            </p:txBody>
+          </p:sp>
+        </mc:Fallback>
+      </mc:AlternateContent>
+    </p:spTree>
+    <p:extLst>
+      <p:ext uri="{BB962C8B-B14F-4D97-AF65-F5344CB8AC3E}">
+        <p14:creationId xmlns:p14="http://schemas.microsoft.com/office/powerpoint/2010/main" val="2719154466"/>
+      </p:ext>
+    </p:extLst>
+  </p:cSld>
+  <p:clrMapOvr>
+    <a:masterClrMapping/>
+  </p:clrMapOvr>
+</p:sld>
+</file>
+
+<file path=ppt/slides/slide8.xml><?xml version="1.0" encoding="utf-8"?>
+<p:sld xmlns:a="http://schemas.openxmlformats.org/drawingml/2006/main" xmlns:r="http://schemas.openxmlformats.org/officeDocument/2006/relationships" xmlns:p="http://schemas.openxmlformats.org/presentationml/2006/main">
+  <p:cSld>
+    <p:spTree>
+      <p:nvGrpSpPr>
+        <p:cNvPr id="1" name=""/>
+        <p:cNvGrpSpPr/>
+        <p:nvPr/>
+      </p:nvGrpSpPr>
+      <p:grpSpPr>
+        <a:xfrm>
+          <a:off x="0" y="0"/>
+          <a:ext cx="0" cy="0"/>
+          <a:chOff x="0" y="0"/>
+          <a:chExt cx="0" cy="0"/>
+        </a:xfrm>
+      </p:grpSpPr>
+      <p:sp>
+        <p:nvSpPr>
+          <p:cNvPr id="2" name="Título 1">
+            <a:extLst>
+              <a:ext uri="{FF2B5EF4-FFF2-40B4-BE49-F238E27FC236}">
+                <a16:creationId xmlns:a16="http://schemas.microsoft.com/office/drawing/2014/main" id="{32691174-20F9-D4FC-F56B-CF040D76952A}"/>
+              </a:ext>
+            </a:extLst>
+          </p:cNvPr>
+          <p:cNvSpPr>
+            <a:spLocks noGrp="1"/>
+          </p:cNvSpPr>
+          <p:nvPr>
+            <p:ph type="title"/>
+          </p:nvPr>
+        </p:nvSpPr>
+        <p:spPr/>
+        <p:txBody>
+          <a:bodyPr/>
+          <a:lstStyle/>
+          <a:p>
+            <a:pPr algn="ctr"/>
+            <a:r>
+              <a:rPr lang="es-MX" dirty="0"/>
+              <a:t>Penuria</a:t>
+            </a:r>
+          </a:p>
+        </p:txBody>
+      </p:sp>
+      <mc:AlternateContent xmlns:mc="http://schemas.openxmlformats.org/markup-compatibility/2006">
+        <mc:Choice xmlns:a14="http://schemas.microsoft.com/office/drawing/2010/main" Requires="a14">
+          <p:sp>
+            <p:nvSpPr>
+              <p:cNvPr id="3" name="Marcador de contenido 2">
+                <a:extLst>
+                  <a:ext uri="{FF2B5EF4-FFF2-40B4-BE49-F238E27FC236}">
+                    <a16:creationId xmlns:a16="http://schemas.microsoft.com/office/drawing/2014/main" id="{CF2555D5-EEDD-1F82-F4B6-F4C4ABDE29D4}"/>
+                  </a:ext>
+                </a:extLst>
+              </p:cNvPr>
+              <p:cNvSpPr>
+                <a:spLocks noGrp="1"/>
+              </p:cNvSpPr>
+              <p:nvPr>
+                <p:ph idx="1"/>
+              </p:nvPr>
+            </p:nvSpPr>
+            <p:spPr/>
+            <p:txBody>
+              <a:bodyPr/>
+              <a:lstStyle/>
+              <a:p>
+                <a:pPr marL="0" indent="0">
+                  <a:buNone/>
+                </a:pPr>
+                <a14:m>
+                  <m:oMathPara xmlns:m="http://schemas.openxmlformats.org/officeDocument/2006/math">
+                    <m:oMathParaPr>
+                      <m:jc m:val="centerGroup"/>
+                    </m:oMathParaPr>
+                    <m:oMath xmlns:m="http://schemas.openxmlformats.org/officeDocument/2006/math">
+                      <m:sSubSup>
+                        <m:sSubSupPr>
+                          <m:ctrlPr>
+                            <a:rPr lang="es-MX" sz="2800" i="1" smtClean="0">
+                              <a:effectLst/>
+                              <a:latin typeface="Cambria Math" panose="02040503050406030204" pitchFamily="18" charset="0"/>
+                              <a:cs typeface="Arial" panose="020B0604020202020204" pitchFamily="34" charset="0"/>
+                            </a:rPr>
+                          </m:ctrlPr>
+                        </m:sSubSupPr>
+                        <m:e>
+                          <m:r>
+                            <a:rPr lang="es-ES" sz="2800" i="1">
+                              <a:effectLst/>
+                              <a:latin typeface="Cambria Math" panose="02040503050406030204" pitchFamily="18" charset="0"/>
+                              <a:ea typeface="Times New Roman" panose="02020603050405020304" pitchFamily="18" charset="0"/>
+                              <a:cs typeface="Arial" panose="020B0604020202020204" pitchFamily="34" charset="0"/>
+                            </a:rPr>
+                            <m:t>𝐵</m:t>
+                          </m:r>
+                        </m:e>
+                        <m:sub>
+                          <m:r>
+                            <a:rPr lang="es-ES" sz="2800" i="1">
+                              <a:effectLst/>
+                              <a:latin typeface="Cambria Math" panose="02040503050406030204" pitchFamily="18" charset="0"/>
+                              <a:ea typeface="Times New Roman" panose="02020603050405020304" pitchFamily="18" charset="0"/>
+                              <a:cs typeface="Arial" panose="020B0604020202020204" pitchFamily="34" charset="0"/>
+                            </a:rPr>
+                            <m:t>𝑑</m:t>
+                          </m:r>
+                        </m:sub>
+                        <m:sup>
+                          <m:r>
+                            <a:rPr lang="es-ES" sz="2800" i="1">
+                              <a:effectLst/>
+                              <a:latin typeface="Cambria Math" panose="02040503050406030204" pitchFamily="18" charset="0"/>
+                              <a:ea typeface="Times New Roman" panose="02020603050405020304" pitchFamily="18" charset="0"/>
+                              <a:cs typeface="Arial" panose="020B0604020202020204" pitchFamily="34" charset="0"/>
+                            </a:rPr>
+                            <m:t>𝑖</m:t>
+                          </m:r>
+                        </m:sup>
+                      </m:sSubSup>
+                      <m:r>
+                        <a:rPr lang="es-ES" sz="2800" i="1">
+                          <a:effectLst/>
+                          <a:latin typeface="Cambria Math" panose="02040503050406030204" pitchFamily="18" charset="0"/>
+                          <a:ea typeface="Times New Roman" panose="02020603050405020304" pitchFamily="18" charset="0"/>
+                          <a:cs typeface="Arial" panose="020B0604020202020204" pitchFamily="34" charset="0"/>
+                        </a:rPr>
+                        <m:t>=</m:t>
+                      </m:r>
+                      <m:sSub>
+                        <m:sSubPr>
+                          <m:ctrlPr>
+                            <a:rPr lang="es-MX" sz="2800" i="1">
+                              <a:effectLst/>
+                              <a:latin typeface="Cambria Math" panose="02040503050406030204" pitchFamily="18" charset="0"/>
+                              <a:cs typeface="Arial" panose="020B0604020202020204" pitchFamily="34" charset="0"/>
+                            </a:rPr>
+                          </m:ctrlPr>
+                        </m:sSubPr>
+                        <m:e>
+                          <m:r>
+                            <a:rPr lang="es-ES" sz="2800" i="1">
+                              <a:effectLst/>
+                              <a:latin typeface="Cambria Math" panose="02040503050406030204" pitchFamily="18" charset="0"/>
+                              <a:ea typeface="Times New Roman" panose="02020603050405020304" pitchFamily="18" charset="0"/>
+                              <a:cs typeface="Arial" panose="020B0604020202020204" pitchFamily="34" charset="0"/>
+                            </a:rPr>
+                            <m:t>𝐶</m:t>
+                          </m:r>
+                        </m:e>
+                        <m:sub>
+                          <m:r>
+                            <a:rPr lang="es-ES" sz="2800" i="1">
+                              <a:effectLst/>
+                              <a:latin typeface="Cambria Math" panose="02040503050406030204" pitchFamily="18" charset="0"/>
+                              <a:ea typeface="Times New Roman" panose="02020603050405020304" pitchFamily="18" charset="0"/>
+                              <a:cs typeface="Arial" panose="020B0604020202020204" pitchFamily="34" charset="0"/>
+                            </a:rPr>
+                            <m:t>𝜔</m:t>
+                          </m:r>
+                        </m:sub>
+                      </m:sSub>
+                      <m:r>
+                        <a:rPr lang="es-ES" sz="2800" i="1">
+                          <a:effectLst/>
+                          <a:latin typeface="Cambria Math" panose="02040503050406030204" pitchFamily="18" charset="0"/>
+                          <a:ea typeface="Times New Roman" panose="02020603050405020304" pitchFamily="18" charset="0"/>
+                          <a:cs typeface="Arial" panose="020B0604020202020204" pitchFamily="34" charset="0"/>
+                        </a:rPr>
+                        <m:t>∗</m:t>
+                      </m:r>
+                      <m:sSub>
+                        <m:sSubPr>
+                          <m:ctrlPr>
+                            <a:rPr lang="es-MX" sz="2800" i="1">
+                              <a:effectLst/>
+                              <a:latin typeface="Cambria Math" panose="02040503050406030204" pitchFamily="18" charset="0"/>
+                              <a:cs typeface="Arial" panose="020B0604020202020204" pitchFamily="34" charset="0"/>
+                            </a:rPr>
+                          </m:ctrlPr>
+                        </m:sSubPr>
+                        <m:e>
+                          <m:r>
+                            <a:rPr lang="es-ES" sz="2800" i="1">
+                              <a:effectLst/>
+                              <a:latin typeface="Cambria Math" panose="02040503050406030204" pitchFamily="18" charset="0"/>
+                              <a:ea typeface="Times New Roman" panose="02020603050405020304" pitchFamily="18" charset="0"/>
+                              <a:cs typeface="Arial" panose="020B0604020202020204" pitchFamily="34" charset="0"/>
+                            </a:rPr>
+                            <m:t>𝑋</m:t>
+                          </m:r>
+                        </m:e>
+                        <m:sub>
+                          <m:r>
+                            <a:rPr lang="es-ES" sz="2800" i="1">
+                              <a:effectLst/>
+                              <a:latin typeface="Cambria Math" panose="02040503050406030204" pitchFamily="18" charset="0"/>
+                              <a:ea typeface="Times New Roman" panose="02020603050405020304" pitchFamily="18" charset="0"/>
+                              <a:cs typeface="Arial" panose="020B0604020202020204" pitchFamily="34" charset="0"/>
+                            </a:rPr>
+                            <m:t>𝑖</m:t>
+                          </m:r>
+                        </m:sub>
+                      </m:sSub>
+                      <m:r>
+                        <a:rPr lang="es-MX" sz="2800" b="0" i="1" smtClean="0">
+                          <a:effectLst/>
+                          <a:latin typeface="Cambria Math" panose="02040503050406030204" pitchFamily="18" charset="0"/>
+                          <a:ea typeface="Times New Roman" panose="02020603050405020304" pitchFamily="18" charset="0"/>
+                          <a:cs typeface="Arial" panose="020B0604020202020204" pitchFamily="34" charset="0"/>
+                        </a:rPr>
+                        <m:t>(</m:t>
+                      </m:r>
+                      <m:r>
+                        <a:rPr lang="es-MX" sz="2800" b="0" i="1" smtClean="0">
+                          <a:effectLst/>
+                          <a:latin typeface="Cambria Math" panose="02040503050406030204" pitchFamily="18" charset="0"/>
+                          <a:ea typeface="Times New Roman" panose="02020603050405020304" pitchFamily="18" charset="0"/>
+                          <a:cs typeface="Arial" panose="020B0604020202020204" pitchFamily="34" charset="0"/>
+                        </a:rPr>
+                        <m:t>𝐵𝑊</m:t>
+                      </m:r>
+                      <m:r>
+                        <a:rPr lang="es-MX" sz="2800" b="0" i="1" smtClean="0">
+                          <a:effectLst/>
+                          <a:latin typeface="Cambria Math" panose="02040503050406030204" pitchFamily="18" charset="0"/>
+                          <a:ea typeface="Times New Roman" panose="02020603050405020304" pitchFamily="18" charset="0"/>
+                          <a:cs typeface="Arial" panose="020B0604020202020204" pitchFamily="34" charset="0"/>
+                        </a:rPr>
+                        <m:t>)</m:t>
+                      </m:r>
+                    </m:oMath>
+                  </m:oMathPara>
+                </a14:m>
+                <a:endParaRPr lang="es-MX" dirty="0"/>
+              </a:p>
+            </p:txBody>
+          </p:sp>
+        </mc:Choice>
+        <mc:Fallback>
+          <p:sp>
+            <p:nvSpPr>
+              <p:cNvPr id="3" name="Marcador de contenido 2">
+                <a:extLst>
+                  <a:ext uri="{FF2B5EF4-FFF2-40B4-BE49-F238E27FC236}">
+                    <a16:creationId xmlns:a16="http://schemas.microsoft.com/office/drawing/2014/main" id="{CF2555D5-EEDD-1F82-F4B6-F4C4ABDE29D4}"/>
+                  </a:ext>
+                </a:extLst>
+              </p:cNvPr>
+              <p:cNvSpPr>
+                <a:spLocks noGrp="1" noRot="1" noChangeAspect="1" noMove="1" noResize="1" noEditPoints="1" noAdjustHandles="1" noChangeArrowheads="1" noChangeShapeType="1" noTextEdit="1"/>
+              </p:cNvSpPr>
+              <p:nvPr>
+                <p:ph idx="1"/>
+              </p:nvPr>
+            </p:nvSpPr>
+            <p:spPr>
+              <a:blipFill>
+                <a:blip r:embed="rId2"/>
+                <a:stretch>
+                  <a:fillRect/>
+                </a:stretch>
+              </a:blipFill>
+            </p:spPr>
+            <p:txBody>
+              <a:bodyPr/>
+              <a:lstStyle/>
+              <a:p>
+                <a:r>
+                  <a:rPr lang="es-MX">
+                    <a:noFill/>
+                  </a:rPr>
+                  <a:t> </a:t>
+                </a:r>
+              </a:p>
+            </p:txBody>
+          </p:sp>
+        </mc:Fallback>
+      </mc:AlternateContent>
+      <mc:AlternateContent xmlns:mc="http://schemas.openxmlformats.org/markup-compatibility/2006">
+        <mc:Choice xmlns:a14="http://schemas.microsoft.com/office/drawing/2010/main" Requires="a14">
+          <p:sp>
+            <p:nvSpPr>
+              <p:cNvPr id="4" name="CuadroTexto 3">
+                <a:extLst>
+                  <a:ext uri="{FF2B5EF4-FFF2-40B4-BE49-F238E27FC236}">
+                    <a16:creationId xmlns:a16="http://schemas.microsoft.com/office/drawing/2014/main" id="{184FA38F-2D90-639F-A569-5EF6EC277F0F}"/>
+                  </a:ext>
+                </a:extLst>
+              </p:cNvPr>
+              <p:cNvSpPr txBox="1"/>
+              <p:nvPr/>
+            </p:nvSpPr>
+            <p:spPr>
+              <a:xfrm>
+                <a:off x="3730304" y="2425517"/>
+                <a:ext cx="5044580" cy="1154611"/>
+              </a:xfrm>
+              <a:prstGeom prst="rect">
+                <a:avLst/>
+              </a:prstGeom>
+              <a:noFill/>
+            </p:spPr>
+            <p:txBody>
+              <a:bodyPr wrap="square" rtlCol="0">
+                <a:spAutoFit/>
+              </a:bodyPr>
+              <a:lstStyle/>
+              <a:p>
+                <a:pPr/>
+                <a14:m>
+                  <m:oMathPara xmlns:m="http://schemas.openxmlformats.org/officeDocument/2006/math">
+                    <m:oMathParaPr>
+                      <m:jc m:val="centerGroup"/>
+                    </m:oMathParaPr>
+                    <m:oMath xmlns:m="http://schemas.openxmlformats.org/officeDocument/2006/math">
+                      <m:sSubSup>
+                        <m:sSubSupPr>
+                          <m:ctrlPr>
+                            <a:rPr lang="es-MX" sz="2800" i="1" smtClean="0">
+                              <a:effectLst/>
+                              <a:latin typeface="Cambria Math" panose="02040503050406030204" pitchFamily="18" charset="0"/>
+                              <a:cs typeface="Arial" panose="020B0604020202020204" pitchFamily="34" charset="0"/>
+                            </a:rPr>
+                          </m:ctrlPr>
+                        </m:sSubSupPr>
+                        <m:e>
+                          <m:r>
+                            <a:rPr lang="es-ES" sz="2800" i="1">
+                              <a:effectLst/>
+                              <a:latin typeface="Cambria Math" panose="02040503050406030204" pitchFamily="18" charset="0"/>
+                              <a:ea typeface="Times New Roman" panose="02020603050405020304" pitchFamily="18" charset="0"/>
+                              <a:cs typeface="Arial" panose="020B0604020202020204" pitchFamily="34" charset="0"/>
+                            </a:rPr>
+                            <m:t>𝐵</m:t>
+                          </m:r>
+                        </m:e>
+                        <m:sub>
+                          <m:r>
+                            <a:rPr lang="es-ES" sz="2800" i="1">
+                              <a:effectLst/>
+                              <a:latin typeface="Cambria Math" panose="02040503050406030204" pitchFamily="18" charset="0"/>
+                              <a:ea typeface="Times New Roman" panose="02020603050405020304" pitchFamily="18" charset="0"/>
+                              <a:cs typeface="Arial" panose="020B0604020202020204" pitchFamily="34" charset="0"/>
+                            </a:rPr>
+                            <m:t>𝑝</m:t>
+                          </m:r>
+                          <m:r>
+                            <a:rPr lang="es-MX" sz="2800" b="0" i="1" smtClean="0">
+                              <a:effectLst/>
+                              <a:latin typeface="Cambria Math" panose="02040503050406030204" pitchFamily="18" charset="0"/>
+                              <a:ea typeface="Times New Roman" panose="02020603050405020304" pitchFamily="18" charset="0"/>
+                              <a:cs typeface="Arial" panose="020B0604020202020204" pitchFamily="34" charset="0"/>
+                            </a:rPr>
+                            <m:t>2</m:t>
+                          </m:r>
+                          <m:r>
+                            <a:rPr lang="es-MX" sz="2800" b="0" i="1" smtClean="0">
+                              <a:effectLst/>
+                              <a:latin typeface="Cambria Math" panose="02040503050406030204" pitchFamily="18" charset="0"/>
+                              <a:ea typeface="Times New Roman" panose="02020603050405020304" pitchFamily="18" charset="0"/>
+                              <a:cs typeface="Arial" panose="020B0604020202020204" pitchFamily="34" charset="0"/>
+                            </a:rPr>
+                            <m:t>𝑝</m:t>
+                          </m:r>
+                        </m:sub>
+                        <m:sup>
+                          <m:r>
+                            <a:rPr lang="es-ES" sz="2800" i="1">
+                              <a:effectLst/>
+                              <a:latin typeface="Cambria Math" panose="02040503050406030204" pitchFamily="18" charset="0"/>
+                              <a:ea typeface="Times New Roman" panose="02020603050405020304" pitchFamily="18" charset="0"/>
+                              <a:cs typeface="Arial" panose="020B0604020202020204" pitchFamily="34" charset="0"/>
+                            </a:rPr>
+                            <m:t>𝑖</m:t>
+                          </m:r>
+                        </m:sup>
+                      </m:sSubSup>
+                      <m:r>
+                        <a:rPr lang="es-MX" sz="2800" i="1">
+                          <a:effectLst/>
+                          <a:latin typeface="Cambria Math" panose="02040503050406030204" pitchFamily="18" charset="0"/>
+                          <a:ea typeface="Times New Roman" panose="02020603050405020304" pitchFamily="18" charset="0"/>
+                          <a:cs typeface="Arial" panose="020B0604020202020204" pitchFamily="34" charset="0"/>
+                        </a:rPr>
+                        <m:t>=</m:t>
+                      </m:r>
+                      <m:r>
+                        <m:rPr>
+                          <m:sty m:val="p"/>
+                        </m:rPr>
+                        <a:rPr lang="es-ES" sz="2800">
+                          <a:latin typeface="Cambria Math" panose="02040503050406030204" pitchFamily="18" charset="0"/>
+                          <a:ea typeface="Times New Roman" panose="02020603050405020304" pitchFamily="18" charset="0"/>
+                          <a:cs typeface="Arial" panose="020B0604020202020204" pitchFamily="34" charset="0"/>
+                        </a:rPr>
+                        <m:t>min</m:t>
+                      </m:r>
+                      <m:r>
+                        <a:rPr lang="es-ES" sz="2800" i="1">
+                          <a:latin typeface="Cambria Math" panose="02040503050406030204" pitchFamily="18" charset="0"/>
+                          <a:ea typeface="Times New Roman" panose="02020603050405020304" pitchFamily="18" charset="0"/>
+                          <a:cs typeface="Arial" panose="020B0604020202020204" pitchFamily="34" charset="0"/>
+                        </a:rPr>
+                        <m:t>⁡{</m:t>
+                      </m:r>
+                      <m:sSubSup>
+                        <m:sSubSupPr>
+                          <m:ctrlPr>
+                            <a:rPr lang="es-MX" sz="2800" i="1">
+                              <a:latin typeface="Cambria Math" panose="02040503050406030204" pitchFamily="18" charset="0"/>
+                              <a:cs typeface="Arial" panose="020B0604020202020204" pitchFamily="34" charset="0"/>
+                            </a:rPr>
+                          </m:ctrlPr>
+                        </m:sSubSupPr>
+                        <m:e>
+                          <m:r>
+                            <a:rPr lang="es-ES" sz="2800" i="1">
+                              <a:latin typeface="Cambria Math" panose="02040503050406030204" pitchFamily="18" charset="0"/>
+                              <a:ea typeface="Times New Roman" panose="02020603050405020304" pitchFamily="18" charset="0"/>
+                              <a:cs typeface="Arial" panose="020B0604020202020204" pitchFamily="34" charset="0"/>
+                            </a:rPr>
+                            <m:t>𝐵</m:t>
+                          </m:r>
+                        </m:e>
+                        <m:sub>
+                          <m:r>
+                            <a:rPr lang="es-ES" sz="2800" i="1">
+                              <a:latin typeface="Cambria Math" panose="02040503050406030204" pitchFamily="18" charset="0"/>
+                              <a:ea typeface="Times New Roman" panose="02020603050405020304" pitchFamily="18" charset="0"/>
+                              <a:cs typeface="Arial" panose="020B0604020202020204" pitchFamily="34" charset="0"/>
+                            </a:rPr>
+                            <m:t>𝑑</m:t>
+                          </m:r>
+                        </m:sub>
+                        <m:sup>
+                          <m:r>
+                            <a:rPr lang="es-ES" sz="2800" i="1">
+                              <a:latin typeface="Cambria Math" panose="02040503050406030204" pitchFamily="18" charset="0"/>
+                              <a:ea typeface="Times New Roman" panose="02020603050405020304" pitchFamily="18" charset="0"/>
+                              <a:cs typeface="Arial" panose="020B0604020202020204" pitchFamily="34" charset="0"/>
+                            </a:rPr>
+                            <m:t>𝑖</m:t>
+                          </m:r>
+                        </m:sup>
+                      </m:sSubSup>
+                      <m:r>
+                        <a:rPr lang="es-ES" sz="2800" i="1">
+                          <a:latin typeface="Cambria Math" panose="02040503050406030204" pitchFamily="18" charset="0"/>
+                          <a:ea typeface="Times New Roman" panose="02020603050405020304" pitchFamily="18" charset="0"/>
+                          <a:cs typeface="Arial" panose="020B0604020202020204" pitchFamily="34" charset="0"/>
+                        </a:rPr>
+                        <m:t>,</m:t>
+                      </m:r>
+                      <m:sSubSup>
+                        <m:sSubSupPr>
+                          <m:ctrlPr>
+                            <a:rPr lang="es-MX" sz="2800" i="1">
+                              <a:latin typeface="Cambria Math" panose="02040503050406030204" pitchFamily="18" charset="0"/>
+                              <a:cs typeface="Arial" panose="020B0604020202020204" pitchFamily="34" charset="0"/>
+                            </a:rPr>
+                          </m:ctrlPr>
+                        </m:sSubSupPr>
+                        <m:e>
+                          <m:r>
+                            <a:rPr lang="es-ES" sz="2800" i="1">
+                              <a:latin typeface="Cambria Math" panose="02040503050406030204" pitchFamily="18" charset="0"/>
+                              <a:ea typeface="Times New Roman" panose="02020603050405020304" pitchFamily="18" charset="0"/>
+                              <a:cs typeface="Arial" panose="020B0604020202020204" pitchFamily="34" charset="0"/>
+                            </a:rPr>
+                            <m:t>𝐵</m:t>
+                          </m:r>
+                        </m:e>
+                        <m:sub>
+                          <m:r>
+                            <a:rPr lang="es-ES" sz="2800" i="1">
+                              <a:latin typeface="Cambria Math" panose="02040503050406030204" pitchFamily="18" charset="0"/>
+                              <a:ea typeface="Times New Roman" panose="02020603050405020304" pitchFamily="18" charset="0"/>
+                              <a:cs typeface="Arial" panose="020B0604020202020204" pitchFamily="34" charset="0"/>
+                            </a:rPr>
+                            <m:t>𝑢</m:t>
+                          </m:r>
+                          <m:r>
+                            <a:rPr lang="es-ES" sz="2800" i="1">
+                              <a:latin typeface="Cambria Math" panose="02040503050406030204" pitchFamily="18" charset="0"/>
+                              <a:ea typeface="Times New Roman" panose="02020603050405020304" pitchFamily="18" charset="0"/>
+                              <a:cs typeface="Arial" panose="020B0604020202020204" pitchFamily="34" charset="0"/>
+                            </a:rPr>
+                            <m:t>,</m:t>
+                          </m:r>
+                          <m:r>
+                            <a:rPr lang="es-ES" sz="2800" i="1">
+                              <a:latin typeface="Cambria Math" panose="02040503050406030204" pitchFamily="18" charset="0"/>
+                              <a:ea typeface="Times New Roman" panose="02020603050405020304" pitchFamily="18" charset="0"/>
+                              <a:cs typeface="Arial" panose="020B0604020202020204" pitchFamily="34" charset="0"/>
+                            </a:rPr>
+                            <m:t>𝑝</m:t>
+                          </m:r>
+                        </m:sub>
+                        <m:sup>
+                          <m:r>
+                            <a:rPr lang="es-ES" sz="2800" i="1">
+                              <a:latin typeface="Cambria Math" panose="02040503050406030204" pitchFamily="18" charset="0"/>
+                              <a:ea typeface="Times New Roman" panose="02020603050405020304" pitchFamily="18" charset="0"/>
+                              <a:cs typeface="Arial" panose="020B0604020202020204" pitchFamily="34" charset="0"/>
+                            </a:rPr>
+                            <m:t>𝑖</m:t>
+                          </m:r>
+                        </m:sup>
+                      </m:sSubSup>
+                      <m:r>
+                        <a:rPr lang="es-ES" sz="2800" i="1">
+                          <a:latin typeface="Cambria Math" panose="02040503050406030204" pitchFamily="18" charset="0"/>
+                          <a:ea typeface="Times New Roman" panose="02020603050405020304" pitchFamily="18" charset="0"/>
+                          <a:cs typeface="Arial" panose="020B0604020202020204" pitchFamily="34" charset="0"/>
+                        </a:rPr>
+                        <m:t>}</m:t>
+                      </m:r>
+                    </m:oMath>
+                  </m:oMathPara>
+                </a14:m>
+                <a:endParaRPr lang="es-MX" sz="2800" dirty="0"/>
+              </a:p>
+              <a:p>
+                <a:endParaRPr lang="es-MX" dirty="0"/>
+              </a:p>
+              <a:p>
+                <a:endParaRPr lang="es-MX" dirty="0"/>
+              </a:p>
+            </p:txBody>
+          </p:sp>
+        </mc:Choice>
+        <mc:Fallback>
+          <p:sp>
+            <p:nvSpPr>
+              <p:cNvPr id="4" name="CuadroTexto 3">
+                <a:extLst>
+                  <a:ext uri="{FF2B5EF4-FFF2-40B4-BE49-F238E27FC236}">
+                    <a16:creationId xmlns:a16="http://schemas.microsoft.com/office/drawing/2014/main" id="{184FA38F-2D90-639F-A569-5EF6EC277F0F}"/>
+                  </a:ext>
+                </a:extLst>
+              </p:cNvPr>
+              <p:cNvSpPr txBox="1">
+                <a:spLocks noRot="1" noChangeAspect="1" noMove="1" noResize="1" noEditPoints="1" noAdjustHandles="1" noChangeArrowheads="1" noChangeShapeType="1" noTextEdit="1"/>
+              </p:cNvSpPr>
+              <p:nvPr/>
+            </p:nvSpPr>
+            <p:spPr>
+              <a:xfrm>
+                <a:off x="3730304" y="2425517"/>
+                <a:ext cx="5044580" cy="1154611"/>
+              </a:xfrm>
+              <a:prstGeom prst="rect">
+                <a:avLst/>
+              </a:prstGeom>
+              <a:blipFill>
+                <a:blip r:embed="rId3"/>
+                <a:stretch>
+                  <a:fillRect/>
+                </a:stretch>
+              </a:blipFill>
+            </p:spPr>
+            <p:txBody>
+              <a:bodyPr/>
+              <a:lstStyle/>
+              <a:p>
+                <a:r>
+                  <a:rPr lang="es-MX">
+                    <a:noFill/>
+                  </a:rPr>
+                  <a:t> </a:t>
+                </a:r>
+              </a:p>
+            </p:txBody>
+          </p:sp>
+        </mc:Fallback>
+      </mc:AlternateContent>
+      <mc:AlternateContent xmlns:mc="http://schemas.openxmlformats.org/markup-compatibility/2006">
+        <mc:Choice xmlns:a14="http://schemas.microsoft.com/office/drawing/2010/main" Requires="a14">
+          <p:sp>
+            <p:nvSpPr>
+              <p:cNvPr id="5" name="CuadroTexto 4">
+                <a:extLst>
+                  <a:ext uri="{FF2B5EF4-FFF2-40B4-BE49-F238E27FC236}">
+                    <a16:creationId xmlns:a16="http://schemas.microsoft.com/office/drawing/2014/main" id="{B81F4E12-E35D-307C-1755-6611306B74FA}"/>
+                  </a:ext>
+                </a:extLst>
+              </p:cNvPr>
+              <p:cNvSpPr txBox="1"/>
+              <p:nvPr/>
+            </p:nvSpPr>
+            <p:spPr>
+              <a:xfrm>
+                <a:off x="838200" y="3779833"/>
+                <a:ext cx="2307672" cy="1621021"/>
+              </a:xfrm>
+              <a:prstGeom prst="rect">
+                <a:avLst/>
+              </a:prstGeom>
+              <a:noFill/>
+            </p:spPr>
+            <p:txBody>
+              <a:bodyPr wrap="square" rtlCol="0">
+                <a:spAutoFit/>
+              </a:bodyPr>
+              <a:lstStyle/>
+              <a:p>
+                <a:pPr algn="ctr"/>
+                <a:r>
+                  <a:rPr lang="es-MX" dirty="0"/>
+                  <a:t>Caso </a:t>
+                </a:r>
+                <a14:m>
+                  <m:oMath xmlns:m="http://schemas.openxmlformats.org/officeDocument/2006/math">
+                    <m:sSubSup>
+                      <m:sSubSupPr>
+                        <m:ctrlPr>
+                          <a:rPr lang="es-MX" sz="1800" i="1" smtClean="0">
+                            <a:effectLst/>
+                            <a:latin typeface="Cambria Math" panose="02040503050406030204" pitchFamily="18" charset="0"/>
+                            <a:cs typeface="Arial" panose="020B0604020202020204" pitchFamily="34" charset="0"/>
+                          </a:rPr>
+                        </m:ctrlPr>
+                      </m:sSubSupPr>
+                      <m:e>
+                        <m:r>
+                          <a:rPr lang="es-ES" sz="1800" i="1">
+                            <a:effectLst/>
+                            <a:latin typeface="Cambria Math" panose="02040503050406030204" pitchFamily="18" charset="0"/>
+                            <a:ea typeface="Times New Roman" panose="02020603050405020304" pitchFamily="18" charset="0"/>
+                            <a:cs typeface="Arial" panose="020B0604020202020204" pitchFamily="34" charset="0"/>
+                          </a:rPr>
+                          <m:t>𝐵</m:t>
+                        </m:r>
+                      </m:e>
+                      <m:sub>
+                        <m:r>
+                          <a:rPr lang="es-ES" sz="1800" i="1">
+                            <a:effectLst/>
+                            <a:latin typeface="Cambria Math" panose="02040503050406030204" pitchFamily="18" charset="0"/>
+                            <a:ea typeface="Times New Roman" panose="02020603050405020304" pitchFamily="18" charset="0"/>
+                            <a:cs typeface="Arial" panose="020B0604020202020204" pitchFamily="34" charset="0"/>
+                          </a:rPr>
+                          <m:t>𝑝</m:t>
+                        </m:r>
+                        <m:r>
+                          <a:rPr lang="es-MX" sz="1800" b="0" i="1" smtClean="0">
+                            <a:effectLst/>
+                            <a:latin typeface="Cambria Math" panose="02040503050406030204" pitchFamily="18" charset="0"/>
+                            <a:ea typeface="Times New Roman" panose="02020603050405020304" pitchFamily="18" charset="0"/>
+                            <a:cs typeface="Arial" panose="020B0604020202020204" pitchFamily="34" charset="0"/>
+                          </a:rPr>
+                          <m:t>2</m:t>
+                        </m:r>
+                        <m:r>
+                          <a:rPr lang="es-MX" sz="1800" b="0" i="1" smtClean="0">
+                            <a:effectLst/>
+                            <a:latin typeface="Cambria Math" panose="02040503050406030204" pitchFamily="18" charset="0"/>
+                            <a:ea typeface="Times New Roman" panose="02020603050405020304" pitchFamily="18" charset="0"/>
+                            <a:cs typeface="Arial" panose="020B0604020202020204" pitchFamily="34" charset="0"/>
+                          </a:rPr>
+                          <m:t>𝑝</m:t>
+                        </m:r>
+                      </m:sub>
+                      <m:sup>
+                        <m:r>
+                          <a:rPr lang="es-ES" sz="1800" i="1">
+                            <a:effectLst/>
+                            <a:latin typeface="Cambria Math" panose="02040503050406030204" pitchFamily="18" charset="0"/>
+                            <a:ea typeface="Times New Roman" panose="02020603050405020304" pitchFamily="18" charset="0"/>
+                            <a:cs typeface="Arial" panose="020B0604020202020204" pitchFamily="34" charset="0"/>
+                          </a:rPr>
+                          <m:t>𝑖</m:t>
+                        </m:r>
+                      </m:sup>
+                    </m:sSubSup>
+                    <m:r>
+                      <a:rPr lang="es-MX" sz="1800" i="1">
+                        <a:effectLst/>
+                        <a:latin typeface="Cambria Math" panose="02040503050406030204" pitchFamily="18" charset="0"/>
+                        <a:ea typeface="Times New Roman" panose="02020603050405020304" pitchFamily="18" charset="0"/>
+                        <a:cs typeface="Arial" panose="020B0604020202020204" pitchFamily="34" charset="0"/>
+                      </a:rPr>
+                      <m:t>=</m:t>
+                    </m:r>
+                    <m:sSubSup>
+                      <m:sSubSupPr>
+                        <m:ctrlPr>
+                          <a:rPr lang="es-MX" sz="1800" i="1">
+                            <a:latin typeface="Cambria Math" panose="02040503050406030204" pitchFamily="18" charset="0"/>
+                            <a:cs typeface="Arial" panose="020B0604020202020204" pitchFamily="34" charset="0"/>
+                          </a:rPr>
+                        </m:ctrlPr>
+                      </m:sSubSupPr>
+                      <m:e>
+                        <m:r>
+                          <a:rPr lang="es-ES" sz="1800" i="1">
+                            <a:latin typeface="Cambria Math" panose="02040503050406030204" pitchFamily="18" charset="0"/>
+                            <a:ea typeface="Times New Roman" panose="02020603050405020304" pitchFamily="18" charset="0"/>
+                            <a:cs typeface="Arial" panose="020B0604020202020204" pitchFamily="34" charset="0"/>
+                          </a:rPr>
+                          <m:t>𝐵</m:t>
+                        </m:r>
+                      </m:e>
+                      <m:sub>
+                        <m:r>
+                          <a:rPr lang="es-ES" sz="1800" i="1">
+                            <a:latin typeface="Cambria Math" panose="02040503050406030204" pitchFamily="18" charset="0"/>
+                            <a:ea typeface="Times New Roman" panose="02020603050405020304" pitchFamily="18" charset="0"/>
+                            <a:cs typeface="Arial" panose="020B0604020202020204" pitchFamily="34" charset="0"/>
+                          </a:rPr>
+                          <m:t>𝑑</m:t>
+                        </m:r>
+                      </m:sub>
+                      <m:sup>
+                        <m:r>
+                          <a:rPr lang="es-ES" sz="1800" i="1">
+                            <a:latin typeface="Cambria Math" panose="02040503050406030204" pitchFamily="18" charset="0"/>
+                            <a:ea typeface="Times New Roman" panose="02020603050405020304" pitchFamily="18" charset="0"/>
+                            <a:cs typeface="Arial" panose="020B0604020202020204" pitchFamily="34" charset="0"/>
+                          </a:rPr>
+                          <m:t>𝑖</m:t>
+                        </m:r>
+                      </m:sup>
+                    </m:sSubSup>
+                  </m:oMath>
+                </a14:m>
+                <a:endParaRPr lang="es-MX" dirty="0"/>
+              </a:p>
+              <a:p>
+                <a:pPr algn="ctr"/>
+                <a:endParaRPr lang="es-MX" dirty="0"/>
+              </a:p>
+              <a:p>
+                <a:pPr algn="ctr"/>
+                <a14:m>
+                  <m:oMath xmlns:m="http://schemas.openxmlformats.org/officeDocument/2006/math">
+                    <m:sSubSup>
+                      <m:sSubSupPr>
+                        <m:ctrlPr>
+                          <a:rPr lang="es-MX" sz="1800" i="1" smtClean="0">
+                            <a:effectLst/>
+                            <a:latin typeface="Cambria Math" panose="02040503050406030204" pitchFamily="18" charset="0"/>
+                            <a:cs typeface="Arial" panose="020B0604020202020204" pitchFamily="34" charset="0"/>
+                          </a:rPr>
+                        </m:ctrlPr>
+                      </m:sSubSupPr>
+                      <m:e>
+                        <m:r>
+                          <a:rPr lang="es-ES" sz="1800" i="1">
+                            <a:effectLst/>
+                            <a:latin typeface="Cambria Math" panose="02040503050406030204" pitchFamily="18" charset="0"/>
+                            <a:ea typeface="Times New Roman" panose="02020603050405020304" pitchFamily="18" charset="0"/>
+                            <a:cs typeface="Arial" panose="020B0604020202020204" pitchFamily="34" charset="0"/>
+                          </a:rPr>
+                          <m:t>𝐵</m:t>
+                        </m:r>
+                      </m:e>
+                      <m:sub>
+                        <m:r>
+                          <a:rPr lang="es-MX" sz="1800" b="0" i="1" smtClean="0">
+                            <a:effectLst/>
+                            <a:latin typeface="Cambria Math" panose="02040503050406030204" pitchFamily="18" charset="0"/>
+                            <a:ea typeface="Times New Roman" panose="02020603050405020304" pitchFamily="18" charset="0"/>
+                            <a:cs typeface="Arial" panose="020B0604020202020204" pitchFamily="34" charset="0"/>
+                          </a:rPr>
+                          <m:t>𝑠𝑒𝑟𝑣</m:t>
+                        </m:r>
+                      </m:sub>
+                      <m:sup>
+                        <m:r>
+                          <a:rPr lang="es-ES" sz="1800" i="1">
+                            <a:effectLst/>
+                            <a:latin typeface="Cambria Math" panose="02040503050406030204" pitchFamily="18" charset="0"/>
+                            <a:ea typeface="Times New Roman" panose="02020603050405020304" pitchFamily="18" charset="0"/>
+                            <a:cs typeface="Arial" panose="020B0604020202020204" pitchFamily="34" charset="0"/>
+                          </a:rPr>
+                          <m:t>𝑖</m:t>
+                        </m:r>
+                      </m:sup>
+                    </m:sSubSup>
+                    <m:r>
+                      <a:rPr lang="es-MX" sz="1800" i="1">
+                        <a:effectLst/>
+                        <a:latin typeface="Cambria Math" panose="02040503050406030204" pitchFamily="18" charset="0"/>
+                        <a:ea typeface="Times New Roman" panose="02020603050405020304" pitchFamily="18" charset="0"/>
+                        <a:cs typeface="Arial" panose="020B0604020202020204" pitchFamily="34" charset="0"/>
+                      </a:rPr>
+                      <m:t>=</m:t>
+                    </m:r>
+                    <m:sSubSup>
+                      <m:sSubSupPr>
+                        <m:ctrlPr>
+                          <a:rPr lang="es-MX" i="1">
+                            <a:latin typeface="Cambria Math" panose="02040503050406030204" pitchFamily="18" charset="0"/>
+                            <a:cs typeface="Arial" panose="020B0604020202020204" pitchFamily="34" charset="0"/>
+                          </a:rPr>
+                        </m:ctrlPr>
+                      </m:sSubSupPr>
+                      <m:e>
+                        <m:r>
+                          <a:rPr lang="es-ES" i="1">
+                            <a:latin typeface="Cambria Math" panose="02040503050406030204" pitchFamily="18" charset="0"/>
+                            <a:ea typeface="Times New Roman" panose="02020603050405020304" pitchFamily="18" charset="0"/>
+                            <a:cs typeface="Arial" panose="020B0604020202020204" pitchFamily="34" charset="0"/>
+                          </a:rPr>
+                          <m:t>𝐵</m:t>
+                        </m:r>
+                      </m:e>
+                      <m:sub>
+                        <m:r>
+                          <a:rPr lang="es-ES" i="1">
+                            <a:latin typeface="Cambria Math" panose="02040503050406030204" pitchFamily="18" charset="0"/>
+                            <a:ea typeface="Times New Roman" panose="02020603050405020304" pitchFamily="18" charset="0"/>
+                            <a:cs typeface="Arial" panose="020B0604020202020204" pitchFamily="34" charset="0"/>
+                          </a:rPr>
+                          <m:t>𝑑</m:t>
+                        </m:r>
+                      </m:sub>
+                      <m:sup>
+                        <m:r>
+                          <a:rPr lang="es-ES" i="1">
+                            <a:latin typeface="Cambria Math" panose="02040503050406030204" pitchFamily="18" charset="0"/>
+                            <a:ea typeface="Times New Roman" panose="02020603050405020304" pitchFamily="18" charset="0"/>
+                            <a:cs typeface="Arial" panose="020B0604020202020204" pitchFamily="34" charset="0"/>
+                          </a:rPr>
+                          <m:t>𝑖</m:t>
+                        </m:r>
+                      </m:sup>
+                    </m:sSubSup>
+                  </m:oMath>
+                </a14:m>
+                <a:r>
+                  <a:rPr lang="es-MX" dirty="0"/>
+                  <a:t>-</a:t>
+                </a:r>
+                <a:r>
+                  <a:rPr lang="es-MX" dirty="0">
+                    <a:cs typeface="Arial" panose="020B0604020202020204" pitchFamily="34" charset="0"/>
+                  </a:rPr>
+                  <a:t> </a:t>
+                </a:r>
+                <a14:m>
+                  <m:oMath xmlns:m="http://schemas.openxmlformats.org/officeDocument/2006/math">
+                    <m:sSubSup>
+                      <m:sSubSupPr>
+                        <m:ctrlPr>
+                          <a:rPr lang="es-MX" i="1">
+                            <a:latin typeface="Cambria Math" panose="02040503050406030204" pitchFamily="18" charset="0"/>
+                            <a:cs typeface="Arial" panose="020B0604020202020204" pitchFamily="34" charset="0"/>
+                          </a:rPr>
+                        </m:ctrlPr>
+                      </m:sSubSupPr>
+                      <m:e>
+                        <m:r>
+                          <a:rPr lang="es-ES" i="1">
+                            <a:latin typeface="Cambria Math" panose="02040503050406030204" pitchFamily="18" charset="0"/>
+                            <a:ea typeface="Times New Roman" panose="02020603050405020304" pitchFamily="18" charset="0"/>
+                            <a:cs typeface="Arial" panose="020B0604020202020204" pitchFamily="34" charset="0"/>
+                          </a:rPr>
+                          <m:t>𝐵</m:t>
+                        </m:r>
+                      </m:e>
+                      <m:sub>
+                        <m:r>
+                          <a:rPr lang="es-ES" i="1">
+                            <a:latin typeface="Cambria Math" panose="02040503050406030204" pitchFamily="18" charset="0"/>
+                            <a:ea typeface="Times New Roman" panose="02020603050405020304" pitchFamily="18" charset="0"/>
+                            <a:cs typeface="Arial" panose="020B0604020202020204" pitchFamily="34" charset="0"/>
+                          </a:rPr>
+                          <m:t>𝑝</m:t>
+                        </m:r>
+                        <m:r>
+                          <a:rPr lang="es-MX" i="1">
+                            <a:latin typeface="Cambria Math" panose="02040503050406030204" pitchFamily="18" charset="0"/>
+                            <a:ea typeface="Times New Roman" panose="02020603050405020304" pitchFamily="18" charset="0"/>
+                            <a:cs typeface="Arial" panose="020B0604020202020204" pitchFamily="34" charset="0"/>
+                          </a:rPr>
+                          <m:t>2</m:t>
+                        </m:r>
+                        <m:r>
+                          <a:rPr lang="es-MX" i="1">
+                            <a:latin typeface="Cambria Math" panose="02040503050406030204" pitchFamily="18" charset="0"/>
+                            <a:ea typeface="Times New Roman" panose="02020603050405020304" pitchFamily="18" charset="0"/>
+                            <a:cs typeface="Arial" panose="020B0604020202020204" pitchFamily="34" charset="0"/>
+                          </a:rPr>
+                          <m:t>𝑝</m:t>
+                        </m:r>
+                      </m:sub>
+                      <m:sup>
+                        <m:r>
+                          <a:rPr lang="es-ES" i="1">
+                            <a:latin typeface="Cambria Math" panose="02040503050406030204" pitchFamily="18" charset="0"/>
+                            <a:ea typeface="Times New Roman" panose="02020603050405020304" pitchFamily="18" charset="0"/>
+                            <a:cs typeface="Arial" panose="020B0604020202020204" pitchFamily="34" charset="0"/>
+                          </a:rPr>
+                          <m:t>𝑖</m:t>
+                        </m:r>
+                      </m:sup>
+                    </m:sSubSup>
+                  </m:oMath>
+                </a14:m>
+                <a:endParaRPr lang="es-MX" dirty="0"/>
+              </a:p>
+              <a:p>
+                <a:pPr algn="ctr"/>
+                <a:endParaRPr lang="es-MX" dirty="0"/>
+              </a:p>
+              <a:p>
+                <a:pPr algn="ctr"/>
+                <a14:m>
+                  <m:oMathPara xmlns:m="http://schemas.openxmlformats.org/officeDocument/2006/math">
+                    <m:oMathParaPr>
+                      <m:jc m:val="centerGroup"/>
+                    </m:oMathParaPr>
+                    <m:oMath xmlns:m="http://schemas.openxmlformats.org/officeDocument/2006/math">
+                      <m:sSubSup>
+                        <m:sSubSupPr>
+                          <m:ctrlPr>
+                            <a:rPr lang="es-MX" sz="1800" i="1" smtClean="0">
+                              <a:effectLst/>
+                              <a:latin typeface="Cambria Math" panose="02040503050406030204" pitchFamily="18" charset="0"/>
+                              <a:cs typeface="Arial" panose="020B0604020202020204" pitchFamily="34" charset="0"/>
+                            </a:rPr>
+                          </m:ctrlPr>
+                        </m:sSubSupPr>
+                        <m:e>
+                          <m:r>
+                            <a:rPr lang="es-ES" sz="1800" i="1">
+                              <a:effectLst/>
+                              <a:latin typeface="Cambria Math" panose="02040503050406030204" pitchFamily="18" charset="0"/>
+                              <a:ea typeface="Times New Roman" panose="02020603050405020304" pitchFamily="18" charset="0"/>
+                              <a:cs typeface="Arial" panose="020B0604020202020204" pitchFamily="34" charset="0"/>
+                            </a:rPr>
+                            <m:t>𝐵</m:t>
+                          </m:r>
+                        </m:e>
+                        <m:sub>
+                          <m:r>
+                            <a:rPr lang="es-MX" sz="1800" b="0" i="1" smtClean="0">
+                              <a:effectLst/>
+                              <a:latin typeface="Cambria Math" panose="02040503050406030204" pitchFamily="18" charset="0"/>
+                              <a:ea typeface="Times New Roman" panose="02020603050405020304" pitchFamily="18" charset="0"/>
+                              <a:cs typeface="Arial" panose="020B0604020202020204" pitchFamily="34" charset="0"/>
+                            </a:rPr>
+                            <m:t>𝑠𝑒𝑟𝑣</m:t>
+                          </m:r>
+                        </m:sub>
+                        <m:sup>
+                          <m:r>
+                            <a:rPr lang="es-ES" sz="1800" i="1">
+                              <a:effectLst/>
+                              <a:latin typeface="Cambria Math" panose="02040503050406030204" pitchFamily="18" charset="0"/>
+                              <a:ea typeface="Times New Roman" panose="02020603050405020304" pitchFamily="18" charset="0"/>
+                              <a:cs typeface="Arial" panose="020B0604020202020204" pitchFamily="34" charset="0"/>
+                            </a:rPr>
+                            <m:t>𝑖</m:t>
+                          </m:r>
+                        </m:sup>
+                      </m:sSubSup>
+                      <m:r>
+                        <a:rPr lang="es-MX" sz="1800" i="1">
+                          <a:effectLst/>
+                          <a:latin typeface="Cambria Math" panose="02040503050406030204" pitchFamily="18" charset="0"/>
+                          <a:ea typeface="Times New Roman" panose="02020603050405020304" pitchFamily="18" charset="0"/>
+                          <a:cs typeface="Arial" panose="020B0604020202020204" pitchFamily="34" charset="0"/>
+                        </a:rPr>
+                        <m:t>=</m:t>
+                      </m:r>
+                      <m:r>
+                        <a:rPr lang="es-MX" sz="1800" b="0" i="1" smtClean="0">
+                          <a:effectLst/>
+                          <a:latin typeface="Cambria Math" panose="02040503050406030204" pitchFamily="18" charset="0"/>
+                          <a:ea typeface="Times New Roman" panose="02020603050405020304" pitchFamily="18" charset="0"/>
+                          <a:cs typeface="Arial" panose="020B0604020202020204" pitchFamily="34" charset="0"/>
+                        </a:rPr>
+                        <m:t>0</m:t>
+                      </m:r>
+                    </m:oMath>
+                  </m:oMathPara>
+                </a14:m>
+                <a:endParaRPr lang="es-MX" dirty="0"/>
+              </a:p>
+            </p:txBody>
+          </p:sp>
+        </mc:Choice>
+        <mc:Fallback>
+          <p:sp>
+            <p:nvSpPr>
+              <p:cNvPr id="5" name="CuadroTexto 4">
+                <a:extLst>
+                  <a:ext uri="{FF2B5EF4-FFF2-40B4-BE49-F238E27FC236}">
+                    <a16:creationId xmlns:a16="http://schemas.microsoft.com/office/drawing/2014/main" id="{B81F4E12-E35D-307C-1755-6611306B74FA}"/>
+                  </a:ext>
+                </a:extLst>
+              </p:cNvPr>
+              <p:cNvSpPr txBox="1">
+                <a:spLocks noRot="1" noChangeAspect="1" noMove="1" noResize="1" noEditPoints="1" noAdjustHandles="1" noChangeArrowheads="1" noChangeShapeType="1" noTextEdit="1"/>
+              </p:cNvSpPr>
+              <p:nvPr/>
+            </p:nvSpPr>
+            <p:spPr>
+              <a:xfrm>
+                <a:off x="838200" y="3779833"/>
+                <a:ext cx="2307672" cy="1621021"/>
+              </a:xfrm>
+              <a:prstGeom prst="rect">
+                <a:avLst/>
+              </a:prstGeom>
+              <a:blipFill>
+                <a:blip r:embed="rId4"/>
+                <a:stretch>
+                  <a:fillRect t="-376"/>
+                </a:stretch>
+              </a:blipFill>
+            </p:spPr>
+            <p:txBody>
+              <a:bodyPr/>
+              <a:lstStyle/>
+              <a:p>
+                <a:r>
+                  <a:rPr lang="es-MX">
+                    <a:noFill/>
+                  </a:rPr>
+                  <a:t> </a:t>
+                </a:r>
+              </a:p>
+            </p:txBody>
+          </p:sp>
+        </mc:Fallback>
+      </mc:AlternateContent>
+      <mc:AlternateContent xmlns:mc="http://schemas.openxmlformats.org/markup-compatibility/2006">
+        <mc:Choice xmlns:a14="http://schemas.microsoft.com/office/drawing/2010/main" Requires="a14">
+          <p:sp>
+            <p:nvSpPr>
+              <p:cNvPr id="7" name="CuadroTexto 6">
+                <a:extLst>
+                  <a:ext uri="{FF2B5EF4-FFF2-40B4-BE49-F238E27FC236}">
+                    <a16:creationId xmlns:a16="http://schemas.microsoft.com/office/drawing/2014/main" id="{4EC06DB4-FD3B-F67A-CBEB-D1C8E057DE51}"/>
+                  </a:ext>
+                </a:extLst>
+              </p:cNvPr>
+              <p:cNvSpPr txBox="1"/>
+              <p:nvPr/>
+            </p:nvSpPr>
+            <p:spPr>
+              <a:xfrm>
+                <a:off x="8774884" y="3715065"/>
+                <a:ext cx="2307672" cy="1580113"/>
+              </a:xfrm>
+              <a:prstGeom prst="rect">
+                <a:avLst/>
+              </a:prstGeom>
+              <a:noFill/>
+            </p:spPr>
+            <p:txBody>
+              <a:bodyPr wrap="square" rtlCol="0">
+                <a:spAutoFit/>
+              </a:bodyPr>
+              <a:lstStyle/>
+              <a:p>
+                <a:pPr algn="ctr"/>
+                <a:r>
+                  <a:rPr lang="es-MX" dirty="0"/>
+                  <a:t>Caso </a:t>
+                </a:r>
+                <a14:m>
+                  <m:oMath xmlns:m="http://schemas.openxmlformats.org/officeDocument/2006/math">
+                    <m:sSubSup>
+                      <m:sSubSupPr>
+                        <m:ctrlPr>
+                          <a:rPr lang="es-MX" sz="1800" i="1" smtClean="0">
+                            <a:effectLst/>
+                            <a:latin typeface="Cambria Math" panose="02040503050406030204" pitchFamily="18" charset="0"/>
+                            <a:cs typeface="Arial" panose="020B0604020202020204" pitchFamily="34" charset="0"/>
+                          </a:rPr>
+                        </m:ctrlPr>
+                      </m:sSubSupPr>
+                      <m:e>
+                        <m:r>
+                          <a:rPr lang="es-ES" sz="1800" i="1">
+                            <a:effectLst/>
+                            <a:latin typeface="Cambria Math" panose="02040503050406030204" pitchFamily="18" charset="0"/>
+                            <a:ea typeface="Times New Roman" panose="02020603050405020304" pitchFamily="18" charset="0"/>
+                            <a:cs typeface="Arial" panose="020B0604020202020204" pitchFamily="34" charset="0"/>
+                          </a:rPr>
+                          <m:t>𝐵</m:t>
+                        </m:r>
+                      </m:e>
+                      <m:sub>
+                        <m:r>
+                          <a:rPr lang="es-ES" sz="1800" i="1">
+                            <a:effectLst/>
+                            <a:latin typeface="Cambria Math" panose="02040503050406030204" pitchFamily="18" charset="0"/>
+                            <a:ea typeface="Times New Roman" panose="02020603050405020304" pitchFamily="18" charset="0"/>
+                            <a:cs typeface="Arial" panose="020B0604020202020204" pitchFamily="34" charset="0"/>
+                          </a:rPr>
+                          <m:t>𝑝</m:t>
+                        </m:r>
+                        <m:r>
+                          <a:rPr lang="es-MX" sz="1800" b="0" i="1" smtClean="0">
+                            <a:effectLst/>
+                            <a:latin typeface="Cambria Math" panose="02040503050406030204" pitchFamily="18" charset="0"/>
+                            <a:ea typeface="Times New Roman" panose="02020603050405020304" pitchFamily="18" charset="0"/>
+                            <a:cs typeface="Arial" panose="020B0604020202020204" pitchFamily="34" charset="0"/>
+                          </a:rPr>
+                          <m:t>2</m:t>
+                        </m:r>
+                        <m:r>
+                          <a:rPr lang="es-MX" sz="1800" b="0" i="1" smtClean="0">
+                            <a:effectLst/>
+                            <a:latin typeface="Cambria Math" panose="02040503050406030204" pitchFamily="18" charset="0"/>
+                            <a:ea typeface="Times New Roman" panose="02020603050405020304" pitchFamily="18" charset="0"/>
+                            <a:cs typeface="Arial" panose="020B0604020202020204" pitchFamily="34" charset="0"/>
+                          </a:rPr>
+                          <m:t>𝑝</m:t>
+                        </m:r>
+                      </m:sub>
+                      <m:sup>
+                        <m:r>
+                          <a:rPr lang="es-ES" sz="1800" i="1">
+                            <a:effectLst/>
+                            <a:latin typeface="Cambria Math" panose="02040503050406030204" pitchFamily="18" charset="0"/>
+                            <a:ea typeface="Times New Roman" panose="02020603050405020304" pitchFamily="18" charset="0"/>
+                            <a:cs typeface="Arial" panose="020B0604020202020204" pitchFamily="34" charset="0"/>
+                          </a:rPr>
+                          <m:t>𝑖</m:t>
+                        </m:r>
+                      </m:sup>
+                    </m:sSubSup>
+                    <m:r>
+                      <a:rPr lang="es-MX" sz="1800" i="1">
+                        <a:effectLst/>
+                        <a:latin typeface="Cambria Math" panose="02040503050406030204" pitchFamily="18" charset="0"/>
+                        <a:ea typeface="Times New Roman" panose="02020603050405020304" pitchFamily="18" charset="0"/>
+                        <a:cs typeface="Arial" panose="020B0604020202020204" pitchFamily="34" charset="0"/>
+                      </a:rPr>
+                      <m:t>=</m:t>
+                    </m:r>
+                    <m:sSubSup>
+                      <m:sSubSupPr>
+                        <m:ctrlPr>
+                          <a:rPr lang="es-MX" i="1">
+                            <a:latin typeface="Cambria Math" panose="02040503050406030204" pitchFamily="18" charset="0"/>
+                            <a:cs typeface="Arial" panose="020B0604020202020204" pitchFamily="34" charset="0"/>
+                          </a:rPr>
+                        </m:ctrlPr>
+                      </m:sSubSupPr>
+                      <m:e>
+                        <m:r>
+                          <a:rPr lang="es-ES" i="1">
+                            <a:latin typeface="Cambria Math" panose="02040503050406030204" pitchFamily="18" charset="0"/>
+                            <a:ea typeface="Times New Roman" panose="02020603050405020304" pitchFamily="18" charset="0"/>
+                            <a:cs typeface="Arial" panose="020B0604020202020204" pitchFamily="34" charset="0"/>
+                          </a:rPr>
+                          <m:t>𝐵</m:t>
+                        </m:r>
+                      </m:e>
+                      <m:sub>
+                        <m:r>
+                          <a:rPr lang="es-ES" i="1">
+                            <a:latin typeface="Cambria Math" panose="02040503050406030204" pitchFamily="18" charset="0"/>
+                            <a:ea typeface="Times New Roman" panose="02020603050405020304" pitchFamily="18" charset="0"/>
+                            <a:cs typeface="Arial" panose="020B0604020202020204" pitchFamily="34" charset="0"/>
+                          </a:rPr>
+                          <m:t>𝑢</m:t>
+                        </m:r>
+                        <m:r>
+                          <a:rPr lang="es-ES" i="1">
+                            <a:latin typeface="Cambria Math" panose="02040503050406030204" pitchFamily="18" charset="0"/>
+                            <a:ea typeface="Times New Roman" panose="02020603050405020304" pitchFamily="18" charset="0"/>
+                            <a:cs typeface="Arial" panose="020B0604020202020204" pitchFamily="34" charset="0"/>
+                          </a:rPr>
+                          <m:t>,</m:t>
+                        </m:r>
+                        <m:r>
+                          <a:rPr lang="es-ES" i="1">
+                            <a:latin typeface="Cambria Math" panose="02040503050406030204" pitchFamily="18" charset="0"/>
+                            <a:ea typeface="Times New Roman" panose="02020603050405020304" pitchFamily="18" charset="0"/>
+                            <a:cs typeface="Arial" panose="020B0604020202020204" pitchFamily="34" charset="0"/>
+                          </a:rPr>
+                          <m:t>𝑝</m:t>
+                        </m:r>
+                      </m:sub>
+                      <m:sup>
+                        <m:r>
+                          <a:rPr lang="es-ES" i="1">
+                            <a:latin typeface="Cambria Math" panose="02040503050406030204" pitchFamily="18" charset="0"/>
+                            <a:ea typeface="Times New Roman" panose="02020603050405020304" pitchFamily="18" charset="0"/>
+                            <a:cs typeface="Arial" panose="020B0604020202020204" pitchFamily="34" charset="0"/>
+                          </a:rPr>
+                          <m:t>𝑖</m:t>
+                        </m:r>
+                      </m:sup>
+                    </m:sSubSup>
+                  </m:oMath>
+                </a14:m>
+                <a:endParaRPr lang="es-MX" dirty="0"/>
+              </a:p>
+              <a:p>
+                <a:pPr algn="ctr"/>
+                <a:endParaRPr lang="es-MX" dirty="0"/>
+              </a:p>
+              <a:p>
+                <a:pPr algn="ctr"/>
+                <a14:m>
+                  <m:oMath xmlns:m="http://schemas.openxmlformats.org/officeDocument/2006/math">
+                    <m:sSubSup>
+                      <m:sSubSupPr>
+                        <m:ctrlPr>
+                          <a:rPr lang="es-MX" sz="1800" i="1" smtClean="0">
+                            <a:effectLst/>
+                            <a:latin typeface="Cambria Math" panose="02040503050406030204" pitchFamily="18" charset="0"/>
+                            <a:cs typeface="Arial" panose="020B0604020202020204" pitchFamily="34" charset="0"/>
+                          </a:rPr>
+                        </m:ctrlPr>
+                      </m:sSubSupPr>
+                      <m:e>
+                        <m:r>
+                          <a:rPr lang="es-ES" sz="1800" i="1">
+                            <a:effectLst/>
+                            <a:latin typeface="Cambria Math" panose="02040503050406030204" pitchFamily="18" charset="0"/>
+                            <a:ea typeface="Times New Roman" panose="02020603050405020304" pitchFamily="18" charset="0"/>
+                            <a:cs typeface="Arial" panose="020B0604020202020204" pitchFamily="34" charset="0"/>
+                          </a:rPr>
+                          <m:t>𝐵</m:t>
+                        </m:r>
+                      </m:e>
+                      <m:sub>
+                        <m:r>
+                          <a:rPr lang="es-MX" sz="1800" b="0" i="1" smtClean="0">
+                            <a:effectLst/>
+                            <a:latin typeface="Cambria Math" panose="02040503050406030204" pitchFamily="18" charset="0"/>
+                            <a:ea typeface="Times New Roman" panose="02020603050405020304" pitchFamily="18" charset="0"/>
+                            <a:cs typeface="Arial" panose="020B0604020202020204" pitchFamily="34" charset="0"/>
+                          </a:rPr>
+                          <m:t>𝑠𝑒𝑟𝑣</m:t>
+                        </m:r>
+                      </m:sub>
+                      <m:sup>
+                        <m:r>
+                          <a:rPr lang="es-ES" sz="1800" i="1">
+                            <a:effectLst/>
+                            <a:latin typeface="Cambria Math" panose="02040503050406030204" pitchFamily="18" charset="0"/>
+                            <a:ea typeface="Times New Roman" panose="02020603050405020304" pitchFamily="18" charset="0"/>
+                            <a:cs typeface="Arial" panose="020B0604020202020204" pitchFamily="34" charset="0"/>
+                          </a:rPr>
+                          <m:t>𝑖</m:t>
+                        </m:r>
+                      </m:sup>
+                    </m:sSubSup>
+                    <m:r>
+                      <a:rPr lang="es-MX" sz="1800" i="1">
+                        <a:effectLst/>
+                        <a:latin typeface="Cambria Math" panose="02040503050406030204" pitchFamily="18" charset="0"/>
+                        <a:ea typeface="Times New Roman" panose="02020603050405020304" pitchFamily="18" charset="0"/>
+                        <a:cs typeface="Arial" panose="020B0604020202020204" pitchFamily="34" charset="0"/>
+                      </a:rPr>
+                      <m:t>=</m:t>
+                    </m:r>
+                    <m:sSubSup>
+                      <m:sSubSupPr>
+                        <m:ctrlPr>
+                          <a:rPr lang="es-MX" i="1">
+                            <a:latin typeface="Cambria Math" panose="02040503050406030204" pitchFamily="18" charset="0"/>
+                            <a:cs typeface="Arial" panose="020B0604020202020204" pitchFamily="34" charset="0"/>
+                          </a:rPr>
+                        </m:ctrlPr>
+                      </m:sSubSupPr>
+                      <m:e>
+                        <m:r>
+                          <a:rPr lang="es-ES" i="1">
+                            <a:latin typeface="Cambria Math" panose="02040503050406030204" pitchFamily="18" charset="0"/>
+                            <a:ea typeface="Times New Roman" panose="02020603050405020304" pitchFamily="18" charset="0"/>
+                            <a:cs typeface="Arial" panose="020B0604020202020204" pitchFamily="34" charset="0"/>
+                          </a:rPr>
+                          <m:t>𝐵</m:t>
+                        </m:r>
+                      </m:e>
+                      <m:sub>
+                        <m:r>
+                          <a:rPr lang="es-ES" i="1">
+                            <a:latin typeface="Cambria Math" panose="02040503050406030204" pitchFamily="18" charset="0"/>
+                            <a:ea typeface="Times New Roman" panose="02020603050405020304" pitchFamily="18" charset="0"/>
+                            <a:cs typeface="Arial" panose="020B0604020202020204" pitchFamily="34" charset="0"/>
+                          </a:rPr>
+                          <m:t>𝑑</m:t>
+                        </m:r>
+                      </m:sub>
+                      <m:sup>
+                        <m:r>
+                          <a:rPr lang="es-ES" i="1">
+                            <a:latin typeface="Cambria Math" panose="02040503050406030204" pitchFamily="18" charset="0"/>
+                            <a:ea typeface="Times New Roman" panose="02020603050405020304" pitchFamily="18" charset="0"/>
+                            <a:cs typeface="Arial" panose="020B0604020202020204" pitchFamily="34" charset="0"/>
+                          </a:rPr>
+                          <m:t>𝑖</m:t>
+                        </m:r>
+                      </m:sup>
+                    </m:sSubSup>
+                  </m:oMath>
+                </a14:m>
+                <a:r>
+                  <a:rPr lang="es-MX" dirty="0"/>
+                  <a:t>-</a:t>
+                </a:r>
+                <a:r>
+                  <a:rPr lang="es-MX" dirty="0">
+                    <a:cs typeface="Arial" panose="020B0604020202020204" pitchFamily="34" charset="0"/>
+                  </a:rPr>
+                  <a:t> </a:t>
+                </a:r>
+                <a14:m>
+                  <m:oMath xmlns:m="http://schemas.openxmlformats.org/officeDocument/2006/math">
+                    <m:sSubSup>
+                      <m:sSubSupPr>
+                        <m:ctrlPr>
+                          <a:rPr lang="es-MX" i="1">
+                            <a:latin typeface="Cambria Math" panose="02040503050406030204" pitchFamily="18" charset="0"/>
+                            <a:cs typeface="Arial" panose="020B0604020202020204" pitchFamily="34" charset="0"/>
+                          </a:rPr>
+                        </m:ctrlPr>
+                      </m:sSubSupPr>
+                      <m:e>
+                        <m:r>
+                          <a:rPr lang="es-ES" i="1">
+                            <a:latin typeface="Cambria Math" panose="02040503050406030204" pitchFamily="18" charset="0"/>
+                            <a:ea typeface="Times New Roman" panose="02020603050405020304" pitchFamily="18" charset="0"/>
+                            <a:cs typeface="Arial" panose="020B0604020202020204" pitchFamily="34" charset="0"/>
+                          </a:rPr>
+                          <m:t>𝐵</m:t>
+                        </m:r>
+                      </m:e>
+                      <m:sub>
+                        <m:r>
+                          <a:rPr lang="es-ES" i="1">
+                            <a:latin typeface="Cambria Math" panose="02040503050406030204" pitchFamily="18" charset="0"/>
+                            <a:ea typeface="Times New Roman" panose="02020603050405020304" pitchFamily="18" charset="0"/>
+                            <a:cs typeface="Arial" panose="020B0604020202020204" pitchFamily="34" charset="0"/>
+                          </a:rPr>
+                          <m:t>𝑝</m:t>
+                        </m:r>
+                        <m:r>
+                          <a:rPr lang="es-MX" i="1">
+                            <a:latin typeface="Cambria Math" panose="02040503050406030204" pitchFamily="18" charset="0"/>
+                            <a:ea typeface="Times New Roman" panose="02020603050405020304" pitchFamily="18" charset="0"/>
+                            <a:cs typeface="Arial" panose="020B0604020202020204" pitchFamily="34" charset="0"/>
+                          </a:rPr>
+                          <m:t>2</m:t>
+                        </m:r>
+                        <m:r>
+                          <a:rPr lang="es-MX" i="1">
+                            <a:latin typeface="Cambria Math" panose="02040503050406030204" pitchFamily="18" charset="0"/>
+                            <a:ea typeface="Times New Roman" panose="02020603050405020304" pitchFamily="18" charset="0"/>
+                            <a:cs typeface="Arial" panose="020B0604020202020204" pitchFamily="34" charset="0"/>
+                          </a:rPr>
+                          <m:t>𝑝</m:t>
+                        </m:r>
+                      </m:sub>
+                      <m:sup>
+                        <m:r>
+                          <a:rPr lang="es-ES" i="1">
+                            <a:latin typeface="Cambria Math" panose="02040503050406030204" pitchFamily="18" charset="0"/>
+                            <a:ea typeface="Times New Roman" panose="02020603050405020304" pitchFamily="18" charset="0"/>
+                            <a:cs typeface="Arial" panose="020B0604020202020204" pitchFamily="34" charset="0"/>
+                          </a:rPr>
+                          <m:t>𝑖</m:t>
+                        </m:r>
+                      </m:sup>
+                    </m:sSubSup>
+                  </m:oMath>
+                </a14:m>
+                <a:endParaRPr lang="es-MX" dirty="0"/>
+              </a:p>
+              <a:p>
+                <a:pPr algn="ctr"/>
+                <a:endParaRPr lang="es-MX" dirty="0"/>
+              </a:p>
+              <a:p>
+                <a:pPr algn="ctr"/>
+                <a14:m>
+                  <m:oMathPara xmlns:m="http://schemas.openxmlformats.org/officeDocument/2006/math">
+                    <m:oMathParaPr>
+                      <m:jc m:val="centerGroup"/>
+                    </m:oMathParaPr>
+                    <m:oMath xmlns:m="http://schemas.openxmlformats.org/officeDocument/2006/math">
+                      <m:sSubSup>
+                        <m:sSubSupPr>
+                          <m:ctrlPr>
+                            <a:rPr lang="es-MX" sz="1800" i="1" smtClean="0">
+                              <a:effectLst/>
+                              <a:latin typeface="Cambria Math" panose="02040503050406030204" pitchFamily="18" charset="0"/>
+                              <a:cs typeface="Arial" panose="020B0604020202020204" pitchFamily="34" charset="0"/>
+                            </a:rPr>
+                          </m:ctrlPr>
+                        </m:sSubSupPr>
+                        <m:e>
+                          <m:r>
+                            <a:rPr lang="es-ES" sz="1800" i="1">
+                              <a:effectLst/>
+                              <a:latin typeface="Cambria Math" panose="02040503050406030204" pitchFamily="18" charset="0"/>
+                              <a:ea typeface="Times New Roman" panose="02020603050405020304" pitchFamily="18" charset="0"/>
+                              <a:cs typeface="Arial" panose="020B0604020202020204" pitchFamily="34" charset="0"/>
+                            </a:rPr>
+                            <m:t>𝐵</m:t>
+                          </m:r>
+                        </m:e>
+                        <m:sub>
+                          <m:r>
+                            <a:rPr lang="es-MX" sz="1800" b="0" i="1" smtClean="0">
+                              <a:effectLst/>
+                              <a:latin typeface="Cambria Math" panose="02040503050406030204" pitchFamily="18" charset="0"/>
+                              <a:ea typeface="Times New Roman" panose="02020603050405020304" pitchFamily="18" charset="0"/>
+                              <a:cs typeface="Arial" panose="020B0604020202020204" pitchFamily="34" charset="0"/>
+                            </a:rPr>
+                            <m:t>𝑠𝑒𝑟𝑣</m:t>
+                          </m:r>
+                        </m:sub>
+                        <m:sup>
+                          <m:r>
+                            <a:rPr lang="es-ES" sz="1800" i="1">
+                              <a:effectLst/>
+                              <a:latin typeface="Cambria Math" panose="02040503050406030204" pitchFamily="18" charset="0"/>
+                              <a:ea typeface="Times New Roman" panose="02020603050405020304" pitchFamily="18" charset="0"/>
+                              <a:cs typeface="Arial" panose="020B0604020202020204" pitchFamily="34" charset="0"/>
+                            </a:rPr>
+                            <m:t>𝑖</m:t>
+                          </m:r>
+                        </m:sup>
+                      </m:sSubSup>
+                      <m:r>
+                        <a:rPr lang="es-MX" i="1">
+                          <a:latin typeface="Cambria Math" panose="02040503050406030204" pitchFamily="18" charset="0"/>
+                          <a:ea typeface="Times New Roman" panose="02020603050405020304" pitchFamily="18" charset="0"/>
+                          <a:cs typeface="Arial" panose="020B0604020202020204" pitchFamily="34" charset="0"/>
+                        </a:rPr>
+                        <m:t>≠</m:t>
+                      </m:r>
+                      <m:r>
+                        <a:rPr lang="es-MX" sz="1800" b="0" i="1" smtClean="0">
+                          <a:effectLst/>
+                          <a:latin typeface="Cambria Math" panose="02040503050406030204" pitchFamily="18" charset="0"/>
+                          <a:ea typeface="Times New Roman" panose="02020603050405020304" pitchFamily="18" charset="0"/>
+                          <a:cs typeface="Arial" panose="020B0604020202020204" pitchFamily="34" charset="0"/>
+                        </a:rPr>
+                        <m:t>0</m:t>
+                      </m:r>
+                    </m:oMath>
+                  </m:oMathPara>
+                </a14:m>
+                <a:endParaRPr lang="es-MX" dirty="0"/>
+              </a:p>
+            </p:txBody>
+          </p:sp>
+        </mc:Choice>
+        <mc:Fallback>
+          <p:sp>
+            <p:nvSpPr>
+              <p:cNvPr id="7" name="CuadroTexto 6">
+                <a:extLst>
+                  <a:ext uri="{FF2B5EF4-FFF2-40B4-BE49-F238E27FC236}">
+                    <a16:creationId xmlns:a16="http://schemas.microsoft.com/office/drawing/2014/main" id="{4EC06DB4-FD3B-F67A-CBEB-D1C8E057DE51}"/>
+                  </a:ext>
+                </a:extLst>
+              </p:cNvPr>
+              <p:cNvSpPr txBox="1">
+                <a:spLocks noRot="1" noChangeAspect="1" noMove="1" noResize="1" noEditPoints="1" noAdjustHandles="1" noChangeArrowheads="1" noChangeShapeType="1" noTextEdit="1"/>
+              </p:cNvSpPr>
+              <p:nvPr/>
+            </p:nvSpPr>
+            <p:spPr>
+              <a:xfrm>
+                <a:off x="8774884" y="3715065"/>
+                <a:ext cx="2307672" cy="1580113"/>
+              </a:xfrm>
+              <a:prstGeom prst="rect">
+                <a:avLst/>
+              </a:prstGeom>
+              <a:blipFill>
+                <a:blip r:embed="rId5"/>
+                <a:stretch>
+                  <a:fillRect t="-385"/>
+                </a:stretch>
+              </a:blipFill>
+            </p:spPr>
+            <p:txBody>
+              <a:bodyPr/>
+              <a:lstStyle/>
+              <a:p>
+                <a:r>
+                  <a:rPr lang="es-MX">
+                    <a:noFill/>
+                  </a:rPr>
+                  <a:t> </a:t>
+                </a:r>
+              </a:p>
+            </p:txBody>
+          </p:sp>
+        </mc:Fallback>
+      </mc:AlternateContent>
+    </p:spTree>
+    <p:extLst>
+      <p:ext uri="{BB962C8B-B14F-4D97-AF65-F5344CB8AC3E}">
+        <p14:creationId xmlns:p14="http://schemas.microsoft.com/office/powerpoint/2010/main" val="2121186853"/>
+      </p:ext>
+    </p:extLst>
+  </p:cSld>
+  <p:clrMapOvr>
+    <a:masterClrMapping/>
+  </p:clrMapOvr>
+</p:sld>
+</file>
+
+<file path=ppt/slides/slide9.xml><?xml version="1.0" encoding="utf-8"?>
+<p:sld xmlns:a="http://schemas.openxmlformats.org/drawingml/2006/main" xmlns:r="http://schemas.openxmlformats.org/officeDocument/2006/relationships" xmlns:p="http://schemas.openxmlformats.org/presentationml/2006/main">
+  <p:cSld>
+    <p:spTree>
+      <p:nvGrpSpPr>
+        <p:cNvPr id="1" name=""/>
+        <p:cNvGrpSpPr/>
+        <p:nvPr/>
+      </p:nvGrpSpPr>
+      <p:grpSpPr>
+        <a:xfrm>
+          <a:off x="0" y="0"/>
+          <a:ext cx="0" cy="0"/>
+          <a:chOff x="0" y="0"/>
+          <a:chExt cx="0" cy="0"/>
+        </a:xfrm>
+      </p:grpSpPr>
+      <p:sp>
+        <p:nvSpPr>
+          <p:cNvPr id="2" name="Título 1">
+            <a:extLst>
+              <a:ext uri="{FF2B5EF4-FFF2-40B4-BE49-F238E27FC236}">
+                <a16:creationId xmlns:a16="http://schemas.microsoft.com/office/drawing/2014/main" id="{FBB28E85-F237-093A-590A-5D05D179D148}"/>
+              </a:ext>
+            </a:extLst>
+          </p:cNvPr>
+          <p:cNvSpPr>
+            <a:spLocks noGrp="1"/>
+          </p:cNvSpPr>
+          <p:nvPr>
+            <p:ph type="title"/>
+          </p:nvPr>
+        </p:nvSpPr>
+        <p:spPr/>
+        <p:txBody>
+          <a:bodyPr/>
+          <a:lstStyle/>
+          <a:p>
+            <a:pPr algn="ctr"/>
+            <a:r>
+              <a:rPr lang="es-MX" dirty="0"/>
+              <a:t>Penuria</a:t>
+            </a:r>
+          </a:p>
+        </p:txBody>
+      </p:sp>
+      <mc:AlternateContent xmlns:mc="http://schemas.openxmlformats.org/markup-compatibility/2006">
+        <mc:Choice xmlns:a14="http://schemas.microsoft.com/office/drawing/2010/main" Requires="a14">
+          <p:sp>
+            <p:nvSpPr>
+              <p:cNvPr id="3" name="Marcador de contenido 2">
+                <a:extLst>
+                  <a:ext uri="{FF2B5EF4-FFF2-40B4-BE49-F238E27FC236}">
+                    <a16:creationId xmlns:a16="http://schemas.microsoft.com/office/drawing/2014/main" id="{AC6C0526-D3DE-BEEF-DBD0-950DF96396AB}"/>
+                  </a:ext>
+                </a:extLst>
+              </p:cNvPr>
+              <p:cNvSpPr>
+                <a:spLocks noGrp="1"/>
+              </p:cNvSpPr>
+              <p:nvPr>
+                <p:ph idx="1"/>
+              </p:nvPr>
+            </p:nvSpPr>
+            <p:spPr/>
+            <p:txBody>
+              <a:bodyPr/>
+              <a:lstStyle/>
+              <a:p>
+                <a:pPr marL="0" indent="0">
+                  <a:buNone/>
+                </a:pPr>
+                <a14:m>
+                  <m:oMathPara xmlns:m="http://schemas.openxmlformats.org/officeDocument/2006/math">
+                    <m:oMathParaPr>
+                      <m:jc m:val="centerGroup"/>
+                    </m:oMathParaPr>
+                    <m:oMath xmlns:m="http://schemas.openxmlformats.org/officeDocument/2006/math">
+                      <m:sSubSup>
+                        <m:sSubSupPr>
+                          <m:ctrlPr>
+                            <a:rPr lang="es-MX" sz="2400" i="1" smtClean="0">
+                              <a:effectLst/>
+                              <a:latin typeface="Cambria Math" panose="02040503050406030204" pitchFamily="18" charset="0"/>
+                              <a:cs typeface="Arial" panose="020B0604020202020204" pitchFamily="34" charset="0"/>
+                            </a:rPr>
+                          </m:ctrlPr>
+                        </m:sSubSupPr>
+                        <m:e>
+                          <m:r>
+                            <a:rPr lang="es-ES" sz="2400" i="1">
+                              <a:effectLst/>
+                              <a:latin typeface="Cambria Math" panose="02040503050406030204" pitchFamily="18" charset="0"/>
+                              <a:ea typeface="Times New Roman" panose="02020603050405020304" pitchFamily="18" charset="0"/>
+                              <a:cs typeface="Arial" panose="020B0604020202020204" pitchFamily="34" charset="0"/>
+                            </a:rPr>
+                            <m:t>𝐵</m:t>
+                          </m:r>
+                        </m:e>
+                        <m:sub>
+                          <m:r>
+                            <a:rPr lang="es-ES" sz="2400" i="1">
+                              <a:effectLst/>
+                              <a:latin typeface="Cambria Math" panose="02040503050406030204" pitchFamily="18" charset="0"/>
+                              <a:ea typeface="Times New Roman" panose="02020603050405020304" pitchFamily="18" charset="0"/>
+                              <a:cs typeface="Arial" panose="020B0604020202020204" pitchFamily="34" charset="0"/>
+                            </a:rPr>
+                            <m:t>𝑑</m:t>
+                          </m:r>
+                        </m:sub>
+                        <m:sup>
+                          <m:r>
+                            <a:rPr lang="es-ES" sz="2400" i="1">
+                              <a:effectLst/>
+                              <a:latin typeface="Cambria Math" panose="02040503050406030204" pitchFamily="18" charset="0"/>
+                              <a:ea typeface="Times New Roman" panose="02020603050405020304" pitchFamily="18" charset="0"/>
+                              <a:cs typeface="Arial" panose="020B0604020202020204" pitchFamily="34" charset="0"/>
+                            </a:rPr>
+                            <m:t>𝑖</m:t>
+                          </m:r>
+                        </m:sup>
+                      </m:sSubSup>
+                      <m:r>
+                        <a:rPr lang="es-ES" sz="2400" i="1">
+                          <a:effectLst/>
+                          <a:latin typeface="Cambria Math" panose="02040503050406030204" pitchFamily="18" charset="0"/>
+                          <a:ea typeface="Times New Roman" panose="02020603050405020304" pitchFamily="18" charset="0"/>
+                          <a:cs typeface="Arial" panose="020B0604020202020204" pitchFamily="34" charset="0"/>
+                        </a:rPr>
+                        <m:t>=</m:t>
+                      </m:r>
+                      <m:nary>
+                        <m:naryPr>
+                          <m:chr m:val="∑"/>
+                          <m:ctrlPr>
+                            <a:rPr lang="es-MX" sz="2400" i="1">
+                              <a:effectLst/>
+                              <a:latin typeface="Cambria Math" panose="02040503050406030204" pitchFamily="18" charset="0"/>
+                              <a:cs typeface="Arial" panose="020B0604020202020204" pitchFamily="34" charset="0"/>
+                            </a:rPr>
+                          </m:ctrlPr>
+                        </m:naryPr>
+                        <m:sub>
+                          <m:r>
+                            <a:rPr lang="es-ES" sz="2400" i="1">
+                              <a:effectLst/>
+                              <a:latin typeface="Cambria Math" panose="02040503050406030204" pitchFamily="18" charset="0"/>
+                              <a:ea typeface="Times New Roman" panose="02020603050405020304" pitchFamily="18" charset="0"/>
+                              <a:cs typeface="Arial" panose="020B0604020202020204" pitchFamily="34" charset="0"/>
+                            </a:rPr>
+                            <m:t>𝑘</m:t>
+                          </m:r>
+                          <m:r>
+                            <a:rPr lang="es-ES" sz="2400" i="1">
+                              <a:effectLst/>
+                              <a:latin typeface="Cambria Math" panose="02040503050406030204" pitchFamily="18" charset="0"/>
+                              <a:ea typeface="Times New Roman" panose="02020603050405020304" pitchFamily="18" charset="0"/>
+                              <a:cs typeface="Arial" panose="020B0604020202020204" pitchFamily="34" charset="0"/>
+                            </a:rPr>
+                            <m:t>=</m:t>
+                          </m:r>
+                          <m:r>
+                            <a:rPr lang="es-ES" sz="2400" i="1">
+                              <a:effectLst/>
+                              <a:latin typeface="Cambria Math" panose="02040503050406030204" pitchFamily="18" charset="0"/>
+                              <a:ea typeface="Times New Roman" panose="02020603050405020304" pitchFamily="18" charset="0"/>
+                              <a:cs typeface="Arial" panose="020B0604020202020204" pitchFamily="34" charset="0"/>
+                            </a:rPr>
+                            <m:t>𝑖</m:t>
+                          </m:r>
+                          <m:r>
+                            <a:rPr lang="es-ES" sz="2400" i="1">
+                              <a:effectLst/>
+                              <a:latin typeface="Cambria Math" panose="02040503050406030204" pitchFamily="18" charset="0"/>
+                              <a:ea typeface="Times New Roman" panose="02020603050405020304" pitchFamily="18" charset="0"/>
+                              <a:cs typeface="Arial" panose="020B0604020202020204" pitchFamily="34" charset="0"/>
+                            </a:rPr>
+                            <m:t>+1</m:t>
+                          </m:r>
+                        </m:sub>
+                        <m:sup>
+                          <m:r>
+                            <a:rPr lang="es-ES" sz="2400" i="1">
+                              <a:effectLst/>
+                              <a:latin typeface="Cambria Math" panose="02040503050406030204" pitchFamily="18" charset="0"/>
+                              <a:ea typeface="Times New Roman" panose="02020603050405020304" pitchFamily="18" charset="0"/>
+                              <a:cs typeface="Arial" panose="020B0604020202020204" pitchFamily="34" charset="0"/>
+                            </a:rPr>
+                            <m:t>𝐶</m:t>
+                          </m:r>
+                        </m:sup>
+                        <m:e>
+                          <m:f>
+                            <m:fPr>
+                              <m:ctrlPr>
+                                <a:rPr lang="es-MX" sz="2400" i="1">
+                                  <a:effectLst/>
+                                  <a:latin typeface="Cambria Math" panose="02040503050406030204" pitchFamily="18" charset="0"/>
+                                  <a:cs typeface="Arial" panose="020B0604020202020204" pitchFamily="34" charset="0"/>
+                                </a:rPr>
+                              </m:ctrlPr>
+                            </m:fPr>
+                            <m:num>
+                              <m:sSub>
+                                <m:sSubPr>
+                                  <m:ctrlPr>
+                                    <a:rPr lang="es-MX" sz="2400" i="1">
+                                      <a:effectLst/>
+                                      <a:latin typeface="Cambria Math" panose="02040503050406030204" pitchFamily="18" charset="0"/>
+                                      <a:cs typeface="Arial" panose="020B0604020202020204" pitchFamily="34" charset="0"/>
+                                    </a:rPr>
+                                  </m:ctrlPr>
+                                </m:sSubPr>
+                                <m:e>
+                                  <m:r>
+                                    <a:rPr lang="es-ES" sz="2400" i="1">
+                                      <a:effectLst/>
+                                      <a:latin typeface="Cambria Math" panose="02040503050406030204" pitchFamily="18" charset="0"/>
+                                      <a:ea typeface="Times New Roman" panose="02020603050405020304" pitchFamily="18" charset="0"/>
+                                      <a:cs typeface="Arial" panose="020B0604020202020204" pitchFamily="34" charset="0"/>
+                                    </a:rPr>
+                                    <m:t>𝜇</m:t>
+                                  </m:r>
+                                </m:e>
+                                <m:sub>
+                                  <m:r>
+                                    <a:rPr lang="es-ES" sz="2400" i="1">
+                                      <a:effectLst/>
+                                      <a:latin typeface="Cambria Math" panose="02040503050406030204" pitchFamily="18" charset="0"/>
+                                      <a:ea typeface="Times New Roman" panose="02020603050405020304" pitchFamily="18" charset="0"/>
+                                      <a:cs typeface="Arial" panose="020B0604020202020204" pitchFamily="34" charset="0"/>
+                                    </a:rPr>
+                                    <m:t>𝜔</m:t>
+                                  </m:r>
+                                </m:sub>
+                              </m:sSub>
+                              <m:r>
+                                <a:rPr lang="es-ES" sz="2400" i="1">
+                                  <a:effectLst/>
+                                  <a:latin typeface="Cambria Math" panose="02040503050406030204" pitchFamily="18" charset="0"/>
+                                  <a:ea typeface="Times New Roman" panose="02020603050405020304" pitchFamily="18" charset="0"/>
+                                  <a:cs typeface="Arial" panose="020B0604020202020204" pitchFamily="34" charset="0"/>
+                                </a:rPr>
+                                <m:t>∗</m:t>
+                              </m:r>
+                              <m:sSub>
+                                <m:sSubPr>
+                                  <m:ctrlPr>
+                                    <a:rPr lang="es-MX" sz="2400" i="1">
+                                      <a:effectLst/>
+                                      <a:latin typeface="Cambria Math" panose="02040503050406030204" pitchFamily="18" charset="0"/>
+                                      <a:cs typeface="Arial" panose="020B0604020202020204" pitchFamily="34" charset="0"/>
+                                    </a:rPr>
+                                  </m:ctrlPr>
+                                </m:sSubPr>
+                                <m:e>
+                                  <m:r>
+                                    <a:rPr lang="es-ES" sz="2400" i="1">
+                                      <a:effectLst/>
+                                      <a:latin typeface="Cambria Math" panose="02040503050406030204" pitchFamily="18" charset="0"/>
+                                      <a:ea typeface="Times New Roman" panose="02020603050405020304" pitchFamily="18" charset="0"/>
+                                      <a:cs typeface="Arial" panose="020B0604020202020204" pitchFamily="34" charset="0"/>
+                                    </a:rPr>
+                                    <m:t>𝑋</m:t>
+                                  </m:r>
+                                </m:e>
+                                <m:sub>
+                                  <m:r>
+                                    <a:rPr lang="es-ES" sz="2400" i="1">
+                                      <a:effectLst/>
+                                      <a:latin typeface="Cambria Math" panose="02040503050406030204" pitchFamily="18" charset="0"/>
+                                      <a:ea typeface="Times New Roman" panose="02020603050405020304" pitchFamily="18" charset="0"/>
+                                      <a:cs typeface="Arial" panose="020B0604020202020204" pitchFamily="34" charset="0"/>
+                                    </a:rPr>
+                                    <m:t>𝑘</m:t>
+                                  </m:r>
+                                </m:sub>
+                              </m:sSub>
+                              <m:r>
+                                <a:rPr lang="es-ES" sz="2400" i="1">
+                                  <a:effectLst/>
+                                  <a:latin typeface="Cambria Math" panose="02040503050406030204" pitchFamily="18" charset="0"/>
+                                  <a:ea typeface="Times New Roman" panose="02020603050405020304" pitchFamily="18" charset="0"/>
+                                  <a:cs typeface="Arial" panose="020B0604020202020204" pitchFamily="34" charset="0"/>
+                                </a:rPr>
+                                <m:t>∗</m:t>
+                              </m:r>
+                              <m:sSub>
+                                <m:sSubPr>
+                                  <m:ctrlPr>
+                                    <a:rPr lang="es-MX" sz="2400" i="1">
+                                      <a:effectLst/>
+                                      <a:latin typeface="Cambria Math" panose="02040503050406030204" pitchFamily="18" charset="0"/>
+                                      <a:cs typeface="Arial" panose="020B0604020202020204" pitchFamily="34" charset="0"/>
+                                    </a:rPr>
+                                  </m:ctrlPr>
+                                </m:sSubPr>
+                                <m:e>
+                                  <m:r>
+                                    <a:rPr lang="es-ES" sz="2400" i="1">
+                                      <a:effectLst/>
+                                      <a:latin typeface="Cambria Math" panose="02040503050406030204" pitchFamily="18" charset="0"/>
+                                      <a:ea typeface="Times New Roman" panose="02020603050405020304" pitchFamily="18" charset="0"/>
+                                      <a:cs typeface="Arial" panose="020B0604020202020204" pitchFamily="34" charset="0"/>
+                                    </a:rPr>
+                                    <m:t>𝑋</m:t>
+                                  </m:r>
+                                </m:e>
+                                <m:sub>
+                                  <m:r>
+                                    <a:rPr lang="es-ES" sz="2400" i="1">
+                                      <a:effectLst/>
+                                      <a:latin typeface="Cambria Math" panose="02040503050406030204" pitchFamily="18" charset="0"/>
+                                      <a:ea typeface="Times New Roman" panose="02020603050405020304" pitchFamily="18" charset="0"/>
+                                      <a:cs typeface="Arial" panose="020B0604020202020204" pitchFamily="34" charset="0"/>
+                                    </a:rPr>
+                                    <m:t>𝑖</m:t>
+                                  </m:r>
+                                </m:sub>
+                              </m:sSub>
+                            </m:num>
+                            <m:den>
+                              <m:nary>
+                                <m:naryPr>
+                                  <m:chr m:val="∑"/>
+                                  <m:ctrlPr>
+                                    <a:rPr lang="es-MX" sz="2400" i="1">
+                                      <a:effectLst/>
+                                      <a:latin typeface="Cambria Math" panose="02040503050406030204" pitchFamily="18" charset="0"/>
+                                      <a:cs typeface="Arial" panose="020B0604020202020204" pitchFamily="34" charset="0"/>
+                                    </a:rPr>
+                                  </m:ctrlPr>
+                                </m:naryPr>
+                                <m:sub>
+                                  <m:r>
+                                    <a:rPr lang="es-ES" sz="2400" i="1">
+                                      <a:effectLst/>
+                                      <a:latin typeface="Cambria Math" panose="02040503050406030204" pitchFamily="18" charset="0"/>
+                                      <a:ea typeface="Times New Roman" panose="02020603050405020304" pitchFamily="18" charset="0"/>
+                                      <a:cs typeface="Arial" panose="020B0604020202020204" pitchFamily="34" charset="0"/>
+                                    </a:rPr>
+                                    <m:t>𝑗</m:t>
+                                  </m:r>
+                                  <m:r>
+                                    <a:rPr lang="es-ES" sz="2400" i="1">
+                                      <a:effectLst/>
+                                      <a:latin typeface="Cambria Math" panose="02040503050406030204" pitchFamily="18" charset="0"/>
+                                      <a:ea typeface="Times New Roman" panose="02020603050405020304" pitchFamily="18" charset="0"/>
+                                      <a:cs typeface="Arial" panose="020B0604020202020204" pitchFamily="34" charset="0"/>
+                                    </a:rPr>
+                                    <m:t>=0</m:t>
+                                  </m:r>
+                                </m:sub>
+                                <m:sup>
+                                  <m:r>
+                                    <a:rPr lang="es-ES" sz="2400" i="1">
+                                      <a:effectLst/>
+                                      <a:latin typeface="Cambria Math" panose="02040503050406030204" pitchFamily="18" charset="0"/>
+                                      <a:ea typeface="Times New Roman" panose="02020603050405020304" pitchFamily="18" charset="0"/>
+                                      <a:cs typeface="Arial" panose="020B0604020202020204" pitchFamily="34" charset="0"/>
+                                    </a:rPr>
+                                    <m:t>𝑘</m:t>
+                                  </m:r>
+                                  <m:r>
+                                    <a:rPr lang="es-ES" sz="2400" i="1">
+                                      <a:effectLst/>
+                                      <a:latin typeface="Cambria Math" panose="02040503050406030204" pitchFamily="18" charset="0"/>
+                                      <a:ea typeface="Times New Roman" panose="02020603050405020304" pitchFamily="18" charset="0"/>
+                                      <a:cs typeface="Arial" panose="020B0604020202020204" pitchFamily="34" charset="0"/>
+                                    </a:rPr>
+                                    <m:t>−1</m:t>
+                                  </m:r>
+                                </m:sup>
+                                <m:e>
+                                  <m:sSub>
+                                    <m:sSubPr>
+                                      <m:ctrlPr>
+                                        <a:rPr lang="es-MX" sz="2400" i="1">
+                                          <a:effectLst/>
+                                          <a:latin typeface="Cambria Math" panose="02040503050406030204" pitchFamily="18" charset="0"/>
+                                          <a:cs typeface="Arial" panose="020B0604020202020204" pitchFamily="34" charset="0"/>
+                                        </a:rPr>
+                                      </m:ctrlPr>
+                                    </m:sSubPr>
+                                    <m:e>
+                                      <m:r>
+                                        <a:rPr lang="es-ES" sz="2400" i="1">
+                                          <a:effectLst/>
+                                          <a:latin typeface="Cambria Math" panose="02040503050406030204" pitchFamily="18" charset="0"/>
+                                          <a:ea typeface="Times New Roman" panose="02020603050405020304" pitchFamily="18" charset="0"/>
+                                          <a:cs typeface="Arial" panose="020B0604020202020204" pitchFamily="34" charset="0"/>
+                                        </a:rPr>
+                                        <m:t>𝑋</m:t>
+                                      </m:r>
+                                    </m:e>
+                                    <m:sub>
+                                      <m:r>
+                                        <a:rPr lang="es-ES" sz="2400" i="1">
+                                          <a:effectLst/>
+                                          <a:latin typeface="Cambria Math" panose="02040503050406030204" pitchFamily="18" charset="0"/>
+                                          <a:ea typeface="Times New Roman" panose="02020603050405020304" pitchFamily="18" charset="0"/>
+                                          <a:cs typeface="Arial" panose="020B0604020202020204" pitchFamily="34" charset="0"/>
+                                        </a:rPr>
+                                        <m:t>𝑗</m:t>
+                                      </m:r>
+                                    </m:sub>
+                                  </m:sSub>
+                                </m:e>
+                              </m:nary>
+                            </m:den>
+                          </m:f>
+                        </m:e>
+                      </m:nary>
+                      <m:r>
+                        <a:rPr lang="es-ES" sz="2400" i="1">
+                          <a:effectLst/>
+                          <a:latin typeface="Cambria Math" panose="02040503050406030204" pitchFamily="18" charset="0"/>
+                          <a:ea typeface="Times New Roman" panose="02020603050405020304" pitchFamily="18" charset="0"/>
+                          <a:cs typeface="Arial" panose="020B0604020202020204" pitchFamily="34" charset="0"/>
+                        </a:rPr>
+                        <m:t>+</m:t>
+                      </m:r>
+                      <m:f>
+                        <m:fPr>
+                          <m:ctrlPr>
+                            <a:rPr lang="es-MX" sz="2400" i="1">
+                              <a:effectLst/>
+                              <a:latin typeface="Cambria Math" panose="02040503050406030204" pitchFamily="18" charset="0"/>
+                              <a:cs typeface="Arial" panose="020B0604020202020204" pitchFamily="34" charset="0"/>
+                            </a:rPr>
+                          </m:ctrlPr>
+                        </m:fPr>
+                        <m:num>
+                          <m:sSub>
+                            <m:sSubPr>
+                              <m:ctrlPr>
+                                <a:rPr lang="es-MX" sz="2400" i="1">
+                                  <a:effectLst/>
+                                  <a:latin typeface="Cambria Math" panose="02040503050406030204" pitchFamily="18" charset="0"/>
+                                  <a:cs typeface="Arial" panose="020B0604020202020204" pitchFamily="34" charset="0"/>
+                                </a:rPr>
+                              </m:ctrlPr>
+                            </m:sSubPr>
+                            <m:e>
+                              <m:r>
+                                <a:rPr lang="es-ES" sz="2400" i="1">
+                                  <a:effectLst/>
+                                  <a:latin typeface="Cambria Math" panose="02040503050406030204" pitchFamily="18" charset="0"/>
+                                  <a:ea typeface="Times New Roman" panose="02020603050405020304" pitchFamily="18" charset="0"/>
+                                  <a:cs typeface="Arial" panose="020B0604020202020204" pitchFamily="34" charset="0"/>
+                                </a:rPr>
+                                <m:t>𝜇</m:t>
+                              </m:r>
+                            </m:e>
+                            <m:sub>
+                              <m:r>
+                                <a:rPr lang="es-ES" sz="2400" i="1">
+                                  <a:effectLst/>
+                                  <a:latin typeface="Cambria Math" panose="02040503050406030204" pitchFamily="18" charset="0"/>
+                                  <a:ea typeface="Times New Roman" panose="02020603050405020304" pitchFamily="18" charset="0"/>
+                                  <a:cs typeface="Arial" panose="020B0604020202020204" pitchFamily="34" charset="0"/>
+                                </a:rPr>
+                                <m:t>𝑠</m:t>
+                              </m:r>
+                            </m:sub>
+                          </m:sSub>
+                          <m:r>
+                            <a:rPr lang="es-ES" sz="2400" i="1">
+                              <a:effectLst/>
+                              <a:latin typeface="Cambria Math" panose="02040503050406030204" pitchFamily="18" charset="0"/>
+                              <a:ea typeface="Times New Roman" panose="02020603050405020304" pitchFamily="18" charset="0"/>
+                              <a:cs typeface="Arial" panose="020B0604020202020204" pitchFamily="34" charset="0"/>
+                            </a:rPr>
+                            <m:t>∗</m:t>
+                          </m:r>
+                          <m:sSub>
+                            <m:sSubPr>
+                              <m:ctrlPr>
+                                <a:rPr lang="es-MX" sz="2400" i="1">
+                                  <a:effectLst/>
+                                  <a:latin typeface="Cambria Math" panose="02040503050406030204" pitchFamily="18" charset="0"/>
+                                  <a:cs typeface="Arial" panose="020B0604020202020204" pitchFamily="34" charset="0"/>
+                                </a:rPr>
+                              </m:ctrlPr>
+                            </m:sSubPr>
+                            <m:e>
+                              <m:r>
+                                <a:rPr lang="es-ES" sz="2400" i="1">
+                                  <a:effectLst/>
+                                  <a:latin typeface="Cambria Math" panose="02040503050406030204" pitchFamily="18" charset="0"/>
+                                  <a:ea typeface="Times New Roman" panose="02020603050405020304" pitchFamily="18" charset="0"/>
+                                  <a:cs typeface="Arial" panose="020B0604020202020204" pitchFamily="34" charset="0"/>
+                                </a:rPr>
+                                <m:t>𝑋</m:t>
+                              </m:r>
+                            </m:e>
+                            <m:sub>
+                              <m:r>
+                                <a:rPr lang="es-ES" sz="2400" i="1">
+                                  <a:effectLst/>
+                                  <a:latin typeface="Cambria Math" panose="02040503050406030204" pitchFamily="18" charset="0"/>
+                                  <a:ea typeface="Times New Roman" panose="02020603050405020304" pitchFamily="18" charset="0"/>
+                                  <a:cs typeface="Arial" panose="020B0604020202020204" pitchFamily="34" charset="0"/>
+                                </a:rPr>
+                                <m:t>𝑖</m:t>
+                              </m:r>
+                            </m:sub>
+                          </m:sSub>
+                        </m:num>
+                        <m:den>
+                          <m:nary>
+                            <m:naryPr>
+                              <m:chr m:val="∑"/>
+                              <m:ctrlPr>
+                                <a:rPr lang="es-MX" sz="2400" i="1">
+                                  <a:effectLst/>
+                                  <a:latin typeface="Cambria Math" panose="02040503050406030204" pitchFamily="18" charset="0"/>
+                                  <a:cs typeface="Arial" panose="020B0604020202020204" pitchFamily="34" charset="0"/>
+                                </a:rPr>
+                              </m:ctrlPr>
+                            </m:naryPr>
+                            <m:sub>
+                              <m:r>
+                                <a:rPr lang="es-ES" sz="2400" i="1">
+                                  <a:effectLst/>
+                                  <a:latin typeface="Cambria Math" panose="02040503050406030204" pitchFamily="18" charset="0"/>
+                                  <a:ea typeface="Times New Roman" panose="02020603050405020304" pitchFamily="18" charset="0"/>
+                                  <a:cs typeface="Arial" panose="020B0604020202020204" pitchFamily="34" charset="0"/>
+                                </a:rPr>
+                                <m:t>𝑗</m:t>
+                              </m:r>
+                              <m:r>
+                                <a:rPr lang="es-ES" sz="2400" i="1">
+                                  <a:effectLst/>
+                                  <a:latin typeface="Cambria Math" panose="02040503050406030204" pitchFamily="18" charset="0"/>
+                                  <a:ea typeface="Times New Roman" panose="02020603050405020304" pitchFamily="18" charset="0"/>
+                                  <a:cs typeface="Arial" panose="020B0604020202020204" pitchFamily="34" charset="0"/>
+                                </a:rPr>
+                                <m:t>=0</m:t>
+                              </m:r>
+                            </m:sub>
+                            <m:sup>
+                              <m:r>
+                                <a:rPr lang="es-ES" sz="2400" i="1">
+                                  <a:effectLst/>
+                                  <a:latin typeface="Cambria Math" panose="02040503050406030204" pitchFamily="18" charset="0"/>
+                                  <a:ea typeface="Times New Roman" panose="02020603050405020304" pitchFamily="18" charset="0"/>
+                                  <a:cs typeface="Arial" panose="020B0604020202020204" pitchFamily="34" charset="0"/>
+                                </a:rPr>
+                                <m:t>𝐶</m:t>
+                              </m:r>
+                              <m:r>
+                                <a:rPr lang="es-ES" sz="2400" i="1">
+                                  <a:effectLst/>
+                                  <a:latin typeface="Cambria Math" panose="02040503050406030204" pitchFamily="18" charset="0"/>
+                                  <a:ea typeface="Times New Roman" panose="02020603050405020304" pitchFamily="18" charset="0"/>
+                                  <a:cs typeface="Arial" panose="020B0604020202020204" pitchFamily="34" charset="0"/>
+                                </a:rPr>
+                                <m:t>−1</m:t>
+                              </m:r>
+                            </m:sup>
+                            <m:e>
+                              <m:sSub>
+                                <m:sSubPr>
+                                  <m:ctrlPr>
+                                    <a:rPr lang="es-MX" sz="2400" i="1">
+                                      <a:effectLst/>
+                                      <a:latin typeface="Cambria Math" panose="02040503050406030204" pitchFamily="18" charset="0"/>
+                                      <a:cs typeface="Arial" panose="020B0604020202020204" pitchFamily="34" charset="0"/>
+                                    </a:rPr>
+                                  </m:ctrlPr>
+                                </m:sSubPr>
+                                <m:e>
+                                  <m:r>
+                                    <a:rPr lang="es-ES" sz="2400" i="1">
+                                      <a:effectLst/>
+                                      <a:latin typeface="Cambria Math" panose="02040503050406030204" pitchFamily="18" charset="0"/>
+                                      <a:ea typeface="Times New Roman" panose="02020603050405020304" pitchFamily="18" charset="0"/>
+                                      <a:cs typeface="Arial" panose="020B0604020202020204" pitchFamily="34" charset="0"/>
+                                    </a:rPr>
+                                    <m:t>𝑋</m:t>
+                                  </m:r>
+                                </m:e>
+                                <m:sub>
+                                  <m:r>
+                                    <a:rPr lang="es-ES" sz="2400" i="1">
+                                      <a:effectLst/>
+                                      <a:latin typeface="Cambria Math" panose="02040503050406030204" pitchFamily="18" charset="0"/>
+                                      <a:ea typeface="Times New Roman" panose="02020603050405020304" pitchFamily="18" charset="0"/>
+                                      <a:cs typeface="Arial" panose="020B0604020202020204" pitchFamily="34" charset="0"/>
+                                    </a:rPr>
+                                    <m:t>𝑗</m:t>
+                                  </m:r>
+                                </m:sub>
+                              </m:sSub>
+                            </m:e>
+                          </m:nary>
+                        </m:den>
+                      </m:f>
+                      <m:r>
+                        <a:rPr lang="es-MX" sz="2400" b="0" i="1" smtClean="0">
+                          <a:effectLst/>
+                          <a:latin typeface="Cambria Math" panose="02040503050406030204" pitchFamily="18" charset="0"/>
+                          <a:ea typeface="Times New Roman" panose="02020603050405020304" pitchFamily="18" charset="0"/>
+                          <a:cs typeface="Arial" panose="020B0604020202020204" pitchFamily="34" charset="0"/>
+                        </a:rPr>
+                        <m:t> </m:t>
+                      </m:r>
+                      <m:d>
+                        <m:dPr>
+                          <m:ctrlPr>
+                            <a:rPr lang="es-MX" sz="2400" b="0" i="1" smtClean="0">
+                              <a:effectLst/>
+                              <a:latin typeface="Cambria Math" panose="02040503050406030204" pitchFamily="18" charset="0"/>
+                              <a:cs typeface="Arial" panose="020B0604020202020204" pitchFamily="34" charset="0"/>
+                            </a:rPr>
+                          </m:ctrlPr>
+                        </m:dPr>
+                        <m:e>
+                          <m:sSubSup>
+                            <m:sSubSupPr>
+                              <m:ctrlPr>
+                                <a:rPr lang="es-MX" sz="2400" i="1">
+                                  <a:latin typeface="Cambria Math" panose="02040503050406030204" pitchFamily="18" charset="0"/>
+                                  <a:cs typeface="Arial" panose="020B0604020202020204" pitchFamily="34" charset="0"/>
+                                </a:rPr>
+                              </m:ctrlPr>
+                            </m:sSubSupPr>
+                            <m:e>
+                              <m:r>
+                                <a:rPr lang="es-ES" sz="2400" i="1">
+                                  <a:latin typeface="Cambria Math" panose="02040503050406030204" pitchFamily="18" charset="0"/>
+                                  <a:ea typeface="Times New Roman" panose="02020603050405020304" pitchFamily="18" charset="0"/>
+                                  <a:cs typeface="Arial" panose="020B0604020202020204" pitchFamily="34" charset="0"/>
+                                </a:rPr>
+                                <m:t>𝐵</m:t>
+                              </m:r>
+                            </m:e>
+                            <m:sub>
+                              <m:r>
+                                <a:rPr lang="es-ES" sz="2400" i="1">
+                                  <a:latin typeface="Cambria Math" panose="02040503050406030204" pitchFamily="18" charset="0"/>
+                                  <a:ea typeface="Times New Roman" panose="02020603050405020304" pitchFamily="18" charset="0"/>
+                                  <a:cs typeface="Arial" panose="020B0604020202020204" pitchFamily="34" charset="0"/>
+                                </a:rPr>
+                                <m:t>𝑢</m:t>
+                              </m:r>
+                              <m:r>
+                                <a:rPr lang="es-ES" sz="2400" i="1">
+                                  <a:latin typeface="Cambria Math" panose="02040503050406030204" pitchFamily="18" charset="0"/>
+                                  <a:ea typeface="Times New Roman" panose="02020603050405020304" pitchFamily="18" charset="0"/>
+                                  <a:cs typeface="Arial" panose="020B0604020202020204" pitchFamily="34" charset="0"/>
+                                </a:rPr>
+                                <m:t>,</m:t>
+                              </m:r>
+                              <m:r>
+                                <a:rPr lang="es-ES" sz="2400" i="1">
+                                  <a:latin typeface="Cambria Math" panose="02040503050406030204" pitchFamily="18" charset="0"/>
+                                  <a:ea typeface="Times New Roman" panose="02020603050405020304" pitchFamily="18" charset="0"/>
+                                  <a:cs typeface="Arial" panose="020B0604020202020204" pitchFamily="34" charset="0"/>
+                                </a:rPr>
+                                <m:t>𝑝</m:t>
+                              </m:r>
+                            </m:sub>
+                            <m:sup>
+                              <m:r>
+                                <a:rPr lang="es-ES" sz="2400" i="1">
+                                  <a:latin typeface="Cambria Math" panose="02040503050406030204" pitchFamily="18" charset="0"/>
+                                  <a:ea typeface="Times New Roman" panose="02020603050405020304" pitchFamily="18" charset="0"/>
+                                  <a:cs typeface="Arial" panose="020B0604020202020204" pitchFamily="34" charset="0"/>
+                                </a:rPr>
+                                <m:t>𝑖</m:t>
+                              </m:r>
+                            </m:sup>
+                          </m:sSubSup>
+                          <m:r>
+                            <a:rPr lang="es-MX" sz="2400" b="0" i="1" smtClean="0">
+                              <a:latin typeface="Cambria Math" panose="02040503050406030204" pitchFamily="18" charset="0"/>
+                              <a:ea typeface="Times New Roman" panose="02020603050405020304" pitchFamily="18" charset="0"/>
+                              <a:cs typeface="Arial" panose="020B0604020202020204" pitchFamily="34" charset="0"/>
+                            </a:rPr>
+                            <m:t>+</m:t>
+                          </m:r>
+                          <m:sSubSup>
+                            <m:sSubSupPr>
+                              <m:ctrlPr>
+                                <a:rPr lang="es-MX" sz="2400" i="1">
+                                  <a:latin typeface="Cambria Math" panose="02040503050406030204" pitchFamily="18" charset="0"/>
+                                  <a:cs typeface="Arial" panose="020B0604020202020204" pitchFamily="34" charset="0"/>
+                                </a:rPr>
+                              </m:ctrlPr>
+                            </m:sSubSupPr>
+                            <m:e>
+                              <m:r>
+                                <a:rPr lang="es-ES" sz="2400" i="1">
+                                  <a:latin typeface="Cambria Math" panose="02040503050406030204" pitchFamily="18" charset="0"/>
+                                  <a:ea typeface="Times New Roman" panose="02020603050405020304" pitchFamily="18" charset="0"/>
+                                  <a:cs typeface="Arial" panose="020B0604020202020204" pitchFamily="34" charset="0"/>
+                                </a:rPr>
+                                <m:t>𝐵</m:t>
+                              </m:r>
+                            </m:e>
+                            <m:sub>
+                              <m:r>
+                                <a:rPr lang="es-ES" sz="2400" i="1">
+                                  <a:latin typeface="Cambria Math" panose="02040503050406030204" pitchFamily="18" charset="0"/>
+                                  <a:ea typeface="Times New Roman" panose="02020603050405020304" pitchFamily="18" charset="0"/>
+                                  <a:cs typeface="Arial" panose="020B0604020202020204" pitchFamily="34" charset="0"/>
+                                </a:rPr>
+                                <m:t>𝑢</m:t>
+                              </m:r>
+                              <m:r>
+                                <a:rPr lang="es-ES" sz="2400" i="1">
+                                  <a:latin typeface="Cambria Math" panose="02040503050406030204" pitchFamily="18" charset="0"/>
+                                  <a:ea typeface="Times New Roman" panose="02020603050405020304" pitchFamily="18" charset="0"/>
+                                  <a:cs typeface="Arial" panose="020B0604020202020204" pitchFamily="34" charset="0"/>
+                                </a:rPr>
+                                <m:t>,</m:t>
+                              </m:r>
+                              <m:r>
+                                <a:rPr lang="es-ES" sz="2400" i="1">
+                                  <a:latin typeface="Cambria Math" panose="02040503050406030204" pitchFamily="18" charset="0"/>
+                                  <a:ea typeface="Times New Roman" panose="02020603050405020304" pitchFamily="18" charset="0"/>
+                                  <a:cs typeface="Arial" panose="020B0604020202020204" pitchFamily="34" charset="0"/>
+                                </a:rPr>
+                                <m:t>𝑠</m:t>
+                              </m:r>
+                            </m:sub>
+                            <m:sup>
+                              <m:r>
+                                <a:rPr lang="es-ES" sz="2400" i="1">
+                                  <a:latin typeface="Cambria Math" panose="02040503050406030204" pitchFamily="18" charset="0"/>
+                                  <a:ea typeface="Times New Roman" panose="02020603050405020304" pitchFamily="18" charset="0"/>
+                                  <a:cs typeface="Arial" panose="020B0604020202020204" pitchFamily="34" charset="0"/>
+                                </a:rPr>
+                                <m:t>𝑖</m:t>
+                              </m:r>
+                            </m:sup>
+                          </m:sSubSup>
+                        </m:e>
+                      </m:d>
+                    </m:oMath>
+                  </m:oMathPara>
+                </a14:m>
+                <a:endParaRPr lang="es-MX" dirty="0"/>
+              </a:p>
+              <a:p>
+                <a:pPr marL="0" indent="0">
+                  <a:buNone/>
+                </a:pPr>
+                <a:endParaRPr lang="es-MX" dirty="0"/>
+              </a:p>
+            </p:txBody>
+          </p:sp>
+        </mc:Choice>
+        <mc:Fallback>
+          <p:sp>
+            <p:nvSpPr>
+              <p:cNvPr id="3" name="Marcador de contenido 2">
+                <a:extLst>
+                  <a:ext uri="{FF2B5EF4-FFF2-40B4-BE49-F238E27FC236}">
+                    <a16:creationId xmlns:a16="http://schemas.microsoft.com/office/drawing/2014/main" id="{AC6C0526-D3DE-BEEF-DBD0-950DF96396AB}"/>
+                  </a:ext>
+                </a:extLst>
+              </p:cNvPr>
+              <p:cNvSpPr>
+                <a:spLocks noGrp="1" noRot="1" noChangeAspect="1" noMove="1" noResize="1" noEditPoints="1" noAdjustHandles="1" noChangeArrowheads="1" noChangeShapeType="1" noTextEdit="1"/>
+              </p:cNvSpPr>
+              <p:nvPr>
+                <p:ph idx="1"/>
+              </p:nvPr>
+            </p:nvSpPr>
+            <p:spPr>
+              <a:blipFill>
+                <a:blip r:embed="rId2"/>
+                <a:stretch>
+                  <a:fillRect/>
+                </a:stretch>
+              </a:blipFill>
+            </p:spPr>
+            <p:txBody>
+              <a:bodyPr/>
+              <a:lstStyle/>
+              <a:p>
+                <a:r>
+                  <a:rPr lang="es-MX">
+                    <a:noFill/>
+                  </a:rPr>
+                  <a:t> </a:t>
+                </a:r>
+              </a:p>
+            </p:txBody>
+          </p:sp>
+        </mc:Fallback>
+      </mc:AlternateContent>
+      <mc:AlternateContent xmlns:mc="http://schemas.openxmlformats.org/markup-compatibility/2006">
+        <mc:Choice xmlns:a14="http://schemas.microsoft.com/office/drawing/2010/main" Requires="a14">
+          <p:sp>
+            <p:nvSpPr>
+              <p:cNvPr id="5" name="CuadroTexto 4">
+                <a:extLst>
+                  <a:ext uri="{FF2B5EF4-FFF2-40B4-BE49-F238E27FC236}">
+                    <a16:creationId xmlns:a16="http://schemas.microsoft.com/office/drawing/2014/main" id="{3F20215E-6FBC-34B5-38CD-2B63C979E21D}"/>
+                  </a:ext>
+                </a:extLst>
+              </p:cNvPr>
+              <p:cNvSpPr txBox="1"/>
+              <p:nvPr/>
+            </p:nvSpPr>
+            <p:spPr>
+              <a:xfrm>
+                <a:off x="530604" y="4236997"/>
+                <a:ext cx="6094602" cy="952568"/>
+              </a:xfrm>
+              <a:prstGeom prst="rect">
+                <a:avLst/>
+              </a:prstGeom>
+              <a:noFill/>
+            </p:spPr>
+            <p:txBody>
+              <a:bodyPr wrap="square">
+                <a:spAutoFit/>
+              </a:bodyPr>
+              <a:lstStyle/>
+              <a:p>
+                <a:pPr/>
+                <a14:m>
+                  <m:oMath xmlns:m="http://schemas.openxmlformats.org/officeDocument/2006/math">
+                    <m:sSubSup>
+                      <m:sSubSupPr>
+                        <m:ctrlPr>
+                          <a:rPr lang="es-MX" sz="3200" i="1" smtClean="0">
+                            <a:effectLst/>
+                            <a:latin typeface="Cambria Math" panose="02040503050406030204" pitchFamily="18" charset="0"/>
+                            <a:cs typeface="Arial" panose="020B0604020202020204" pitchFamily="34" charset="0"/>
+                          </a:rPr>
+                        </m:ctrlPr>
+                      </m:sSubSupPr>
+                      <m:e>
+                        <m:r>
+                          <a:rPr lang="es-ES" sz="3200" i="1">
+                            <a:effectLst/>
+                            <a:latin typeface="Cambria Math" panose="02040503050406030204" pitchFamily="18" charset="0"/>
+                            <a:ea typeface="Times New Roman" panose="02020603050405020304" pitchFamily="18" charset="0"/>
+                            <a:cs typeface="Arial" panose="020B0604020202020204" pitchFamily="34" charset="0"/>
+                          </a:rPr>
+                          <m:t>𝐵</m:t>
+                        </m:r>
+                      </m:e>
+                      <m:sub>
+                        <m:r>
+                          <a:rPr lang="es-ES" sz="3200" i="1">
+                            <a:effectLst/>
+                            <a:latin typeface="Cambria Math" panose="02040503050406030204" pitchFamily="18" charset="0"/>
+                            <a:ea typeface="Times New Roman" panose="02020603050405020304" pitchFamily="18" charset="0"/>
+                            <a:cs typeface="Arial" panose="020B0604020202020204" pitchFamily="34" charset="0"/>
+                          </a:rPr>
+                          <m:t>𝑝</m:t>
+                        </m:r>
+                        <m:r>
+                          <a:rPr lang="es-MX" sz="3200" b="0" i="1" smtClean="0">
+                            <a:effectLst/>
+                            <a:latin typeface="Cambria Math" panose="02040503050406030204" pitchFamily="18" charset="0"/>
+                            <a:ea typeface="Times New Roman" panose="02020603050405020304" pitchFamily="18" charset="0"/>
+                            <a:cs typeface="Arial" panose="020B0604020202020204" pitchFamily="34" charset="0"/>
+                          </a:rPr>
+                          <m:t>2</m:t>
+                        </m:r>
+                        <m:r>
+                          <a:rPr lang="es-MX" sz="3200" b="0" i="1" smtClean="0">
+                            <a:effectLst/>
+                            <a:latin typeface="Cambria Math" panose="02040503050406030204" pitchFamily="18" charset="0"/>
+                            <a:ea typeface="Times New Roman" panose="02020603050405020304" pitchFamily="18" charset="0"/>
+                            <a:cs typeface="Arial" panose="020B0604020202020204" pitchFamily="34" charset="0"/>
+                          </a:rPr>
+                          <m:t>𝑝</m:t>
+                        </m:r>
+                      </m:sub>
+                      <m:sup>
+                        <m:r>
+                          <a:rPr lang="es-ES" sz="3200" i="1">
+                            <a:effectLst/>
+                            <a:latin typeface="Cambria Math" panose="02040503050406030204" pitchFamily="18" charset="0"/>
+                            <a:ea typeface="Times New Roman" panose="02020603050405020304" pitchFamily="18" charset="0"/>
+                            <a:cs typeface="Arial" panose="020B0604020202020204" pitchFamily="34" charset="0"/>
+                          </a:rPr>
+                          <m:t>𝑖</m:t>
+                        </m:r>
+                      </m:sup>
+                    </m:sSubSup>
+                    <m:r>
+                      <a:rPr lang="es-MX" sz="3200" i="1">
+                        <a:effectLst/>
+                        <a:latin typeface="Cambria Math" panose="02040503050406030204" pitchFamily="18" charset="0"/>
+                        <a:ea typeface="Times New Roman" panose="02020603050405020304" pitchFamily="18" charset="0"/>
+                        <a:cs typeface="Arial" panose="020B0604020202020204" pitchFamily="34" charset="0"/>
+                      </a:rPr>
+                      <m:t>=</m:t>
+                    </m:r>
+                    <m:sSubSup>
+                      <m:sSubSupPr>
+                        <m:ctrlPr>
+                          <a:rPr lang="es-MX" sz="3200" i="1">
+                            <a:latin typeface="Cambria Math" panose="02040503050406030204" pitchFamily="18" charset="0"/>
+                            <a:cs typeface="Arial" panose="020B0604020202020204" pitchFamily="34" charset="0"/>
+                          </a:rPr>
+                        </m:ctrlPr>
+                      </m:sSubSupPr>
+                      <m:e>
+                        <m:r>
+                          <a:rPr lang="es-ES" sz="3200" i="1">
+                            <a:latin typeface="Cambria Math" panose="02040503050406030204" pitchFamily="18" charset="0"/>
+                            <a:ea typeface="Times New Roman" panose="02020603050405020304" pitchFamily="18" charset="0"/>
+                            <a:cs typeface="Arial" panose="020B0604020202020204" pitchFamily="34" charset="0"/>
+                          </a:rPr>
+                          <m:t>𝐵</m:t>
+                        </m:r>
+                      </m:e>
+                      <m:sub>
+                        <m:r>
+                          <a:rPr lang="es-ES" sz="3200" i="1">
+                            <a:latin typeface="Cambria Math" panose="02040503050406030204" pitchFamily="18" charset="0"/>
+                            <a:ea typeface="Times New Roman" panose="02020603050405020304" pitchFamily="18" charset="0"/>
+                            <a:cs typeface="Arial" panose="020B0604020202020204" pitchFamily="34" charset="0"/>
+                          </a:rPr>
+                          <m:t>𝑢</m:t>
+                        </m:r>
+                        <m:r>
+                          <a:rPr lang="es-ES" sz="3200" i="1">
+                            <a:latin typeface="Cambria Math" panose="02040503050406030204" pitchFamily="18" charset="0"/>
+                            <a:ea typeface="Times New Roman" panose="02020603050405020304" pitchFamily="18" charset="0"/>
+                            <a:cs typeface="Arial" panose="020B0604020202020204" pitchFamily="34" charset="0"/>
+                          </a:rPr>
+                          <m:t>,</m:t>
+                        </m:r>
+                        <m:r>
+                          <a:rPr lang="es-ES" sz="3200" i="1">
+                            <a:latin typeface="Cambria Math" panose="02040503050406030204" pitchFamily="18" charset="0"/>
+                            <a:ea typeface="Times New Roman" panose="02020603050405020304" pitchFamily="18" charset="0"/>
+                            <a:cs typeface="Arial" panose="020B0604020202020204" pitchFamily="34" charset="0"/>
+                          </a:rPr>
+                          <m:t>𝑝</m:t>
+                        </m:r>
+                      </m:sub>
+                      <m:sup>
+                        <m:r>
+                          <a:rPr lang="es-ES" sz="3200" i="1">
+                            <a:latin typeface="Cambria Math" panose="02040503050406030204" pitchFamily="18" charset="0"/>
+                            <a:ea typeface="Times New Roman" panose="02020603050405020304" pitchFamily="18" charset="0"/>
+                            <a:cs typeface="Arial" panose="020B0604020202020204" pitchFamily="34" charset="0"/>
+                          </a:rPr>
+                          <m:t>𝑖</m:t>
+                        </m:r>
+                      </m:sup>
+                    </m:sSubSup>
+                  </m:oMath>
+                </a14:m>
+                <a:r>
+                  <a:rPr lang="es-ES" dirty="0">
+                    <a:ea typeface="Times New Roman" panose="02020603050405020304" pitchFamily="18" charset="0"/>
+                    <a:cs typeface="Arial" panose="020B0604020202020204" pitchFamily="34" charset="0"/>
+                  </a:rPr>
+                  <a:t> </a:t>
+                </a:r>
+                <a14:m>
+                  <m:oMath xmlns:m="http://schemas.openxmlformats.org/officeDocument/2006/math">
+                    <m:r>
+                      <a:rPr lang="es-ES" sz="3200" i="1">
+                        <a:latin typeface="Cambria Math" panose="02040503050406030204" pitchFamily="18" charset="0"/>
+                        <a:ea typeface="Times New Roman" panose="02020603050405020304" pitchFamily="18" charset="0"/>
+                        <a:cs typeface="Arial" panose="020B0604020202020204" pitchFamily="34" charset="0"/>
+                      </a:rPr>
+                      <m:t>=</m:t>
+                    </m:r>
+                    <m:nary>
+                      <m:naryPr>
+                        <m:chr m:val="∑"/>
+                        <m:ctrlPr>
+                          <a:rPr lang="es-MX" sz="3200" i="1">
+                            <a:latin typeface="Cambria Math" panose="02040503050406030204" pitchFamily="18" charset="0"/>
+                            <a:cs typeface="Arial" panose="020B0604020202020204" pitchFamily="34" charset="0"/>
+                          </a:rPr>
+                        </m:ctrlPr>
+                      </m:naryPr>
+                      <m:sub>
+                        <m:r>
+                          <a:rPr lang="es-ES" sz="3200" i="1">
+                            <a:latin typeface="Cambria Math" panose="02040503050406030204" pitchFamily="18" charset="0"/>
+                            <a:ea typeface="Times New Roman" panose="02020603050405020304" pitchFamily="18" charset="0"/>
+                            <a:cs typeface="Arial" panose="020B0604020202020204" pitchFamily="34" charset="0"/>
+                          </a:rPr>
+                          <m:t>𝑘</m:t>
+                        </m:r>
+                        <m:r>
+                          <a:rPr lang="es-ES" sz="3200" i="1">
+                            <a:latin typeface="Cambria Math" panose="02040503050406030204" pitchFamily="18" charset="0"/>
+                            <a:ea typeface="Times New Roman" panose="02020603050405020304" pitchFamily="18" charset="0"/>
+                            <a:cs typeface="Arial" panose="020B0604020202020204" pitchFamily="34" charset="0"/>
+                          </a:rPr>
+                          <m:t>=</m:t>
+                        </m:r>
+                        <m:r>
+                          <a:rPr lang="es-ES" sz="3200" i="1">
+                            <a:latin typeface="Cambria Math" panose="02040503050406030204" pitchFamily="18" charset="0"/>
+                            <a:ea typeface="Times New Roman" panose="02020603050405020304" pitchFamily="18" charset="0"/>
+                            <a:cs typeface="Arial" panose="020B0604020202020204" pitchFamily="34" charset="0"/>
+                          </a:rPr>
+                          <m:t>𝑖</m:t>
+                        </m:r>
+                        <m:r>
+                          <a:rPr lang="es-ES" sz="3200" i="1">
+                            <a:latin typeface="Cambria Math" panose="02040503050406030204" pitchFamily="18" charset="0"/>
+                            <a:ea typeface="Times New Roman" panose="02020603050405020304" pitchFamily="18" charset="0"/>
+                            <a:cs typeface="Arial" panose="020B0604020202020204" pitchFamily="34" charset="0"/>
+                          </a:rPr>
+                          <m:t>+1</m:t>
+                        </m:r>
+                      </m:sub>
+                      <m:sup>
+                        <m:r>
+                          <a:rPr lang="es-ES" sz="3200" i="1">
+                            <a:latin typeface="Cambria Math" panose="02040503050406030204" pitchFamily="18" charset="0"/>
+                            <a:ea typeface="Times New Roman" panose="02020603050405020304" pitchFamily="18" charset="0"/>
+                            <a:cs typeface="Arial" panose="020B0604020202020204" pitchFamily="34" charset="0"/>
+                          </a:rPr>
+                          <m:t>𝐶</m:t>
+                        </m:r>
+                      </m:sup>
+                      <m:e>
+                        <m:f>
+                          <m:fPr>
+                            <m:ctrlPr>
+                              <a:rPr lang="es-MX" sz="3200" i="1">
+                                <a:latin typeface="Cambria Math" panose="02040503050406030204" pitchFamily="18" charset="0"/>
+                                <a:cs typeface="Arial" panose="020B0604020202020204" pitchFamily="34" charset="0"/>
+                              </a:rPr>
+                            </m:ctrlPr>
+                          </m:fPr>
+                          <m:num>
+                            <m:sSub>
+                              <m:sSubPr>
+                                <m:ctrlPr>
+                                  <a:rPr lang="es-MX" sz="3200" i="1">
+                                    <a:latin typeface="Cambria Math" panose="02040503050406030204" pitchFamily="18" charset="0"/>
+                                    <a:cs typeface="Arial" panose="020B0604020202020204" pitchFamily="34" charset="0"/>
+                                  </a:rPr>
+                                </m:ctrlPr>
+                              </m:sSubPr>
+                              <m:e>
+                                <m:r>
+                                  <a:rPr lang="es-ES" sz="3200" i="1">
+                                    <a:latin typeface="Cambria Math" panose="02040503050406030204" pitchFamily="18" charset="0"/>
+                                    <a:ea typeface="Times New Roman" panose="02020603050405020304" pitchFamily="18" charset="0"/>
+                                    <a:cs typeface="Arial" panose="020B0604020202020204" pitchFamily="34" charset="0"/>
+                                  </a:rPr>
+                                  <m:t>𝜇</m:t>
+                                </m:r>
+                              </m:e>
+                              <m:sub>
+                                <m:r>
+                                  <a:rPr lang="es-ES" sz="3200" i="1">
+                                    <a:latin typeface="Cambria Math" panose="02040503050406030204" pitchFamily="18" charset="0"/>
+                                    <a:ea typeface="Times New Roman" panose="02020603050405020304" pitchFamily="18" charset="0"/>
+                                    <a:cs typeface="Arial" panose="020B0604020202020204" pitchFamily="34" charset="0"/>
+                                  </a:rPr>
+                                  <m:t>𝜔</m:t>
+                                </m:r>
+                              </m:sub>
+                            </m:sSub>
+                            <m:r>
+                              <a:rPr lang="es-ES" sz="3200" i="1">
+                                <a:latin typeface="Cambria Math" panose="02040503050406030204" pitchFamily="18" charset="0"/>
+                                <a:ea typeface="Times New Roman" panose="02020603050405020304" pitchFamily="18" charset="0"/>
+                                <a:cs typeface="Arial" panose="020B0604020202020204" pitchFamily="34" charset="0"/>
+                              </a:rPr>
+                              <m:t>∗</m:t>
+                            </m:r>
+                            <m:sSub>
+                              <m:sSubPr>
+                                <m:ctrlPr>
+                                  <a:rPr lang="es-MX" sz="3200" i="1">
+                                    <a:latin typeface="Cambria Math" panose="02040503050406030204" pitchFamily="18" charset="0"/>
+                                    <a:cs typeface="Arial" panose="020B0604020202020204" pitchFamily="34" charset="0"/>
+                                  </a:rPr>
+                                </m:ctrlPr>
+                              </m:sSubPr>
+                              <m:e>
+                                <m:r>
+                                  <a:rPr lang="es-ES" sz="3200" i="1">
+                                    <a:latin typeface="Cambria Math" panose="02040503050406030204" pitchFamily="18" charset="0"/>
+                                    <a:ea typeface="Times New Roman" panose="02020603050405020304" pitchFamily="18" charset="0"/>
+                                    <a:cs typeface="Arial" panose="020B0604020202020204" pitchFamily="34" charset="0"/>
+                                  </a:rPr>
+                                  <m:t>𝑋</m:t>
+                                </m:r>
+                              </m:e>
+                              <m:sub>
+                                <m:r>
+                                  <a:rPr lang="es-ES" sz="3200" i="1">
+                                    <a:latin typeface="Cambria Math" panose="02040503050406030204" pitchFamily="18" charset="0"/>
+                                    <a:ea typeface="Times New Roman" panose="02020603050405020304" pitchFamily="18" charset="0"/>
+                                    <a:cs typeface="Arial" panose="020B0604020202020204" pitchFamily="34" charset="0"/>
+                                  </a:rPr>
+                                  <m:t>𝑘</m:t>
+                                </m:r>
+                              </m:sub>
+                            </m:sSub>
+                            <m:r>
+                              <a:rPr lang="es-ES" sz="3200" i="1">
+                                <a:latin typeface="Cambria Math" panose="02040503050406030204" pitchFamily="18" charset="0"/>
+                                <a:ea typeface="Times New Roman" panose="02020603050405020304" pitchFamily="18" charset="0"/>
+                                <a:cs typeface="Arial" panose="020B0604020202020204" pitchFamily="34" charset="0"/>
+                              </a:rPr>
+                              <m:t>∗</m:t>
+                            </m:r>
+                            <m:sSub>
+                              <m:sSubPr>
+                                <m:ctrlPr>
+                                  <a:rPr lang="es-MX" sz="3200" i="1">
+                                    <a:latin typeface="Cambria Math" panose="02040503050406030204" pitchFamily="18" charset="0"/>
+                                    <a:cs typeface="Arial" panose="020B0604020202020204" pitchFamily="34" charset="0"/>
+                                  </a:rPr>
+                                </m:ctrlPr>
+                              </m:sSubPr>
+                              <m:e>
+                                <m:r>
+                                  <a:rPr lang="es-ES" sz="3200" i="1">
+                                    <a:latin typeface="Cambria Math" panose="02040503050406030204" pitchFamily="18" charset="0"/>
+                                    <a:ea typeface="Times New Roman" panose="02020603050405020304" pitchFamily="18" charset="0"/>
+                                    <a:cs typeface="Arial" panose="020B0604020202020204" pitchFamily="34" charset="0"/>
+                                  </a:rPr>
+                                  <m:t>𝑋</m:t>
+                                </m:r>
+                              </m:e>
+                              <m:sub>
+                                <m:r>
+                                  <a:rPr lang="es-ES" sz="3200" i="1">
+                                    <a:latin typeface="Cambria Math" panose="02040503050406030204" pitchFamily="18" charset="0"/>
+                                    <a:ea typeface="Times New Roman" panose="02020603050405020304" pitchFamily="18" charset="0"/>
+                                    <a:cs typeface="Arial" panose="020B0604020202020204" pitchFamily="34" charset="0"/>
+                                  </a:rPr>
+                                  <m:t>𝑖</m:t>
+                                </m:r>
+                              </m:sub>
+                            </m:sSub>
+                          </m:num>
+                          <m:den>
+                            <m:nary>
+                              <m:naryPr>
+                                <m:chr m:val="∑"/>
+                                <m:ctrlPr>
+                                  <a:rPr lang="es-MX" sz="3200" i="1">
+                                    <a:latin typeface="Cambria Math" panose="02040503050406030204" pitchFamily="18" charset="0"/>
+                                    <a:cs typeface="Arial" panose="020B0604020202020204" pitchFamily="34" charset="0"/>
+                                  </a:rPr>
+                                </m:ctrlPr>
+                              </m:naryPr>
+                              <m:sub>
+                                <m:r>
+                                  <a:rPr lang="es-ES" sz="3200" i="1">
+                                    <a:latin typeface="Cambria Math" panose="02040503050406030204" pitchFamily="18" charset="0"/>
+                                    <a:ea typeface="Times New Roman" panose="02020603050405020304" pitchFamily="18" charset="0"/>
+                                    <a:cs typeface="Arial" panose="020B0604020202020204" pitchFamily="34" charset="0"/>
+                                  </a:rPr>
+                                  <m:t>𝑗</m:t>
+                                </m:r>
+                                <m:r>
+                                  <a:rPr lang="es-ES" sz="3200" i="1">
+                                    <a:latin typeface="Cambria Math" panose="02040503050406030204" pitchFamily="18" charset="0"/>
+                                    <a:ea typeface="Times New Roman" panose="02020603050405020304" pitchFamily="18" charset="0"/>
+                                    <a:cs typeface="Arial" panose="020B0604020202020204" pitchFamily="34" charset="0"/>
+                                  </a:rPr>
+                                  <m:t>=0</m:t>
+                                </m:r>
+                              </m:sub>
+                              <m:sup>
+                                <m:r>
+                                  <a:rPr lang="es-ES" sz="3200" i="1">
+                                    <a:latin typeface="Cambria Math" panose="02040503050406030204" pitchFamily="18" charset="0"/>
+                                    <a:ea typeface="Times New Roman" panose="02020603050405020304" pitchFamily="18" charset="0"/>
+                                    <a:cs typeface="Arial" panose="020B0604020202020204" pitchFamily="34" charset="0"/>
+                                  </a:rPr>
+                                  <m:t>𝑘</m:t>
+                                </m:r>
+                                <m:r>
+                                  <a:rPr lang="es-ES" sz="3200" i="1">
+                                    <a:latin typeface="Cambria Math" panose="02040503050406030204" pitchFamily="18" charset="0"/>
+                                    <a:ea typeface="Times New Roman" panose="02020603050405020304" pitchFamily="18" charset="0"/>
+                                    <a:cs typeface="Arial" panose="020B0604020202020204" pitchFamily="34" charset="0"/>
+                                  </a:rPr>
+                                  <m:t>−1</m:t>
+                                </m:r>
+                              </m:sup>
+                              <m:e>
+                                <m:sSub>
+                                  <m:sSubPr>
+                                    <m:ctrlPr>
+                                      <a:rPr lang="es-MX" sz="3200" i="1">
+                                        <a:latin typeface="Cambria Math" panose="02040503050406030204" pitchFamily="18" charset="0"/>
+                                        <a:cs typeface="Arial" panose="020B0604020202020204" pitchFamily="34" charset="0"/>
+                                      </a:rPr>
+                                    </m:ctrlPr>
+                                  </m:sSubPr>
+                                  <m:e>
+                                    <m:r>
+                                      <a:rPr lang="es-ES" sz="3200" i="1">
+                                        <a:latin typeface="Cambria Math" panose="02040503050406030204" pitchFamily="18" charset="0"/>
+                                        <a:ea typeface="Times New Roman" panose="02020603050405020304" pitchFamily="18" charset="0"/>
+                                        <a:cs typeface="Arial" panose="020B0604020202020204" pitchFamily="34" charset="0"/>
+                                      </a:rPr>
+                                      <m:t>𝑋</m:t>
+                                    </m:r>
+                                  </m:e>
+                                  <m:sub>
+                                    <m:r>
+                                      <a:rPr lang="es-ES" sz="3200" i="1">
+                                        <a:latin typeface="Cambria Math" panose="02040503050406030204" pitchFamily="18" charset="0"/>
+                                        <a:ea typeface="Times New Roman" panose="02020603050405020304" pitchFamily="18" charset="0"/>
+                                        <a:cs typeface="Arial" panose="020B0604020202020204" pitchFamily="34" charset="0"/>
+                                      </a:rPr>
+                                      <m:t>𝑗</m:t>
+                                    </m:r>
+                                  </m:sub>
+                                </m:sSub>
+                              </m:e>
+                            </m:nary>
+                          </m:den>
+                        </m:f>
+                      </m:e>
+                    </m:nary>
+                  </m:oMath>
+                </a14:m>
+                <a:endParaRPr lang="es-MX" dirty="0"/>
+              </a:p>
+            </p:txBody>
+          </p:sp>
+        </mc:Choice>
+        <mc:Fallback>
+          <p:sp>
+            <p:nvSpPr>
+              <p:cNvPr id="5" name="CuadroTexto 4">
+                <a:extLst>
+                  <a:ext uri="{FF2B5EF4-FFF2-40B4-BE49-F238E27FC236}">
+                    <a16:creationId xmlns:a16="http://schemas.microsoft.com/office/drawing/2014/main" id="{3F20215E-6FBC-34B5-38CD-2B63C979E21D}"/>
+                  </a:ext>
+                </a:extLst>
+              </p:cNvPr>
+              <p:cNvSpPr txBox="1">
+                <a:spLocks noRot="1" noChangeAspect="1" noMove="1" noResize="1" noEditPoints="1" noAdjustHandles="1" noChangeArrowheads="1" noChangeShapeType="1" noTextEdit="1"/>
+              </p:cNvSpPr>
+              <p:nvPr/>
+            </p:nvSpPr>
+            <p:spPr>
+              <a:xfrm>
+                <a:off x="530604" y="4236997"/>
+                <a:ext cx="6094602" cy="952568"/>
+              </a:xfrm>
+              <a:prstGeom prst="rect">
+                <a:avLst/>
+              </a:prstGeom>
+              <a:blipFill>
+                <a:blip r:embed="rId3"/>
+                <a:stretch>
+                  <a:fillRect/>
+                </a:stretch>
+              </a:blipFill>
+            </p:spPr>
+            <p:txBody>
+              <a:bodyPr/>
+              <a:lstStyle/>
+              <a:p>
+                <a:r>
+                  <a:rPr lang="es-MX">
+                    <a:noFill/>
+                  </a:rPr>
+                  <a:t> </a:t>
+                </a:r>
+              </a:p>
+            </p:txBody>
+          </p:sp>
+        </mc:Fallback>
+      </mc:AlternateContent>
+      <mc:AlternateContent xmlns:mc="http://schemas.openxmlformats.org/markup-compatibility/2006">
+        <mc:Choice xmlns:a14="http://schemas.microsoft.com/office/drawing/2010/main" Requires="a14">
+          <p:sp>
+            <p:nvSpPr>
+              <p:cNvPr id="7" name="CuadroTexto 6">
+                <a:extLst>
+                  <a:ext uri="{FF2B5EF4-FFF2-40B4-BE49-F238E27FC236}">
+                    <a16:creationId xmlns:a16="http://schemas.microsoft.com/office/drawing/2014/main" id="{E9880E68-1632-3794-34C2-506F8EB94B8F}"/>
+                  </a:ext>
+                </a:extLst>
+              </p:cNvPr>
+              <p:cNvSpPr txBox="1"/>
+              <p:nvPr/>
+            </p:nvSpPr>
+            <p:spPr>
+              <a:xfrm>
+                <a:off x="6625206" y="4109493"/>
+                <a:ext cx="6094602" cy="1207575"/>
+              </a:xfrm>
+              <a:prstGeom prst="rect">
+                <a:avLst/>
+              </a:prstGeom>
+              <a:noFill/>
+            </p:spPr>
+            <p:txBody>
+              <a:bodyPr wrap="square">
+                <a:spAutoFit/>
+              </a:bodyPr>
+              <a:lstStyle/>
+              <a:p>
+                <a:pPr/>
+                <a14:m>
+                  <m:oMathPara xmlns:m="http://schemas.openxmlformats.org/officeDocument/2006/math">
+                    <m:oMathParaPr>
+                      <m:jc m:val="centerGroup"/>
+                    </m:oMathParaPr>
+                    <m:oMath xmlns:m="http://schemas.openxmlformats.org/officeDocument/2006/math">
+                      <m:sSubSup>
+                        <m:sSubSupPr>
+                          <m:ctrlPr>
+                            <a:rPr lang="es-MX" sz="3200" i="1" smtClean="0">
+                              <a:effectLst/>
+                              <a:latin typeface="Cambria Math" panose="02040503050406030204" pitchFamily="18" charset="0"/>
+                              <a:cs typeface="Arial" panose="020B0604020202020204" pitchFamily="34" charset="0"/>
+                            </a:rPr>
+                          </m:ctrlPr>
+                        </m:sSubSupPr>
+                        <m:e>
+                          <m:r>
+                            <a:rPr lang="es-ES" sz="3200" i="1">
+                              <a:effectLst/>
+                              <a:latin typeface="Cambria Math" panose="02040503050406030204" pitchFamily="18" charset="0"/>
+                              <a:ea typeface="Times New Roman" panose="02020603050405020304" pitchFamily="18" charset="0"/>
+                              <a:cs typeface="Arial" panose="020B0604020202020204" pitchFamily="34" charset="0"/>
+                            </a:rPr>
+                            <m:t>𝐵</m:t>
+                          </m:r>
+                        </m:e>
+                        <m:sub>
+                          <m:r>
+                            <a:rPr lang="es-MX" sz="3200" b="0" i="1" smtClean="0">
+                              <a:effectLst/>
+                              <a:latin typeface="Cambria Math" panose="02040503050406030204" pitchFamily="18" charset="0"/>
+                              <a:ea typeface="Times New Roman" panose="02020603050405020304" pitchFamily="18" charset="0"/>
+                              <a:cs typeface="Arial" panose="020B0604020202020204" pitchFamily="34" charset="0"/>
+                            </a:rPr>
+                            <m:t>𝑠𝑒𝑟𝑣</m:t>
+                          </m:r>
+                        </m:sub>
+                        <m:sup>
+                          <m:r>
+                            <a:rPr lang="es-ES" sz="3200" i="1">
+                              <a:effectLst/>
+                              <a:latin typeface="Cambria Math" panose="02040503050406030204" pitchFamily="18" charset="0"/>
+                              <a:ea typeface="Times New Roman" panose="02020603050405020304" pitchFamily="18" charset="0"/>
+                              <a:cs typeface="Arial" panose="020B0604020202020204" pitchFamily="34" charset="0"/>
+                            </a:rPr>
+                            <m:t>𝑖</m:t>
+                          </m:r>
+                        </m:sup>
+                      </m:sSubSup>
+                      <m:r>
+                        <a:rPr lang="es-MX" sz="3200" i="1">
+                          <a:effectLst/>
+                          <a:latin typeface="Cambria Math" panose="02040503050406030204" pitchFamily="18" charset="0"/>
+                          <a:ea typeface="Times New Roman" panose="02020603050405020304" pitchFamily="18" charset="0"/>
+                          <a:cs typeface="Arial" panose="020B0604020202020204" pitchFamily="34" charset="0"/>
+                        </a:rPr>
+                        <m:t>=</m:t>
+                      </m:r>
+                      <m:sSubSup>
+                        <m:sSubSupPr>
+                          <m:ctrlPr>
+                            <a:rPr lang="es-MX" sz="3200" i="1">
+                              <a:latin typeface="Cambria Math" panose="02040503050406030204" pitchFamily="18" charset="0"/>
+                              <a:cs typeface="Arial" panose="020B0604020202020204" pitchFamily="34" charset="0"/>
+                            </a:rPr>
+                          </m:ctrlPr>
+                        </m:sSubSupPr>
+                        <m:e>
+                          <m:r>
+                            <a:rPr lang="es-ES" sz="3200" i="1">
+                              <a:latin typeface="Cambria Math" panose="02040503050406030204" pitchFamily="18" charset="0"/>
+                              <a:ea typeface="Times New Roman" panose="02020603050405020304" pitchFamily="18" charset="0"/>
+                              <a:cs typeface="Arial" panose="020B0604020202020204" pitchFamily="34" charset="0"/>
+                            </a:rPr>
+                            <m:t>𝐵</m:t>
+                          </m:r>
+                        </m:e>
+                        <m:sub>
+                          <m:r>
+                            <a:rPr lang="es-ES" sz="3200" i="1">
+                              <a:latin typeface="Cambria Math" panose="02040503050406030204" pitchFamily="18" charset="0"/>
+                              <a:ea typeface="Times New Roman" panose="02020603050405020304" pitchFamily="18" charset="0"/>
+                              <a:cs typeface="Arial" panose="020B0604020202020204" pitchFamily="34" charset="0"/>
+                            </a:rPr>
+                            <m:t>𝑢</m:t>
+                          </m:r>
+                          <m:r>
+                            <a:rPr lang="es-ES" sz="3200" i="1">
+                              <a:latin typeface="Cambria Math" panose="02040503050406030204" pitchFamily="18" charset="0"/>
+                              <a:ea typeface="Times New Roman" panose="02020603050405020304" pitchFamily="18" charset="0"/>
+                              <a:cs typeface="Arial" panose="020B0604020202020204" pitchFamily="34" charset="0"/>
+                            </a:rPr>
+                            <m:t>,</m:t>
+                          </m:r>
+                          <m:r>
+                            <a:rPr lang="es-ES" sz="3200" i="1">
+                              <a:latin typeface="Cambria Math" panose="02040503050406030204" pitchFamily="18" charset="0"/>
+                              <a:ea typeface="Times New Roman" panose="02020603050405020304" pitchFamily="18" charset="0"/>
+                              <a:cs typeface="Arial" panose="020B0604020202020204" pitchFamily="34" charset="0"/>
+                            </a:rPr>
+                            <m:t>𝑠</m:t>
+                          </m:r>
+                        </m:sub>
+                        <m:sup>
+                          <m:r>
+                            <a:rPr lang="es-ES" sz="3200" i="1">
+                              <a:latin typeface="Cambria Math" panose="02040503050406030204" pitchFamily="18" charset="0"/>
+                              <a:ea typeface="Times New Roman" panose="02020603050405020304" pitchFamily="18" charset="0"/>
+                              <a:cs typeface="Arial" panose="020B0604020202020204" pitchFamily="34" charset="0"/>
+                            </a:rPr>
+                            <m:t>𝑖</m:t>
+                          </m:r>
+                        </m:sup>
+                      </m:sSubSup>
+                      <m:r>
+                        <a:rPr lang="es-ES" sz="3200" i="1">
+                          <a:latin typeface="Cambria Math" panose="02040503050406030204" pitchFamily="18" charset="0"/>
+                          <a:ea typeface="Times New Roman" panose="02020603050405020304" pitchFamily="18" charset="0"/>
+                          <a:cs typeface="Arial" panose="020B0604020202020204" pitchFamily="34" charset="0"/>
+                        </a:rPr>
+                        <m:t>=</m:t>
+                      </m:r>
+                      <m:f>
+                        <m:fPr>
+                          <m:ctrlPr>
+                            <a:rPr lang="es-MX" sz="3200" i="1">
+                              <a:latin typeface="Cambria Math" panose="02040503050406030204" pitchFamily="18" charset="0"/>
+                              <a:cs typeface="Arial" panose="020B0604020202020204" pitchFamily="34" charset="0"/>
+                            </a:rPr>
+                          </m:ctrlPr>
+                        </m:fPr>
+                        <m:num>
+                          <m:sSub>
+                            <m:sSubPr>
+                              <m:ctrlPr>
+                                <a:rPr lang="es-MX" sz="3200" i="1">
+                                  <a:latin typeface="Cambria Math" panose="02040503050406030204" pitchFamily="18" charset="0"/>
+                                  <a:cs typeface="Arial" panose="020B0604020202020204" pitchFamily="34" charset="0"/>
+                                </a:rPr>
+                              </m:ctrlPr>
+                            </m:sSubPr>
+                            <m:e>
+                              <m:r>
+                                <a:rPr lang="es-ES" sz="3200" i="1">
+                                  <a:latin typeface="Cambria Math" panose="02040503050406030204" pitchFamily="18" charset="0"/>
+                                  <a:ea typeface="Times New Roman" panose="02020603050405020304" pitchFamily="18" charset="0"/>
+                                  <a:cs typeface="Arial" panose="020B0604020202020204" pitchFamily="34" charset="0"/>
+                                </a:rPr>
+                                <m:t>𝜇</m:t>
+                              </m:r>
+                            </m:e>
+                            <m:sub>
+                              <m:r>
+                                <a:rPr lang="es-ES" sz="3200" i="1">
+                                  <a:latin typeface="Cambria Math" panose="02040503050406030204" pitchFamily="18" charset="0"/>
+                                  <a:ea typeface="Times New Roman" panose="02020603050405020304" pitchFamily="18" charset="0"/>
+                                  <a:cs typeface="Arial" panose="020B0604020202020204" pitchFamily="34" charset="0"/>
+                                </a:rPr>
+                                <m:t>𝑠</m:t>
+                              </m:r>
+                            </m:sub>
+                          </m:sSub>
+                          <m:r>
+                            <a:rPr lang="es-ES" sz="3200" i="1">
+                              <a:latin typeface="Cambria Math" panose="02040503050406030204" pitchFamily="18" charset="0"/>
+                              <a:ea typeface="Times New Roman" panose="02020603050405020304" pitchFamily="18" charset="0"/>
+                              <a:cs typeface="Arial" panose="020B0604020202020204" pitchFamily="34" charset="0"/>
+                            </a:rPr>
+                            <m:t>∗</m:t>
+                          </m:r>
+                          <m:sSub>
+                            <m:sSubPr>
+                              <m:ctrlPr>
+                                <a:rPr lang="es-MX" sz="3200" i="1">
+                                  <a:latin typeface="Cambria Math" panose="02040503050406030204" pitchFamily="18" charset="0"/>
+                                  <a:cs typeface="Arial" panose="020B0604020202020204" pitchFamily="34" charset="0"/>
+                                </a:rPr>
+                              </m:ctrlPr>
+                            </m:sSubPr>
+                            <m:e>
+                              <m:r>
+                                <a:rPr lang="es-ES" sz="3200" i="1">
+                                  <a:latin typeface="Cambria Math" panose="02040503050406030204" pitchFamily="18" charset="0"/>
+                                  <a:ea typeface="Times New Roman" panose="02020603050405020304" pitchFamily="18" charset="0"/>
+                                  <a:cs typeface="Arial" panose="020B0604020202020204" pitchFamily="34" charset="0"/>
+                                </a:rPr>
+                                <m:t>𝑋</m:t>
+                              </m:r>
+                            </m:e>
+                            <m:sub>
+                              <m:r>
+                                <a:rPr lang="es-ES" sz="3200" i="1">
+                                  <a:latin typeface="Cambria Math" panose="02040503050406030204" pitchFamily="18" charset="0"/>
+                                  <a:ea typeface="Times New Roman" panose="02020603050405020304" pitchFamily="18" charset="0"/>
+                                  <a:cs typeface="Arial" panose="020B0604020202020204" pitchFamily="34" charset="0"/>
+                                </a:rPr>
+                                <m:t>𝑖</m:t>
+                              </m:r>
+                            </m:sub>
+                          </m:sSub>
+                        </m:num>
+                        <m:den>
+                          <m:nary>
+                            <m:naryPr>
+                              <m:chr m:val="∑"/>
+                              <m:ctrlPr>
+                                <a:rPr lang="es-MX" sz="3200" i="1">
+                                  <a:latin typeface="Cambria Math" panose="02040503050406030204" pitchFamily="18" charset="0"/>
+                                  <a:cs typeface="Arial" panose="020B0604020202020204" pitchFamily="34" charset="0"/>
+                                </a:rPr>
+                              </m:ctrlPr>
+                            </m:naryPr>
+                            <m:sub>
+                              <m:r>
+                                <a:rPr lang="es-ES" sz="3200" i="1">
+                                  <a:latin typeface="Cambria Math" panose="02040503050406030204" pitchFamily="18" charset="0"/>
+                                  <a:ea typeface="Times New Roman" panose="02020603050405020304" pitchFamily="18" charset="0"/>
+                                  <a:cs typeface="Arial" panose="020B0604020202020204" pitchFamily="34" charset="0"/>
+                                </a:rPr>
+                                <m:t>𝑗</m:t>
+                              </m:r>
+                              <m:r>
+                                <a:rPr lang="es-ES" sz="3200" i="1">
+                                  <a:latin typeface="Cambria Math" panose="02040503050406030204" pitchFamily="18" charset="0"/>
+                                  <a:ea typeface="Times New Roman" panose="02020603050405020304" pitchFamily="18" charset="0"/>
+                                  <a:cs typeface="Arial" panose="020B0604020202020204" pitchFamily="34" charset="0"/>
+                                </a:rPr>
+                                <m:t>=0</m:t>
+                              </m:r>
+                            </m:sub>
+                            <m:sup>
+                              <m:r>
+                                <a:rPr lang="es-ES" sz="3200" i="1">
+                                  <a:latin typeface="Cambria Math" panose="02040503050406030204" pitchFamily="18" charset="0"/>
+                                  <a:ea typeface="Times New Roman" panose="02020603050405020304" pitchFamily="18" charset="0"/>
+                                  <a:cs typeface="Arial" panose="020B0604020202020204" pitchFamily="34" charset="0"/>
+                                </a:rPr>
+                                <m:t>𝐶</m:t>
+                              </m:r>
+                              <m:r>
+                                <a:rPr lang="es-ES" sz="3200" i="1">
+                                  <a:latin typeface="Cambria Math" panose="02040503050406030204" pitchFamily="18" charset="0"/>
+                                  <a:ea typeface="Times New Roman" panose="02020603050405020304" pitchFamily="18" charset="0"/>
+                                  <a:cs typeface="Arial" panose="020B0604020202020204" pitchFamily="34" charset="0"/>
+                                </a:rPr>
+                                <m:t>−1</m:t>
+                              </m:r>
+                            </m:sup>
+                            <m:e>
+                              <m:sSub>
+                                <m:sSubPr>
+                                  <m:ctrlPr>
+                                    <a:rPr lang="es-MX" sz="3200" i="1">
+                                      <a:latin typeface="Cambria Math" panose="02040503050406030204" pitchFamily="18" charset="0"/>
+                                      <a:cs typeface="Arial" panose="020B0604020202020204" pitchFamily="34" charset="0"/>
+                                    </a:rPr>
+                                  </m:ctrlPr>
+                                </m:sSubPr>
+                                <m:e>
+                                  <m:r>
+                                    <a:rPr lang="es-ES" sz="3200" i="1">
+                                      <a:latin typeface="Cambria Math" panose="02040503050406030204" pitchFamily="18" charset="0"/>
+                                      <a:ea typeface="Times New Roman" panose="02020603050405020304" pitchFamily="18" charset="0"/>
+                                      <a:cs typeface="Arial" panose="020B0604020202020204" pitchFamily="34" charset="0"/>
+                                    </a:rPr>
+                                    <m:t>𝑋</m:t>
+                                  </m:r>
+                                </m:e>
+                                <m:sub>
+                                  <m:r>
+                                    <a:rPr lang="es-ES" sz="3200" i="1">
+                                      <a:latin typeface="Cambria Math" panose="02040503050406030204" pitchFamily="18" charset="0"/>
+                                      <a:ea typeface="Times New Roman" panose="02020603050405020304" pitchFamily="18" charset="0"/>
+                                      <a:cs typeface="Arial" panose="020B0604020202020204" pitchFamily="34" charset="0"/>
+                                    </a:rPr>
+                                    <m:t>𝑗</m:t>
+                                  </m:r>
+                                </m:sub>
+                              </m:sSub>
+                            </m:e>
+                          </m:nary>
+                        </m:den>
+                      </m:f>
+                    </m:oMath>
+                  </m:oMathPara>
+                </a14:m>
+                <a:endParaRPr lang="es-MX" dirty="0"/>
+              </a:p>
+            </p:txBody>
+          </p:sp>
+        </mc:Choice>
+        <mc:Fallback>
+          <p:sp>
+            <p:nvSpPr>
+              <p:cNvPr id="7" name="CuadroTexto 6">
+                <a:extLst>
+                  <a:ext uri="{FF2B5EF4-FFF2-40B4-BE49-F238E27FC236}">
+                    <a16:creationId xmlns:a16="http://schemas.microsoft.com/office/drawing/2014/main" id="{E9880E68-1632-3794-34C2-506F8EB94B8F}"/>
+                  </a:ext>
+                </a:extLst>
+              </p:cNvPr>
+              <p:cNvSpPr txBox="1">
+                <a:spLocks noRot="1" noChangeAspect="1" noMove="1" noResize="1" noEditPoints="1" noAdjustHandles="1" noChangeArrowheads="1" noChangeShapeType="1" noTextEdit="1"/>
+              </p:cNvSpPr>
+              <p:nvPr/>
+            </p:nvSpPr>
+            <p:spPr>
+              <a:xfrm>
+                <a:off x="6625206" y="4109493"/>
+                <a:ext cx="6094602" cy="1207575"/>
+              </a:xfrm>
+              <a:prstGeom prst="rect">
+                <a:avLst/>
+              </a:prstGeom>
+              <a:blipFill>
+                <a:blip r:embed="rId4"/>
+                <a:stretch>
+                  <a:fillRect/>
+                </a:stretch>
+              </a:blipFill>
+            </p:spPr>
+            <p:txBody>
+              <a:bodyPr/>
+              <a:lstStyle/>
+              <a:p>
+                <a:r>
+                  <a:rPr lang="es-MX">
+                    <a:noFill/>
+                  </a:rPr>
+                  <a:t> </a:t>
+                </a:r>
+              </a:p>
+            </p:txBody>
+          </p:sp>
+        </mc:Fallback>
+      </mc:AlternateContent>
+    </p:spTree>
+    <p:extLst>
+      <p:ext uri="{BB962C8B-B14F-4D97-AF65-F5344CB8AC3E}">
+        <p14:creationId xmlns:p14="http://schemas.microsoft.com/office/powerpoint/2010/main" val="3856119735"/>
       </p:ext>
     </p:extLst>
   </p:cSld>

--- a/2023-2/Reportes/ReporteFinal/PresentacionPrototipo.pptx
+++ b/2023-2/Reportes/ReporteFinal/PresentacionPrototipo.pptx
@@ -133,7 +133,7 @@
 <file path=ppt/revisionInfo.xml><?xml version="1.0" encoding="utf-8"?>
 <p1510:revInfo xmlns:a="http://schemas.openxmlformats.org/drawingml/2006/main" xmlns:r="http://schemas.openxmlformats.org/officeDocument/2006/relationships" xmlns:p1510="http://schemas.microsoft.com/office/powerpoint/2015/10/main">
   <p1510:revLst>
-    <p1510:client id="{581F3EEA-0CB5-4A9D-B767-6BC2F3BFF2D7}" v="53" dt="2023-06-07T22:02:24.359"/>
+    <p1510:client id="{581F3EEA-0CB5-4A9D-B767-6BC2F3BFF2D7}" v="56" dt="2023-06-07T22:04:25.739"/>
   </p1510:revLst>
 </p1510:revInfo>
 </file>
@@ -143,7 +143,7 @@
   <pc:docChgLst>
     <pc:chgData name="Krlos ortiz" userId="8388c084c324a5d7" providerId="LiveId" clId="{581F3EEA-0CB5-4A9D-B767-6BC2F3BFF2D7}"/>
     <pc:docChg chg="custSel addSld delSld modSld">
-      <pc:chgData name="Krlos ortiz" userId="8388c084c324a5d7" providerId="LiveId" clId="{581F3EEA-0CB5-4A9D-B767-6BC2F3BFF2D7}" dt="2023-06-07T22:02:24.359" v="1111" actId="20577"/>
+      <pc:chgData name="Krlos ortiz" userId="8388c084c324a5d7" providerId="LiveId" clId="{581F3EEA-0CB5-4A9D-B767-6BC2F3BFF2D7}" dt="2023-06-07T22:04:26.462" v="1116" actId="962"/>
       <pc:docMkLst>
         <pc:docMk/>
       </pc:docMkLst>
@@ -310,8 +310,8 @@
           </ac:spMkLst>
         </pc:spChg>
       </pc:sldChg>
-      <pc:sldChg chg="addSp modSp new mod">
-        <pc:chgData name="Krlos ortiz" userId="8388c084c324a5d7" providerId="LiveId" clId="{581F3EEA-0CB5-4A9D-B767-6BC2F3BFF2D7}" dt="2023-06-07T01:42:47.225" v="768" actId="122"/>
+      <pc:sldChg chg="addSp delSp modSp new mod">
+        <pc:chgData name="Krlos ortiz" userId="8388c084c324a5d7" providerId="LiveId" clId="{581F3EEA-0CB5-4A9D-B767-6BC2F3BFF2D7}" dt="2023-06-07T22:04:26.462" v="1116" actId="962"/>
         <pc:sldMkLst>
           <pc:docMk/>
           <pc:sldMk cId="2969830961" sldId="261"/>
@@ -324,52 +324,68 @@
             <ac:spMk id="2" creationId="{0D7154DD-0786-066B-0D28-26791A0A5D98}"/>
           </ac:spMkLst>
         </pc:spChg>
-        <pc:spChg chg="add mod">
-          <ac:chgData name="Krlos ortiz" userId="8388c084c324a5d7" providerId="LiveId" clId="{581F3EEA-0CB5-4A9D-B767-6BC2F3BFF2D7}" dt="2023-06-07T01:42:27.146" v="694" actId="1076"/>
+        <pc:spChg chg="del">
+          <ac:chgData name="Krlos ortiz" userId="8388c084c324a5d7" providerId="LiveId" clId="{581F3EEA-0CB5-4A9D-B767-6BC2F3BFF2D7}" dt="2023-06-07T22:04:25.739" v="1114" actId="931"/>
+          <ac:spMkLst>
+            <pc:docMk/>
+            <pc:sldMk cId="2969830961" sldId="261"/>
+            <ac:spMk id="3" creationId="{F71E97B8-C28F-4CFD-E306-FFA1831B1EC3}"/>
+          </ac:spMkLst>
+        </pc:spChg>
+        <pc:spChg chg="add del mod">
+          <ac:chgData name="Krlos ortiz" userId="8388c084c324a5d7" providerId="LiveId" clId="{581F3EEA-0CB5-4A9D-B767-6BC2F3BFF2D7}" dt="2023-06-07T22:04:05.237" v="1112" actId="478"/>
           <ac:spMkLst>
             <pc:docMk/>
             <pc:sldMk cId="2969830961" sldId="261"/>
             <ac:spMk id="5" creationId="{3134115D-F9D0-B6BA-5A4E-B63A46E2E7AC}"/>
           </ac:spMkLst>
         </pc:spChg>
-        <pc:spChg chg="add mod">
-          <ac:chgData name="Krlos ortiz" userId="8388c084c324a5d7" providerId="LiveId" clId="{581F3EEA-0CB5-4A9D-B767-6BC2F3BFF2D7}" dt="2023-06-07T01:42:27.146" v="694" actId="1076"/>
+        <pc:spChg chg="add del mod">
+          <ac:chgData name="Krlos ortiz" userId="8388c084c324a5d7" providerId="LiveId" clId="{581F3EEA-0CB5-4A9D-B767-6BC2F3BFF2D7}" dt="2023-06-07T22:04:12.768" v="1113" actId="478"/>
           <ac:spMkLst>
             <pc:docMk/>
             <pc:sldMk cId="2969830961" sldId="261"/>
             <ac:spMk id="6" creationId="{4C4A764C-2FDF-8B72-4A21-9B981CAA881E}"/>
           </ac:spMkLst>
         </pc:spChg>
-        <pc:spChg chg="add mod">
-          <ac:chgData name="Krlos ortiz" userId="8388c084c324a5d7" providerId="LiveId" clId="{581F3EEA-0CB5-4A9D-B767-6BC2F3BFF2D7}" dt="2023-06-07T01:42:27.146" v="694" actId="1076"/>
+        <pc:spChg chg="add del mod">
+          <ac:chgData name="Krlos ortiz" userId="8388c084c324a5d7" providerId="LiveId" clId="{581F3EEA-0CB5-4A9D-B767-6BC2F3BFF2D7}" dt="2023-06-07T22:04:12.768" v="1113" actId="478"/>
           <ac:spMkLst>
             <pc:docMk/>
             <pc:sldMk cId="2969830961" sldId="261"/>
             <ac:spMk id="7" creationId="{C4A7E1B5-9CB3-6F2E-933F-BE0B523DD13B}"/>
           </ac:spMkLst>
         </pc:spChg>
-        <pc:spChg chg="add mod">
-          <ac:chgData name="Krlos ortiz" userId="8388c084c324a5d7" providerId="LiveId" clId="{581F3EEA-0CB5-4A9D-B767-6BC2F3BFF2D7}" dt="2023-06-07T01:42:27.146" v="694" actId="1076"/>
+        <pc:spChg chg="add del mod">
+          <ac:chgData name="Krlos ortiz" userId="8388c084c324a5d7" providerId="LiveId" clId="{581F3EEA-0CB5-4A9D-B767-6BC2F3BFF2D7}" dt="2023-06-07T22:04:12.768" v="1113" actId="478"/>
           <ac:spMkLst>
             <pc:docMk/>
             <pc:sldMk cId="2969830961" sldId="261"/>
             <ac:spMk id="8" creationId="{B6CB7B63-15E8-A7EA-1322-68180C558D15}"/>
           </ac:spMkLst>
         </pc:spChg>
-        <pc:spChg chg="add mod">
-          <ac:chgData name="Krlos ortiz" userId="8388c084c324a5d7" providerId="LiveId" clId="{581F3EEA-0CB5-4A9D-B767-6BC2F3BFF2D7}" dt="2023-06-07T01:42:27.146" v="694" actId="1076"/>
+        <pc:spChg chg="add del mod">
+          <ac:chgData name="Krlos ortiz" userId="8388c084c324a5d7" providerId="LiveId" clId="{581F3EEA-0CB5-4A9D-B767-6BC2F3BFF2D7}" dt="2023-06-07T22:04:12.768" v="1113" actId="478"/>
           <ac:spMkLst>
             <pc:docMk/>
             <pc:sldMk cId="2969830961" sldId="261"/>
             <ac:spMk id="9" creationId="{CC4693BD-F608-2BD9-6B5F-A2CF78BA9D71}"/>
           </ac:spMkLst>
         </pc:spChg>
-        <pc:picChg chg="add mod">
-          <ac:chgData name="Krlos ortiz" userId="8388c084c324a5d7" providerId="LiveId" clId="{581F3EEA-0CB5-4A9D-B767-6BC2F3BFF2D7}" dt="2023-06-07T01:42:27.146" v="694" actId="1076"/>
+        <pc:picChg chg="add del mod">
+          <ac:chgData name="Krlos ortiz" userId="8388c084c324a5d7" providerId="LiveId" clId="{581F3EEA-0CB5-4A9D-B767-6BC2F3BFF2D7}" dt="2023-06-07T22:04:12.768" v="1113" actId="478"/>
           <ac:picMkLst>
             <pc:docMk/>
             <pc:sldMk cId="2969830961" sldId="261"/>
             <ac:picMk id="4" creationId="{B6DC8511-0BFC-3E58-9B68-C06C6CA8156A}"/>
+          </ac:picMkLst>
+        </pc:picChg>
+        <pc:picChg chg="add mod">
+          <ac:chgData name="Krlos ortiz" userId="8388c084c324a5d7" providerId="LiveId" clId="{581F3EEA-0CB5-4A9D-B767-6BC2F3BFF2D7}" dt="2023-06-07T22:04:26.462" v="1116" actId="962"/>
+          <ac:picMkLst>
+            <pc:docMk/>
+            <pc:sldMk cId="2969830961" sldId="261"/>
+            <ac:picMk id="11" creationId="{BE46CBE0-FCAF-570F-9B77-21DD1D2F4AB8}"/>
           </ac:picMkLst>
         </pc:picChg>
       </pc:sldChg>
@@ -7311,44 +7327,21 @@
           </a:p>
         </p:txBody>
       </p:sp>
-      <p:sp>
-        <p:nvSpPr>
-          <p:cNvPr id="3" name="Marcador de contenido 2">
+      <p:pic>
+        <p:nvPicPr>
+          <p:cNvPr id="11" name="Marcador de contenido 10" descr="Diagrama&#10;&#10;Descripción generada automáticamente">
             <a:extLst>
               <a:ext uri="{FF2B5EF4-FFF2-40B4-BE49-F238E27FC236}">
-                <a16:creationId xmlns:a16="http://schemas.microsoft.com/office/drawing/2014/main" id="{F71E97B8-C28F-4CFD-E306-FFA1831B1EC3}"/>
-              </a:ext>
-            </a:extLst>
-          </p:cNvPr>
-          <p:cNvSpPr>
-            <a:spLocks noGrp="1"/>
-          </p:cNvSpPr>
-          <p:nvPr>
-            <p:ph idx="1"/>
-          </p:nvPr>
-        </p:nvSpPr>
-        <p:spPr/>
-        <p:txBody>
-          <a:bodyPr/>
-          <a:lstStyle/>
-          <a:p>
-            <a:endParaRPr lang="es-MX"/>
-          </a:p>
-        </p:txBody>
-      </p:sp>
-      <p:pic>
-        <p:nvPicPr>
-          <p:cNvPr id="4" name="Imagen 52" descr="Diagrama&#10;&#10;Descripción generada automáticamente">
-            <a:extLst>
-              <a:ext uri="{FF2B5EF4-FFF2-40B4-BE49-F238E27FC236}">
-                <a16:creationId xmlns:a16="http://schemas.microsoft.com/office/drawing/2014/main" id="{B6DC8511-0BFC-3E58-9B68-C06C6CA8156A}"/>
+                <a16:creationId xmlns:a16="http://schemas.microsoft.com/office/drawing/2014/main" id="{BE46CBE0-FCAF-570F-9B77-21DD1D2F4AB8}"/>
               </a:ext>
             </a:extLst>
           </p:cNvPr>
           <p:cNvPicPr>
-            <a:picLocks noChangeAspect="1" noChangeArrowheads="1"/>
+            <a:picLocks noGrp="1" noChangeAspect="1"/>
           </p:cNvPicPr>
-          <p:nvPr/>
+          <p:nvPr>
+            <p:ph idx="1"/>
+          </p:nvPr>
         </p:nvPicPr>
         <p:blipFill>
           <a:blip r:embed="rId2">
@@ -7358,496 +7351,17 @@
               </a:ext>
             </a:extLst>
           </a:blip>
-          <a:srcRect/>
           <a:stretch>
             <a:fillRect/>
           </a:stretch>
         </p:blipFill>
-        <p:spPr bwMode="auto">
+        <p:spPr>
           <a:xfrm>
-            <a:off x="3179356" y="2145906"/>
-            <a:ext cx="5400675" cy="3794125"/>
+            <a:off x="3495675" y="1962944"/>
+            <a:ext cx="5200650" cy="4076700"/>
           </a:xfrm>
-          <a:prstGeom prst="rect">
-            <a:avLst/>
-          </a:prstGeom>
-          <a:noFill/>
-          <a:extLst>
-            <a:ext uri="{909E8E84-426E-40DD-AFC4-6F175D3DCCD1}">
-              <a14:hiddenFill xmlns:a14="http://schemas.microsoft.com/office/drawing/2010/main">
-                <a:solidFill>
-                  <a:srgbClr val="FFFFFF"/>
-                </a:solidFill>
-              </a14:hiddenFill>
-            </a:ext>
-          </a:extLst>
         </p:spPr>
       </p:pic>
-      <p:sp>
-        <p:nvSpPr>
-          <p:cNvPr id="5" name="Cuadro de texto 2">
-            <a:extLst>
-              <a:ext uri="{FF2B5EF4-FFF2-40B4-BE49-F238E27FC236}">
-                <a16:creationId xmlns:a16="http://schemas.microsoft.com/office/drawing/2014/main" id="{3134115D-F9D0-B6BA-5A4E-B63A46E2E7AC}"/>
-              </a:ext>
-            </a:extLst>
-          </p:cNvPr>
-          <p:cNvSpPr txBox="1">
-            <a:spLocks noChangeArrowheads="1"/>
-          </p:cNvSpPr>
-          <p:nvPr/>
-        </p:nvSpPr>
-        <p:spPr bwMode="auto">
-          <a:xfrm>
-            <a:off x="5046941" y="2021943"/>
-            <a:ext cx="1200150" cy="673100"/>
-          </a:xfrm>
-          <a:prstGeom prst="rect">
-            <a:avLst/>
-          </a:prstGeom>
-          <a:noFill/>
-          <a:ln w="9525">
-            <a:solidFill>
-              <a:srgbClr val="7030A0"/>
-            </a:solidFill>
-            <a:miter lim="800000"/>
-            <a:headEnd/>
-            <a:tailEnd/>
-          </a:ln>
-          <a:extLst>
-            <a:ext uri="{909E8E84-426E-40DD-AFC4-6F175D3DCCD1}">
-              <a14:hiddenFill xmlns:a14="http://schemas.microsoft.com/office/drawing/2010/main">
-                <a:solidFill>
-                  <a:srgbClr val="FFFFFF"/>
-                </a:solidFill>
-              </a14:hiddenFill>
-            </a:ext>
-          </a:extLst>
-        </p:spPr>
-        <p:txBody>
-          <a:bodyPr vert="horz" wrap="square" lIns="91440" tIns="45720" rIns="91440" bIns="45720" numCol="1" anchor="t" anchorCtr="0" compatLnSpc="1">
-            <a:prstTxWarp prst="textNoShape">
-              <a:avLst/>
-            </a:prstTxWarp>
-          </a:bodyPr>
-          <a:lstStyle/>
-          <a:p>
-            <a:pPr marL="0" marR="0" lvl="0" indent="0" algn="l" defTabSz="914400" rtl="0" eaLnBrk="0" fontAlgn="base" latinLnBrk="0" hangingPunct="0">
-              <a:lnSpc>
-                <a:spcPct val="100000"/>
-              </a:lnSpc>
-              <a:spcBef>
-                <a:spcPct val="0"/>
-              </a:spcBef>
-              <a:spcAft>
-                <a:spcPct val="0"/>
-              </a:spcAft>
-              <a:buClrTx/>
-              <a:buSzTx/>
-              <a:buFontTx/>
-              <a:buNone/>
-              <a:tabLst/>
-            </a:pPr>
-            <a:r>
-              <a:rPr kumimoji="0" lang="es-MX" altLang="es-MX" sz="1100" b="0" i="0" u="none" strike="noStrike" cap="none" normalizeH="0" baseline="0">
-                <a:ln>
-                  <a:noFill/>
-                </a:ln>
-                <a:solidFill>
-                  <a:schemeClr val="tx1"/>
-                </a:solidFill>
-                <a:effectLst/>
-                <a:latin typeface="Calibri" panose="020F0502020204030204" pitchFamily="34" charset="0"/>
-                <a:ea typeface="Times New Roman" panose="02020603050405020304" pitchFamily="18" charset="0"/>
-                <a:cs typeface="Times New Roman" panose="02020603050405020304" pitchFamily="18" charset="0"/>
-              </a:rPr>
-              <a:t>Sección A</a:t>
-            </a:r>
-            <a:endParaRPr kumimoji="0" lang="es-MX" altLang="es-MX" sz="1800" b="0" i="0" u="none" strike="noStrike" cap="none" normalizeH="0" baseline="0">
-              <a:ln>
-                <a:noFill/>
-              </a:ln>
-              <a:solidFill>
-                <a:schemeClr val="tx1"/>
-              </a:solidFill>
-              <a:effectLst/>
-              <a:latin typeface="Arial" panose="020B0604020202020204" pitchFamily="34" charset="0"/>
-            </a:endParaRPr>
-          </a:p>
-        </p:txBody>
-      </p:sp>
-      <p:sp>
-        <p:nvSpPr>
-          <p:cNvPr id="6" name="Text Box 1">
-            <a:extLst>
-              <a:ext uri="{FF2B5EF4-FFF2-40B4-BE49-F238E27FC236}">
-                <a16:creationId xmlns:a16="http://schemas.microsoft.com/office/drawing/2014/main" id="{4C4A764C-2FDF-8B72-4A21-9B981CAA881E}"/>
-              </a:ext>
-            </a:extLst>
-          </p:cNvPr>
-          <p:cNvSpPr txBox="1">
-            <a:spLocks noChangeArrowheads="1"/>
-          </p:cNvSpPr>
-          <p:nvPr/>
-        </p:nvSpPr>
-        <p:spPr bwMode="auto">
-          <a:xfrm>
-            <a:off x="6415219" y="1912268"/>
-            <a:ext cx="2241550" cy="1524000"/>
-          </a:xfrm>
-          <a:prstGeom prst="rect">
-            <a:avLst/>
-          </a:prstGeom>
-          <a:noFill/>
-          <a:ln w="9525">
-            <a:solidFill>
-              <a:srgbClr val="7030A0"/>
-            </a:solidFill>
-            <a:miter lim="800000"/>
-            <a:headEnd/>
-            <a:tailEnd/>
-          </a:ln>
-          <a:extLst>
-            <a:ext uri="{909E8E84-426E-40DD-AFC4-6F175D3DCCD1}">
-              <a14:hiddenFill xmlns:a14="http://schemas.microsoft.com/office/drawing/2010/main">
-                <a:solidFill>
-                  <a:srgbClr val="FFFFFF"/>
-                </a:solidFill>
-              </a14:hiddenFill>
-            </a:ext>
-          </a:extLst>
-        </p:spPr>
-        <p:txBody>
-          <a:bodyPr vert="horz" wrap="square" lIns="91440" tIns="45720" rIns="91440" bIns="45720" numCol="1" anchor="t" anchorCtr="0" compatLnSpc="1">
-            <a:prstTxWarp prst="textNoShape">
-              <a:avLst/>
-            </a:prstTxWarp>
-          </a:bodyPr>
-          <a:lstStyle/>
-          <a:p>
-            <a:pPr marL="0" marR="0" lvl="0" indent="0" algn="l" defTabSz="914400" rtl="0" eaLnBrk="0" fontAlgn="base" latinLnBrk="0" hangingPunct="0">
-              <a:lnSpc>
-                <a:spcPct val="100000"/>
-              </a:lnSpc>
-              <a:spcBef>
-                <a:spcPct val="0"/>
-              </a:spcBef>
-              <a:spcAft>
-                <a:spcPct val="0"/>
-              </a:spcAft>
-              <a:buClrTx/>
-              <a:buSzTx/>
-              <a:buFontTx/>
-              <a:buNone/>
-              <a:tabLst/>
-            </a:pPr>
-            <a:r>
-              <a:rPr kumimoji="0" lang="es-MX" altLang="es-MX" sz="1100" b="0" i="0" u="none" strike="noStrike" cap="none" normalizeH="0" baseline="0">
-                <a:ln>
-                  <a:noFill/>
-                </a:ln>
-                <a:solidFill>
-                  <a:schemeClr val="tx1"/>
-                </a:solidFill>
-                <a:effectLst/>
-                <a:latin typeface="Calibri" panose="020F0502020204030204" pitchFamily="34" charset="0"/>
-                <a:ea typeface="Times New Roman" panose="02020603050405020304" pitchFamily="18" charset="0"/>
-                <a:cs typeface="Times New Roman" panose="02020603050405020304" pitchFamily="18" charset="0"/>
-              </a:rPr>
-              <a:t>Sección B</a:t>
-            </a:r>
-            <a:endParaRPr kumimoji="0" lang="es-MX" altLang="es-MX" sz="1800" b="0" i="0" u="none" strike="noStrike" cap="none" normalizeH="0" baseline="0">
-              <a:ln>
-                <a:noFill/>
-              </a:ln>
-              <a:solidFill>
-                <a:schemeClr val="tx1"/>
-              </a:solidFill>
-              <a:effectLst/>
-              <a:latin typeface="Arial" panose="020B0604020202020204" pitchFamily="34" charset="0"/>
-            </a:endParaRPr>
-          </a:p>
-        </p:txBody>
-      </p:sp>
-      <p:sp>
-        <p:nvSpPr>
-          <p:cNvPr id="7" name="Text Box 2">
-            <a:extLst>
-              <a:ext uri="{FF2B5EF4-FFF2-40B4-BE49-F238E27FC236}">
-                <a16:creationId xmlns:a16="http://schemas.microsoft.com/office/drawing/2014/main" id="{C4A7E1B5-9CB3-6F2E-933F-BE0B523DD13B}"/>
-              </a:ext>
-            </a:extLst>
-          </p:cNvPr>
-          <p:cNvSpPr txBox="1">
-            <a:spLocks noChangeArrowheads="1"/>
-          </p:cNvSpPr>
-          <p:nvPr/>
-        </p:nvSpPr>
-        <p:spPr bwMode="auto">
-          <a:xfrm>
-            <a:off x="3102618" y="2826151"/>
-            <a:ext cx="1651000" cy="901700"/>
-          </a:xfrm>
-          <a:prstGeom prst="rect">
-            <a:avLst/>
-          </a:prstGeom>
-          <a:noFill/>
-          <a:ln w="9525">
-            <a:solidFill>
-              <a:srgbClr val="7030A0"/>
-            </a:solidFill>
-            <a:miter lim="800000"/>
-            <a:headEnd/>
-            <a:tailEnd/>
-          </a:ln>
-          <a:extLst>
-            <a:ext uri="{909E8E84-426E-40DD-AFC4-6F175D3DCCD1}">
-              <a14:hiddenFill xmlns:a14="http://schemas.microsoft.com/office/drawing/2010/main">
-                <a:solidFill>
-                  <a:srgbClr val="FFFFFF"/>
-                </a:solidFill>
-              </a14:hiddenFill>
-            </a:ext>
-          </a:extLst>
-        </p:spPr>
-        <p:txBody>
-          <a:bodyPr vert="horz" wrap="square" lIns="91440" tIns="45720" rIns="91440" bIns="45720" numCol="1" anchor="t" anchorCtr="0" compatLnSpc="1">
-            <a:prstTxWarp prst="textNoShape">
-              <a:avLst/>
-            </a:prstTxWarp>
-          </a:bodyPr>
-          <a:lstStyle/>
-          <a:p>
-            <a:pPr marL="0" marR="0" lvl="0" indent="0" algn="l" defTabSz="914400" rtl="0" eaLnBrk="0" fontAlgn="base" latinLnBrk="0" hangingPunct="0">
-              <a:lnSpc>
-                <a:spcPct val="100000"/>
-              </a:lnSpc>
-              <a:spcBef>
-                <a:spcPct val="0"/>
-              </a:spcBef>
-              <a:spcAft>
-                <a:spcPct val="0"/>
-              </a:spcAft>
-              <a:buClrTx/>
-              <a:buSzTx/>
-              <a:buFontTx/>
-              <a:buNone/>
-              <a:tabLst/>
-            </a:pPr>
-            <a:r>
-              <a:rPr kumimoji="0" lang="es-MX" altLang="es-MX" sz="1100" b="0" i="0" u="none" strike="noStrike" cap="none" normalizeH="0" baseline="0">
-                <a:ln>
-                  <a:noFill/>
-                </a:ln>
-                <a:solidFill>
-                  <a:schemeClr val="tx1"/>
-                </a:solidFill>
-                <a:effectLst/>
-                <a:latin typeface="Calibri" panose="020F0502020204030204" pitchFamily="34" charset="0"/>
-                <a:ea typeface="Times New Roman" panose="02020603050405020304" pitchFamily="18" charset="0"/>
-                <a:cs typeface="Times New Roman" panose="02020603050405020304" pitchFamily="18" charset="0"/>
-              </a:rPr>
-              <a:t>Sección E</a:t>
-            </a:r>
-            <a:endParaRPr kumimoji="0" lang="es-MX" altLang="es-MX" sz="1800" b="0" i="0" u="none" strike="noStrike" cap="none" normalizeH="0" baseline="0">
-              <a:ln>
-                <a:noFill/>
-              </a:ln>
-              <a:solidFill>
-                <a:schemeClr val="tx1"/>
-              </a:solidFill>
-              <a:effectLst/>
-              <a:latin typeface="Arial" panose="020B0604020202020204" pitchFamily="34" charset="0"/>
-            </a:endParaRPr>
-          </a:p>
-        </p:txBody>
-      </p:sp>
-      <p:sp>
-        <p:nvSpPr>
-          <p:cNvPr id="8" name="Text Box 3">
-            <a:extLst>
-              <a:ext uri="{FF2B5EF4-FFF2-40B4-BE49-F238E27FC236}">
-                <a16:creationId xmlns:a16="http://schemas.microsoft.com/office/drawing/2014/main" id="{B6CB7B63-15E8-A7EA-1322-68180C558D15}"/>
-              </a:ext>
-            </a:extLst>
-          </p:cNvPr>
-          <p:cNvSpPr txBox="1">
-            <a:spLocks noChangeArrowheads="1"/>
-          </p:cNvSpPr>
-          <p:nvPr/>
-        </p:nvSpPr>
-        <p:spPr bwMode="auto">
-          <a:xfrm>
-            <a:off x="3062479" y="4472390"/>
-            <a:ext cx="2209800" cy="990600"/>
-          </a:xfrm>
-          <a:prstGeom prst="rect">
-            <a:avLst/>
-          </a:prstGeom>
-          <a:noFill/>
-          <a:ln w="9525">
-            <a:solidFill>
-              <a:srgbClr val="7030A0"/>
-            </a:solidFill>
-            <a:miter lim="800000"/>
-            <a:headEnd/>
-            <a:tailEnd/>
-          </a:ln>
-          <a:extLst>
-            <a:ext uri="{909E8E84-426E-40DD-AFC4-6F175D3DCCD1}">
-              <a14:hiddenFill xmlns:a14="http://schemas.microsoft.com/office/drawing/2010/main">
-                <a:solidFill>
-                  <a:srgbClr val="FFFFFF"/>
-                </a:solidFill>
-              </a14:hiddenFill>
-            </a:ext>
-          </a:extLst>
-        </p:spPr>
-        <p:txBody>
-          <a:bodyPr vert="horz" wrap="square" lIns="91440" tIns="45720" rIns="91440" bIns="45720" numCol="1" anchor="t" anchorCtr="0" compatLnSpc="1">
-            <a:prstTxWarp prst="textNoShape">
-              <a:avLst/>
-            </a:prstTxWarp>
-          </a:bodyPr>
-          <a:lstStyle/>
-          <a:p>
-            <a:pPr marL="0" marR="0" lvl="0" indent="0" algn="l" defTabSz="914400" rtl="0" eaLnBrk="0" fontAlgn="base" latinLnBrk="0" hangingPunct="0">
-              <a:lnSpc>
-                <a:spcPct val="100000"/>
-              </a:lnSpc>
-              <a:spcBef>
-                <a:spcPct val="0"/>
-              </a:spcBef>
-              <a:spcAft>
-                <a:spcPct val="0"/>
-              </a:spcAft>
-              <a:buClrTx/>
-              <a:buSzTx/>
-              <a:buFontTx/>
-              <a:buNone/>
-              <a:tabLst/>
-            </a:pPr>
-            <a:r>
-              <a:rPr kumimoji="0" lang="es-MX" altLang="es-MX" sz="1100" b="0" i="0" u="none" strike="noStrike" cap="none" normalizeH="0" baseline="0">
-                <a:ln>
-                  <a:noFill/>
-                </a:ln>
-                <a:solidFill>
-                  <a:schemeClr val="tx1"/>
-                </a:solidFill>
-                <a:effectLst/>
-                <a:latin typeface="Calibri" panose="020F0502020204030204" pitchFamily="34" charset="0"/>
-                <a:ea typeface="Times New Roman" panose="02020603050405020304" pitchFamily="18" charset="0"/>
-                <a:cs typeface="Times New Roman" panose="02020603050405020304" pitchFamily="18" charset="0"/>
-              </a:rPr>
-              <a:t>Sección D</a:t>
-            </a:r>
-            <a:endParaRPr kumimoji="0" lang="es-MX" altLang="es-MX" sz="1800" b="0" i="0" u="none" strike="noStrike" cap="none" normalizeH="0" baseline="0">
-              <a:ln>
-                <a:noFill/>
-              </a:ln>
-              <a:solidFill>
-                <a:schemeClr val="tx1"/>
-              </a:solidFill>
-              <a:effectLst/>
-              <a:latin typeface="Arial" panose="020B0604020202020204" pitchFamily="34" charset="0"/>
-            </a:endParaRPr>
-          </a:p>
-        </p:txBody>
-      </p:sp>
-      <p:sp>
-        <p:nvSpPr>
-          <p:cNvPr id="9" name="Text Box 6">
-            <a:extLst>
-              <a:ext uri="{FF2B5EF4-FFF2-40B4-BE49-F238E27FC236}">
-                <a16:creationId xmlns:a16="http://schemas.microsoft.com/office/drawing/2014/main" id="{CC4693BD-F608-2BD9-6B5F-A2CF78BA9D71}"/>
-              </a:ext>
-            </a:extLst>
-          </p:cNvPr>
-          <p:cNvSpPr txBox="1">
-            <a:spLocks noChangeArrowheads="1"/>
-          </p:cNvSpPr>
-          <p:nvPr/>
-        </p:nvSpPr>
-        <p:spPr bwMode="auto">
-          <a:xfrm>
-            <a:off x="6415219" y="3727851"/>
-            <a:ext cx="2228850" cy="2311400"/>
-          </a:xfrm>
-          <a:prstGeom prst="rect">
-            <a:avLst/>
-          </a:prstGeom>
-          <a:noFill/>
-          <a:ln w="9525">
-            <a:solidFill>
-              <a:srgbClr val="7030A0"/>
-            </a:solidFill>
-            <a:miter lim="800000"/>
-            <a:headEnd/>
-            <a:tailEnd/>
-          </a:ln>
-          <a:extLst>
-            <a:ext uri="{909E8E84-426E-40DD-AFC4-6F175D3DCCD1}">
-              <a14:hiddenFill xmlns:a14="http://schemas.microsoft.com/office/drawing/2010/main">
-                <a:solidFill>
-                  <a:srgbClr val="FFFFFF"/>
-                </a:solidFill>
-              </a14:hiddenFill>
-            </a:ext>
-          </a:extLst>
-        </p:spPr>
-        <p:txBody>
-          <a:bodyPr vert="horz" wrap="square" lIns="91440" tIns="45720" rIns="91440" bIns="45720" numCol="1" anchor="t" anchorCtr="0" compatLnSpc="1">
-            <a:prstTxWarp prst="textNoShape">
-              <a:avLst/>
-            </a:prstTxWarp>
-          </a:bodyPr>
-          <a:lstStyle/>
-          <a:p>
-            <a:pPr marL="0" marR="0" lvl="0" indent="0" algn="l" defTabSz="914400" rtl="0" eaLnBrk="0" fontAlgn="base" latinLnBrk="0" hangingPunct="0">
-              <a:lnSpc>
-                <a:spcPct val="100000"/>
-              </a:lnSpc>
-              <a:spcBef>
-                <a:spcPct val="0"/>
-              </a:spcBef>
-              <a:spcAft>
-                <a:spcPct val="0"/>
-              </a:spcAft>
-              <a:buClrTx/>
-              <a:buSzTx/>
-              <a:buFontTx/>
-              <a:buNone/>
-              <a:tabLst/>
-            </a:pPr>
-            <a:r>
-              <a:rPr kumimoji="0" lang="es-MX" altLang="es-MX" sz="1100" b="0" i="0" u="none" strike="noStrike" cap="none" normalizeH="0" baseline="0">
-                <a:ln>
-                  <a:noFill/>
-                </a:ln>
-                <a:solidFill>
-                  <a:schemeClr val="tx1"/>
-                </a:solidFill>
-                <a:effectLst/>
-                <a:latin typeface="Calibri" panose="020F0502020204030204" pitchFamily="34" charset="0"/>
-                <a:ea typeface="Times New Roman" panose="02020603050405020304" pitchFamily="18" charset="0"/>
-                <a:cs typeface="Times New Roman" panose="02020603050405020304" pitchFamily="18" charset="0"/>
-              </a:rPr>
-              <a:t>        Sección C</a:t>
-            </a:r>
-            <a:endParaRPr kumimoji="0" lang="es-MX" altLang="es-MX" sz="1800" b="0" i="0" u="none" strike="noStrike" cap="none" normalizeH="0" baseline="0">
-              <a:ln>
-                <a:noFill/>
-              </a:ln>
-              <a:solidFill>
-                <a:schemeClr val="tx1"/>
-              </a:solidFill>
-              <a:effectLst/>
-              <a:latin typeface="Arial" panose="020B0604020202020204" pitchFamily="34" charset="0"/>
-            </a:endParaRPr>
-          </a:p>
-        </p:txBody>
-      </p:sp>
     </p:spTree>
     <p:extLst>
       <p:ext uri="{BB962C8B-B14F-4D97-AF65-F5344CB8AC3E}">
@@ -8025,8 +7539,8 @@
           </a:p>
         </p:txBody>
       </p:sp>
-      <mc:AlternateContent xmlns:mc="http://schemas.openxmlformats.org/markup-compatibility/2006">
-        <mc:Choice xmlns:a14="http://schemas.microsoft.com/office/drawing/2010/main" Requires="a14">
+      <mc:AlternateContent xmlns:mc="http://schemas.openxmlformats.org/markup-compatibility/2006" xmlns:a14="http://schemas.microsoft.com/office/drawing/2010/main">
+        <mc:Choice Requires="a14">
           <p:sp>
             <p:nvSpPr>
               <p:cNvPr id="3" name="Marcador de contenido 2">
@@ -9050,7 +8564,7 @@
             </p:txBody>
           </p:sp>
         </mc:Choice>
-        <mc:Fallback>
+        <mc:Fallback xmlns="">
           <p:sp>
             <p:nvSpPr>
               <p:cNvPr id="3" name="Marcador de contenido 2">
@@ -9150,8 +8664,8 @@
           </a:p>
         </p:txBody>
       </p:sp>
-      <mc:AlternateContent xmlns:mc="http://schemas.openxmlformats.org/markup-compatibility/2006">
-        <mc:Choice xmlns:a14="http://schemas.microsoft.com/office/drawing/2010/main" Requires="a14">
+      <mc:AlternateContent xmlns:mc="http://schemas.openxmlformats.org/markup-compatibility/2006" xmlns:a14="http://schemas.microsoft.com/office/drawing/2010/main">
+        <mc:Choice Requires="a14">
           <p:sp>
             <p:nvSpPr>
               <p:cNvPr id="3" name="Marcador de contenido 2">
@@ -10194,7 +9708,7 @@
             </p:txBody>
           </p:sp>
         </mc:Choice>
-        <mc:Fallback>
+        <mc:Fallback xmlns="">
           <p:sp>
             <p:nvSpPr>
               <p:cNvPr id="3" name="Marcador de contenido 2">

--- a/2023-2/Reportes/ReporteFinal/PresentacionPrototipo.pptx
+++ b/2023-2/Reportes/ReporteFinal/PresentacionPrototipo.pptx
@@ -11,19 +11,18 @@
     <p:sldId id="260" r:id="rId5"/>
     <p:sldId id="259" r:id="rId6"/>
     <p:sldId id="278" r:id="rId7"/>
-    <p:sldId id="263" r:id="rId8"/>
-    <p:sldId id="266" r:id="rId9"/>
-    <p:sldId id="267" r:id="rId10"/>
-    <p:sldId id="265" r:id="rId11"/>
-    <p:sldId id="270" r:id="rId12"/>
-    <p:sldId id="271" r:id="rId13"/>
-    <p:sldId id="272" r:id="rId14"/>
-    <p:sldId id="273" r:id="rId15"/>
-    <p:sldId id="268" r:id="rId16"/>
-    <p:sldId id="269" r:id="rId17"/>
-    <p:sldId id="274" r:id="rId18"/>
-    <p:sldId id="275" r:id="rId19"/>
-    <p:sldId id="276" r:id="rId20"/>
+    <p:sldId id="279" r:id="rId8"/>
+    <p:sldId id="263" r:id="rId9"/>
+    <p:sldId id="266" r:id="rId10"/>
+    <p:sldId id="267" r:id="rId11"/>
+    <p:sldId id="265" r:id="rId12"/>
+    <p:sldId id="270" r:id="rId13"/>
+    <p:sldId id="271" r:id="rId14"/>
+    <p:sldId id="272" r:id="rId15"/>
+    <p:sldId id="273" r:id="rId16"/>
+    <p:sldId id="268" r:id="rId17"/>
+    <p:sldId id="269" r:id="rId18"/>
+    <p:sldId id="276" r:id="rId19"/>
   </p:sldIdLst>
   <p:sldSz cx="12192000" cy="6858000"/>
   <p:notesSz cx="6858000" cy="9144000"/>
@@ -133,7 +132,7 @@
 <file path=ppt/revisionInfo.xml><?xml version="1.0" encoding="utf-8"?>
 <p1510:revInfo xmlns:a="http://schemas.openxmlformats.org/drawingml/2006/main" xmlns:r="http://schemas.openxmlformats.org/officeDocument/2006/relationships" xmlns:p1510="http://schemas.microsoft.com/office/powerpoint/2015/10/main">
   <p1510:revLst>
-    <p1510:client id="{581F3EEA-0CB5-4A9D-B767-6BC2F3BFF2D7}" v="56" dt="2023-06-07T22:04:25.739"/>
+    <p1510:client id="{581F3EEA-0CB5-4A9D-B767-6BC2F3BFF2D7}" v="372" dt="2023-06-07T23:28:43.054"/>
   </p1510:revLst>
 </p1510:revInfo>
 </file>
@@ -142,8 +141,8 @@
 <pc:chgInfo xmlns:a="http://schemas.openxmlformats.org/drawingml/2006/main" xmlns:r="http://schemas.openxmlformats.org/officeDocument/2006/relationships" xmlns:ac="http://schemas.microsoft.com/office/drawing/2013/main/command" xmlns:pc="http://schemas.microsoft.com/office/powerpoint/2013/main/command">
   <pc:docChgLst>
     <pc:chgData name="Krlos ortiz" userId="8388c084c324a5d7" providerId="LiveId" clId="{581F3EEA-0CB5-4A9D-B767-6BC2F3BFF2D7}"/>
-    <pc:docChg chg="custSel addSld delSld modSld">
-      <pc:chgData name="Krlos ortiz" userId="8388c084c324a5d7" providerId="LiveId" clId="{581F3EEA-0CB5-4A9D-B767-6BC2F3BFF2D7}" dt="2023-06-07T22:04:26.462" v="1116" actId="962"/>
+    <pc:docChg chg="undo custSel addSld delSld modSld sldOrd">
+      <pc:chgData name="Krlos ortiz" userId="8388c084c324a5d7" providerId="LiveId" clId="{581F3EEA-0CB5-4A9D-B767-6BC2F3BFF2D7}" dt="2023-06-07T23:28:49.581" v="1857" actId="1076"/>
       <pc:docMkLst>
         <pc:docMk/>
       </pc:docMkLst>
@@ -420,6 +419,20 @@
           </ac:picMkLst>
         </pc:picChg>
       </pc:sldChg>
+      <pc:sldChg chg="del ord">
+        <pc:chgData name="Krlos ortiz" userId="8388c084c324a5d7" providerId="LiveId" clId="{581F3EEA-0CB5-4A9D-B767-6BC2F3BFF2D7}" dt="2023-06-07T23:25:22.159" v="1731" actId="2696"/>
+        <pc:sldMkLst>
+          <pc:docMk/>
+          <pc:sldMk cId="3710381175" sldId="274"/>
+        </pc:sldMkLst>
+      </pc:sldChg>
+      <pc:sldChg chg="del">
+        <pc:chgData name="Krlos ortiz" userId="8388c084c324a5d7" providerId="LiveId" clId="{581F3EEA-0CB5-4A9D-B767-6BC2F3BFF2D7}" dt="2023-06-07T23:25:33.305" v="1732" actId="2696"/>
+        <pc:sldMkLst>
+          <pc:docMk/>
+          <pc:sldMk cId="3283557896" sldId="275"/>
+        </pc:sldMkLst>
+      </pc:sldChg>
       <pc:sldChg chg="addSp delSp modSp new mod">
         <pc:chgData name="Krlos ortiz" userId="8388c084c324a5d7" providerId="LiveId" clId="{581F3EEA-0CB5-4A9D-B767-6BC2F3BFF2D7}" dt="2023-06-07T21:54:41.712" v="831" actId="20577"/>
         <pc:sldMkLst>
@@ -488,6 +501,45 @@
             <ac:spMk id="3" creationId="{9BA3E015-EE3C-ADE6-3E5F-80EAD1559F09}"/>
           </ac:spMkLst>
         </pc:spChg>
+      </pc:sldChg>
+      <pc:sldChg chg="addSp delSp modSp new mod">
+        <pc:chgData name="Krlos ortiz" userId="8388c084c324a5d7" providerId="LiveId" clId="{581F3EEA-0CB5-4A9D-B767-6BC2F3BFF2D7}" dt="2023-06-07T23:28:49.581" v="1857" actId="1076"/>
+        <pc:sldMkLst>
+          <pc:docMk/>
+          <pc:sldMk cId="901632273" sldId="279"/>
+        </pc:sldMkLst>
+        <pc:spChg chg="mod">
+          <ac:chgData name="Krlos ortiz" userId="8388c084c324a5d7" providerId="LiveId" clId="{581F3EEA-0CB5-4A9D-B767-6BC2F3BFF2D7}" dt="2023-06-07T23:28:00.123" v="1733" actId="1076"/>
+          <ac:spMkLst>
+            <pc:docMk/>
+            <pc:sldMk cId="901632273" sldId="279"/>
+            <ac:spMk id="2" creationId="{54FA9D3B-0F7B-7BCD-50A8-B1F0A370DFBA}"/>
+          </ac:spMkLst>
+        </pc:spChg>
+        <pc:spChg chg="del">
+          <ac:chgData name="Krlos ortiz" userId="8388c084c324a5d7" providerId="LiveId" clId="{581F3EEA-0CB5-4A9D-B767-6BC2F3BFF2D7}" dt="2023-06-07T23:10:17.278" v="1131" actId="3680"/>
+          <ac:spMkLst>
+            <pc:docMk/>
+            <pc:sldMk cId="901632273" sldId="279"/>
+            <ac:spMk id="3" creationId="{1A4B87DB-E47E-CDA0-B505-B1D18ED6EBF3}"/>
+          </ac:spMkLst>
+        </pc:spChg>
+        <pc:spChg chg="add mod">
+          <ac:chgData name="Krlos ortiz" userId="8388c084c324a5d7" providerId="LiveId" clId="{581F3EEA-0CB5-4A9D-B767-6BC2F3BFF2D7}" dt="2023-06-07T23:28:49.581" v="1857" actId="1076"/>
+          <ac:spMkLst>
+            <pc:docMk/>
+            <pc:sldMk cId="901632273" sldId="279"/>
+            <ac:spMk id="5" creationId="{6481A17C-7A97-1BD7-9A86-A1CA51F74FB6}"/>
+          </ac:spMkLst>
+        </pc:spChg>
+        <pc:graphicFrameChg chg="add mod ord modGraphic">
+          <ac:chgData name="Krlos ortiz" userId="8388c084c324a5d7" providerId="LiveId" clId="{581F3EEA-0CB5-4A9D-B767-6BC2F3BFF2D7}" dt="2023-06-07T23:28:02.381" v="1734" actId="1076"/>
+          <ac:graphicFrameMkLst>
+            <pc:docMk/>
+            <pc:sldMk cId="901632273" sldId="279"/>
+            <ac:graphicFrameMk id="4" creationId="{F62D73E2-BB72-6DE2-2C0D-E2D823115A82}"/>
+          </ac:graphicFrameMkLst>
+        </pc:graphicFrameChg>
       </pc:sldChg>
     </pc:docChg>
   </pc:docChgLst>
@@ -3850,6 +3902,1521 @@
           <p:cNvPr id="2" name="Título 1">
             <a:extLst>
               <a:ext uri="{FF2B5EF4-FFF2-40B4-BE49-F238E27FC236}">
+                <a16:creationId xmlns:a16="http://schemas.microsoft.com/office/drawing/2014/main" id="{32691174-20F9-D4FC-F56B-CF040D76952A}"/>
+              </a:ext>
+            </a:extLst>
+          </p:cNvPr>
+          <p:cNvSpPr>
+            <a:spLocks noGrp="1"/>
+          </p:cNvSpPr>
+          <p:nvPr>
+            <p:ph type="title"/>
+          </p:nvPr>
+        </p:nvSpPr>
+        <p:spPr/>
+        <p:txBody>
+          <a:bodyPr/>
+          <a:lstStyle/>
+          <a:p>
+            <a:pPr algn="ctr"/>
+            <a:r>
+              <a:rPr lang="es-MX" dirty="0"/>
+              <a:t>Penuria</a:t>
+            </a:r>
+          </a:p>
+        </p:txBody>
+      </p:sp>
+      <mc:AlternateContent xmlns:mc="http://schemas.openxmlformats.org/markup-compatibility/2006" xmlns:a14="http://schemas.microsoft.com/office/drawing/2010/main">
+        <mc:Choice Requires="a14">
+          <p:sp>
+            <p:nvSpPr>
+              <p:cNvPr id="3" name="Marcador de contenido 2">
+                <a:extLst>
+                  <a:ext uri="{FF2B5EF4-FFF2-40B4-BE49-F238E27FC236}">
+                    <a16:creationId xmlns:a16="http://schemas.microsoft.com/office/drawing/2014/main" id="{CF2555D5-EEDD-1F82-F4B6-F4C4ABDE29D4}"/>
+                  </a:ext>
+                </a:extLst>
+              </p:cNvPr>
+              <p:cNvSpPr>
+                <a:spLocks noGrp="1"/>
+              </p:cNvSpPr>
+              <p:nvPr>
+                <p:ph idx="1"/>
+              </p:nvPr>
+            </p:nvSpPr>
+            <p:spPr/>
+            <p:txBody>
+              <a:bodyPr/>
+              <a:lstStyle/>
+              <a:p>
+                <a:pPr marL="0" indent="0">
+                  <a:buNone/>
+                </a:pPr>
+                <a14:m>
+                  <m:oMathPara xmlns:m="http://schemas.openxmlformats.org/officeDocument/2006/math">
+                    <m:oMathParaPr>
+                      <m:jc m:val="centerGroup"/>
+                    </m:oMathParaPr>
+                    <m:oMath xmlns:m="http://schemas.openxmlformats.org/officeDocument/2006/math">
+                      <m:sSubSup>
+                        <m:sSubSupPr>
+                          <m:ctrlPr>
+                            <a:rPr lang="es-MX" sz="2800" i="1" smtClean="0">
+                              <a:effectLst/>
+                              <a:latin typeface="Cambria Math" panose="02040503050406030204" pitchFamily="18" charset="0"/>
+                              <a:cs typeface="Arial" panose="020B0604020202020204" pitchFamily="34" charset="0"/>
+                            </a:rPr>
+                          </m:ctrlPr>
+                        </m:sSubSupPr>
+                        <m:e>
+                          <m:r>
+                            <a:rPr lang="es-ES" sz="2800" i="1">
+                              <a:effectLst/>
+                              <a:latin typeface="Cambria Math" panose="02040503050406030204" pitchFamily="18" charset="0"/>
+                              <a:ea typeface="Times New Roman" panose="02020603050405020304" pitchFamily="18" charset="0"/>
+                              <a:cs typeface="Arial" panose="020B0604020202020204" pitchFamily="34" charset="0"/>
+                            </a:rPr>
+                            <m:t>𝐵</m:t>
+                          </m:r>
+                        </m:e>
+                        <m:sub>
+                          <m:r>
+                            <a:rPr lang="es-ES" sz="2800" i="1">
+                              <a:effectLst/>
+                              <a:latin typeface="Cambria Math" panose="02040503050406030204" pitchFamily="18" charset="0"/>
+                              <a:ea typeface="Times New Roman" panose="02020603050405020304" pitchFamily="18" charset="0"/>
+                              <a:cs typeface="Arial" panose="020B0604020202020204" pitchFamily="34" charset="0"/>
+                            </a:rPr>
+                            <m:t>𝑑</m:t>
+                          </m:r>
+                        </m:sub>
+                        <m:sup>
+                          <m:r>
+                            <a:rPr lang="es-ES" sz="2800" i="1">
+                              <a:effectLst/>
+                              <a:latin typeface="Cambria Math" panose="02040503050406030204" pitchFamily="18" charset="0"/>
+                              <a:ea typeface="Times New Roman" panose="02020603050405020304" pitchFamily="18" charset="0"/>
+                              <a:cs typeface="Arial" panose="020B0604020202020204" pitchFamily="34" charset="0"/>
+                            </a:rPr>
+                            <m:t>𝑖</m:t>
+                          </m:r>
+                        </m:sup>
+                      </m:sSubSup>
+                      <m:r>
+                        <a:rPr lang="es-ES" sz="2800" i="1">
+                          <a:effectLst/>
+                          <a:latin typeface="Cambria Math" panose="02040503050406030204" pitchFamily="18" charset="0"/>
+                          <a:ea typeface="Times New Roman" panose="02020603050405020304" pitchFamily="18" charset="0"/>
+                          <a:cs typeface="Arial" panose="020B0604020202020204" pitchFamily="34" charset="0"/>
+                        </a:rPr>
+                        <m:t>=</m:t>
+                      </m:r>
+                      <m:sSub>
+                        <m:sSubPr>
+                          <m:ctrlPr>
+                            <a:rPr lang="es-MX" sz="2800" i="1">
+                              <a:effectLst/>
+                              <a:latin typeface="Cambria Math" panose="02040503050406030204" pitchFamily="18" charset="0"/>
+                              <a:cs typeface="Arial" panose="020B0604020202020204" pitchFamily="34" charset="0"/>
+                            </a:rPr>
+                          </m:ctrlPr>
+                        </m:sSubPr>
+                        <m:e>
+                          <m:r>
+                            <a:rPr lang="es-ES" sz="2800" i="1">
+                              <a:effectLst/>
+                              <a:latin typeface="Cambria Math" panose="02040503050406030204" pitchFamily="18" charset="0"/>
+                              <a:ea typeface="Times New Roman" panose="02020603050405020304" pitchFamily="18" charset="0"/>
+                              <a:cs typeface="Arial" panose="020B0604020202020204" pitchFamily="34" charset="0"/>
+                            </a:rPr>
+                            <m:t>𝐶</m:t>
+                          </m:r>
+                        </m:e>
+                        <m:sub>
+                          <m:r>
+                            <a:rPr lang="es-ES" sz="2800" i="1">
+                              <a:effectLst/>
+                              <a:latin typeface="Cambria Math" panose="02040503050406030204" pitchFamily="18" charset="0"/>
+                              <a:ea typeface="Times New Roman" panose="02020603050405020304" pitchFamily="18" charset="0"/>
+                              <a:cs typeface="Arial" panose="020B0604020202020204" pitchFamily="34" charset="0"/>
+                            </a:rPr>
+                            <m:t>𝜔</m:t>
+                          </m:r>
+                        </m:sub>
+                      </m:sSub>
+                      <m:r>
+                        <a:rPr lang="es-ES" sz="2800" i="1">
+                          <a:effectLst/>
+                          <a:latin typeface="Cambria Math" panose="02040503050406030204" pitchFamily="18" charset="0"/>
+                          <a:ea typeface="Times New Roman" panose="02020603050405020304" pitchFamily="18" charset="0"/>
+                          <a:cs typeface="Arial" panose="020B0604020202020204" pitchFamily="34" charset="0"/>
+                        </a:rPr>
+                        <m:t>∗</m:t>
+                      </m:r>
+                      <m:sSub>
+                        <m:sSubPr>
+                          <m:ctrlPr>
+                            <a:rPr lang="es-MX" sz="2800" i="1">
+                              <a:effectLst/>
+                              <a:latin typeface="Cambria Math" panose="02040503050406030204" pitchFamily="18" charset="0"/>
+                              <a:cs typeface="Arial" panose="020B0604020202020204" pitchFamily="34" charset="0"/>
+                            </a:rPr>
+                          </m:ctrlPr>
+                        </m:sSubPr>
+                        <m:e>
+                          <m:r>
+                            <a:rPr lang="es-ES" sz="2800" i="1">
+                              <a:effectLst/>
+                              <a:latin typeface="Cambria Math" panose="02040503050406030204" pitchFamily="18" charset="0"/>
+                              <a:ea typeface="Times New Roman" panose="02020603050405020304" pitchFamily="18" charset="0"/>
+                              <a:cs typeface="Arial" panose="020B0604020202020204" pitchFamily="34" charset="0"/>
+                            </a:rPr>
+                            <m:t>𝑋</m:t>
+                          </m:r>
+                        </m:e>
+                        <m:sub>
+                          <m:r>
+                            <a:rPr lang="es-ES" sz="2800" i="1">
+                              <a:effectLst/>
+                              <a:latin typeface="Cambria Math" panose="02040503050406030204" pitchFamily="18" charset="0"/>
+                              <a:ea typeface="Times New Roman" panose="02020603050405020304" pitchFamily="18" charset="0"/>
+                              <a:cs typeface="Arial" panose="020B0604020202020204" pitchFamily="34" charset="0"/>
+                            </a:rPr>
+                            <m:t>𝑖</m:t>
+                          </m:r>
+                        </m:sub>
+                      </m:sSub>
+                      <m:r>
+                        <a:rPr lang="es-MX" sz="2800" b="0" i="1" smtClean="0">
+                          <a:effectLst/>
+                          <a:latin typeface="Cambria Math" panose="02040503050406030204" pitchFamily="18" charset="0"/>
+                          <a:ea typeface="Times New Roman" panose="02020603050405020304" pitchFamily="18" charset="0"/>
+                          <a:cs typeface="Arial" panose="020B0604020202020204" pitchFamily="34" charset="0"/>
+                        </a:rPr>
+                        <m:t>(</m:t>
+                      </m:r>
+                      <m:r>
+                        <a:rPr lang="es-MX" sz="2800" b="0" i="1" smtClean="0">
+                          <a:effectLst/>
+                          <a:latin typeface="Cambria Math" panose="02040503050406030204" pitchFamily="18" charset="0"/>
+                          <a:ea typeface="Times New Roman" panose="02020603050405020304" pitchFamily="18" charset="0"/>
+                          <a:cs typeface="Arial" panose="020B0604020202020204" pitchFamily="34" charset="0"/>
+                        </a:rPr>
+                        <m:t>𝐵𝑊</m:t>
+                      </m:r>
+                      <m:r>
+                        <a:rPr lang="es-MX" sz="2800" b="0" i="1" smtClean="0">
+                          <a:effectLst/>
+                          <a:latin typeface="Cambria Math" panose="02040503050406030204" pitchFamily="18" charset="0"/>
+                          <a:ea typeface="Times New Roman" panose="02020603050405020304" pitchFamily="18" charset="0"/>
+                          <a:cs typeface="Arial" panose="020B0604020202020204" pitchFamily="34" charset="0"/>
+                        </a:rPr>
+                        <m:t>)</m:t>
+                      </m:r>
+                    </m:oMath>
+                  </m:oMathPara>
+                </a14:m>
+                <a:endParaRPr lang="es-MX" dirty="0"/>
+              </a:p>
+            </p:txBody>
+          </p:sp>
+        </mc:Choice>
+        <mc:Fallback xmlns="">
+          <p:sp>
+            <p:nvSpPr>
+              <p:cNvPr id="3" name="Marcador de contenido 2">
+                <a:extLst>
+                  <a:ext uri="{FF2B5EF4-FFF2-40B4-BE49-F238E27FC236}">
+                    <a16:creationId xmlns:a16="http://schemas.microsoft.com/office/drawing/2014/main" id="{CF2555D5-EEDD-1F82-F4B6-F4C4ABDE29D4}"/>
+                  </a:ext>
+                </a:extLst>
+              </p:cNvPr>
+              <p:cNvSpPr>
+                <a:spLocks noGrp="1" noRot="1" noChangeAspect="1" noMove="1" noResize="1" noEditPoints="1" noAdjustHandles="1" noChangeArrowheads="1" noChangeShapeType="1" noTextEdit="1"/>
+              </p:cNvSpPr>
+              <p:nvPr>
+                <p:ph idx="1"/>
+              </p:nvPr>
+            </p:nvSpPr>
+            <p:spPr>
+              <a:blipFill>
+                <a:blip r:embed="rId2"/>
+                <a:stretch>
+                  <a:fillRect/>
+                </a:stretch>
+              </a:blipFill>
+            </p:spPr>
+            <p:txBody>
+              <a:bodyPr/>
+              <a:lstStyle/>
+              <a:p>
+                <a:r>
+                  <a:rPr lang="es-MX">
+                    <a:noFill/>
+                  </a:rPr>
+                  <a:t> </a:t>
+                </a:r>
+              </a:p>
+            </p:txBody>
+          </p:sp>
+        </mc:Fallback>
+      </mc:AlternateContent>
+      <mc:AlternateContent xmlns:mc="http://schemas.openxmlformats.org/markup-compatibility/2006" xmlns:a14="http://schemas.microsoft.com/office/drawing/2010/main">
+        <mc:Choice Requires="a14">
+          <p:sp>
+            <p:nvSpPr>
+              <p:cNvPr id="4" name="CuadroTexto 3">
+                <a:extLst>
+                  <a:ext uri="{FF2B5EF4-FFF2-40B4-BE49-F238E27FC236}">
+                    <a16:creationId xmlns:a16="http://schemas.microsoft.com/office/drawing/2014/main" id="{184FA38F-2D90-639F-A569-5EF6EC277F0F}"/>
+                  </a:ext>
+                </a:extLst>
+              </p:cNvPr>
+              <p:cNvSpPr txBox="1"/>
+              <p:nvPr/>
+            </p:nvSpPr>
+            <p:spPr>
+              <a:xfrm>
+                <a:off x="3730304" y="2425517"/>
+                <a:ext cx="5044580" cy="1154611"/>
+              </a:xfrm>
+              <a:prstGeom prst="rect">
+                <a:avLst/>
+              </a:prstGeom>
+              <a:noFill/>
+            </p:spPr>
+            <p:txBody>
+              <a:bodyPr wrap="square" rtlCol="0">
+                <a:spAutoFit/>
+              </a:bodyPr>
+              <a:lstStyle/>
+              <a:p>
+                <a:pPr/>
+                <a14:m>
+                  <m:oMathPara xmlns:m="http://schemas.openxmlformats.org/officeDocument/2006/math">
+                    <m:oMathParaPr>
+                      <m:jc m:val="centerGroup"/>
+                    </m:oMathParaPr>
+                    <m:oMath xmlns:m="http://schemas.openxmlformats.org/officeDocument/2006/math">
+                      <m:sSubSup>
+                        <m:sSubSupPr>
+                          <m:ctrlPr>
+                            <a:rPr lang="es-MX" sz="2800" i="1" smtClean="0">
+                              <a:effectLst/>
+                              <a:latin typeface="Cambria Math" panose="02040503050406030204" pitchFamily="18" charset="0"/>
+                              <a:cs typeface="Arial" panose="020B0604020202020204" pitchFamily="34" charset="0"/>
+                            </a:rPr>
+                          </m:ctrlPr>
+                        </m:sSubSupPr>
+                        <m:e>
+                          <m:r>
+                            <a:rPr lang="es-ES" sz="2800" i="1">
+                              <a:effectLst/>
+                              <a:latin typeface="Cambria Math" panose="02040503050406030204" pitchFamily="18" charset="0"/>
+                              <a:ea typeface="Times New Roman" panose="02020603050405020304" pitchFamily="18" charset="0"/>
+                              <a:cs typeface="Arial" panose="020B0604020202020204" pitchFamily="34" charset="0"/>
+                            </a:rPr>
+                            <m:t>𝐵</m:t>
+                          </m:r>
+                        </m:e>
+                        <m:sub>
+                          <m:r>
+                            <a:rPr lang="es-ES" sz="2800" i="1">
+                              <a:effectLst/>
+                              <a:latin typeface="Cambria Math" panose="02040503050406030204" pitchFamily="18" charset="0"/>
+                              <a:ea typeface="Times New Roman" panose="02020603050405020304" pitchFamily="18" charset="0"/>
+                              <a:cs typeface="Arial" panose="020B0604020202020204" pitchFamily="34" charset="0"/>
+                            </a:rPr>
+                            <m:t>𝑝</m:t>
+                          </m:r>
+                          <m:r>
+                            <a:rPr lang="es-MX" sz="2800" b="0" i="1" smtClean="0">
+                              <a:effectLst/>
+                              <a:latin typeface="Cambria Math" panose="02040503050406030204" pitchFamily="18" charset="0"/>
+                              <a:ea typeface="Times New Roman" panose="02020603050405020304" pitchFamily="18" charset="0"/>
+                              <a:cs typeface="Arial" panose="020B0604020202020204" pitchFamily="34" charset="0"/>
+                            </a:rPr>
+                            <m:t>2</m:t>
+                          </m:r>
+                          <m:r>
+                            <a:rPr lang="es-MX" sz="2800" b="0" i="1" smtClean="0">
+                              <a:effectLst/>
+                              <a:latin typeface="Cambria Math" panose="02040503050406030204" pitchFamily="18" charset="0"/>
+                              <a:ea typeface="Times New Roman" panose="02020603050405020304" pitchFamily="18" charset="0"/>
+                              <a:cs typeface="Arial" panose="020B0604020202020204" pitchFamily="34" charset="0"/>
+                            </a:rPr>
+                            <m:t>𝑝</m:t>
+                          </m:r>
+                        </m:sub>
+                        <m:sup>
+                          <m:r>
+                            <a:rPr lang="es-ES" sz="2800" i="1">
+                              <a:effectLst/>
+                              <a:latin typeface="Cambria Math" panose="02040503050406030204" pitchFamily="18" charset="0"/>
+                              <a:ea typeface="Times New Roman" panose="02020603050405020304" pitchFamily="18" charset="0"/>
+                              <a:cs typeface="Arial" panose="020B0604020202020204" pitchFamily="34" charset="0"/>
+                            </a:rPr>
+                            <m:t>𝑖</m:t>
+                          </m:r>
+                        </m:sup>
+                      </m:sSubSup>
+                      <m:r>
+                        <a:rPr lang="es-MX" sz="2800" i="1">
+                          <a:effectLst/>
+                          <a:latin typeface="Cambria Math" panose="02040503050406030204" pitchFamily="18" charset="0"/>
+                          <a:ea typeface="Times New Roman" panose="02020603050405020304" pitchFamily="18" charset="0"/>
+                          <a:cs typeface="Arial" panose="020B0604020202020204" pitchFamily="34" charset="0"/>
+                        </a:rPr>
+                        <m:t>=</m:t>
+                      </m:r>
+                      <m:r>
+                        <m:rPr>
+                          <m:sty m:val="p"/>
+                        </m:rPr>
+                        <a:rPr lang="es-ES" sz="2800">
+                          <a:latin typeface="Cambria Math" panose="02040503050406030204" pitchFamily="18" charset="0"/>
+                          <a:ea typeface="Times New Roman" panose="02020603050405020304" pitchFamily="18" charset="0"/>
+                          <a:cs typeface="Arial" panose="020B0604020202020204" pitchFamily="34" charset="0"/>
+                        </a:rPr>
+                        <m:t>min</m:t>
+                      </m:r>
+                      <m:r>
+                        <a:rPr lang="es-ES" sz="2800" i="1">
+                          <a:latin typeface="Cambria Math" panose="02040503050406030204" pitchFamily="18" charset="0"/>
+                          <a:ea typeface="Times New Roman" panose="02020603050405020304" pitchFamily="18" charset="0"/>
+                          <a:cs typeface="Arial" panose="020B0604020202020204" pitchFamily="34" charset="0"/>
+                        </a:rPr>
+                        <m:t>⁡{</m:t>
+                      </m:r>
+                      <m:sSubSup>
+                        <m:sSubSupPr>
+                          <m:ctrlPr>
+                            <a:rPr lang="es-MX" sz="2800" i="1">
+                              <a:latin typeface="Cambria Math" panose="02040503050406030204" pitchFamily="18" charset="0"/>
+                              <a:cs typeface="Arial" panose="020B0604020202020204" pitchFamily="34" charset="0"/>
+                            </a:rPr>
+                          </m:ctrlPr>
+                        </m:sSubSupPr>
+                        <m:e>
+                          <m:r>
+                            <a:rPr lang="es-ES" sz="2800" i="1">
+                              <a:latin typeface="Cambria Math" panose="02040503050406030204" pitchFamily="18" charset="0"/>
+                              <a:ea typeface="Times New Roman" panose="02020603050405020304" pitchFamily="18" charset="0"/>
+                              <a:cs typeface="Arial" panose="020B0604020202020204" pitchFamily="34" charset="0"/>
+                            </a:rPr>
+                            <m:t>𝐵</m:t>
+                          </m:r>
+                        </m:e>
+                        <m:sub>
+                          <m:r>
+                            <a:rPr lang="es-ES" sz="2800" i="1">
+                              <a:latin typeface="Cambria Math" panose="02040503050406030204" pitchFamily="18" charset="0"/>
+                              <a:ea typeface="Times New Roman" panose="02020603050405020304" pitchFamily="18" charset="0"/>
+                              <a:cs typeface="Arial" panose="020B0604020202020204" pitchFamily="34" charset="0"/>
+                            </a:rPr>
+                            <m:t>𝑑</m:t>
+                          </m:r>
+                        </m:sub>
+                        <m:sup>
+                          <m:r>
+                            <a:rPr lang="es-ES" sz="2800" i="1">
+                              <a:latin typeface="Cambria Math" panose="02040503050406030204" pitchFamily="18" charset="0"/>
+                              <a:ea typeface="Times New Roman" panose="02020603050405020304" pitchFamily="18" charset="0"/>
+                              <a:cs typeface="Arial" panose="020B0604020202020204" pitchFamily="34" charset="0"/>
+                            </a:rPr>
+                            <m:t>𝑖</m:t>
+                          </m:r>
+                        </m:sup>
+                      </m:sSubSup>
+                      <m:r>
+                        <a:rPr lang="es-ES" sz="2800" i="1">
+                          <a:latin typeface="Cambria Math" panose="02040503050406030204" pitchFamily="18" charset="0"/>
+                          <a:ea typeface="Times New Roman" panose="02020603050405020304" pitchFamily="18" charset="0"/>
+                          <a:cs typeface="Arial" panose="020B0604020202020204" pitchFamily="34" charset="0"/>
+                        </a:rPr>
+                        <m:t>,</m:t>
+                      </m:r>
+                      <m:sSubSup>
+                        <m:sSubSupPr>
+                          <m:ctrlPr>
+                            <a:rPr lang="es-MX" sz="2800" i="1">
+                              <a:latin typeface="Cambria Math" panose="02040503050406030204" pitchFamily="18" charset="0"/>
+                              <a:cs typeface="Arial" panose="020B0604020202020204" pitchFamily="34" charset="0"/>
+                            </a:rPr>
+                          </m:ctrlPr>
+                        </m:sSubSupPr>
+                        <m:e>
+                          <m:r>
+                            <a:rPr lang="es-ES" sz="2800" i="1">
+                              <a:latin typeface="Cambria Math" panose="02040503050406030204" pitchFamily="18" charset="0"/>
+                              <a:ea typeface="Times New Roman" panose="02020603050405020304" pitchFamily="18" charset="0"/>
+                              <a:cs typeface="Arial" panose="020B0604020202020204" pitchFamily="34" charset="0"/>
+                            </a:rPr>
+                            <m:t>𝐵</m:t>
+                          </m:r>
+                        </m:e>
+                        <m:sub>
+                          <m:r>
+                            <a:rPr lang="es-ES" sz="2800" i="1">
+                              <a:latin typeface="Cambria Math" panose="02040503050406030204" pitchFamily="18" charset="0"/>
+                              <a:ea typeface="Times New Roman" panose="02020603050405020304" pitchFamily="18" charset="0"/>
+                              <a:cs typeface="Arial" panose="020B0604020202020204" pitchFamily="34" charset="0"/>
+                            </a:rPr>
+                            <m:t>𝑢</m:t>
+                          </m:r>
+                          <m:r>
+                            <a:rPr lang="es-ES" sz="2800" i="1">
+                              <a:latin typeface="Cambria Math" panose="02040503050406030204" pitchFamily="18" charset="0"/>
+                              <a:ea typeface="Times New Roman" panose="02020603050405020304" pitchFamily="18" charset="0"/>
+                              <a:cs typeface="Arial" panose="020B0604020202020204" pitchFamily="34" charset="0"/>
+                            </a:rPr>
+                            <m:t>,</m:t>
+                          </m:r>
+                          <m:r>
+                            <a:rPr lang="es-ES" sz="2800" i="1">
+                              <a:latin typeface="Cambria Math" panose="02040503050406030204" pitchFamily="18" charset="0"/>
+                              <a:ea typeface="Times New Roman" panose="02020603050405020304" pitchFamily="18" charset="0"/>
+                              <a:cs typeface="Arial" panose="020B0604020202020204" pitchFamily="34" charset="0"/>
+                            </a:rPr>
+                            <m:t>𝑝</m:t>
+                          </m:r>
+                        </m:sub>
+                        <m:sup>
+                          <m:r>
+                            <a:rPr lang="es-ES" sz="2800" i="1">
+                              <a:latin typeface="Cambria Math" panose="02040503050406030204" pitchFamily="18" charset="0"/>
+                              <a:ea typeface="Times New Roman" panose="02020603050405020304" pitchFamily="18" charset="0"/>
+                              <a:cs typeface="Arial" panose="020B0604020202020204" pitchFamily="34" charset="0"/>
+                            </a:rPr>
+                            <m:t>𝑖</m:t>
+                          </m:r>
+                        </m:sup>
+                      </m:sSubSup>
+                      <m:r>
+                        <a:rPr lang="es-ES" sz="2800" i="1">
+                          <a:latin typeface="Cambria Math" panose="02040503050406030204" pitchFamily="18" charset="0"/>
+                          <a:ea typeface="Times New Roman" panose="02020603050405020304" pitchFamily="18" charset="0"/>
+                          <a:cs typeface="Arial" panose="020B0604020202020204" pitchFamily="34" charset="0"/>
+                        </a:rPr>
+                        <m:t>}</m:t>
+                      </m:r>
+                    </m:oMath>
+                  </m:oMathPara>
+                </a14:m>
+                <a:endParaRPr lang="es-MX" sz="2800" dirty="0"/>
+              </a:p>
+              <a:p>
+                <a:endParaRPr lang="es-MX" dirty="0"/>
+              </a:p>
+              <a:p>
+                <a:endParaRPr lang="es-MX" dirty="0"/>
+              </a:p>
+            </p:txBody>
+          </p:sp>
+        </mc:Choice>
+        <mc:Fallback xmlns="">
+          <p:sp>
+            <p:nvSpPr>
+              <p:cNvPr id="4" name="CuadroTexto 3">
+                <a:extLst>
+                  <a:ext uri="{FF2B5EF4-FFF2-40B4-BE49-F238E27FC236}">
+                    <a16:creationId xmlns:a16="http://schemas.microsoft.com/office/drawing/2014/main" id="{184FA38F-2D90-639F-A569-5EF6EC277F0F}"/>
+                  </a:ext>
+                </a:extLst>
+              </p:cNvPr>
+              <p:cNvSpPr txBox="1">
+                <a:spLocks noRot="1" noChangeAspect="1" noMove="1" noResize="1" noEditPoints="1" noAdjustHandles="1" noChangeArrowheads="1" noChangeShapeType="1" noTextEdit="1"/>
+              </p:cNvSpPr>
+              <p:nvPr/>
+            </p:nvSpPr>
+            <p:spPr>
+              <a:xfrm>
+                <a:off x="3730304" y="2425517"/>
+                <a:ext cx="5044580" cy="1154611"/>
+              </a:xfrm>
+              <a:prstGeom prst="rect">
+                <a:avLst/>
+              </a:prstGeom>
+              <a:blipFill>
+                <a:blip r:embed="rId3"/>
+                <a:stretch>
+                  <a:fillRect/>
+                </a:stretch>
+              </a:blipFill>
+            </p:spPr>
+            <p:txBody>
+              <a:bodyPr/>
+              <a:lstStyle/>
+              <a:p>
+                <a:r>
+                  <a:rPr lang="es-MX">
+                    <a:noFill/>
+                  </a:rPr>
+                  <a:t> </a:t>
+                </a:r>
+              </a:p>
+            </p:txBody>
+          </p:sp>
+        </mc:Fallback>
+      </mc:AlternateContent>
+      <mc:AlternateContent xmlns:mc="http://schemas.openxmlformats.org/markup-compatibility/2006" xmlns:a14="http://schemas.microsoft.com/office/drawing/2010/main">
+        <mc:Choice Requires="a14">
+          <p:sp>
+            <p:nvSpPr>
+              <p:cNvPr id="5" name="CuadroTexto 4">
+                <a:extLst>
+                  <a:ext uri="{FF2B5EF4-FFF2-40B4-BE49-F238E27FC236}">
+                    <a16:creationId xmlns:a16="http://schemas.microsoft.com/office/drawing/2014/main" id="{B81F4E12-E35D-307C-1755-6611306B74FA}"/>
+                  </a:ext>
+                </a:extLst>
+              </p:cNvPr>
+              <p:cNvSpPr txBox="1"/>
+              <p:nvPr/>
+            </p:nvSpPr>
+            <p:spPr>
+              <a:xfrm>
+                <a:off x="838200" y="3779833"/>
+                <a:ext cx="2307672" cy="1621021"/>
+              </a:xfrm>
+              <a:prstGeom prst="rect">
+                <a:avLst/>
+              </a:prstGeom>
+              <a:noFill/>
+            </p:spPr>
+            <p:txBody>
+              <a:bodyPr wrap="square" rtlCol="0">
+                <a:spAutoFit/>
+              </a:bodyPr>
+              <a:lstStyle/>
+              <a:p>
+                <a:pPr algn="ctr"/>
+                <a:r>
+                  <a:rPr lang="es-MX" dirty="0"/>
+                  <a:t>Caso </a:t>
+                </a:r>
+                <a14:m>
+                  <m:oMath xmlns:m="http://schemas.openxmlformats.org/officeDocument/2006/math">
+                    <m:sSubSup>
+                      <m:sSubSupPr>
+                        <m:ctrlPr>
+                          <a:rPr lang="es-MX" sz="1800" i="1" smtClean="0">
+                            <a:effectLst/>
+                            <a:latin typeface="Cambria Math" panose="02040503050406030204" pitchFamily="18" charset="0"/>
+                            <a:cs typeface="Arial" panose="020B0604020202020204" pitchFamily="34" charset="0"/>
+                          </a:rPr>
+                        </m:ctrlPr>
+                      </m:sSubSupPr>
+                      <m:e>
+                        <m:r>
+                          <a:rPr lang="es-ES" sz="1800" i="1">
+                            <a:effectLst/>
+                            <a:latin typeface="Cambria Math" panose="02040503050406030204" pitchFamily="18" charset="0"/>
+                            <a:ea typeface="Times New Roman" panose="02020603050405020304" pitchFamily="18" charset="0"/>
+                            <a:cs typeface="Arial" panose="020B0604020202020204" pitchFamily="34" charset="0"/>
+                          </a:rPr>
+                          <m:t>𝐵</m:t>
+                        </m:r>
+                      </m:e>
+                      <m:sub>
+                        <m:r>
+                          <a:rPr lang="es-ES" sz="1800" i="1">
+                            <a:effectLst/>
+                            <a:latin typeface="Cambria Math" panose="02040503050406030204" pitchFamily="18" charset="0"/>
+                            <a:ea typeface="Times New Roman" panose="02020603050405020304" pitchFamily="18" charset="0"/>
+                            <a:cs typeface="Arial" panose="020B0604020202020204" pitchFamily="34" charset="0"/>
+                          </a:rPr>
+                          <m:t>𝑝</m:t>
+                        </m:r>
+                        <m:r>
+                          <a:rPr lang="es-MX" sz="1800" b="0" i="1" smtClean="0">
+                            <a:effectLst/>
+                            <a:latin typeface="Cambria Math" panose="02040503050406030204" pitchFamily="18" charset="0"/>
+                            <a:ea typeface="Times New Roman" panose="02020603050405020304" pitchFamily="18" charset="0"/>
+                            <a:cs typeface="Arial" panose="020B0604020202020204" pitchFamily="34" charset="0"/>
+                          </a:rPr>
+                          <m:t>2</m:t>
+                        </m:r>
+                        <m:r>
+                          <a:rPr lang="es-MX" sz="1800" b="0" i="1" smtClean="0">
+                            <a:effectLst/>
+                            <a:latin typeface="Cambria Math" panose="02040503050406030204" pitchFamily="18" charset="0"/>
+                            <a:ea typeface="Times New Roman" panose="02020603050405020304" pitchFamily="18" charset="0"/>
+                            <a:cs typeface="Arial" panose="020B0604020202020204" pitchFamily="34" charset="0"/>
+                          </a:rPr>
+                          <m:t>𝑝</m:t>
+                        </m:r>
+                      </m:sub>
+                      <m:sup>
+                        <m:r>
+                          <a:rPr lang="es-ES" sz="1800" i="1">
+                            <a:effectLst/>
+                            <a:latin typeface="Cambria Math" panose="02040503050406030204" pitchFamily="18" charset="0"/>
+                            <a:ea typeface="Times New Roman" panose="02020603050405020304" pitchFamily="18" charset="0"/>
+                            <a:cs typeface="Arial" panose="020B0604020202020204" pitchFamily="34" charset="0"/>
+                          </a:rPr>
+                          <m:t>𝑖</m:t>
+                        </m:r>
+                      </m:sup>
+                    </m:sSubSup>
+                    <m:r>
+                      <a:rPr lang="es-MX" sz="1800" i="1">
+                        <a:effectLst/>
+                        <a:latin typeface="Cambria Math" panose="02040503050406030204" pitchFamily="18" charset="0"/>
+                        <a:ea typeface="Times New Roman" panose="02020603050405020304" pitchFamily="18" charset="0"/>
+                        <a:cs typeface="Arial" panose="020B0604020202020204" pitchFamily="34" charset="0"/>
+                      </a:rPr>
+                      <m:t>=</m:t>
+                    </m:r>
+                    <m:sSubSup>
+                      <m:sSubSupPr>
+                        <m:ctrlPr>
+                          <a:rPr lang="es-MX" sz="1800" i="1">
+                            <a:latin typeface="Cambria Math" panose="02040503050406030204" pitchFamily="18" charset="0"/>
+                            <a:cs typeface="Arial" panose="020B0604020202020204" pitchFamily="34" charset="0"/>
+                          </a:rPr>
+                        </m:ctrlPr>
+                      </m:sSubSupPr>
+                      <m:e>
+                        <m:r>
+                          <a:rPr lang="es-ES" sz="1800" i="1">
+                            <a:latin typeface="Cambria Math" panose="02040503050406030204" pitchFamily="18" charset="0"/>
+                            <a:ea typeface="Times New Roman" panose="02020603050405020304" pitchFamily="18" charset="0"/>
+                            <a:cs typeface="Arial" panose="020B0604020202020204" pitchFamily="34" charset="0"/>
+                          </a:rPr>
+                          <m:t>𝐵</m:t>
+                        </m:r>
+                      </m:e>
+                      <m:sub>
+                        <m:r>
+                          <a:rPr lang="es-ES" sz="1800" i="1">
+                            <a:latin typeface="Cambria Math" panose="02040503050406030204" pitchFamily="18" charset="0"/>
+                            <a:ea typeface="Times New Roman" panose="02020603050405020304" pitchFamily="18" charset="0"/>
+                            <a:cs typeface="Arial" panose="020B0604020202020204" pitchFamily="34" charset="0"/>
+                          </a:rPr>
+                          <m:t>𝑑</m:t>
+                        </m:r>
+                      </m:sub>
+                      <m:sup>
+                        <m:r>
+                          <a:rPr lang="es-ES" sz="1800" i="1">
+                            <a:latin typeface="Cambria Math" panose="02040503050406030204" pitchFamily="18" charset="0"/>
+                            <a:ea typeface="Times New Roman" panose="02020603050405020304" pitchFamily="18" charset="0"/>
+                            <a:cs typeface="Arial" panose="020B0604020202020204" pitchFamily="34" charset="0"/>
+                          </a:rPr>
+                          <m:t>𝑖</m:t>
+                        </m:r>
+                      </m:sup>
+                    </m:sSubSup>
+                  </m:oMath>
+                </a14:m>
+                <a:endParaRPr lang="es-MX" dirty="0"/>
+              </a:p>
+              <a:p>
+                <a:pPr algn="ctr"/>
+                <a:endParaRPr lang="es-MX" dirty="0"/>
+              </a:p>
+              <a:p>
+                <a:pPr algn="ctr"/>
+                <a14:m>
+                  <m:oMath xmlns:m="http://schemas.openxmlformats.org/officeDocument/2006/math">
+                    <m:sSubSup>
+                      <m:sSubSupPr>
+                        <m:ctrlPr>
+                          <a:rPr lang="es-MX" sz="1800" i="1" smtClean="0">
+                            <a:effectLst/>
+                            <a:latin typeface="Cambria Math" panose="02040503050406030204" pitchFamily="18" charset="0"/>
+                            <a:cs typeface="Arial" panose="020B0604020202020204" pitchFamily="34" charset="0"/>
+                          </a:rPr>
+                        </m:ctrlPr>
+                      </m:sSubSupPr>
+                      <m:e>
+                        <m:r>
+                          <a:rPr lang="es-ES" sz="1800" i="1">
+                            <a:effectLst/>
+                            <a:latin typeface="Cambria Math" panose="02040503050406030204" pitchFamily="18" charset="0"/>
+                            <a:ea typeface="Times New Roman" panose="02020603050405020304" pitchFamily="18" charset="0"/>
+                            <a:cs typeface="Arial" panose="020B0604020202020204" pitchFamily="34" charset="0"/>
+                          </a:rPr>
+                          <m:t>𝐵</m:t>
+                        </m:r>
+                      </m:e>
+                      <m:sub>
+                        <m:r>
+                          <a:rPr lang="es-MX" sz="1800" b="0" i="1" smtClean="0">
+                            <a:effectLst/>
+                            <a:latin typeface="Cambria Math" panose="02040503050406030204" pitchFamily="18" charset="0"/>
+                            <a:ea typeface="Times New Roman" panose="02020603050405020304" pitchFamily="18" charset="0"/>
+                            <a:cs typeface="Arial" panose="020B0604020202020204" pitchFamily="34" charset="0"/>
+                          </a:rPr>
+                          <m:t>𝑠𝑒𝑟𝑣</m:t>
+                        </m:r>
+                      </m:sub>
+                      <m:sup>
+                        <m:r>
+                          <a:rPr lang="es-ES" sz="1800" i="1">
+                            <a:effectLst/>
+                            <a:latin typeface="Cambria Math" panose="02040503050406030204" pitchFamily="18" charset="0"/>
+                            <a:ea typeface="Times New Roman" panose="02020603050405020304" pitchFamily="18" charset="0"/>
+                            <a:cs typeface="Arial" panose="020B0604020202020204" pitchFamily="34" charset="0"/>
+                          </a:rPr>
+                          <m:t>𝑖</m:t>
+                        </m:r>
+                      </m:sup>
+                    </m:sSubSup>
+                    <m:r>
+                      <a:rPr lang="es-MX" sz="1800" i="1">
+                        <a:effectLst/>
+                        <a:latin typeface="Cambria Math" panose="02040503050406030204" pitchFamily="18" charset="0"/>
+                        <a:ea typeface="Times New Roman" panose="02020603050405020304" pitchFamily="18" charset="0"/>
+                        <a:cs typeface="Arial" panose="020B0604020202020204" pitchFamily="34" charset="0"/>
+                      </a:rPr>
+                      <m:t>=</m:t>
+                    </m:r>
+                    <m:sSubSup>
+                      <m:sSubSupPr>
+                        <m:ctrlPr>
+                          <a:rPr lang="es-MX" i="1">
+                            <a:latin typeface="Cambria Math" panose="02040503050406030204" pitchFamily="18" charset="0"/>
+                            <a:cs typeface="Arial" panose="020B0604020202020204" pitchFamily="34" charset="0"/>
+                          </a:rPr>
+                        </m:ctrlPr>
+                      </m:sSubSupPr>
+                      <m:e>
+                        <m:r>
+                          <a:rPr lang="es-ES" i="1">
+                            <a:latin typeface="Cambria Math" panose="02040503050406030204" pitchFamily="18" charset="0"/>
+                            <a:ea typeface="Times New Roman" panose="02020603050405020304" pitchFamily="18" charset="0"/>
+                            <a:cs typeface="Arial" panose="020B0604020202020204" pitchFamily="34" charset="0"/>
+                          </a:rPr>
+                          <m:t>𝐵</m:t>
+                        </m:r>
+                      </m:e>
+                      <m:sub>
+                        <m:r>
+                          <a:rPr lang="es-ES" i="1">
+                            <a:latin typeface="Cambria Math" panose="02040503050406030204" pitchFamily="18" charset="0"/>
+                            <a:ea typeface="Times New Roman" panose="02020603050405020304" pitchFamily="18" charset="0"/>
+                            <a:cs typeface="Arial" panose="020B0604020202020204" pitchFamily="34" charset="0"/>
+                          </a:rPr>
+                          <m:t>𝑑</m:t>
+                        </m:r>
+                      </m:sub>
+                      <m:sup>
+                        <m:r>
+                          <a:rPr lang="es-ES" i="1">
+                            <a:latin typeface="Cambria Math" panose="02040503050406030204" pitchFamily="18" charset="0"/>
+                            <a:ea typeface="Times New Roman" panose="02020603050405020304" pitchFamily="18" charset="0"/>
+                            <a:cs typeface="Arial" panose="020B0604020202020204" pitchFamily="34" charset="0"/>
+                          </a:rPr>
+                          <m:t>𝑖</m:t>
+                        </m:r>
+                      </m:sup>
+                    </m:sSubSup>
+                  </m:oMath>
+                </a14:m>
+                <a:r>
+                  <a:rPr lang="es-MX" dirty="0"/>
+                  <a:t>-</a:t>
+                </a:r>
+                <a:r>
+                  <a:rPr lang="es-MX" dirty="0">
+                    <a:cs typeface="Arial" panose="020B0604020202020204" pitchFamily="34" charset="0"/>
+                  </a:rPr>
+                  <a:t> </a:t>
+                </a:r>
+                <a14:m>
+                  <m:oMath xmlns:m="http://schemas.openxmlformats.org/officeDocument/2006/math">
+                    <m:sSubSup>
+                      <m:sSubSupPr>
+                        <m:ctrlPr>
+                          <a:rPr lang="es-MX" i="1">
+                            <a:latin typeface="Cambria Math" panose="02040503050406030204" pitchFamily="18" charset="0"/>
+                            <a:cs typeface="Arial" panose="020B0604020202020204" pitchFamily="34" charset="0"/>
+                          </a:rPr>
+                        </m:ctrlPr>
+                      </m:sSubSupPr>
+                      <m:e>
+                        <m:r>
+                          <a:rPr lang="es-ES" i="1">
+                            <a:latin typeface="Cambria Math" panose="02040503050406030204" pitchFamily="18" charset="0"/>
+                            <a:ea typeface="Times New Roman" panose="02020603050405020304" pitchFamily="18" charset="0"/>
+                            <a:cs typeface="Arial" panose="020B0604020202020204" pitchFamily="34" charset="0"/>
+                          </a:rPr>
+                          <m:t>𝐵</m:t>
+                        </m:r>
+                      </m:e>
+                      <m:sub>
+                        <m:r>
+                          <a:rPr lang="es-ES" i="1">
+                            <a:latin typeface="Cambria Math" panose="02040503050406030204" pitchFamily="18" charset="0"/>
+                            <a:ea typeface="Times New Roman" panose="02020603050405020304" pitchFamily="18" charset="0"/>
+                            <a:cs typeface="Arial" panose="020B0604020202020204" pitchFamily="34" charset="0"/>
+                          </a:rPr>
+                          <m:t>𝑝</m:t>
+                        </m:r>
+                        <m:r>
+                          <a:rPr lang="es-MX" i="1">
+                            <a:latin typeface="Cambria Math" panose="02040503050406030204" pitchFamily="18" charset="0"/>
+                            <a:ea typeface="Times New Roman" panose="02020603050405020304" pitchFamily="18" charset="0"/>
+                            <a:cs typeface="Arial" panose="020B0604020202020204" pitchFamily="34" charset="0"/>
+                          </a:rPr>
+                          <m:t>2</m:t>
+                        </m:r>
+                        <m:r>
+                          <a:rPr lang="es-MX" i="1">
+                            <a:latin typeface="Cambria Math" panose="02040503050406030204" pitchFamily="18" charset="0"/>
+                            <a:ea typeface="Times New Roman" panose="02020603050405020304" pitchFamily="18" charset="0"/>
+                            <a:cs typeface="Arial" panose="020B0604020202020204" pitchFamily="34" charset="0"/>
+                          </a:rPr>
+                          <m:t>𝑝</m:t>
+                        </m:r>
+                      </m:sub>
+                      <m:sup>
+                        <m:r>
+                          <a:rPr lang="es-ES" i="1">
+                            <a:latin typeface="Cambria Math" panose="02040503050406030204" pitchFamily="18" charset="0"/>
+                            <a:ea typeface="Times New Roman" panose="02020603050405020304" pitchFamily="18" charset="0"/>
+                            <a:cs typeface="Arial" panose="020B0604020202020204" pitchFamily="34" charset="0"/>
+                          </a:rPr>
+                          <m:t>𝑖</m:t>
+                        </m:r>
+                      </m:sup>
+                    </m:sSubSup>
+                  </m:oMath>
+                </a14:m>
+                <a:endParaRPr lang="es-MX" dirty="0"/>
+              </a:p>
+              <a:p>
+                <a:pPr algn="ctr"/>
+                <a:endParaRPr lang="es-MX" dirty="0"/>
+              </a:p>
+              <a:p>
+                <a:pPr algn="ctr"/>
+                <a14:m>
+                  <m:oMathPara xmlns:m="http://schemas.openxmlformats.org/officeDocument/2006/math">
+                    <m:oMathParaPr>
+                      <m:jc m:val="centerGroup"/>
+                    </m:oMathParaPr>
+                    <m:oMath xmlns:m="http://schemas.openxmlformats.org/officeDocument/2006/math">
+                      <m:sSubSup>
+                        <m:sSubSupPr>
+                          <m:ctrlPr>
+                            <a:rPr lang="es-MX" sz="1800" i="1" smtClean="0">
+                              <a:effectLst/>
+                              <a:latin typeface="Cambria Math" panose="02040503050406030204" pitchFamily="18" charset="0"/>
+                              <a:cs typeface="Arial" panose="020B0604020202020204" pitchFamily="34" charset="0"/>
+                            </a:rPr>
+                          </m:ctrlPr>
+                        </m:sSubSupPr>
+                        <m:e>
+                          <m:r>
+                            <a:rPr lang="es-ES" sz="1800" i="1">
+                              <a:effectLst/>
+                              <a:latin typeface="Cambria Math" panose="02040503050406030204" pitchFamily="18" charset="0"/>
+                              <a:ea typeface="Times New Roman" panose="02020603050405020304" pitchFamily="18" charset="0"/>
+                              <a:cs typeface="Arial" panose="020B0604020202020204" pitchFamily="34" charset="0"/>
+                            </a:rPr>
+                            <m:t>𝐵</m:t>
+                          </m:r>
+                        </m:e>
+                        <m:sub>
+                          <m:r>
+                            <a:rPr lang="es-MX" sz="1800" b="0" i="1" smtClean="0">
+                              <a:effectLst/>
+                              <a:latin typeface="Cambria Math" panose="02040503050406030204" pitchFamily="18" charset="0"/>
+                              <a:ea typeface="Times New Roman" panose="02020603050405020304" pitchFamily="18" charset="0"/>
+                              <a:cs typeface="Arial" panose="020B0604020202020204" pitchFamily="34" charset="0"/>
+                            </a:rPr>
+                            <m:t>𝑠𝑒𝑟𝑣</m:t>
+                          </m:r>
+                        </m:sub>
+                        <m:sup>
+                          <m:r>
+                            <a:rPr lang="es-ES" sz="1800" i="1">
+                              <a:effectLst/>
+                              <a:latin typeface="Cambria Math" panose="02040503050406030204" pitchFamily="18" charset="0"/>
+                              <a:ea typeface="Times New Roman" panose="02020603050405020304" pitchFamily="18" charset="0"/>
+                              <a:cs typeface="Arial" panose="020B0604020202020204" pitchFamily="34" charset="0"/>
+                            </a:rPr>
+                            <m:t>𝑖</m:t>
+                          </m:r>
+                        </m:sup>
+                      </m:sSubSup>
+                      <m:r>
+                        <a:rPr lang="es-MX" sz="1800" i="1">
+                          <a:effectLst/>
+                          <a:latin typeface="Cambria Math" panose="02040503050406030204" pitchFamily="18" charset="0"/>
+                          <a:ea typeface="Times New Roman" panose="02020603050405020304" pitchFamily="18" charset="0"/>
+                          <a:cs typeface="Arial" panose="020B0604020202020204" pitchFamily="34" charset="0"/>
+                        </a:rPr>
+                        <m:t>=</m:t>
+                      </m:r>
+                      <m:r>
+                        <a:rPr lang="es-MX" sz="1800" b="0" i="1" smtClean="0">
+                          <a:effectLst/>
+                          <a:latin typeface="Cambria Math" panose="02040503050406030204" pitchFamily="18" charset="0"/>
+                          <a:ea typeface="Times New Roman" panose="02020603050405020304" pitchFamily="18" charset="0"/>
+                          <a:cs typeface="Arial" panose="020B0604020202020204" pitchFamily="34" charset="0"/>
+                        </a:rPr>
+                        <m:t>0</m:t>
+                      </m:r>
+                    </m:oMath>
+                  </m:oMathPara>
+                </a14:m>
+                <a:endParaRPr lang="es-MX" dirty="0"/>
+              </a:p>
+            </p:txBody>
+          </p:sp>
+        </mc:Choice>
+        <mc:Fallback xmlns="">
+          <p:sp>
+            <p:nvSpPr>
+              <p:cNvPr id="5" name="CuadroTexto 4">
+                <a:extLst>
+                  <a:ext uri="{FF2B5EF4-FFF2-40B4-BE49-F238E27FC236}">
+                    <a16:creationId xmlns:a16="http://schemas.microsoft.com/office/drawing/2014/main" id="{B81F4E12-E35D-307C-1755-6611306B74FA}"/>
+                  </a:ext>
+                </a:extLst>
+              </p:cNvPr>
+              <p:cNvSpPr txBox="1">
+                <a:spLocks noRot="1" noChangeAspect="1" noMove="1" noResize="1" noEditPoints="1" noAdjustHandles="1" noChangeArrowheads="1" noChangeShapeType="1" noTextEdit="1"/>
+              </p:cNvSpPr>
+              <p:nvPr/>
+            </p:nvSpPr>
+            <p:spPr>
+              <a:xfrm>
+                <a:off x="838200" y="3779833"/>
+                <a:ext cx="2307672" cy="1621021"/>
+              </a:xfrm>
+              <a:prstGeom prst="rect">
+                <a:avLst/>
+              </a:prstGeom>
+              <a:blipFill>
+                <a:blip r:embed="rId4"/>
+                <a:stretch>
+                  <a:fillRect t="-376"/>
+                </a:stretch>
+              </a:blipFill>
+            </p:spPr>
+            <p:txBody>
+              <a:bodyPr/>
+              <a:lstStyle/>
+              <a:p>
+                <a:r>
+                  <a:rPr lang="es-MX">
+                    <a:noFill/>
+                  </a:rPr>
+                  <a:t> </a:t>
+                </a:r>
+              </a:p>
+            </p:txBody>
+          </p:sp>
+        </mc:Fallback>
+      </mc:AlternateContent>
+      <mc:AlternateContent xmlns:mc="http://schemas.openxmlformats.org/markup-compatibility/2006" xmlns:a14="http://schemas.microsoft.com/office/drawing/2010/main">
+        <mc:Choice Requires="a14">
+          <p:sp>
+            <p:nvSpPr>
+              <p:cNvPr id="7" name="CuadroTexto 6">
+                <a:extLst>
+                  <a:ext uri="{FF2B5EF4-FFF2-40B4-BE49-F238E27FC236}">
+                    <a16:creationId xmlns:a16="http://schemas.microsoft.com/office/drawing/2014/main" id="{4EC06DB4-FD3B-F67A-CBEB-D1C8E057DE51}"/>
+                  </a:ext>
+                </a:extLst>
+              </p:cNvPr>
+              <p:cNvSpPr txBox="1"/>
+              <p:nvPr/>
+            </p:nvSpPr>
+            <p:spPr>
+              <a:xfrm>
+                <a:off x="8774884" y="3715065"/>
+                <a:ext cx="2307672" cy="1580113"/>
+              </a:xfrm>
+              <a:prstGeom prst="rect">
+                <a:avLst/>
+              </a:prstGeom>
+              <a:noFill/>
+            </p:spPr>
+            <p:txBody>
+              <a:bodyPr wrap="square" rtlCol="0">
+                <a:spAutoFit/>
+              </a:bodyPr>
+              <a:lstStyle/>
+              <a:p>
+                <a:pPr algn="ctr"/>
+                <a:r>
+                  <a:rPr lang="es-MX" dirty="0"/>
+                  <a:t>Caso </a:t>
+                </a:r>
+                <a14:m>
+                  <m:oMath xmlns:m="http://schemas.openxmlformats.org/officeDocument/2006/math">
+                    <m:sSubSup>
+                      <m:sSubSupPr>
+                        <m:ctrlPr>
+                          <a:rPr lang="es-MX" sz="1800" i="1" smtClean="0">
+                            <a:effectLst/>
+                            <a:latin typeface="Cambria Math" panose="02040503050406030204" pitchFamily="18" charset="0"/>
+                            <a:cs typeface="Arial" panose="020B0604020202020204" pitchFamily="34" charset="0"/>
+                          </a:rPr>
+                        </m:ctrlPr>
+                      </m:sSubSupPr>
+                      <m:e>
+                        <m:r>
+                          <a:rPr lang="es-ES" sz="1800" i="1">
+                            <a:effectLst/>
+                            <a:latin typeface="Cambria Math" panose="02040503050406030204" pitchFamily="18" charset="0"/>
+                            <a:ea typeface="Times New Roman" panose="02020603050405020304" pitchFamily="18" charset="0"/>
+                            <a:cs typeface="Arial" panose="020B0604020202020204" pitchFamily="34" charset="0"/>
+                          </a:rPr>
+                          <m:t>𝐵</m:t>
+                        </m:r>
+                      </m:e>
+                      <m:sub>
+                        <m:r>
+                          <a:rPr lang="es-ES" sz="1800" i="1">
+                            <a:effectLst/>
+                            <a:latin typeface="Cambria Math" panose="02040503050406030204" pitchFamily="18" charset="0"/>
+                            <a:ea typeface="Times New Roman" panose="02020603050405020304" pitchFamily="18" charset="0"/>
+                            <a:cs typeface="Arial" panose="020B0604020202020204" pitchFamily="34" charset="0"/>
+                          </a:rPr>
+                          <m:t>𝑝</m:t>
+                        </m:r>
+                        <m:r>
+                          <a:rPr lang="es-MX" sz="1800" b="0" i="1" smtClean="0">
+                            <a:effectLst/>
+                            <a:latin typeface="Cambria Math" panose="02040503050406030204" pitchFamily="18" charset="0"/>
+                            <a:ea typeface="Times New Roman" panose="02020603050405020304" pitchFamily="18" charset="0"/>
+                            <a:cs typeface="Arial" panose="020B0604020202020204" pitchFamily="34" charset="0"/>
+                          </a:rPr>
+                          <m:t>2</m:t>
+                        </m:r>
+                        <m:r>
+                          <a:rPr lang="es-MX" sz="1800" b="0" i="1" smtClean="0">
+                            <a:effectLst/>
+                            <a:latin typeface="Cambria Math" panose="02040503050406030204" pitchFamily="18" charset="0"/>
+                            <a:ea typeface="Times New Roman" panose="02020603050405020304" pitchFamily="18" charset="0"/>
+                            <a:cs typeface="Arial" panose="020B0604020202020204" pitchFamily="34" charset="0"/>
+                          </a:rPr>
+                          <m:t>𝑝</m:t>
+                        </m:r>
+                      </m:sub>
+                      <m:sup>
+                        <m:r>
+                          <a:rPr lang="es-ES" sz="1800" i="1">
+                            <a:effectLst/>
+                            <a:latin typeface="Cambria Math" panose="02040503050406030204" pitchFamily="18" charset="0"/>
+                            <a:ea typeface="Times New Roman" panose="02020603050405020304" pitchFamily="18" charset="0"/>
+                            <a:cs typeface="Arial" panose="020B0604020202020204" pitchFamily="34" charset="0"/>
+                          </a:rPr>
+                          <m:t>𝑖</m:t>
+                        </m:r>
+                      </m:sup>
+                    </m:sSubSup>
+                    <m:r>
+                      <a:rPr lang="es-MX" sz="1800" i="1">
+                        <a:effectLst/>
+                        <a:latin typeface="Cambria Math" panose="02040503050406030204" pitchFamily="18" charset="0"/>
+                        <a:ea typeface="Times New Roman" panose="02020603050405020304" pitchFamily="18" charset="0"/>
+                        <a:cs typeface="Arial" panose="020B0604020202020204" pitchFamily="34" charset="0"/>
+                      </a:rPr>
+                      <m:t>=</m:t>
+                    </m:r>
+                    <m:sSubSup>
+                      <m:sSubSupPr>
+                        <m:ctrlPr>
+                          <a:rPr lang="es-MX" i="1">
+                            <a:latin typeface="Cambria Math" panose="02040503050406030204" pitchFamily="18" charset="0"/>
+                            <a:cs typeface="Arial" panose="020B0604020202020204" pitchFamily="34" charset="0"/>
+                          </a:rPr>
+                        </m:ctrlPr>
+                      </m:sSubSupPr>
+                      <m:e>
+                        <m:r>
+                          <a:rPr lang="es-ES" i="1">
+                            <a:latin typeface="Cambria Math" panose="02040503050406030204" pitchFamily="18" charset="0"/>
+                            <a:ea typeface="Times New Roman" panose="02020603050405020304" pitchFamily="18" charset="0"/>
+                            <a:cs typeface="Arial" panose="020B0604020202020204" pitchFamily="34" charset="0"/>
+                          </a:rPr>
+                          <m:t>𝐵</m:t>
+                        </m:r>
+                      </m:e>
+                      <m:sub>
+                        <m:r>
+                          <a:rPr lang="es-ES" i="1">
+                            <a:latin typeface="Cambria Math" panose="02040503050406030204" pitchFamily="18" charset="0"/>
+                            <a:ea typeface="Times New Roman" panose="02020603050405020304" pitchFamily="18" charset="0"/>
+                            <a:cs typeface="Arial" panose="020B0604020202020204" pitchFamily="34" charset="0"/>
+                          </a:rPr>
+                          <m:t>𝑢</m:t>
+                        </m:r>
+                        <m:r>
+                          <a:rPr lang="es-ES" i="1">
+                            <a:latin typeface="Cambria Math" panose="02040503050406030204" pitchFamily="18" charset="0"/>
+                            <a:ea typeface="Times New Roman" panose="02020603050405020304" pitchFamily="18" charset="0"/>
+                            <a:cs typeface="Arial" panose="020B0604020202020204" pitchFamily="34" charset="0"/>
+                          </a:rPr>
+                          <m:t>,</m:t>
+                        </m:r>
+                        <m:r>
+                          <a:rPr lang="es-ES" i="1">
+                            <a:latin typeface="Cambria Math" panose="02040503050406030204" pitchFamily="18" charset="0"/>
+                            <a:ea typeface="Times New Roman" panose="02020603050405020304" pitchFamily="18" charset="0"/>
+                            <a:cs typeface="Arial" panose="020B0604020202020204" pitchFamily="34" charset="0"/>
+                          </a:rPr>
+                          <m:t>𝑝</m:t>
+                        </m:r>
+                      </m:sub>
+                      <m:sup>
+                        <m:r>
+                          <a:rPr lang="es-ES" i="1">
+                            <a:latin typeface="Cambria Math" panose="02040503050406030204" pitchFamily="18" charset="0"/>
+                            <a:ea typeface="Times New Roman" panose="02020603050405020304" pitchFamily="18" charset="0"/>
+                            <a:cs typeface="Arial" panose="020B0604020202020204" pitchFamily="34" charset="0"/>
+                          </a:rPr>
+                          <m:t>𝑖</m:t>
+                        </m:r>
+                      </m:sup>
+                    </m:sSubSup>
+                  </m:oMath>
+                </a14:m>
+                <a:endParaRPr lang="es-MX" dirty="0"/>
+              </a:p>
+              <a:p>
+                <a:pPr algn="ctr"/>
+                <a:endParaRPr lang="es-MX" dirty="0"/>
+              </a:p>
+              <a:p>
+                <a:pPr algn="ctr"/>
+                <a14:m>
+                  <m:oMath xmlns:m="http://schemas.openxmlformats.org/officeDocument/2006/math">
+                    <m:sSubSup>
+                      <m:sSubSupPr>
+                        <m:ctrlPr>
+                          <a:rPr lang="es-MX" sz="1800" i="1" smtClean="0">
+                            <a:effectLst/>
+                            <a:latin typeface="Cambria Math" panose="02040503050406030204" pitchFamily="18" charset="0"/>
+                            <a:cs typeface="Arial" panose="020B0604020202020204" pitchFamily="34" charset="0"/>
+                          </a:rPr>
+                        </m:ctrlPr>
+                      </m:sSubSupPr>
+                      <m:e>
+                        <m:r>
+                          <a:rPr lang="es-ES" sz="1800" i="1">
+                            <a:effectLst/>
+                            <a:latin typeface="Cambria Math" panose="02040503050406030204" pitchFamily="18" charset="0"/>
+                            <a:ea typeface="Times New Roman" panose="02020603050405020304" pitchFamily="18" charset="0"/>
+                            <a:cs typeface="Arial" panose="020B0604020202020204" pitchFamily="34" charset="0"/>
+                          </a:rPr>
+                          <m:t>𝐵</m:t>
+                        </m:r>
+                      </m:e>
+                      <m:sub>
+                        <m:r>
+                          <a:rPr lang="es-MX" sz="1800" b="0" i="1" smtClean="0">
+                            <a:effectLst/>
+                            <a:latin typeface="Cambria Math" panose="02040503050406030204" pitchFamily="18" charset="0"/>
+                            <a:ea typeface="Times New Roman" panose="02020603050405020304" pitchFamily="18" charset="0"/>
+                            <a:cs typeface="Arial" panose="020B0604020202020204" pitchFamily="34" charset="0"/>
+                          </a:rPr>
+                          <m:t>𝑠𝑒𝑟𝑣</m:t>
+                        </m:r>
+                      </m:sub>
+                      <m:sup>
+                        <m:r>
+                          <a:rPr lang="es-ES" sz="1800" i="1">
+                            <a:effectLst/>
+                            <a:latin typeface="Cambria Math" panose="02040503050406030204" pitchFamily="18" charset="0"/>
+                            <a:ea typeface="Times New Roman" panose="02020603050405020304" pitchFamily="18" charset="0"/>
+                            <a:cs typeface="Arial" panose="020B0604020202020204" pitchFamily="34" charset="0"/>
+                          </a:rPr>
+                          <m:t>𝑖</m:t>
+                        </m:r>
+                      </m:sup>
+                    </m:sSubSup>
+                    <m:r>
+                      <a:rPr lang="es-MX" sz="1800" i="1">
+                        <a:effectLst/>
+                        <a:latin typeface="Cambria Math" panose="02040503050406030204" pitchFamily="18" charset="0"/>
+                        <a:ea typeface="Times New Roman" panose="02020603050405020304" pitchFamily="18" charset="0"/>
+                        <a:cs typeface="Arial" panose="020B0604020202020204" pitchFamily="34" charset="0"/>
+                      </a:rPr>
+                      <m:t>=</m:t>
+                    </m:r>
+                    <m:sSubSup>
+                      <m:sSubSupPr>
+                        <m:ctrlPr>
+                          <a:rPr lang="es-MX" i="1">
+                            <a:latin typeface="Cambria Math" panose="02040503050406030204" pitchFamily="18" charset="0"/>
+                            <a:cs typeface="Arial" panose="020B0604020202020204" pitchFamily="34" charset="0"/>
+                          </a:rPr>
+                        </m:ctrlPr>
+                      </m:sSubSupPr>
+                      <m:e>
+                        <m:r>
+                          <a:rPr lang="es-ES" i="1">
+                            <a:latin typeface="Cambria Math" panose="02040503050406030204" pitchFamily="18" charset="0"/>
+                            <a:ea typeface="Times New Roman" panose="02020603050405020304" pitchFamily="18" charset="0"/>
+                            <a:cs typeface="Arial" panose="020B0604020202020204" pitchFamily="34" charset="0"/>
+                          </a:rPr>
+                          <m:t>𝐵</m:t>
+                        </m:r>
+                      </m:e>
+                      <m:sub>
+                        <m:r>
+                          <a:rPr lang="es-ES" i="1">
+                            <a:latin typeface="Cambria Math" panose="02040503050406030204" pitchFamily="18" charset="0"/>
+                            <a:ea typeface="Times New Roman" panose="02020603050405020304" pitchFamily="18" charset="0"/>
+                            <a:cs typeface="Arial" panose="020B0604020202020204" pitchFamily="34" charset="0"/>
+                          </a:rPr>
+                          <m:t>𝑑</m:t>
+                        </m:r>
+                      </m:sub>
+                      <m:sup>
+                        <m:r>
+                          <a:rPr lang="es-ES" i="1">
+                            <a:latin typeface="Cambria Math" panose="02040503050406030204" pitchFamily="18" charset="0"/>
+                            <a:ea typeface="Times New Roman" panose="02020603050405020304" pitchFamily="18" charset="0"/>
+                            <a:cs typeface="Arial" panose="020B0604020202020204" pitchFamily="34" charset="0"/>
+                          </a:rPr>
+                          <m:t>𝑖</m:t>
+                        </m:r>
+                      </m:sup>
+                    </m:sSubSup>
+                  </m:oMath>
+                </a14:m>
+                <a:r>
+                  <a:rPr lang="es-MX" dirty="0"/>
+                  <a:t>-</a:t>
+                </a:r>
+                <a:r>
+                  <a:rPr lang="es-MX" dirty="0">
+                    <a:cs typeface="Arial" panose="020B0604020202020204" pitchFamily="34" charset="0"/>
+                  </a:rPr>
+                  <a:t> </a:t>
+                </a:r>
+                <a14:m>
+                  <m:oMath xmlns:m="http://schemas.openxmlformats.org/officeDocument/2006/math">
+                    <m:sSubSup>
+                      <m:sSubSupPr>
+                        <m:ctrlPr>
+                          <a:rPr lang="es-MX" i="1">
+                            <a:latin typeface="Cambria Math" panose="02040503050406030204" pitchFamily="18" charset="0"/>
+                            <a:cs typeface="Arial" panose="020B0604020202020204" pitchFamily="34" charset="0"/>
+                          </a:rPr>
+                        </m:ctrlPr>
+                      </m:sSubSupPr>
+                      <m:e>
+                        <m:r>
+                          <a:rPr lang="es-ES" i="1">
+                            <a:latin typeface="Cambria Math" panose="02040503050406030204" pitchFamily="18" charset="0"/>
+                            <a:ea typeface="Times New Roman" panose="02020603050405020304" pitchFamily="18" charset="0"/>
+                            <a:cs typeface="Arial" panose="020B0604020202020204" pitchFamily="34" charset="0"/>
+                          </a:rPr>
+                          <m:t>𝐵</m:t>
+                        </m:r>
+                      </m:e>
+                      <m:sub>
+                        <m:r>
+                          <a:rPr lang="es-ES" i="1">
+                            <a:latin typeface="Cambria Math" panose="02040503050406030204" pitchFamily="18" charset="0"/>
+                            <a:ea typeface="Times New Roman" panose="02020603050405020304" pitchFamily="18" charset="0"/>
+                            <a:cs typeface="Arial" panose="020B0604020202020204" pitchFamily="34" charset="0"/>
+                          </a:rPr>
+                          <m:t>𝑝</m:t>
+                        </m:r>
+                        <m:r>
+                          <a:rPr lang="es-MX" i="1">
+                            <a:latin typeface="Cambria Math" panose="02040503050406030204" pitchFamily="18" charset="0"/>
+                            <a:ea typeface="Times New Roman" panose="02020603050405020304" pitchFamily="18" charset="0"/>
+                            <a:cs typeface="Arial" panose="020B0604020202020204" pitchFamily="34" charset="0"/>
+                          </a:rPr>
+                          <m:t>2</m:t>
+                        </m:r>
+                        <m:r>
+                          <a:rPr lang="es-MX" i="1">
+                            <a:latin typeface="Cambria Math" panose="02040503050406030204" pitchFamily="18" charset="0"/>
+                            <a:ea typeface="Times New Roman" panose="02020603050405020304" pitchFamily="18" charset="0"/>
+                            <a:cs typeface="Arial" panose="020B0604020202020204" pitchFamily="34" charset="0"/>
+                          </a:rPr>
+                          <m:t>𝑝</m:t>
+                        </m:r>
+                      </m:sub>
+                      <m:sup>
+                        <m:r>
+                          <a:rPr lang="es-ES" i="1">
+                            <a:latin typeface="Cambria Math" panose="02040503050406030204" pitchFamily="18" charset="0"/>
+                            <a:ea typeface="Times New Roman" panose="02020603050405020304" pitchFamily="18" charset="0"/>
+                            <a:cs typeface="Arial" panose="020B0604020202020204" pitchFamily="34" charset="0"/>
+                          </a:rPr>
+                          <m:t>𝑖</m:t>
+                        </m:r>
+                      </m:sup>
+                    </m:sSubSup>
+                  </m:oMath>
+                </a14:m>
+                <a:endParaRPr lang="es-MX" dirty="0"/>
+              </a:p>
+              <a:p>
+                <a:pPr algn="ctr"/>
+                <a:endParaRPr lang="es-MX" dirty="0"/>
+              </a:p>
+              <a:p>
+                <a:pPr algn="ctr"/>
+                <a14:m>
+                  <m:oMathPara xmlns:m="http://schemas.openxmlformats.org/officeDocument/2006/math">
+                    <m:oMathParaPr>
+                      <m:jc m:val="centerGroup"/>
+                    </m:oMathParaPr>
+                    <m:oMath xmlns:m="http://schemas.openxmlformats.org/officeDocument/2006/math">
+                      <m:sSubSup>
+                        <m:sSubSupPr>
+                          <m:ctrlPr>
+                            <a:rPr lang="es-MX" sz="1800" i="1" smtClean="0">
+                              <a:effectLst/>
+                              <a:latin typeface="Cambria Math" panose="02040503050406030204" pitchFamily="18" charset="0"/>
+                              <a:cs typeface="Arial" panose="020B0604020202020204" pitchFamily="34" charset="0"/>
+                            </a:rPr>
+                          </m:ctrlPr>
+                        </m:sSubSupPr>
+                        <m:e>
+                          <m:r>
+                            <a:rPr lang="es-ES" sz="1800" i="1">
+                              <a:effectLst/>
+                              <a:latin typeface="Cambria Math" panose="02040503050406030204" pitchFamily="18" charset="0"/>
+                              <a:ea typeface="Times New Roman" panose="02020603050405020304" pitchFamily="18" charset="0"/>
+                              <a:cs typeface="Arial" panose="020B0604020202020204" pitchFamily="34" charset="0"/>
+                            </a:rPr>
+                            <m:t>𝐵</m:t>
+                          </m:r>
+                        </m:e>
+                        <m:sub>
+                          <m:r>
+                            <a:rPr lang="es-MX" sz="1800" b="0" i="1" smtClean="0">
+                              <a:effectLst/>
+                              <a:latin typeface="Cambria Math" panose="02040503050406030204" pitchFamily="18" charset="0"/>
+                              <a:ea typeface="Times New Roman" panose="02020603050405020304" pitchFamily="18" charset="0"/>
+                              <a:cs typeface="Arial" panose="020B0604020202020204" pitchFamily="34" charset="0"/>
+                            </a:rPr>
+                            <m:t>𝑠𝑒𝑟𝑣</m:t>
+                          </m:r>
+                        </m:sub>
+                        <m:sup>
+                          <m:r>
+                            <a:rPr lang="es-ES" sz="1800" i="1">
+                              <a:effectLst/>
+                              <a:latin typeface="Cambria Math" panose="02040503050406030204" pitchFamily="18" charset="0"/>
+                              <a:ea typeface="Times New Roman" panose="02020603050405020304" pitchFamily="18" charset="0"/>
+                              <a:cs typeface="Arial" panose="020B0604020202020204" pitchFamily="34" charset="0"/>
+                            </a:rPr>
+                            <m:t>𝑖</m:t>
+                          </m:r>
+                        </m:sup>
+                      </m:sSubSup>
+                      <m:r>
+                        <a:rPr lang="es-MX" i="1">
+                          <a:latin typeface="Cambria Math" panose="02040503050406030204" pitchFamily="18" charset="0"/>
+                          <a:ea typeface="Times New Roman" panose="02020603050405020304" pitchFamily="18" charset="0"/>
+                          <a:cs typeface="Arial" panose="020B0604020202020204" pitchFamily="34" charset="0"/>
+                        </a:rPr>
+                        <m:t>≠</m:t>
+                      </m:r>
+                      <m:r>
+                        <a:rPr lang="es-MX" sz="1800" b="0" i="1" smtClean="0">
+                          <a:effectLst/>
+                          <a:latin typeface="Cambria Math" panose="02040503050406030204" pitchFamily="18" charset="0"/>
+                          <a:ea typeface="Times New Roman" panose="02020603050405020304" pitchFamily="18" charset="0"/>
+                          <a:cs typeface="Arial" panose="020B0604020202020204" pitchFamily="34" charset="0"/>
+                        </a:rPr>
+                        <m:t>0</m:t>
+                      </m:r>
+                    </m:oMath>
+                  </m:oMathPara>
+                </a14:m>
+                <a:endParaRPr lang="es-MX" dirty="0"/>
+              </a:p>
+            </p:txBody>
+          </p:sp>
+        </mc:Choice>
+        <mc:Fallback xmlns="">
+          <p:sp>
+            <p:nvSpPr>
+              <p:cNvPr id="7" name="CuadroTexto 6">
+                <a:extLst>
+                  <a:ext uri="{FF2B5EF4-FFF2-40B4-BE49-F238E27FC236}">
+                    <a16:creationId xmlns:a16="http://schemas.microsoft.com/office/drawing/2014/main" id="{4EC06DB4-FD3B-F67A-CBEB-D1C8E057DE51}"/>
+                  </a:ext>
+                </a:extLst>
+              </p:cNvPr>
+              <p:cNvSpPr txBox="1">
+                <a:spLocks noRot="1" noChangeAspect="1" noMove="1" noResize="1" noEditPoints="1" noAdjustHandles="1" noChangeArrowheads="1" noChangeShapeType="1" noTextEdit="1"/>
+              </p:cNvSpPr>
+              <p:nvPr/>
+            </p:nvSpPr>
+            <p:spPr>
+              <a:xfrm>
+                <a:off x="8774884" y="3715065"/>
+                <a:ext cx="2307672" cy="1580113"/>
+              </a:xfrm>
+              <a:prstGeom prst="rect">
+                <a:avLst/>
+              </a:prstGeom>
+              <a:blipFill>
+                <a:blip r:embed="rId5"/>
+                <a:stretch>
+                  <a:fillRect t="-385"/>
+                </a:stretch>
+              </a:blipFill>
+            </p:spPr>
+            <p:txBody>
+              <a:bodyPr/>
+              <a:lstStyle/>
+              <a:p>
+                <a:r>
+                  <a:rPr lang="es-MX">
+                    <a:noFill/>
+                  </a:rPr>
+                  <a:t> </a:t>
+                </a:r>
+              </a:p>
+            </p:txBody>
+          </p:sp>
+        </mc:Fallback>
+      </mc:AlternateContent>
+    </p:spTree>
+    <p:extLst>
+      <p:ext uri="{BB962C8B-B14F-4D97-AF65-F5344CB8AC3E}">
+        <p14:creationId xmlns:p14="http://schemas.microsoft.com/office/powerpoint/2010/main" val="2121186853"/>
+      </p:ext>
+    </p:extLst>
+  </p:cSld>
+  <p:clrMapOvr>
+    <a:masterClrMapping/>
+  </p:clrMapOvr>
+</p:sld>
+</file>
+
+<file path=ppt/slides/slide11.xml><?xml version="1.0" encoding="utf-8"?>
+<p:sld xmlns:a="http://schemas.openxmlformats.org/drawingml/2006/main" xmlns:r="http://schemas.openxmlformats.org/officeDocument/2006/relationships" xmlns:p="http://schemas.openxmlformats.org/presentationml/2006/main">
+  <p:cSld>
+    <p:spTree>
+      <p:nvGrpSpPr>
+        <p:cNvPr id="1" name=""/>
+        <p:cNvGrpSpPr/>
+        <p:nvPr/>
+      </p:nvGrpSpPr>
+      <p:grpSpPr>
+        <a:xfrm>
+          <a:off x="0" y="0"/>
+          <a:ext cx="0" cy="0"/>
+          <a:chOff x="0" y="0"/>
+          <a:chExt cx="0" cy="0"/>
+        </a:xfrm>
+      </p:grpSpPr>
+      <p:sp>
+        <p:nvSpPr>
+          <p:cNvPr id="2" name="Título 1">
+            <a:extLst>
+              <a:ext uri="{FF2B5EF4-FFF2-40B4-BE49-F238E27FC236}">
                 <a16:creationId xmlns:a16="http://schemas.microsoft.com/office/drawing/2014/main" id="{FBB28E85-F237-093A-590A-5D05D179D148}"/>
               </a:ext>
             </a:extLst>
@@ -5490,7 +7057,7 @@
 </p:sld>
 </file>
 
-<file path=ppt/slides/slide11.xml><?xml version="1.0" encoding="utf-8"?>
+<file path=ppt/slides/slide12.xml><?xml version="1.0" encoding="utf-8"?>
 <p:sld xmlns:a="http://schemas.openxmlformats.org/drawingml/2006/main" xmlns:r="http://schemas.openxmlformats.org/officeDocument/2006/relationships" xmlns:p="http://schemas.openxmlformats.org/presentationml/2006/main">
   <p:cSld>
     <p:spTree>
@@ -5637,7 +7204,7 @@
 </p:sld>
 </file>
 
-<file path=ppt/slides/slide12.xml><?xml version="1.0" encoding="utf-8"?>
+<file path=ppt/slides/slide13.xml><?xml version="1.0" encoding="utf-8"?>
 <p:sld xmlns:a="http://schemas.openxmlformats.org/drawingml/2006/main" xmlns:r="http://schemas.openxmlformats.org/officeDocument/2006/relationships" xmlns:p="http://schemas.openxmlformats.org/presentationml/2006/main">
   <p:cSld>
     <p:spTree>
@@ -5784,7 +7351,7 @@
 </p:sld>
 </file>
 
-<file path=ppt/slides/slide13.xml><?xml version="1.0" encoding="utf-8"?>
+<file path=ppt/slides/slide14.xml><?xml version="1.0" encoding="utf-8"?>
 <p:sld xmlns:a="http://schemas.openxmlformats.org/drawingml/2006/main" xmlns:r="http://schemas.openxmlformats.org/officeDocument/2006/relationships" xmlns:p="http://schemas.openxmlformats.org/presentationml/2006/main">
   <p:cSld>
     <p:spTree>
@@ -5967,7 +7534,7 @@
 </p:sld>
 </file>
 
-<file path=ppt/slides/slide14.xml><?xml version="1.0" encoding="utf-8"?>
+<file path=ppt/slides/slide15.xml><?xml version="1.0" encoding="utf-8"?>
 <p:sld xmlns:a="http://schemas.openxmlformats.org/drawingml/2006/main" xmlns:r="http://schemas.openxmlformats.org/officeDocument/2006/relationships" xmlns:p="http://schemas.openxmlformats.org/presentationml/2006/main">
   <p:cSld>
     <p:spTree>
@@ -6145,7 +7712,7 @@
 </p:sld>
 </file>
 
-<file path=ppt/slides/slide15.xml><?xml version="1.0" encoding="utf-8"?>
+<file path=ppt/slides/slide16.xml><?xml version="1.0" encoding="utf-8"?>
 <p:sld xmlns:a="http://schemas.openxmlformats.org/drawingml/2006/main" xmlns:r="http://schemas.openxmlformats.org/officeDocument/2006/relationships" xmlns:p="http://schemas.openxmlformats.org/presentationml/2006/main">
   <p:cSld>
     <p:spTree>
@@ -6262,7 +7829,7 @@
 </p:sld>
 </file>
 
-<file path=ppt/slides/slide16.xml><?xml version="1.0" encoding="utf-8"?>
+<file path=ppt/slides/slide17.xml><?xml version="1.0" encoding="utf-8"?>
 <p:sld xmlns:a="http://schemas.openxmlformats.org/drawingml/2006/main" xmlns:r="http://schemas.openxmlformats.org/officeDocument/2006/relationships" xmlns:p="http://schemas.openxmlformats.org/presentationml/2006/main">
   <p:cSld>
     <p:spTree>
@@ -6379,716 +7946,7 @@
 </p:sld>
 </file>
 
-<file path=ppt/slides/slide17.xml><?xml version="1.0" encoding="utf-8"?>
-<p:sld xmlns:a="http://schemas.openxmlformats.org/drawingml/2006/main" xmlns:r="http://schemas.openxmlformats.org/officeDocument/2006/relationships" xmlns:p="http://schemas.openxmlformats.org/presentationml/2006/main">
-  <p:cSld>
-    <p:spTree>
-      <p:nvGrpSpPr>
-        <p:cNvPr id="1" name=""/>
-        <p:cNvGrpSpPr/>
-        <p:nvPr/>
-      </p:nvGrpSpPr>
-      <p:grpSpPr>
-        <a:xfrm>
-          <a:off x="0" y="0"/>
-          <a:ext cx="0" cy="0"/>
-          <a:chOff x="0" y="0"/>
-          <a:chExt cx="0" cy="0"/>
-        </a:xfrm>
-      </p:grpSpPr>
-      <p:sp>
-        <p:nvSpPr>
-          <p:cNvPr id="2" name="Título 1">
-            <a:extLst>
-              <a:ext uri="{FF2B5EF4-FFF2-40B4-BE49-F238E27FC236}">
-                <a16:creationId xmlns:a16="http://schemas.microsoft.com/office/drawing/2014/main" id="{F390A88F-3764-F207-6C0D-1CD1545AABF9}"/>
-              </a:ext>
-            </a:extLst>
-          </p:cNvPr>
-          <p:cNvSpPr>
-            <a:spLocks noGrp="1"/>
-          </p:cNvSpPr>
-          <p:nvPr>
-            <p:ph type="title"/>
-          </p:nvPr>
-        </p:nvSpPr>
-        <p:spPr/>
-        <p:txBody>
-          <a:bodyPr/>
-          <a:lstStyle/>
-          <a:p>
-            <a:r>
-              <a:rPr lang="es-MX" dirty="0"/>
-              <a:t>Parámetros normales </a:t>
-            </a:r>
-            <a:br>
-              <a:rPr lang="es-MX" dirty="0"/>
-            </a:br>
-            <a:endParaRPr lang="es-MX" dirty="0"/>
-          </a:p>
-        </p:txBody>
-      </p:sp>
-      <p:sp>
-        <p:nvSpPr>
-          <p:cNvPr id="3" name="Marcador de contenido 2">
-            <a:extLst>
-              <a:ext uri="{FF2B5EF4-FFF2-40B4-BE49-F238E27FC236}">
-                <a16:creationId xmlns:a16="http://schemas.microsoft.com/office/drawing/2014/main" id="{9891DEB3-AE6C-6C58-3C70-57D15AF1D23E}"/>
-              </a:ext>
-            </a:extLst>
-          </p:cNvPr>
-          <p:cNvSpPr>
-            <a:spLocks noGrp="1"/>
-          </p:cNvSpPr>
-          <p:nvPr>
-            <p:ph idx="1"/>
-          </p:nvPr>
-        </p:nvSpPr>
-        <p:spPr/>
-        <p:txBody>
-          <a:bodyPr>
-            <a:normAutofit lnSpcReduction="10000"/>
-          </a:bodyPr>
-          <a:lstStyle/>
-          <a:p>
-            <a:r>
-              <a:rPr lang="es-MX" sz="1800" b="0" i="0" u="none" strike="noStrike" baseline="0" dirty="0">
-                <a:solidFill>
-                  <a:srgbClr val="000000"/>
-                </a:solidFill>
-                <a:latin typeface="Courier New" panose="02070309020205020404" pitchFamily="49" charset="0"/>
-              </a:rPr>
-              <a:t>C=[36];</a:t>
-            </a:r>
-            <a:r>
-              <a:rPr lang="es-MX" sz="1800" b="0" i="0" u="none" strike="noStrike" baseline="0" dirty="0">
-                <a:solidFill>
-                  <a:srgbClr val="028009"/>
-                </a:solidFill>
-                <a:latin typeface="Courier New" panose="02070309020205020404" pitchFamily="49" charset="0"/>
-              </a:rPr>
-              <a:t>% Número de ventanas para q=12</a:t>
-            </a:r>
-          </a:p>
-          <a:p>
-            <a:r>
-              <a:rPr lang="es-ES" sz="1800" b="0" i="0" u="none" strike="noStrike" baseline="0" dirty="0">
-                <a:solidFill>
-                  <a:srgbClr val="000000"/>
-                </a:solidFill>
-                <a:latin typeface="Courier New" panose="02070309020205020404" pitchFamily="49" charset="0"/>
-              </a:rPr>
-              <a:t>teta=[2].*(10^-3);</a:t>
-            </a:r>
-            <a:r>
-              <a:rPr lang="es-ES" sz="1800" b="0" i="0" u="none" strike="noStrike" baseline="0" dirty="0">
-                <a:solidFill>
-                  <a:srgbClr val="028009"/>
-                </a:solidFill>
-                <a:latin typeface="Courier New" panose="02070309020205020404" pitchFamily="49" charset="0"/>
-              </a:rPr>
-              <a:t>%Tasa de desconexión general  para q=4</a:t>
-            </a:r>
-          </a:p>
-          <a:p>
-            <a:r>
-              <a:rPr lang="es-ES" sz="1800" b="0" i="0" u="none" strike="noStrike" baseline="0" dirty="0" err="1">
-                <a:solidFill>
-                  <a:srgbClr val="000000"/>
-                </a:solidFill>
-                <a:latin typeface="Courier New" panose="02070309020205020404" pitchFamily="49" charset="0"/>
-              </a:rPr>
-              <a:t>lmb</a:t>
-            </a:r>
-            <a:r>
-              <a:rPr lang="es-ES" sz="1800" b="0" i="0" u="none" strike="noStrike" baseline="0" dirty="0">
-                <a:solidFill>
-                  <a:srgbClr val="000000"/>
-                </a:solidFill>
-                <a:latin typeface="Courier New" panose="02070309020205020404" pitchFamily="49" charset="0"/>
-              </a:rPr>
-              <a:t>=0.04;</a:t>
-            </a:r>
-            <a:r>
-              <a:rPr lang="es-ES" sz="1800" b="0" i="0" u="none" strike="noStrike" baseline="0" dirty="0">
-                <a:solidFill>
-                  <a:srgbClr val="028009"/>
-                </a:solidFill>
-                <a:latin typeface="Courier New" panose="02070309020205020404" pitchFamily="49" charset="0"/>
-              </a:rPr>
-              <a:t>%Tasa de conexión </a:t>
-            </a:r>
-          </a:p>
-          <a:p>
-            <a:r>
-              <a:rPr lang="es-MX" sz="1800" b="0" i="0" u="none" strike="noStrike" baseline="0" dirty="0">
-                <a:solidFill>
-                  <a:srgbClr val="000000"/>
-                </a:solidFill>
-                <a:latin typeface="Courier New" panose="02070309020205020404" pitchFamily="49" charset="0"/>
-              </a:rPr>
-              <a:t>c=0.00407;</a:t>
-            </a:r>
-            <a:r>
-              <a:rPr lang="es-MX" sz="1800" b="0" i="0" u="none" strike="noStrike" baseline="0" dirty="0">
-                <a:solidFill>
-                  <a:srgbClr val="028009"/>
-                </a:solidFill>
-                <a:latin typeface="Courier New" panose="02070309020205020404" pitchFamily="49" charset="0"/>
-              </a:rPr>
-              <a:t>%Tasa de descarga general</a:t>
-            </a:r>
-          </a:p>
-          <a:p>
-            <a:r>
-              <a:rPr lang="es-MX" sz="1800" b="0" i="0" u="none" strike="noStrike" baseline="0" dirty="0">
-                <a:solidFill>
-                  <a:srgbClr val="000000"/>
-                </a:solidFill>
-                <a:latin typeface="Courier New" panose="02070309020205020404" pitchFamily="49" charset="0"/>
-              </a:rPr>
-              <a:t>mu=0.00255;</a:t>
-            </a:r>
-            <a:r>
-              <a:rPr lang="es-MX" sz="1800" b="0" i="0" u="none" strike="noStrike" baseline="0" dirty="0">
-                <a:solidFill>
-                  <a:srgbClr val="028009"/>
-                </a:solidFill>
-                <a:latin typeface="Courier New" panose="02070309020205020404" pitchFamily="49" charset="0"/>
-              </a:rPr>
-              <a:t>%Tasa de subida general</a:t>
-            </a:r>
-          </a:p>
-          <a:p>
-            <a:r>
-              <a:rPr lang="es-ES" sz="1800" b="0" i="0" u="none" strike="noStrike" baseline="0" dirty="0">
-                <a:solidFill>
-                  <a:srgbClr val="000000"/>
-                </a:solidFill>
-                <a:latin typeface="Courier New" panose="02070309020205020404" pitchFamily="49" charset="0"/>
-              </a:rPr>
-              <a:t>ms=1.24;</a:t>
-            </a:r>
-            <a:r>
-              <a:rPr lang="es-ES" sz="1800" b="0" i="0" u="none" strike="noStrike" baseline="0" dirty="0">
-                <a:solidFill>
-                  <a:srgbClr val="028009"/>
-                </a:solidFill>
-                <a:latin typeface="Courier New" panose="02070309020205020404" pitchFamily="49" charset="0"/>
-              </a:rPr>
-              <a:t>%Tasa de subida red CDN</a:t>
-            </a:r>
-          </a:p>
-          <a:p>
-            <a:r>
-              <a:rPr lang="es-MX" sz="1800" b="0" i="0" u="none" strike="noStrike" baseline="0" dirty="0" err="1">
-                <a:solidFill>
-                  <a:srgbClr val="000000"/>
-                </a:solidFill>
-                <a:latin typeface="Courier New" panose="02070309020205020404" pitchFamily="49" charset="0"/>
-              </a:rPr>
-              <a:t>X_prom</a:t>
-            </a:r>
-            <a:r>
-              <a:rPr lang="es-MX" sz="1800" b="0" i="0" u="none" strike="noStrike" baseline="0" dirty="0">
-                <a:solidFill>
-                  <a:srgbClr val="000000"/>
-                </a:solidFill>
-                <a:latin typeface="Courier New" panose="02070309020205020404" pitchFamily="49" charset="0"/>
-              </a:rPr>
-              <a:t>=</a:t>
-            </a:r>
-            <a:r>
-              <a:rPr lang="es-MX" sz="1800" b="0" i="0" u="none" strike="noStrike" baseline="0" dirty="0" err="1">
-                <a:solidFill>
-                  <a:srgbClr val="000000"/>
-                </a:solidFill>
-                <a:latin typeface="Courier New" panose="02070309020205020404" pitchFamily="49" charset="0"/>
-              </a:rPr>
-              <a:t>zeros</a:t>
-            </a:r>
-            <a:r>
-              <a:rPr lang="es-MX" sz="1800" b="0" i="0" u="none" strike="noStrike" baseline="0" dirty="0">
-                <a:solidFill>
-                  <a:srgbClr val="000000"/>
-                </a:solidFill>
-                <a:latin typeface="Courier New" panose="02070309020205020404" pitchFamily="49" charset="0"/>
-              </a:rPr>
-              <a:t>(</a:t>
-            </a:r>
-            <a:r>
-              <a:rPr lang="es-MX" sz="1800" b="0" i="0" u="none" strike="noStrike" baseline="0" dirty="0" err="1">
-                <a:solidFill>
-                  <a:srgbClr val="000000"/>
-                </a:solidFill>
-                <a:latin typeface="Courier New" panose="02070309020205020404" pitchFamily="49" charset="0"/>
-              </a:rPr>
-              <a:t>length</a:t>
-            </a:r>
-            <a:r>
-              <a:rPr lang="es-MX" sz="1800" b="0" i="0" u="none" strike="noStrike" baseline="0" dirty="0">
-                <a:solidFill>
-                  <a:srgbClr val="000000"/>
-                </a:solidFill>
-                <a:latin typeface="Courier New" panose="02070309020205020404" pitchFamily="49" charset="0"/>
-              </a:rPr>
-              <a:t>(C),</a:t>
-            </a:r>
-            <a:r>
-              <a:rPr lang="es-MX" sz="1800" b="0" i="0" u="none" strike="noStrike" baseline="0" dirty="0" err="1">
-                <a:solidFill>
-                  <a:srgbClr val="000000"/>
-                </a:solidFill>
-                <a:latin typeface="Courier New" panose="02070309020205020404" pitchFamily="49" charset="0"/>
-              </a:rPr>
-              <a:t>length</a:t>
-            </a:r>
-            <a:r>
-              <a:rPr lang="es-MX" sz="1800" b="0" i="0" u="none" strike="noStrike" baseline="0" dirty="0">
-                <a:solidFill>
-                  <a:srgbClr val="000000"/>
-                </a:solidFill>
-                <a:latin typeface="Courier New" panose="02070309020205020404" pitchFamily="49" charset="0"/>
-              </a:rPr>
-              <a:t>(teta));</a:t>
-            </a:r>
-            <a:r>
-              <a:rPr lang="es-MX" sz="1800" b="0" i="0" u="none" strike="noStrike" baseline="0" dirty="0">
-                <a:solidFill>
-                  <a:srgbClr val="028009"/>
-                </a:solidFill>
-                <a:latin typeface="Courier New" panose="02070309020205020404" pitchFamily="49" charset="0"/>
-              </a:rPr>
-              <a:t>%Matriz de </a:t>
-            </a:r>
-            <a:r>
-              <a:rPr lang="es-MX" sz="1800" b="0" i="0" u="none" strike="noStrike" baseline="0" dirty="0" err="1">
-                <a:solidFill>
-                  <a:srgbClr val="028009"/>
-                </a:solidFill>
-                <a:latin typeface="Courier New" panose="02070309020205020404" pitchFamily="49" charset="0"/>
-              </a:rPr>
-              <a:t>downloaders</a:t>
-            </a:r>
-            <a:r>
-              <a:rPr lang="es-MX" sz="1800" b="0" i="0" u="none" strike="noStrike" baseline="0" dirty="0">
-                <a:solidFill>
-                  <a:srgbClr val="028009"/>
-                </a:solidFill>
-                <a:latin typeface="Courier New" panose="02070309020205020404" pitchFamily="49" charset="0"/>
-              </a:rPr>
-              <a:t> promedio</a:t>
-            </a:r>
-          </a:p>
-          <a:p>
-            <a:r>
-              <a:rPr lang="es-ES" sz="1800" b="0" i="0" u="none" strike="noStrike" baseline="0" dirty="0">
-                <a:solidFill>
-                  <a:srgbClr val="000000"/>
-                </a:solidFill>
-                <a:latin typeface="Courier New" panose="02070309020205020404" pitchFamily="49" charset="0"/>
-              </a:rPr>
-              <a:t>IT=1000000;</a:t>
-            </a:r>
-            <a:r>
-              <a:rPr lang="es-ES" sz="1800" b="0" i="0" u="none" strike="noStrike" baseline="0" dirty="0">
-                <a:solidFill>
-                  <a:srgbClr val="028009"/>
-                </a:solidFill>
-                <a:latin typeface="Courier New" panose="02070309020205020404" pitchFamily="49" charset="0"/>
-              </a:rPr>
-              <a:t>%Número de iteraciones para la simulación</a:t>
-            </a:r>
-          </a:p>
-          <a:p>
-            <a:r>
-              <a:rPr lang="es-ES" sz="1800" b="0" i="0" u="none" strike="noStrike" baseline="0" dirty="0" err="1">
-                <a:solidFill>
-                  <a:srgbClr val="000000"/>
-                </a:solidFill>
-                <a:latin typeface="Courier New" panose="02070309020205020404" pitchFamily="49" charset="0"/>
-              </a:rPr>
-              <a:t>cw</a:t>
-            </a:r>
-            <a:r>
-              <a:rPr lang="es-ES" sz="1800" b="0" i="0" u="none" strike="noStrike" baseline="0" dirty="0">
-                <a:solidFill>
-                  <a:srgbClr val="000000"/>
-                </a:solidFill>
-                <a:latin typeface="Courier New" panose="02070309020205020404" pitchFamily="49" charset="0"/>
-              </a:rPr>
-              <a:t>=C(</a:t>
-            </a:r>
-            <a:r>
-              <a:rPr lang="es-ES" sz="1800" b="0" i="0" u="none" strike="noStrike" baseline="0" dirty="0" err="1">
-                <a:solidFill>
-                  <a:srgbClr val="000000"/>
-                </a:solidFill>
-                <a:latin typeface="Courier New" panose="02070309020205020404" pitchFamily="49" charset="0"/>
-              </a:rPr>
-              <a:t>idxc</a:t>
-            </a:r>
-            <a:r>
-              <a:rPr lang="es-ES" sz="1800" b="0" i="0" u="none" strike="noStrike" baseline="0" dirty="0">
-                <a:solidFill>
-                  <a:srgbClr val="000000"/>
-                </a:solidFill>
-                <a:latin typeface="Courier New" panose="02070309020205020404" pitchFamily="49" charset="0"/>
-              </a:rPr>
-              <a:t>)*c;</a:t>
-            </a:r>
-            <a:r>
-              <a:rPr lang="es-ES" sz="1800" b="0" i="0" u="none" strike="noStrike" baseline="0" dirty="0">
-                <a:solidFill>
-                  <a:srgbClr val="028009"/>
-                </a:solidFill>
-                <a:latin typeface="Courier New" panose="02070309020205020404" pitchFamily="49" charset="0"/>
-              </a:rPr>
-              <a:t>%Tasa de descarga promedio de un peer</a:t>
-            </a:r>
-          </a:p>
-          <a:p>
-            <a:r>
-              <a:rPr lang="es-ES" sz="1800" b="0" i="0" u="none" strike="noStrike" baseline="0" dirty="0">
-                <a:solidFill>
-                  <a:srgbClr val="000000"/>
-                </a:solidFill>
-                <a:latin typeface="Courier New" panose="02070309020205020404" pitchFamily="49" charset="0"/>
-              </a:rPr>
-              <a:t>      </a:t>
-            </a:r>
-            <a:r>
-              <a:rPr lang="es-ES" sz="1800" b="0" i="0" u="none" strike="noStrike" baseline="0" dirty="0" err="1">
-                <a:solidFill>
-                  <a:srgbClr val="000000"/>
-                </a:solidFill>
-                <a:latin typeface="Courier New" panose="02070309020205020404" pitchFamily="49" charset="0"/>
-              </a:rPr>
-              <a:t>mw</a:t>
-            </a:r>
-            <a:r>
-              <a:rPr lang="es-ES" sz="1800" b="0" i="0" u="none" strike="noStrike" baseline="0" dirty="0">
-                <a:solidFill>
-                  <a:srgbClr val="000000"/>
-                </a:solidFill>
-                <a:latin typeface="Courier New" panose="02070309020205020404" pitchFamily="49" charset="0"/>
-              </a:rPr>
-              <a:t>=C(</a:t>
-            </a:r>
-            <a:r>
-              <a:rPr lang="es-ES" sz="1800" b="0" i="0" u="none" strike="noStrike" baseline="0" dirty="0" err="1">
-                <a:solidFill>
-                  <a:srgbClr val="000000"/>
-                </a:solidFill>
-                <a:latin typeface="Courier New" panose="02070309020205020404" pitchFamily="49" charset="0"/>
-              </a:rPr>
-              <a:t>idxc</a:t>
-            </a:r>
-            <a:r>
-              <a:rPr lang="es-ES" sz="1800" b="0" i="0" u="none" strike="noStrike" baseline="0" dirty="0">
-                <a:solidFill>
-                  <a:srgbClr val="000000"/>
-                </a:solidFill>
-                <a:latin typeface="Courier New" panose="02070309020205020404" pitchFamily="49" charset="0"/>
-              </a:rPr>
-              <a:t>)*mu;</a:t>
-            </a:r>
-            <a:r>
-              <a:rPr lang="es-ES" sz="1800" b="0" i="0" u="none" strike="noStrike" baseline="0" dirty="0">
-                <a:solidFill>
-                  <a:srgbClr val="028009"/>
-                </a:solidFill>
-                <a:latin typeface="Courier New" panose="02070309020205020404" pitchFamily="49" charset="0"/>
-              </a:rPr>
-              <a:t>%Tasa de subida promedio de un peer</a:t>
-            </a:r>
-          </a:p>
-          <a:p>
-            <a:r>
-              <a:rPr lang="es-ES" sz="1800" b="0" i="0" u="none" strike="noStrike" baseline="0" dirty="0">
-                <a:solidFill>
-                  <a:srgbClr val="000000"/>
-                </a:solidFill>
-                <a:latin typeface="Courier New" panose="02070309020205020404" pitchFamily="49" charset="0"/>
-              </a:rPr>
-              <a:t>      </a:t>
-            </a:r>
-            <a:r>
-              <a:rPr lang="es-ES" sz="1800" b="0" i="0" u="none" strike="noStrike" baseline="0" dirty="0" err="1">
-                <a:solidFill>
-                  <a:srgbClr val="000000"/>
-                </a:solidFill>
-                <a:latin typeface="Courier New" panose="02070309020205020404" pitchFamily="49" charset="0"/>
-              </a:rPr>
-              <a:t>Pw</a:t>
-            </a:r>
-            <a:r>
-              <a:rPr lang="es-ES" sz="1800" b="0" i="0" u="none" strike="noStrike" baseline="0" dirty="0">
-                <a:solidFill>
-                  <a:srgbClr val="000000"/>
-                </a:solidFill>
-                <a:latin typeface="Courier New" panose="02070309020205020404" pitchFamily="49" charset="0"/>
-              </a:rPr>
-              <a:t>=0.5*</a:t>
-            </a:r>
-            <a:r>
-              <a:rPr lang="es-ES" sz="1800" b="0" i="0" u="none" strike="noStrike" baseline="0" dirty="0" err="1">
-                <a:solidFill>
-                  <a:srgbClr val="000000"/>
-                </a:solidFill>
-                <a:latin typeface="Courier New" panose="02070309020205020404" pitchFamily="49" charset="0"/>
-              </a:rPr>
-              <a:t>cw</a:t>
-            </a:r>
-            <a:r>
-              <a:rPr lang="es-ES" sz="1800" b="0" i="0" u="none" strike="noStrike" baseline="0" dirty="0">
-                <a:solidFill>
-                  <a:srgbClr val="000000"/>
-                </a:solidFill>
-                <a:latin typeface="Courier New" panose="02070309020205020404" pitchFamily="49" charset="0"/>
-              </a:rPr>
-              <a:t>;</a:t>
-            </a:r>
-            <a:r>
-              <a:rPr lang="es-ES" sz="1800" b="0" i="0" u="none" strike="noStrike" baseline="0" dirty="0">
-                <a:solidFill>
-                  <a:srgbClr val="028009"/>
-                </a:solidFill>
-                <a:latin typeface="Courier New" panose="02070309020205020404" pitchFamily="49" charset="0"/>
-              </a:rPr>
-              <a:t>%Tasa de producción del video</a:t>
-            </a:r>
-          </a:p>
-          <a:p>
-            <a:r>
-              <a:rPr lang="es-ES" sz="1800" b="0" i="0" u="none" strike="noStrike" baseline="0" dirty="0">
-                <a:solidFill>
-                  <a:srgbClr val="000000"/>
-                </a:solidFill>
-                <a:latin typeface="Courier New" panose="02070309020205020404" pitchFamily="49" charset="0"/>
-              </a:rPr>
-              <a:t>      teta0=(</a:t>
-            </a:r>
-            <a:r>
-              <a:rPr lang="es-ES" sz="1800" b="0" i="0" u="none" strike="noStrike" baseline="0" dirty="0" err="1">
-                <a:solidFill>
-                  <a:srgbClr val="000000"/>
-                </a:solidFill>
-                <a:latin typeface="Courier New" panose="02070309020205020404" pitchFamily="49" charset="0"/>
-              </a:rPr>
-              <a:t>teta+Pw</a:t>
-            </a:r>
-            <a:r>
-              <a:rPr lang="es-ES" sz="1800" b="0" i="0" u="none" strike="noStrike" baseline="0" dirty="0">
-                <a:solidFill>
-                  <a:srgbClr val="000000"/>
-                </a:solidFill>
-                <a:latin typeface="Courier New" panose="02070309020205020404" pitchFamily="49" charset="0"/>
-              </a:rPr>
-              <a:t>);</a:t>
-            </a:r>
-            <a:r>
-              <a:rPr lang="es-ES" sz="1800" b="0" i="0" u="none" strike="noStrike" baseline="0" dirty="0">
-                <a:solidFill>
-                  <a:srgbClr val="028009"/>
-                </a:solidFill>
-                <a:latin typeface="Courier New" panose="02070309020205020404" pitchFamily="49" charset="0"/>
-              </a:rPr>
-              <a:t>%Tasa de desconexión para </a:t>
-            </a:r>
-            <a:r>
-              <a:rPr lang="es-ES" sz="1800" b="0" i="0" u="none" strike="noStrike" baseline="0" dirty="0" err="1">
-                <a:solidFill>
-                  <a:srgbClr val="028009"/>
-                </a:solidFill>
-                <a:latin typeface="Courier New" panose="02070309020205020404" pitchFamily="49" charset="0"/>
-              </a:rPr>
-              <a:t>peers</a:t>
-            </a:r>
-            <a:r>
-              <a:rPr lang="es-ES" sz="1800" b="0" i="0" u="none" strike="noStrike" baseline="0" dirty="0">
-                <a:solidFill>
-                  <a:srgbClr val="028009"/>
-                </a:solidFill>
-                <a:latin typeface="Courier New" panose="02070309020205020404" pitchFamily="49" charset="0"/>
-              </a:rPr>
-              <a:t> en la ventana 0</a:t>
-            </a:r>
-          </a:p>
-          <a:p>
-            <a:endParaRPr lang="es-MX" b="0" i="0" u="none" strike="noStrike" baseline="0" dirty="0"/>
-          </a:p>
-          <a:p>
-            <a:endParaRPr lang="es-MX" dirty="0"/>
-          </a:p>
-        </p:txBody>
-      </p:sp>
-    </p:spTree>
-    <p:extLst>
-      <p:ext uri="{BB962C8B-B14F-4D97-AF65-F5344CB8AC3E}">
-        <p14:creationId xmlns:p14="http://schemas.microsoft.com/office/powerpoint/2010/main" val="3710381175"/>
-      </p:ext>
-    </p:extLst>
-  </p:cSld>
-  <p:clrMapOvr>
-    <a:masterClrMapping/>
-  </p:clrMapOvr>
-</p:sld>
-</file>
-
 <file path=ppt/slides/slide18.xml><?xml version="1.0" encoding="utf-8"?>
-<p:sld xmlns:a="http://schemas.openxmlformats.org/drawingml/2006/main" xmlns:r="http://schemas.openxmlformats.org/officeDocument/2006/relationships" xmlns:p="http://schemas.openxmlformats.org/presentationml/2006/main">
-  <p:cSld>
-    <p:spTree>
-      <p:nvGrpSpPr>
-        <p:cNvPr id="1" name=""/>
-        <p:cNvGrpSpPr/>
-        <p:nvPr/>
-      </p:nvGrpSpPr>
-      <p:grpSpPr>
-        <a:xfrm>
-          <a:off x="0" y="0"/>
-          <a:ext cx="0" cy="0"/>
-          <a:chOff x="0" y="0"/>
-          <a:chExt cx="0" cy="0"/>
-        </a:xfrm>
-      </p:grpSpPr>
-      <p:sp>
-        <p:nvSpPr>
-          <p:cNvPr id="2" name="Título 1">
-            <a:extLst>
-              <a:ext uri="{FF2B5EF4-FFF2-40B4-BE49-F238E27FC236}">
-                <a16:creationId xmlns:a16="http://schemas.microsoft.com/office/drawing/2014/main" id="{E3B07A23-DB50-D53C-01E5-EAD1CCA01339}"/>
-              </a:ext>
-            </a:extLst>
-          </p:cNvPr>
-          <p:cNvSpPr>
-            <a:spLocks noGrp="1"/>
-          </p:cNvSpPr>
-          <p:nvPr>
-            <p:ph type="title"/>
-          </p:nvPr>
-        </p:nvSpPr>
-        <p:spPr/>
-        <p:txBody>
-          <a:bodyPr/>
-          <a:lstStyle/>
-          <a:p>
-            <a:r>
-              <a:rPr lang="es-MX" dirty="0"/>
-              <a:t>Parámetros 3D</a:t>
-            </a:r>
-          </a:p>
-        </p:txBody>
-      </p:sp>
-      <p:sp>
-        <p:nvSpPr>
-          <p:cNvPr id="3" name="Marcador de contenido 2">
-            <a:extLst>
-              <a:ext uri="{FF2B5EF4-FFF2-40B4-BE49-F238E27FC236}">
-                <a16:creationId xmlns:a16="http://schemas.microsoft.com/office/drawing/2014/main" id="{8A6FE9BB-2777-3188-CC55-F2FB100C3F76}"/>
-              </a:ext>
-            </a:extLst>
-          </p:cNvPr>
-          <p:cNvSpPr>
-            <a:spLocks noGrp="1"/>
-          </p:cNvSpPr>
-          <p:nvPr>
-            <p:ph idx="1"/>
-          </p:nvPr>
-        </p:nvSpPr>
-        <p:spPr/>
-        <p:txBody>
-          <a:bodyPr/>
-          <a:lstStyle/>
-          <a:p>
-            <a:r>
-              <a:rPr lang="es-MX" sz="1800" b="0" i="0" u="none" strike="noStrike" baseline="0" dirty="0">
-                <a:solidFill>
-                  <a:srgbClr val="000000"/>
-                </a:solidFill>
-                <a:latin typeface="Courier New" panose="02070309020205020404" pitchFamily="49" charset="0"/>
-              </a:rPr>
-              <a:t>C=[36 32 28 24 20 16 12];</a:t>
-            </a:r>
-            <a:r>
-              <a:rPr lang="es-MX" sz="1800" b="0" i="0" u="none" strike="noStrike" baseline="0" dirty="0">
-                <a:solidFill>
-                  <a:srgbClr val="028009"/>
-                </a:solidFill>
-                <a:latin typeface="Courier New" panose="02070309020205020404" pitchFamily="49" charset="0"/>
-              </a:rPr>
-              <a:t>% Número de ventanas</a:t>
-            </a:r>
-          </a:p>
-          <a:p>
-            <a:r>
-              <a:rPr lang="es-ES" sz="1800" b="0" i="0" u="none" strike="noStrike" baseline="0" dirty="0">
-                <a:solidFill>
-                  <a:srgbClr val="000000"/>
-                </a:solidFill>
-                <a:latin typeface="Courier New" panose="02070309020205020404" pitchFamily="49" charset="0"/>
-              </a:rPr>
-              <a:t>teta=[2 4 6 8 10].*(10^-3);</a:t>
-            </a:r>
-            <a:r>
-              <a:rPr lang="es-ES" sz="1800" b="0" i="0" u="none" strike="noStrike" baseline="0" dirty="0">
-                <a:solidFill>
-                  <a:srgbClr val="028009"/>
-                </a:solidFill>
-                <a:latin typeface="Courier New" panose="02070309020205020404" pitchFamily="49" charset="0"/>
-              </a:rPr>
-              <a:t>%Tasa de desconexión general</a:t>
-            </a:r>
-          </a:p>
-          <a:p>
-            <a:endParaRPr lang="es-MX" dirty="0"/>
-          </a:p>
-          <a:p>
-            <a:r>
-              <a:rPr lang="es-MX" dirty="0"/>
-              <a:t>Q para 3 valores</a:t>
-            </a:r>
-          </a:p>
-          <a:p>
-            <a:r>
-              <a:rPr lang="es-MX" sz="1800" b="0" i="0" u="none" strike="noStrike" baseline="0" dirty="0">
-                <a:solidFill>
-                  <a:srgbClr val="000000"/>
-                </a:solidFill>
-                <a:latin typeface="Courier New" panose="02070309020205020404" pitchFamily="49" charset="0"/>
-              </a:rPr>
-              <a:t>Q=[12 24 36];</a:t>
-            </a:r>
-            <a:r>
-              <a:rPr lang="es-MX" sz="1800" b="0" i="0" u="none" strike="noStrike" baseline="0" dirty="0">
-                <a:solidFill>
-                  <a:srgbClr val="028009"/>
-                </a:solidFill>
-                <a:latin typeface="Courier New" panose="02070309020205020404" pitchFamily="49" charset="0"/>
-              </a:rPr>
-              <a:t>%Número de ventanas hacia atrás </a:t>
-            </a:r>
-          </a:p>
-          <a:p>
-            <a:endParaRPr lang="es-MX" dirty="0"/>
-          </a:p>
-        </p:txBody>
-      </p:sp>
-    </p:spTree>
-    <p:extLst>
-      <p:ext uri="{BB962C8B-B14F-4D97-AF65-F5344CB8AC3E}">
-        <p14:creationId xmlns:p14="http://schemas.microsoft.com/office/powerpoint/2010/main" val="3283557896"/>
-      </p:ext>
-    </p:extLst>
-  </p:cSld>
-  <p:clrMapOvr>
-    <a:masterClrMapping/>
-  </p:clrMapOvr>
-</p:sld>
-</file>
-
-<file path=ppt/slides/slide19.xml><?xml version="1.0" encoding="utf-8"?>
 <p:sld xmlns:a="http://schemas.openxmlformats.org/drawingml/2006/main" xmlns:r="http://schemas.openxmlformats.org/officeDocument/2006/relationships" xmlns:p="http://schemas.openxmlformats.org/presentationml/2006/main">
   <p:cSld>
     <p:spTree>
@@ -9783,6 +10641,2304 @@
           <p:cNvPr id="2" name="Título 1">
             <a:extLst>
               <a:ext uri="{FF2B5EF4-FFF2-40B4-BE49-F238E27FC236}">
+                <a16:creationId xmlns:a16="http://schemas.microsoft.com/office/drawing/2014/main" id="{54FA9D3B-0F7B-7BCD-50A8-B1F0A370DFBA}"/>
+              </a:ext>
+            </a:extLst>
+          </p:cNvPr>
+          <p:cNvSpPr>
+            <a:spLocks noGrp="1"/>
+          </p:cNvSpPr>
+          <p:nvPr>
+            <p:ph type="title"/>
+          </p:nvPr>
+        </p:nvSpPr>
+        <p:spPr>
+          <a:xfrm>
+            <a:off x="838200" y="130233"/>
+            <a:ext cx="10515600" cy="1325563"/>
+          </a:xfrm>
+        </p:spPr>
+        <p:txBody>
+          <a:bodyPr/>
+          <a:lstStyle/>
+          <a:p>
+            <a:pPr algn="ctr"/>
+            <a:r>
+              <a:rPr lang="es-MX" dirty="0"/>
+              <a:t>Parámetros</a:t>
+            </a:r>
+          </a:p>
+        </p:txBody>
+      </p:sp>
+      <mc:AlternateContent xmlns:mc="http://schemas.openxmlformats.org/markup-compatibility/2006">
+        <mc:Choice xmlns:a14="http://schemas.microsoft.com/office/drawing/2010/main" Requires="a14">
+          <p:graphicFrame>
+            <p:nvGraphicFramePr>
+              <p:cNvPr id="4" name="Tabla 4">
+                <a:extLst>
+                  <a:ext uri="{FF2B5EF4-FFF2-40B4-BE49-F238E27FC236}">
+                    <a16:creationId xmlns:a16="http://schemas.microsoft.com/office/drawing/2014/main" id="{F62D73E2-BB72-6DE2-2C0D-E2D823115A82}"/>
+                  </a:ext>
+                </a:extLst>
+              </p:cNvPr>
+              <p:cNvGraphicFramePr>
+                <a:graphicFrameLocks noGrp="1"/>
+              </p:cNvGraphicFramePr>
+              <p:nvPr>
+                <p:ph idx="1"/>
+                <p:extLst>
+                  <p:ext uri="{D42A27DB-BD31-4B8C-83A1-F6EECF244321}">
+                    <p14:modId xmlns:p14="http://schemas.microsoft.com/office/powerpoint/2010/main" val="2097285654"/>
+                  </p:ext>
+                </p:extLst>
+              </p:nvPr>
+            </p:nvGraphicFramePr>
+            <p:xfrm>
+              <a:off x="930479" y="1062227"/>
+              <a:ext cx="10515597" cy="4988560"/>
+            </p:xfrm>
+            <a:graphic>
+              <a:graphicData uri="http://schemas.openxmlformats.org/drawingml/2006/table">
+                <a:tbl>
+                  <a:tblPr firstRow="1" bandRow="1">
+                    <a:tableStyleId>{5C22544A-7EE6-4342-B048-85BDC9FD1C3A}</a:tableStyleId>
+                  </a:tblPr>
+                  <a:tblGrid>
+                    <a:gridCol w="3505199">
+                      <a:extLst>
+                        <a:ext uri="{9D8B030D-6E8A-4147-A177-3AD203B41FA5}">
+                          <a16:colId xmlns:a16="http://schemas.microsoft.com/office/drawing/2014/main" val="4190109149"/>
+                        </a:ext>
+                      </a:extLst>
+                    </a:gridCol>
+                    <a:gridCol w="3505199">
+                      <a:extLst>
+                        <a:ext uri="{9D8B030D-6E8A-4147-A177-3AD203B41FA5}">
+                          <a16:colId xmlns:a16="http://schemas.microsoft.com/office/drawing/2014/main" val="3091631780"/>
+                        </a:ext>
+                      </a:extLst>
+                    </a:gridCol>
+                    <a:gridCol w="3505199">
+                      <a:extLst>
+                        <a:ext uri="{9D8B030D-6E8A-4147-A177-3AD203B41FA5}">
+                          <a16:colId xmlns:a16="http://schemas.microsoft.com/office/drawing/2014/main" val="3283064140"/>
+                        </a:ext>
+                      </a:extLst>
+                    </a:gridCol>
+                  </a:tblGrid>
+                  <a:tr h="370840">
+                    <a:tc>
+                      <a:txBody>
+                        <a:bodyPr/>
+                        <a:lstStyle/>
+                        <a:p>
+                          <a:pPr algn="ctr"/>
+                          <a:r>
+                            <a:rPr lang="es-MX" dirty="0"/>
+                            <a:t>Variable</a:t>
+                          </a:r>
+                        </a:p>
+                      </a:txBody>
+                      <a:tcPr/>
+                    </a:tc>
+                    <a:tc>
+                      <a:txBody>
+                        <a:bodyPr/>
+                        <a:lstStyle/>
+                        <a:p>
+                          <a:pPr algn="ctr"/>
+                          <a:r>
+                            <a:rPr lang="es-MX" dirty="0"/>
+                            <a:t>Descripción </a:t>
+                          </a:r>
+                        </a:p>
+                      </a:txBody>
+                      <a:tcPr/>
+                    </a:tc>
+                    <a:tc>
+                      <a:txBody>
+                        <a:bodyPr/>
+                        <a:lstStyle/>
+                        <a:p>
+                          <a:pPr algn="ctr"/>
+                          <a:r>
+                            <a:rPr lang="es-MX" dirty="0"/>
+                            <a:t> Valor</a:t>
+                          </a:r>
+                        </a:p>
+                      </a:txBody>
+                      <a:tcPr/>
+                    </a:tc>
+                    <a:extLst>
+                      <a:ext uri="{0D108BD9-81ED-4DB2-BD59-A6C34878D82A}">
+                        <a16:rowId xmlns:a16="http://schemas.microsoft.com/office/drawing/2014/main" val="390075765"/>
+                      </a:ext>
+                    </a:extLst>
+                  </a:tr>
+                  <a:tr h="370840">
+                    <a:tc>
+                      <a:txBody>
+                        <a:bodyPr/>
+                        <a:lstStyle/>
+                        <a:p>
+                          <a:pPr algn="ctr"/>
+                          <a14:m>
+                            <m:oMathPara xmlns:m="http://schemas.openxmlformats.org/officeDocument/2006/math">
+                              <m:oMathParaPr>
+                                <m:jc m:val="centerGroup"/>
+                              </m:oMathParaPr>
+                              <m:oMath xmlns:m="http://schemas.openxmlformats.org/officeDocument/2006/math">
+                                <m:r>
+                                  <a:rPr lang="es-MX" b="0" i="1" smtClean="0">
+                                    <a:latin typeface="Cambria Math" panose="02040503050406030204" pitchFamily="18" charset="0"/>
+                                  </a:rPr>
+                                  <m:t>𝐶</m:t>
+                                </m:r>
+                              </m:oMath>
+                            </m:oMathPara>
+                          </a14:m>
+                          <a:endParaRPr lang="es-MX" dirty="0"/>
+                        </a:p>
+                      </a:txBody>
+                      <a:tcPr/>
+                    </a:tc>
+                    <a:tc>
+                      <a:txBody>
+                        <a:bodyPr/>
+                        <a:lstStyle/>
+                        <a:p>
+                          <a:pPr algn="ctr"/>
+                          <a:r>
+                            <a:rPr lang="es-MX" dirty="0"/>
+                            <a:t>Número de Ventanas</a:t>
+                          </a:r>
+                        </a:p>
+                      </a:txBody>
+                      <a:tcPr/>
+                    </a:tc>
+                    <a:tc>
+                      <a:txBody>
+                        <a:bodyPr/>
+                        <a:lstStyle/>
+                        <a:p>
+                          <a:pPr algn="ctr"/>
+                          <a14:m>
+                            <m:oMathPara xmlns:m="http://schemas.openxmlformats.org/officeDocument/2006/math">
+                              <m:oMathParaPr>
+                                <m:jc m:val="centerGroup"/>
+                              </m:oMathParaPr>
+                              <m:oMath xmlns:m="http://schemas.openxmlformats.org/officeDocument/2006/math">
+                                <m:r>
+                                  <a:rPr lang="es-MX" i="1" dirty="0" smtClean="0">
+                                    <a:latin typeface="Cambria Math" panose="02040503050406030204" pitchFamily="18" charset="0"/>
+                                  </a:rPr>
+                                  <m:t>(12:4:36)</m:t>
+                                </m:r>
+                              </m:oMath>
+                            </m:oMathPara>
+                          </a14:m>
+                          <a:endParaRPr lang="es-MX" dirty="0"/>
+                        </a:p>
+                      </a:txBody>
+                      <a:tcPr/>
+                    </a:tc>
+                    <a:extLst>
+                      <a:ext uri="{0D108BD9-81ED-4DB2-BD59-A6C34878D82A}">
+                        <a16:rowId xmlns:a16="http://schemas.microsoft.com/office/drawing/2014/main" val="1283370264"/>
+                      </a:ext>
+                    </a:extLst>
+                  </a:tr>
+                  <a:tr h="370840">
+                    <a:tc>
+                      <a:txBody>
+                        <a:bodyPr/>
+                        <a:lstStyle/>
+                        <a:p>
+                          <a14:m>
+                            <m:oMathPara xmlns:m="http://schemas.openxmlformats.org/officeDocument/2006/math">
+                              <m:oMathParaPr>
+                                <m:jc m:val="centerGroup"/>
+                              </m:oMathParaPr>
+                              <m:oMath xmlns:m="http://schemas.openxmlformats.org/officeDocument/2006/math">
+                                <m:r>
+                                  <a:rPr lang="es-MX" i="1" smtClean="0">
+                                    <a:latin typeface="Cambria Math" panose="02040503050406030204" pitchFamily="18" charset="0"/>
+                                    <a:ea typeface="Cambria Math" panose="02040503050406030204" pitchFamily="18" charset="0"/>
+                                  </a:rPr>
+                                  <m:t>𝜃</m:t>
+                                </m:r>
+                              </m:oMath>
+                            </m:oMathPara>
+                          </a14:m>
+                          <a:endParaRPr lang="es-MX" dirty="0"/>
+                        </a:p>
+                      </a:txBody>
+                      <a:tcPr/>
+                    </a:tc>
+                    <a:tc>
+                      <a:txBody>
+                        <a:bodyPr/>
+                        <a:lstStyle/>
+                        <a:p>
+                          <a:pPr algn="ctr"/>
+                          <a:r>
+                            <a:rPr lang="es-MX" dirty="0"/>
+                            <a:t>Tasa de Desconexión para poblaciones </a:t>
+                          </a:r>
+                          <a14:m>
+                            <m:oMath xmlns:m="http://schemas.openxmlformats.org/officeDocument/2006/math">
+                              <m:sSub>
+                                <m:sSubPr>
+                                  <m:ctrlPr>
+                                    <a:rPr lang="es-MX" i="1" smtClean="0">
+                                      <a:latin typeface="Cambria Math" panose="02040503050406030204" pitchFamily="18" charset="0"/>
+                                    </a:rPr>
+                                  </m:ctrlPr>
+                                </m:sSubPr>
+                                <m:e>
+                                  <m:r>
+                                    <a:rPr lang="es-MX" b="0" i="1" smtClean="0">
+                                      <a:latin typeface="Cambria Math" panose="02040503050406030204" pitchFamily="18" charset="0"/>
+                                    </a:rPr>
+                                    <m:t>𝑋</m:t>
+                                  </m:r>
+                                </m:e>
+                                <m:sub>
+                                  <m:r>
+                                    <a:rPr lang="es-MX" b="0" i="1" smtClean="0">
+                                      <a:latin typeface="Cambria Math" panose="02040503050406030204" pitchFamily="18" charset="0"/>
+                                    </a:rPr>
+                                    <m:t>𝑖</m:t>
+                                  </m:r>
+                                </m:sub>
+                              </m:sSub>
+                              <m:r>
+                                <a:rPr lang="es-MX" b="0" i="1" smtClean="0">
+                                  <a:latin typeface="Cambria Math" panose="02040503050406030204" pitchFamily="18" charset="0"/>
+                                </a:rPr>
+                                <m:t>, 1≤</m:t>
+                              </m:r>
+                              <m:r>
+                                <a:rPr lang="es-MX" b="0" i="1" smtClean="0">
+                                  <a:latin typeface="Cambria Math" panose="02040503050406030204" pitchFamily="18" charset="0"/>
+                                </a:rPr>
+                                <m:t>𝑖</m:t>
+                              </m:r>
+                              <m:r>
+                                <a:rPr lang="es-MX" b="0" i="1" smtClean="0">
+                                  <a:latin typeface="Cambria Math" panose="02040503050406030204" pitchFamily="18" charset="0"/>
+                                </a:rPr>
+                                <m:t>≤</m:t>
+                              </m:r>
+                              <m:r>
+                                <a:rPr lang="es-MX" b="0" i="1" smtClean="0">
+                                  <a:latin typeface="Cambria Math" panose="02040503050406030204" pitchFamily="18" charset="0"/>
+                                </a:rPr>
+                                <m:t>𝐶</m:t>
+                              </m:r>
+                            </m:oMath>
+                          </a14:m>
+                          <a:r>
+                            <a:rPr lang="es-MX" dirty="0"/>
+                            <a:t> </a:t>
+                          </a:r>
+                        </a:p>
+                      </a:txBody>
+                      <a:tcPr/>
+                    </a:tc>
+                    <a:tc>
+                      <a:txBody>
+                        <a:bodyPr/>
+                        <a:lstStyle/>
+                        <a:p>
+                          <a:pPr algn="ctr"/>
+                          <a14:m>
+                            <m:oMathPara xmlns:m="http://schemas.openxmlformats.org/officeDocument/2006/math">
+                              <m:oMathParaPr>
+                                <m:jc m:val="centerGroup"/>
+                              </m:oMathParaPr>
+                              <m:oMath xmlns:m="http://schemas.openxmlformats.org/officeDocument/2006/math">
+                                <m:d>
+                                  <m:dPr>
+                                    <m:ctrlPr>
+                                      <a:rPr lang="es-MX" b="0" i="0" smtClean="0">
+                                        <a:latin typeface="Cambria Math" panose="02040503050406030204" pitchFamily="18" charset="0"/>
+                                      </a:rPr>
+                                    </m:ctrlPr>
+                                  </m:dPr>
+                                  <m:e>
+                                    <m:r>
+                                      <a:rPr lang="es-MX" b="0" i="0" smtClean="0">
+                                        <a:latin typeface="Cambria Math" panose="02040503050406030204" pitchFamily="18" charset="0"/>
+                                      </a:rPr>
+                                      <m:t>2−10</m:t>
+                                    </m:r>
+                                  </m:e>
+                                </m:d>
+                                <m:r>
+                                  <a:rPr lang="es-MX" b="0" i="0" smtClean="0">
+                                    <a:latin typeface="Cambria Math" panose="02040503050406030204" pitchFamily="18" charset="0"/>
+                                  </a:rPr>
+                                  <m:t>∗</m:t>
+                                </m:r>
+                                <m:sSup>
+                                  <m:sSupPr>
+                                    <m:ctrlPr>
+                                      <a:rPr lang="es-MX" i="1" smtClean="0">
+                                        <a:latin typeface="Cambria Math" panose="02040503050406030204" pitchFamily="18" charset="0"/>
+                                      </a:rPr>
+                                    </m:ctrlPr>
+                                  </m:sSupPr>
+                                  <m:e>
+                                    <m:r>
+                                      <a:rPr lang="es-MX" b="0" i="1" smtClean="0">
+                                        <a:latin typeface="Cambria Math" panose="02040503050406030204" pitchFamily="18" charset="0"/>
+                                      </a:rPr>
+                                      <m:t>10</m:t>
+                                    </m:r>
+                                  </m:e>
+                                  <m:sup>
+                                    <m:r>
+                                      <a:rPr lang="es-MX" b="0" i="1" smtClean="0">
+                                        <a:latin typeface="Cambria Math" panose="02040503050406030204" pitchFamily="18" charset="0"/>
+                                      </a:rPr>
+                                      <m:t>−3</m:t>
+                                    </m:r>
+                                  </m:sup>
+                                </m:sSup>
+                              </m:oMath>
+                            </m:oMathPara>
+                          </a14:m>
+                          <a:endParaRPr lang="es-MX" dirty="0"/>
+                        </a:p>
+                      </a:txBody>
+                      <a:tcPr/>
+                    </a:tc>
+                    <a:extLst>
+                      <a:ext uri="{0D108BD9-81ED-4DB2-BD59-A6C34878D82A}">
+                        <a16:rowId xmlns:a16="http://schemas.microsoft.com/office/drawing/2014/main" val="134890465"/>
+                      </a:ext>
+                    </a:extLst>
+                  </a:tr>
+                  <a:tr h="370840">
+                    <a:tc>
+                      <a:txBody>
+                        <a:bodyPr/>
+                        <a:lstStyle/>
+                        <a:p>
+                          <a14:m>
+                            <m:oMathPara xmlns:m="http://schemas.openxmlformats.org/officeDocument/2006/math">
+                              <m:oMathParaPr>
+                                <m:jc m:val="centerGroup"/>
+                              </m:oMathParaPr>
+                              <m:oMath xmlns:m="http://schemas.openxmlformats.org/officeDocument/2006/math">
+                                <m:sSub>
+                                  <m:sSubPr>
+                                    <m:ctrlPr>
+                                      <a:rPr lang="es-MX" i="1" smtClean="0">
+                                        <a:latin typeface="Cambria Math" panose="02040503050406030204" pitchFamily="18" charset="0"/>
+                                      </a:rPr>
+                                    </m:ctrlPr>
+                                  </m:sSubPr>
+                                  <m:e>
+                                    <m:r>
+                                      <a:rPr lang="es-MX" i="1" smtClean="0">
+                                        <a:latin typeface="Cambria Math" panose="02040503050406030204" pitchFamily="18" charset="0"/>
+                                        <a:ea typeface="Cambria Math" panose="02040503050406030204" pitchFamily="18" charset="0"/>
+                                      </a:rPr>
+                                      <m:t>𝜃</m:t>
+                                    </m:r>
+                                  </m:e>
+                                  <m:sub>
+                                    <m:r>
+                                      <a:rPr lang="es-MX" b="0" i="1" smtClean="0">
+                                        <a:latin typeface="Cambria Math" panose="02040503050406030204" pitchFamily="18" charset="0"/>
+                                        <a:ea typeface="Cambria Math" panose="02040503050406030204" pitchFamily="18" charset="0"/>
+                                      </a:rPr>
+                                      <m:t>0</m:t>
+                                    </m:r>
+                                  </m:sub>
+                                </m:sSub>
+                              </m:oMath>
+                            </m:oMathPara>
+                          </a14:m>
+                          <a:endParaRPr lang="es-MX" dirty="0"/>
+                        </a:p>
+                      </a:txBody>
+                      <a:tcPr/>
+                    </a:tc>
+                    <a:tc>
+                      <a:txBody>
+                        <a:bodyPr/>
+                        <a:lstStyle/>
+                        <a:p>
+                          <a:pPr algn="ctr"/>
+                          <a:r>
+                            <a:rPr lang="es-MX" dirty="0"/>
+                            <a:t>Tasa de Desconexión para la Población </a:t>
+                          </a:r>
+                          <a14:m>
+                            <m:oMath xmlns:m="http://schemas.openxmlformats.org/officeDocument/2006/math">
+                              <m:sSub>
+                                <m:sSubPr>
+                                  <m:ctrlPr>
+                                    <a:rPr lang="es-MX" i="1" smtClean="0">
+                                      <a:latin typeface="Cambria Math" panose="02040503050406030204" pitchFamily="18" charset="0"/>
+                                    </a:rPr>
+                                  </m:ctrlPr>
+                                </m:sSubPr>
+                                <m:e>
+                                  <m:r>
+                                    <a:rPr lang="es-MX" b="0" i="1" smtClean="0">
+                                      <a:latin typeface="Cambria Math" panose="02040503050406030204" pitchFamily="18" charset="0"/>
+                                    </a:rPr>
+                                    <m:t>𝑋</m:t>
+                                  </m:r>
+                                </m:e>
+                                <m:sub>
+                                  <m:r>
+                                    <a:rPr lang="es-MX" b="0" i="1" smtClean="0">
+                                      <a:latin typeface="Cambria Math" panose="02040503050406030204" pitchFamily="18" charset="0"/>
+                                    </a:rPr>
+                                    <m:t>0</m:t>
+                                  </m:r>
+                                </m:sub>
+                              </m:sSub>
+                            </m:oMath>
+                          </a14:m>
+                          <a:r>
+                            <a:rPr lang="es-MX" dirty="0"/>
+                            <a:t> </a:t>
+                          </a:r>
+                        </a:p>
+                      </a:txBody>
+                      <a:tcPr/>
+                    </a:tc>
+                    <a:tc>
+                      <a:txBody>
+                        <a:bodyPr/>
+                        <a:lstStyle/>
+                        <a:p>
+                          <a:pPr marL="0" marR="0" lvl="0" indent="0" algn="ctr" defTabSz="914400" rtl="0" eaLnBrk="1" fontAlgn="auto" latinLnBrk="0" hangingPunct="1">
+                            <a:lnSpc>
+                              <a:spcPct val="100000"/>
+                            </a:lnSpc>
+                            <a:spcBef>
+                              <a:spcPts val="0"/>
+                            </a:spcBef>
+                            <a:spcAft>
+                              <a:spcPts val="0"/>
+                            </a:spcAft>
+                            <a:buClrTx/>
+                            <a:buSzTx/>
+                            <a:buFontTx/>
+                            <a:buNone/>
+                            <a:tabLst/>
+                            <a:defRPr/>
+                          </a:pPr>
+                          <a14:m>
+                            <m:oMathPara xmlns:m="http://schemas.openxmlformats.org/officeDocument/2006/math">
+                              <m:oMathParaPr>
+                                <m:jc m:val="centerGroup"/>
+                              </m:oMathParaPr>
+                              <m:oMath xmlns:m="http://schemas.openxmlformats.org/officeDocument/2006/math">
+                                <m:r>
+                                  <a:rPr lang="es-MX" i="1" smtClean="0">
+                                    <a:latin typeface="Cambria Math" panose="02040503050406030204" pitchFamily="18" charset="0"/>
+                                    <a:ea typeface="Cambria Math" panose="02040503050406030204" pitchFamily="18" charset="0"/>
+                                  </a:rPr>
+                                  <m:t>𝜃</m:t>
+                                </m:r>
+                                <m:r>
+                                  <a:rPr lang="es-MX" b="0" i="1" smtClean="0">
+                                    <a:latin typeface="Cambria Math" panose="02040503050406030204" pitchFamily="18" charset="0"/>
+                                    <a:ea typeface="Cambria Math" panose="02040503050406030204" pitchFamily="18" charset="0"/>
+                                  </a:rPr>
+                                  <m:t>+</m:t>
+                                </m:r>
+                                <m:sSub>
+                                  <m:sSubPr>
+                                    <m:ctrlPr>
+                                      <a:rPr lang="es-MX" i="1" smtClean="0">
+                                        <a:latin typeface="Cambria Math" panose="02040503050406030204" pitchFamily="18" charset="0"/>
+                                      </a:rPr>
+                                    </m:ctrlPr>
+                                  </m:sSubPr>
+                                  <m:e>
+                                    <m:r>
+                                      <a:rPr lang="es-MX" b="0" i="1" smtClean="0">
+                                        <a:latin typeface="Cambria Math" panose="02040503050406030204" pitchFamily="18" charset="0"/>
+                                      </a:rPr>
+                                      <m:t>𝑃</m:t>
+                                    </m:r>
+                                  </m:e>
+                                  <m:sub>
+                                    <m:r>
+                                      <a:rPr lang="es-MX" i="1" smtClean="0">
+                                        <a:latin typeface="Cambria Math" panose="02040503050406030204" pitchFamily="18" charset="0"/>
+                                        <a:ea typeface="Cambria Math" panose="02040503050406030204" pitchFamily="18" charset="0"/>
+                                      </a:rPr>
+                                      <m:t>𝜔</m:t>
+                                    </m:r>
+                                  </m:sub>
+                                </m:sSub>
+                              </m:oMath>
+                            </m:oMathPara>
+                          </a14:m>
+                          <a:endParaRPr lang="es-MX" dirty="0"/>
+                        </a:p>
+                        <a:p>
+                          <a:pPr algn="ctr"/>
+                          <a:endParaRPr lang="es-MX" dirty="0"/>
+                        </a:p>
+                      </a:txBody>
+                      <a:tcPr/>
+                    </a:tc>
+                    <a:extLst>
+                      <a:ext uri="{0D108BD9-81ED-4DB2-BD59-A6C34878D82A}">
+                        <a16:rowId xmlns:a16="http://schemas.microsoft.com/office/drawing/2014/main" val="1572141380"/>
+                      </a:ext>
+                    </a:extLst>
+                  </a:tr>
+                  <a:tr h="370840">
+                    <a:tc>
+                      <a:txBody>
+                        <a:bodyPr/>
+                        <a:lstStyle/>
+                        <a:p>
+                          <a14:m>
+                            <m:oMathPara xmlns:m="http://schemas.openxmlformats.org/officeDocument/2006/math">
+                              <m:oMathParaPr>
+                                <m:jc m:val="centerGroup"/>
+                              </m:oMathParaPr>
+                              <m:oMath xmlns:m="http://schemas.openxmlformats.org/officeDocument/2006/math">
+                                <m:r>
+                                  <a:rPr lang="es-MX" i="1" smtClean="0">
+                                    <a:latin typeface="Cambria Math" panose="02040503050406030204" pitchFamily="18" charset="0"/>
+                                    <a:ea typeface="Cambria Math" panose="02040503050406030204" pitchFamily="18" charset="0"/>
+                                  </a:rPr>
+                                  <m:t>𝜆</m:t>
+                                </m:r>
+                              </m:oMath>
+                            </m:oMathPara>
+                          </a14:m>
+                          <a:endParaRPr lang="es-MX" dirty="0"/>
+                        </a:p>
+                      </a:txBody>
+                      <a:tcPr/>
+                    </a:tc>
+                    <a:tc>
+                      <a:txBody>
+                        <a:bodyPr/>
+                        <a:lstStyle/>
+                        <a:p>
+                          <a:pPr algn="ctr"/>
+                          <a:r>
+                            <a:rPr lang="es-MX" dirty="0"/>
+                            <a:t>Tasa de Conexión</a:t>
+                          </a:r>
+                        </a:p>
+                      </a:txBody>
+                      <a:tcPr/>
+                    </a:tc>
+                    <a:tc>
+                      <a:txBody>
+                        <a:bodyPr/>
+                        <a:lstStyle/>
+                        <a:p>
+                          <a:pPr marL="0" marR="0" lvl="0" indent="0" algn="ctr" defTabSz="914400" rtl="0" eaLnBrk="1" fontAlgn="auto" latinLnBrk="0" hangingPunct="1">
+                            <a:lnSpc>
+                              <a:spcPct val="100000"/>
+                            </a:lnSpc>
+                            <a:spcBef>
+                              <a:spcPts val="0"/>
+                            </a:spcBef>
+                            <a:spcAft>
+                              <a:spcPts val="0"/>
+                            </a:spcAft>
+                            <a:buClrTx/>
+                            <a:buSzTx/>
+                            <a:buFontTx/>
+                            <a:buNone/>
+                            <a:tabLst/>
+                            <a:defRPr/>
+                          </a:pPr>
+                          <a14:m>
+                            <m:oMathPara xmlns:m="http://schemas.openxmlformats.org/officeDocument/2006/math">
+                              <m:oMathParaPr>
+                                <m:jc m:val="centerGroup"/>
+                              </m:oMathParaPr>
+                              <m:oMath xmlns:m="http://schemas.openxmlformats.org/officeDocument/2006/math">
+                                <m:r>
+                                  <a:rPr lang="es-MX" b="0" i="1" dirty="0" smtClean="0">
+                                    <a:latin typeface="Cambria Math" panose="02040503050406030204" pitchFamily="18" charset="0"/>
+                                  </a:rPr>
+                                  <m:t>0.04</m:t>
+                                </m:r>
+                              </m:oMath>
+                            </m:oMathPara>
+                          </a14:m>
+                          <a:endParaRPr lang="es-MX" dirty="0"/>
+                        </a:p>
+                      </a:txBody>
+                      <a:tcPr/>
+                    </a:tc>
+                    <a:extLst>
+                      <a:ext uri="{0D108BD9-81ED-4DB2-BD59-A6C34878D82A}">
+                        <a16:rowId xmlns:a16="http://schemas.microsoft.com/office/drawing/2014/main" val="2119256988"/>
+                      </a:ext>
+                    </a:extLst>
+                  </a:tr>
+                  <a:tr h="370840">
+                    <a:tc>
+                      <a:txBody>
+                        <a:bodyPr/>
+                        <a:lstStyle/>
+                        <a:p>
+                          <a14:m>
+                            <m:oMathPara xmlns:m="http://schemas.openxmlformats.org/officeDocument/2006/math">
+                              <m:oMathParaPr>
+                                <m:jc m:val="centerGroup"/>
+                              </m:oMathParaPr>
+                              <m:oMath xmlns:m="http://schemas.openxmlformats.org/officeDocument/2006/math">
+                                <m:r>
+                                  <a:rPr lang="es-MX" b="0" i="1" smtClean="0">
+                                    <a:latin typeface="Cambria Math" panose="02040503050406030204" pitchFamily="18" charset="0"/>
+                                  </a:rPr>
+                                  <m:t>𝑐</m:t>
+                                </m:r>
+                              </m:oMath>
+                            </m:oMathPara>
+                          </a14:m>
+                          <a:endParaRPr lang="es-MX" dirty="0"/>
+                        </a:p>
+                      </a:txBody>
+                      <a:tcPr/>
+                    </a:tc>
+                    <a:tc>
+                      <a:txBody>
+                        <a:bodyPr/>
+                        <a:lstStyle/>
+                        <a:p>
+                          <a:pPr algn="ctr"/>
+                          <a:r>
+                            <a:rPr lang="es-MX" dirty="0"/>
+                            <a:t>Tasa de Descarga General</a:t>
+                          </a:r>
+                        </a:p>
+                      </a:txBody>
+                      <a:tcPr/>
+                    </a:tc>
+                    <a:tc>
+                      <a:txBody>
+                        <a:bodyPr/>
+                        <a:lstStyle/>
+                        <a:p>
+                          <a:pPr marL="0" marR="0" lvl="0" indent="0" algn="ctr" defTabSz="914400" rtl="0" eaLnBrk="1" fontAlgn="auto" latinLnBrk="0" hangingPunct="1">
+                            <a:lnSpc>
+                              <a:spcPct val="100000"/>
+                            </a:lnSpc>
+                            <a:spcBef>
+                              <a:spcPts val="0"/>
+                            </a:spcBef>
+                            <a:spcAft>
+                              <a:spcPts val="0"/>
+                            </a:spcAft>
+                            <a:buClrTx/>
+                            <a:buSzTx/>
+                            <a:buFontTx/>
+                            <a:buNone/>
+                            <a:tabLst/>
+                            <a:defRPr/>
+                          </a:pPr>
+                          <a14:m>
+                            <m:oMathPara xmlns:m="http://schemas.openxmlformats.org/officeDocument/2006/math">
+                              <m:oMathParaPr>
+                                <m:jc m:val="centerGroup"/>
+                              </m:oMathParaPr>
+                              <m:oMath xmlns:m="http://schemas.openxmlformats.org/officeDocument/2006/math">
+                                <m:r>
+                                  <a:rPr lang="es-MX" b="0" i="1" dirty="0" smtClean="0">
+                                    <a:latin typeface="Cambria Math" panose="02040503050406030204" pitchFamily="18" charset="0"/>
+                                  </a:rPr>
+                                  <m:t>0.00407</m:t>
+                                </m:r>
+                              </m:oMath>
+                            </m:oMathPara>
+                          </a14:m>
+                          <a:endParaRPr lang="es-MX" dirty="0"/>
+                        </a:p>
+                      </a:txBody>
+                      <a:tcPr/>
+                    </a:tc>
+                    <a:extLst>
+                      <a:ext uri="{0D108BD9-81ED-4DB2-BD59-A6C34878D82A}">
+                        <a16:rowId xmlns:a16="http://schemas.microsoft.com/office/drawing/2014/main" val="97365205"/>
+                      </a:ext>
+                    </a:extLst>
+                  </a:tr>
+                  <a:tr h="370840">
+                    <a:tc>
+                      <a:txBody>
+                        <a:bodyPr/>
+                        <a:lstStyle/>
+                        <a:p>
+                          <a14:m>
+                            <m:oMathPara xmlns:m="http://schemas.openxmlformats.org/officeDocument/2006/math">
+                              <m:oMathParaPr>
+                                <m:jc m:val="centerGroup"/>
+                              </m:oMathParaPr>
+                              <m:oMath xmlns:m="http://schemas.openxmlformats.org/officeDocument/2006/math">
+                                <m:r>
+                                  <a:rPr lang="es-MX" i="1" smtClean="0">
+                                    <a:latin typeface="Cambria Math" panose="02040503050406030204" pitchFamily="18" charset="0"/>
+                                    <a:ea typeface="Cambria Math" panose="02040503050406030204" pitchFamily="18" charset="0"/>
+                                  </a:rPr>
+                                  <m:t>𝜇</m:t>
+                                </m:r>
+                              </m:oMath>
+                            </m:oMathPara>
+                          </a14:m>
+                          <a:endParaRPr lang="es-MX" dirty="0"/>
+                        </a:p>
+                      </a:txBody>
+                      <a:tcPr/>
+                    </a:tc>
+                    <a:tc>
+                      <a:txBody>
+                        <a:bodyPr/>
+                        <a:lstStyle/>
+                        <a:p>
+                          <a:pPr algn="ctr"/>
+                          <a:r>
+                            <a:rPr lang="es-MX" dirty="0"/>
+                            <a:t>Tasa de Subida General</a:t>
+                          </a:r>
+                        </a:p>
+                      </a:txBody>
+                      <a:tcPr/>
+                    </a:tc>
+                    <a:tc>
+                      <a:txBody>
+                        <a:bodyPr/>
+                        <a:lstStyle/>
+                        <a:p>
+                          <a:pPr marL="0" marR="0" lvl="0" indent="0" algn="ctr" defTabSz="914400" rtl="0" eaLnBrk="1" fontAlgn="auto" latinLnBrk="0" hangingPunct="1">
+                            <a:lnSpc>
+                              <a:spcPct val="100000"/>
+                            </a:lnSpc>
+                            <a:spcBef>
+                              <a:spcPts val="0"/>
+                            </a:spcBef>
+                            <a:spcAft>
+                              <a:spcPts val="0"/>
+                            </a:spcAft>
+                            <a:buClrTx/>
+                            <a:buSzTx/>
+                            <a:buFontTx/>
+                            <a:buNone/>
+                            <a:tabLst/>
+                            <a:defRPr/>
+                          </a:pPr>
+                          <a14:m>
+                            <m:oMath xmlns:m="http://schemas.openxmlformats.org/officeDocument/2006/math">
+                              <m:r>
+                                <a:rPr lang="es-MX" b="0" i="1" dirty="0" smtClean="0">
+                                  <a:latin typeface="Cambria Math" panose="02040503050406030204" pitchFamily="18" charset="0"/>
+                                </a:rPr>
+                                <m:t>0.00</m:t>
+                              </m:r>
+                            </m:oMath>
+                          </a14:m>
+                          <a:r>
+                            <a:rPr lang="es-MX" dirty="0"/>
+                            <a:t>255</a:t>
+                          </a:r>
+                        </a:p>
+                      </a:txBody>
+                      <a:tcPr/>
+                    </a:tc>
+                    <a:extLst>
+                      <a:ext uri="{0D108BD9-81ED-4DB2-BD59-A6C34878D82A}">
+                        <a16:rowId xmlns:a16="http://schemas.microsoft.com/office/drawing/2014/main" val="2044312216"/>
+                      </a:ext>
+                    </a:extLst>
+                  </a:tr>
+                  <a:tr h="370840">
+                    <a:tc>
+                      <a:txBody>
+                        <a:bodyPr/>
+                        <a:lstStyle/>
+                        <a:p>
+                          <a14:m>
+                            <m:oMathPara xmlns:m="http://schemas.openxmlformats.org/officeDocument/2006/math">
+                              <m:oMathParaPr>
+                                <m:jc m:val="centerGroup"/>
+                              </m:oMathParaPr>
+                              <m:oMath xmlns:m="http://schemas.openxmlformats.org/officeDocument/2006/math">
+                                <m:sSub>
+                                  <m:sSubPr>
+                                    <m:ctrlPr>
+                                      <a:rPr lang="es-MX" i="1" smtClean="0">
+                                        <a:latin typeface="Cambria Math" panose="02040503050406030204" pitchFamily="18" charset="0"/>
+                                      </a:rPr>
+                                    </m:ctrlPr>
+                                  </m:sSubPr>
+                                  <m:e>
+                                    <m:r>
+                                      <a:rPr lang="es-MX" i="1" smtClean="0">
+                                        <a:latin typeface="Cambria Math" panose="02040503050406030204" pitchFamily="18" charset="0"/>
+                                        <a:ea typeface="Cambria Math" panose="02040503050406030204" pitchFamily="18" charset="0"/>
+                                      </a:rPr>
+                                      <m:t>𝜇</m:t>
+                                    </m:r>
+                                  </m:e>
+                                  <m:sub>
+                                    <m:r>
+                                      <a:rPr lang="es-MX" b="0" i="1" smtClean="0">
+                                        <a:latin typeface="Cambria Math" panose="02040503050406030204" pitchFamily="18" charset="0"/>
+                                      </a:rPr>
+                                      <m:t>𝑠</m:t>
+                                    </m:r>
+                                  </m:sub>
+                                </m:sSub>
+                              </m:oMath>
+                            </m:oMathPara>
+                          </a14:m>
+                          <a:endParaRPr lang="es-MX" dirty="0"/>
+                        </a:p>
+                      </a:txBody>
+                      <a:tcPr/>
+                    </a:tc>
+                    <a:tc>
+                      <a:txBody>
+                        <a:bodyPr/>
+                        <a:lstStyle/>
+                        <a:p>
+                          <a:pPr algn="ctr"/>
+                          <a:r>
+                            <a:rPr lang="es-MX" dirty="0"/>
+                            <a:t>Tasa de Subida de la red CDN</a:t>
+                          </a:r>
+                        </a:p>
+                      </a:txBody>
+                      <a:tcPr/>
+                    </a:tc>
+                    <a:tc>
+                      <a:txBody>
+                        <a:bodyPr/>
+                        <a:lstStyle/>
+                        <a:p>
+                          <a:pPr marL="0" marR="0" lvl="0" indent="0" algn="ctr" defTabSz="914400" rtl="0" eaLnBrk="1" fontAlgn="auto" latinLnBrk="0" hangingPunct="1">
+                            <a:lnSpc>
+                              <a:spcPct val="100000"/>
+                            </a:lnSpc>
+                            <a:spcBef>
+                              <a:spcPts val="0"/>
+                            </a:spcBef>
+                            <a:spcAft>
+                              <a:spcPts val="0"/>
+                            </a:spcAft>
+                            <a:buClrTx/>
+                            <a:buSzTx/>
+                            <a:buFontTx/>
+                            <a:buNone/>
+                            <a:tabLst/>
+                            <a:defRPr/>
+                          </a:pPr>
+                          <a14:m>
+                            <m:oMathPara xmlns:m="http://schemas.openxmlformats.org/officeDocument/2006/math">
+                              <m:oMathParaPr>
+                                <m:jc m:val="centerGroup"/>
+                              </m:oMathParaPr>
+                              <m:oMath xmlns:m="http://schemas.openxmlformats.org/officeDocument/2006/math">
+                                <m:r>
+                                  <a:rPr lang="es-MX" b="0" i="1" dirty="0" smtClean="0">
+                                    <a:latin typeface="Cambria Math" panose="02040503050406030204" pitchFamily="18" charset="0"/>
+                                  </a:rPr>
+                                  <m:t>1.24</m:t>
+                                </m:r>
+                              </m:oMath>
+                            </m:oMathPara>
+                          </a14:m>
+                          <a:endParaRPr lang="es-MX" dirty="0"/>
+                        </a:p>
+                      </a:txBody>
+                      <a:tcPr/>
+                    </a:tc>
+                    <a:extLst>
+                      <a:ext uri="{0D108BD9-81ED-4DB2-BD59-A6C34878D82A}">
+                        <a16:rowId xmlns:a16="http://schemas.microsoft.com/office/drawing/2014/main" val="3777218271"/>
+                      </a:ext>
+                    </a:extLst>
+                  </a:tr>
+                  <a:tr h="370840">
+                    <a:tc>
+                      <a:txBody>
+                        <a:bodyPr/>
+                        <a:lstStyle/>
+                        <a:p>
+                          <a14:m>
+                            <m:oMathPara xmlns:m="http://schemas.openxmlformats.org/officeDocument/2006/math">
+                              <m:oMathParaPr>
+                                <m:jc m:val="centerGroup"/>
+                              </m:oMathParaPr>
+                              <m:oMath xmlns:m="http://schemas.openxmlformats.org/officeDocument/2006/math">
+                                <m:sSub>
+                                  <m:sSubPr>
+                                    <m:ctrlPr>
+                                      <a:rPr lang="es-MX" i="1" smtClean="0">
+                                        <a:latin typeface="Cambria Math" panose="02040503050406030204" pitchFamily="18" charset="0"/>
+                                      </a:rPr>
+                                    </m:ctrlPr>
+                                  </m:sSubPr>
+                                  <m:e>
+                                    <m:r>
+                                      <a:rPr lang="es-MX" b="0" i="1" smtClean="0">
+                                        <a:latin typeface="Cambria Math" panose="02040503050406030204" pitchFamily="18" charset="0"/>
+                                      </a:rPr>
+                                      <m:t>𝐶</m:t>
+                                    </m:r>
+                                  </m:e>
+                                  <m:sub>
+                                    <m:r>
+                                      <a:rPr lang="es-MX" i="1" smtClean="0">
+                                        <a:latin typeface="Cambria Math" panose="02040503050406030204" pitchFamily="18" charset="0"/>
+                                        <a:ea typeface="Cambria Math" panose="02040503050406030204" pitchFamily="18" charset="0"/>
+                                      </a:rPr>
+                                      <m:t>𝜔</m:t>
+                                    </m:r>
+                                  </m:sub>
+                                </m:sSub>
+                              </m:oMath>
+                            </m:oMathPara>
+                          </a14:m>
+                          <a:endParaRPr lang="es-MX" dirty="0"/>
+                        </a:p>
+                      </a:txBody>
+                      <a:tcPr/>
+                    </a:tc>
+                    <a:tc>
+                      <a:txBody>
+                        <a:bodyPr/>
+                        <a:lstStyle/>
+                        <a:p>
+                          <a:pPr algn="ctr"/>
+                          <a:r>
+                            <a:rPr lang="es-MX" dirty="0"/>
+                            <a:t>Tasa de Descarga de un </a:t>
+                          </a:r>
+                          <a:r>
+                            <a:rPr lang="es-MX" i="1" dirty="0"/>
+                            <a:t>peer</a:t>
+                          </a:r>
+                          <a:endParaRPr lang="es-MX" dirty="0"/>
+                        </a:p>
+                      </a:txBody>
+                      <a:tcPr/>
+                    </a:tc>
+                    <a:tc>
+                      <a:txBody>
+                        <a:bodyPr/>
+                        <a:lstStyle/>
+                        <a:p>
+                          <a:pPr marL="0" marR="0" lvl="0" indent="0" algn="ctr" defTabSz="914400" rtl="0" eaLnBrk="1" fontAlgn="auto" latinLnBrk="0" hangingPunct="1">
+                            <a:lnSpc>
+                              <a:spcPct val="100000"/>
+                            </a:lnSpc>
+                            <a:spcBef>
+                              <a:spcPts val="0"/>
+                            </a:spcBef>
+                            <a:spcAft>
+                              <a:spcPts val="0"/>
+                            </a:spcAft>
+                            <a:buClrTx/>
+                            <a:buSzTx/>
+                            <a:buFontTx/>
+                            <a:buNone/>
+                            <a:tabLst/>
+                            <a:defRPr/>
+                          </a:pPr>
+                          <a14:m>
+                            <m:oMathPara xmlns:m="http://schemas.openxmlformats.org/officeDocument/2006/math">
+                              <m:oMathParaPr>
+                                <m:jc m:val="centerGroup"/>
+                              </m:oMathParaPr>
+                              <m:oMath xmlns:m="http://schemas.openxmlformats.org/officeDocument/2006/math">
+                                <m:r>
+                                  <a:rPr lang="es-MX" b="0" i="1" smtClean="0">
+                                    <a:latin typeface="Cambria Math" panose="02040503050406030204" pitchFamily="18" charset="0"/>
+                                  </a:rPr>
+                                  <m:t>𝐶</m:t>
+                                </m:r>
+                                <m:r>
+                                  <a:rPr lang="es-MX" b="0" i="1" smtClean="0">
+                                    <a:latin typeface="Cambria Math" panose="02040503050406030204" pitchFamily="18" charset="0"/>
+                                  </a:rPr>
+                                  <m:t>∗</m:t>
+                                </m:r>
+                                <m:r>
+                                  <a:rPr lang="es-MX" b="0" i="1" smtClean="0">
+                                    <a:latin typeface="Cambria Math" panose="02040503050406030204" pitchFamily="18" charset="0"/>
+                                  </a:rPr>
+                                  <m:t>𝑐</m:t>
+                                </m:r>
+                              </m:oMath>
+                            </m:oMathPara>
+                          </a14:m>
+                          <a:endParaRPr lang="es-MX" dirty="0"/>
+                        </a:p>
+                      </a:txBody>
+                      <a:tcPr/>
+                    </a:tc>
+                    <a:extLst>
+                      <a:ext uri="{0D108BD9-81ED-4DB2-BD59-A6C34878D82A}">
+                        <a16:rowId xmlns:a16="http://schemas.microsoft.com/office/drawing/2014/main" val="1565276827"/>
+                      </a:ext>
+                    </a:extLst>
+                  </a:tr>
+                  <a:tr h="370840">
+                    <a:tc>
+                      <a:txBody>
+                        <a:bodyPr/>
+                        <a:lstStyle/>
+                        <a:p>
+                          <a14:m>
+                            <m:oMathPara xmlns:m="http://schemas.openxmlformats.org/officeDocument/2006/math">
+                              <m:oMathParaPr>
+                                <m:jc m:val="centerGroup"/>
+                              </m:oMathParaPr>
+                              <m:oMath xmlns:m="http://schemas.openxmlformats.org/officeDocument/2006/math">
+                                <m:sSub>
+                                  <m:sSubPr>
+                                    <m:ctrlPr>
+                                      <a:rPr lang="es-MX" i="1" smtClean="0">
+                                        <a:latin typeface="Cambria Math" panose="02040503050406030204" pitchFamily="18" charset="0"/>
+                                      </a:rPr>
+                                    </m:ctrlPr>
+                                  </m:sSubPr>
+                                  <m:e>
+                                    <m:r>
+                                      <a:rPr lang="es-MX" i="1" smtClean="0">
+                                        <a:latin typeface="Cambria Math" panose="02040503050406030204" pitchFamily="18" charset="0"/>
+                                        <a:ea typeface="Cambria Math" panose="02040503050406030204" pitchFamily="18" charset="0"/>
+                                      </a:rPr>
+                                      <m:t>𝜇</m:t>
+                                    </m:r>
+                                  </m:e>
+                                  <m:sub>
+                                    <m:r>
+                                      <a:rPr lang="es-MX" i="1" smtClean="0">
+                                        <a:latin typeface="Cambria Math" panose="02040503050406030204" pitchFamily="18" charset="0"/>
+                                        <a:ea typeface="Cambria Math" panose="02040503050406030204" pitchFamily="18" charset="0"/>
+                                      </a:rPr>
+                                      <m:t>𝜔</m:t>
+                                    </m:r>
+                                  </m:sub>
+                                </m:sSub>
+                              </m:oMath>
+                            </m:oMathPara>
+                          </a14:m>
+                          <a:endParaRPr lang="es-MX" dirty="0"/>
+                        </a:p>
+                      </a:txBody>
+                      <a:tcPr/>
+                    </a:tc>
+                    <a:tc>
+                      <a:txBody>
+                        <a:bodyPr/>
+                        <a:lstStyle/>
+                        <a:p>
+                          <a:pPr algn="ctr"/>
+                          <a:r>
+                            <a:rPr lang="es-MX" dirty="0"/>
+                            <a:t>Tasa de Subida de un </a:t>
+                          </a:r>
+                          <a:r>
+                            <a:rPr lang="es-MX" i="1" dirty="0"/>
+                            <a:t>peer</a:t>
+                          </a:r>
+                          <a:endParaRPr lang="es-MX" dirty="0"/>
+                        </a:p>
+                      </a:txBody>
+                      <a:tcPr/>
+                    </a:tc>
+                    <a:tc>
+                      <a:txBody>
+                        <a:bodyPr/>
+                        <a:lstStyle/>
+                        <a:p>
+                          <a:pPr marL="0" marR="0" lvl="0" indent="0" algn="ctr" defTabSz="914400" rtl="0" eaLnBrk="1" fontAlgn="auto" latinLnBrk="0" hangingPunct="1">
+                            <a:lnSpc>
+                              <a:spcPct val="100000"/>
+                            </a:lnSpc>
+                            <a:spcBef>
+                              <a:spcPts val="0"/>
+                            </a:spcBef>
+                            <a:spcAft>
+                              <a:spcPts val="0"/>
+                            </a:spcAft>
+                            <a:buClrTx/>
+                            <a:buSzTx/>
+                            <a:buFontTx/>
+                            <a:buNone/>
+                            <a:tabLst/>
+                            <a:defRPr/>
+                          </a:pPr>
+                          <a14:m>
+                            <m:oMathPara xmlns:m="http://schemas.openxmlformats.org/officeDocument/2006/math">
+                              <m:oMathParaPr>
+                                <m:jc m:val="centerGroup"/>
+                              </m:oMathParaPr>
+                              <m:oMath xmlns:m="http://schemas.openxmlformats.org/officeDocument/2006/math">
+                                <m:r>
+                                  <a:rPr lang="es-MX" b="0" i="1" smtClean="0">
+                                    <a:latin typeface="Cambria Math" panose="02040503050406030204" pitchFamily="18" charset="0"/>
+                                  </a:rPr>
+                                  <m:t>𝐶</m:t>
+                                </m:r>
+                                <m:r>
+                                  <a:rPr lang="es-MX" b="0" i="1" smtClean="0">
+                                    <a:latin typeface="Cambria Math" panose="02040503050406030204" pitchFamily="18" charset="0"/>
+                                  </a:rPr>
+                                  <m:t>∗</m:t>
+                                </m:r>
+                                <m:r>
+                                  <a:rPr lang="es-MX" b="0" i="1" smtClean="0">
+                                    <a:latin typeface="Cambria Math" panose="02040503050406030204" pitchFamily="18" charset="0"/>
+                                    <a:ea typeface="Cambria Math" panose="02040503050406030204" pitchFamily="18" charset="0"/>
+                                  </a:rPr>
+                                  <m:t>𝜇</m:t>
+                                </m:r>
+                              </m:oMath>
+                            </m:oMathPara>
+                          </a14:m>
+                          <a:endParaRPr lang="es-MX" dirty="0"/>
+                        </a:p>
+                      </a:txBody>
+                      <a:tcPr/>
+                    </a:tc>
+                    <a:extLst>
+                      <a:ext uri="{0D108BD9-81ED-4DB2-BD59-A6C34878D82A}">
+                        <a16:rowId xmlns:a16="http://schemas.microsoft.com/office/drawing/2014/main" val="2823960207"/>
+                      </a:ext>
+                    </a:extLst>
+                  </a:tr>
+                  <a:tr h="370840">
+                    <a:tc>
+                      <a:txBody>
+                        <a:bodyPr/>
+                        <a:lstStyle/>
+                        <a:p>
+                          <a14:m>
+                            <m:oMathPara xmlns:m="http://schemas.openxmlformats.org/officeDocument/2006/math">
+                              <m:oMathParaPr>
+                                <m:jc m:val="centerGroup"/>
+                              </m:oMathParaPr>
+                              <m:oMath xmlns:m="http://schemas.openxmlformats.org/officeDocument/2006/math">
+                                <m:sSub>
+                                  <m:sSubPr>
+                                    <m:ctrlPr>
+                                      <a:rPr lang="es-MX" i="1" smtClean="0">
+                                        <a:latin typeface="Cambria Math" panose="02040503050406030204" pitchFamily="18" charset="0"/>
+                                      </a:rPr>
+                                    </m:ctrlPr>
+                                  </m:sSubPr>
+                                  <m:e>
+                                    <m:r>
+                                      <a:rPr lang="es-MX" b="0" i="1" smtClean="0">
+                                        <a:latin typeface="Cambria Math" panose="02040503050406030204" pitchFamily="18" charset="0"/>
+                                      </a:rPr>
+                                      <m:t>𝑃</m:t>
+                                    </m:r>
+                                  </m:e>
+                                  <m:sub>
+                                    <m:r>
+                                      <a:rPr lang="es-MX" i="1" smtClean="0">
+                                        <a:latin typeface="Cambria Math" panose="02040503050406030204" pitchFamily="18" charset="0"/>
+                                        <a:ea typeface="Cambria Math" panose="02040503050406030204" pitchFamily="18" charset="0"/>
+                                      </a:rPr>
+                                      <m:t>𝜔</m:t>
+                                    </m:r>
+                                  </m:sub>
+                                </m:sSub>
+                              </m:oMath>
+                            </m:oMathPara>
+                          </a14:m>
+                          <a:endParaRPr lang="es-MX" dirty="0"/>
+                        </a:p>
+                      </a:txBody>
+                      <a:tcPr/>
+                    </a:tc>
+                    <a:tc>
+                      <a:txBody>
+                        <a:bodyPr/>
+                        <a:lstStyle/>
+                        <a:p>
+                          <a:pPr algn="ctr"/>
+                          <a:r>
+                            <a:rPr lang="es-MX" dirty="0"/>
+                            <a:t>Tasa de Producción del Video</a:t>
+                          </a:r>
+                        </a:p>
+                      </a:txBody>
+                      <a:tcPr/>
+                    </a:tc>
+                    <a:tc>
+                      <a:txBody>
+                        <a:bodyPr/>
+                        <a:lstStyle/>
+                        <a:p>
+                          <a:pPr marL="0" marR="0" lvl="0" indent="0" algn="ctr" defTabSz="914400" rtl="0" eaLnBrk="1" fontAlgn="auto" latinLnBrk="0" hangingPunct="1">
+                            <a:lnSpc>
+                              <a:spcPct val="100000"/>
+                            </a:lnSpc>
+                            <a:spcBef>
+                              <a:spcPts val="0"/>
+                            </a:spcBef>
+                            <a:spcAft>
+                              <a:spcPts val="0"/>
+                            </a:spcAft>
+                            <a:buClrTx/>
+                            <a:buSzTx/>
+                            <a:buFontTx/>
+                            <a:buNone/>
+                            <a:tabLst/>
+                            <a:defRPr/>
+                          </a:pPr>
+                          <a14:m>
+                            <m:oMathPara xmlns:m="http://schemas.openxmlformats.org/officeDocument/2006/math">
+                              <m:oMathParaPr>
+                                <m:jc m:val="centerGroup"/>
+                              </m:oMathParaPr>
+                              <m:oMath xmlns:m="http://schemas.openxmlformats.org/officeDocument/2006/math">
+                                <m:sSub>
+                                  <m:sSubPr>
+                                    <m:ctrlPr>
+                                      <a:rPr lang="es-MX" i="1" smtClean="0">
+                                        <a:latin typeface="Cambria Math" panose="02040503050406030204" pitchFamily="18" charset="0"/>
+                                      </a:rPr>
+                                    </m:ctrlPr>
+                                  </m:sSubPr>
+                                  <m:e>
+                                    <m:r>
+                                      <a:rPr lang="es-MX" b="0" i="1" smtClean="0">
+                                        <a:latin typeface="Cambria Math" panose="02040503050406030204" pitchFamily="18" charset="0"/>
+                                      </a:rPr>
+                                      <m:t>0.5</m:t>
+                                    </m:r>
+                                    <m:r>
+                                      <a:rPr lang="es-MX" b="0" i="1" smtClean="0">
+                                        <a:latin typeface="Cambria Math" panose="02040503050406030204" pitchFamily="18" charset="0"/>
+                                      </a:rPr>
+                                      <m:t>𝐶</m:t>
+                                    </m:r>
+                                  </m:e>
+                                  <m:sub>
+                                    <m:r>
+                                      <a:rPr lang="es-MX" i="1" smtClean="0">
+                                        <a:latin typeface="Cambria Math" panose="02040503050406030204" pitchFamily="18" charset="0"/>
+                                        <a:ea typeface="Cambria Math" panose="02040503050406030204" pitchFamily="18" charset="0"/>
+                                      </a:rPr>
+                                      <m:t>𝜔</m:t>
+                                    </m:r>
+                                  </m:sub>
+                                </m:sSub>
+                              </m:oMath>
+                            </m:oMathPara>
+                          </a14:m>
+                          <a:endParaRPr lang="es-MX" dirty="0"/>
+                        </a:p>
+                      </a:txBody>
+                      <a:tcPr/>
+                    </a:tc>
+                    <a:extLst>
+                      <a:ext uri="{0D108BD9-81ED-4DB2-BD59-A6C34878D82A}">
+                        <a16:rowId xmlns:a16="http://schemas.microsoft.com/office/drawing/2014/main" val="4158510133"/>
+                      </a:ext>
+                    </a:extLst>
+                  </a:tr>
+                  <a:tr h="370840">
+                    <a:tc>
+                      <a:txBody>
+                        <a:bodyPr/>
+                        <a:lstStyle/>
+                        <a:p>
+                          <a14:m>
+                            <m:oMathPara xmlns:m="http://schemas.openxmlformats.org/officeDocument/2006/math">
+                              <m:oMathParaPr>
+                                <m:jc m:val="centerGroup"/>
+                              </m:oMathParaPr>
+                              <m:oMath xmlns:m="http://schemas.openxmlformats.org/officeDocument/2006/math">
+                                <m:r>
+                                  <a:rPr lang="es-MX" b="0" i="1" smtClean="0">
+                                    <a:latin typeface="Cambria Math" panose="02040503050406030204" pitchFamily="18" charset="0"/>
+                                  </a:rPr>
+                                  <m:t>𝑄</m:t>
+                                </m:r>
+                              </m:oMath>
+                            </m:oMathPara>
+                          </a14:m>
+                          <a:endParaRPr lang="es-MX" dirty="0"/>
+                        </a:p>
+                      </a:txBody>
+                      <a:tcPr/>
+                    </a:tc>
+                    <a:tc>
+                      <a:txBody>
+                        <a:bodyPr/>
+                        <a:lstStyle/>
+                        <a:p>
+                          <a:pPr algn="ctr"/>
+                          <a:r>
+                            <a:rPr lang="es-MX" dirty="0"/>
+                            <a:t>Número de Ventanas hacia atrás</a:t>
+                          </a:r>
+                        </a:p>
+                      </a:txBody>
+                      <a:tcPr/>
+                    </a:tc>
+                    <a:tc>
+                      <a:txBody>
+                        <a:bodyPr/>
+                        <a:lstStyle/>
+                        <a:p>
+                          <a:pPr marL="0" marR="0" lvl="0" indent="0" algn="ctr" defTabSz="914400" rtl="0" eaLnBrk="1" fontAlgn="auto" latinLnBrk="0" hangingPunct="1">
+                            <a:lnSpc>
+                              <a:spcPct val="100000"/>
+                            </a:lnSpc>
+                            <a:spcBef>
+                              <a:spcPts val="0"/>
+                            </a:spcBef>
+                            <a:spcAft>
+                              <a:spcPts val="0"/>
+                            </a:spcAft>
+                            <a:buClrTx/>
+                            <a:buSzTx/>
+                            <a:buFontTx/>
+                            <a:buNone/>
+                            <a:tabLst/>
+                            <a:defRPr/>
+                          </a:pPr>
+                          <a14:m>
+                            <m:oMathPara xmlns:m="http://schemas.openxmlformats.org/officeDocument/2006/math">
+                              <m:oMathParaPr>
+                                <m:jc m:val="centerGroup"/>
+                              </m:oMathParaPr>
+                              <m:oMath xmlns:m="http://schemas.openxmlformats.org/officeDocument/2006/math">
+                                <m:r>
+                                  <a:rPr lang="es-MX" b="0" i="1" smtClean="0">
+                                    <a:latin typeface="Cambria Math" panose="02040503050406030204" pitchFamily="18" charset="0"/>
+                                  </a:rPr>
+                                  <m:t>𝑄</m:t>
+                                </m:r>
+                                <m:r>
+                                  <a:rPr lang="es-MX" b="0" i="1" smtClean="0">
+                                    <a:latin typeface="Cambria Math" panose="02040503050406030204" pitchFamily="18" charset="0"/>
+                                  </a:rPr>
+                                  <m:t>≤</m:t>
+                                </m:r>
+                                <m:r>
+                                  <a:rPr lang="es-MX" b="0" i="1" smtClean="0">
+                                    <a:latin typeface="Cambria Math" panose="02040503050406030204" pitchFamily="18" charset="0"/>
+                                  </a:rPr>
+                                  <m:t>𝐶</m:t>
+                                </m:r>
+                              </m:oMath>
+                            </m:oMathPara>
+                          </a14:m>
+                          <a:endParaRPr lang="es-MX" dirty="0"/>
+                        </a:p>
+                      </a:txBody>
+                      <a:tcPr/>
+                    </a:tc>
+                    <a:extLst>
+                      <a:ext uri="{0D108BD9-81ED-4DB2-BD59-A6C34878D82A}">
+                        <a16:rowId xmlns:a16="http://schemas.microsoft.com/office/drawing/2014/main" val="737193433"/>
+                      </a:ext>
+                    </a:extLst>
+                  </a:tr>
+                </a:tbl>
+              </a:graphicData>
+            </a:graphic>
+          </p:graphicFrame>
+        </mc:Choice>
+        <mc:Fallback>
+          <p:graphicFrame>
+            <p:nvGraphicFramePr>
+              <p:cNvPr id="4" name="Tabla 4">
+                <a:extLst>
+                  <a:ext uri="{FF2B5EF4-FFF2-40B4-BE49-F238E27FC236}">
+                    <a16:creationId xmlns:a16="http://schemas.microsoft.com/office/drawing/2014/main" id="{F62D73E2-BB72-6DE2-2C0D-E2D823115A82}"/>
+                  </a:ext>
+                </a:extLst>
+              </p:cNvPr>
+              <p:cNvGraphicFramePr>
+                <a:graphicFrameLocks noGrp="1"/>
+              </p:cNvGraphicFramePr>
+              <p:nvPr>
+                <p:ph idx="1"/>
+                <p:extLst>
+                  <p:ext uri="{D42A27DB-BD31-4B8C-83A1-F6EECF244321}">
+                    <p14:modId xmlns:p14="http://schemas.microsoft.com/office/powerpoint/2010/main" val="2097285654"/>
+                  </p:ext>
+                </p:extLst>
+              </p:nvPr>
+            </p:nvGraphicFramePr>
+            <p:xfrm>
+              <a:off x="930479" y="1062227"/>
+              <a:ext cx="10515597" cy="4988560"/>
+            </p:xfrm>
+            <a:graphic>
+              <a:graphicData uri="http://schemas.openxmlformats.org/drawingml/2006/table">
+                <a:tbl>
+                  <a:tblPr firstRow="1" bandRow="1">
+                    <a:tableStyleId>{5C22544A-7EE6-4342-B048-85BDC9FD1C3A}</a:tableStyleId>
+                  </a:tblPr>
+                  <a:tblGrid>
+                    <a:gridCol w="3505199">
+                      <a:extLst>
+                        <a:ext uri="{9D8B030D-6E8A-4147-A177-3AD203B41FA5}">
+                          <a16:colId xmlns:a16="http://schemas.microsoft.com/office/drawing/2014/main" val="4190109149"/>
+                        </a:ext>
+                      </a:extLst>
+                    </a:gridCol>
+                    <a:gridCol w="3505199">
+                      <a:extLst>
+                        <a:ext uri="{9D8B030D-6E8A-4147-A177-3AD203B41FA5}">
+                          <a16:colId xmlns:a16="http://schemas.microsoft.com/office/drawing/2014/main" val="3091631780"/>
+                        </a:ext>
+                      </a:extLst>
+                    </a:gridCol>
+                    <a:gridCol w="3505199">
+                      <a:extLst>
+                        <a:ext uri="{9D8B030D-6E8A-4147-A177-3AD203B41FA5}">
+                          <a16:colId xmlns:a16="http://schemas.microsoft.com/office/drawing/2014/main" val="3283064140"/>
+                        </a:ext>
+                      </a:extLst>
+                    </a:gridCol>
+                  </a:tblGrid>
+                  <a:tr h="370840">
+                    <a:tc>
+                      <a:txBody>
+                        <a:bodyPr/>
+                        <a:lstStyle/>
+                        <a:p>
+                          <a:pPr algn="ctr"/>
+                          <a:r>
+                            <a:rPr lang="es-MX" dirty="0"/>
+                            <a:t>Variable</a:t>
+                          </a:r>
+                        </a:p>
+                      </a:txBody>
+                      <a:tcPr/>
+                    </a:tc>
+                    <a:tc>
+                      <a:txBody>
+                        <a:bodyPr/>
+                        <a:lstStyle/>
+                        <a:p>
+                          <a:pPr algn="ctr"/>
+                          <a:r>
+                            <a:rPr lang="es-MX" dirty="0"/>
+                            <a:t>Descripción </a:t>
+                          </a:r>
+                        </a:p>
+                      </a:txBody>
+                      <a:tcPr/>
+                    </a:tc>
+                    <a:tc>
+                      <a:txBody>
+                        <a:bodyPr/>
+                        <a:lstStyle/>
+                        <a:p>
+                          <a:pPr algn="ctr"/>
+                          <a:r>
+                            <a:rPr lang="es-MX" dirty="0"/>
+                            <a:t> Valor</a:t>
+                          </a:r>
+                        </a:p>
+                      </a:txBody>
+                      <a:tcPr/>
+                    </a:tc>
+                    <a:extLst>
+                      <a:ext uri="{0D108BD9-81ED-4DB2-BD59-A6C34878D82A}">
+                        <a16:rowId xmlns:a16="http://schemas.microsoft.com/office/drawing/2014/main" val="390075765"/>
+                      </a:ext>
+                    </a:extLst>
+                  </a:tr>
+                  <a:tr h="370840">
+                    <a:tc>
+                      <a:txBody>
+                        <a:bodyPr/>
+                        <a:lstStyle/>
+                        <a:p>
+                          <a:endParaRPr lang="es-MX"/>
+                        </a:p>
+                      </a:txBody>
+                      <a:tcPr>
+                        <a:blipFill>
+                          <a:blip r:embed="rId2"/>
+                          <a:stretch>
+                            <a:fillRect l="-174" t="-108197" r="-200870" b="-1167213"/>
+                          </a:stretch>
+                        </a:blipFill>
+                      </a:tcPr>
+                    </a:tc>
+                    <a:tc>
+                      <a:txBody>
+                        <a:bodyPr/>
+                        <a:lstStyle/>
+                        <a:p>
+                          <a:pPr algn="ctr"/>
+                          <a:r>
+                            <a:rPr lang="es-MX" dirty="0"/>
+                            <a:t>Número de Ventanas</a:t>
+                          </a:r>
+                        </a:p>
+                      </a:txBody>
+                      <a:tcPr/>
+                    </a:tc>
+                    <a:tc>
+                      <a:txBody>
+                        <a:bodyPr/>
+                        <a:lstStyle/>
+                        <a:p>
+                          <a:endParaRPr lang="es-MX"/>
+                        </a:p>
+                      </a:txBody>
+                      <a:tcPr>
+                        <a:blipFill>
+                          <a:blip r:embed="rId2"/>
+                          <a:stretch>
+                            <a:fillRect l="-200348" t="-108197" r="-696" b="-1167213"/>
+                          </a:stretch>
+                        </a:blipFill>
+                      </a:tcPr>
+                    </a:tc>
+                    <a:extLst>
+                      <a:ext uri="{0D108BD9-81ED-4DB2-BD59-A6C34878D82A}">
+                        <a16:rowId xmlns:a16="http://schemas.microsoft.com/office/drawing/2014/main" val="1283370264"/>
+                      </a:ext>
+                    </a:extLst>
+                  </a:tr>
+                  <a:tr h="640080">
+                    <a:tc>
+                      <a:txBody>
+                        <a:bodyPr/>
+                        <a:lstStyle/>
+                        <a:p>
+                          <a:endParaRPr lang="es-MX"/>
+                        </a:p>
+                      </a:txBody>
+                      <a:tcPr>
+                        <a:blipFill>
+                          <a:blip r:embed="rId2"/>
+                          <a:stretch>
+                            <a:fillRect l="-174" t="-120952" r="-200870" b="-578095"/>
+                          </a:stretch>
+                        </a:blipFill>
+                      </a:tcPr>
+                    </a:tc>
+                    <a:tc>
+                      <a:txBody>
+                        <a:bodyPr/>
+                        <a:lstStyle/>
+                        <a:p>
+                          <a:endParaRPr lang="es-MX"/>
+                        </a:p>
+                      </a:txBody>
+                      <a:tcPr>
+                        <a:blipFill>
+                          <a:blip r:embed="rId2"/>
+                          <a:stretch>
+                            <a:fillRect l="-100000" t="-120952" r="-100521" b="-578095"/>
+                          </a:stretch>
+                        </a:blipFill>
+                      </a:tcPr>
+                    </a:tc>
+                    <a:tc>
+                      <a:txBody>
+                        <a:bodyPr/>
+                        <a:lstStyle/>
+                        <a:p>
+                          <a:endParaRPr lang="es-MX"/>
+                        </a:p>
+                      </a:txBody>
+                      <a:tcPr>
+                        <a:blipFill>
+                          <a:blip r:embed="rId2"/>
+                          <a:stretch>
+                            <a:fillRect l="-200348" t="-120952" r="-696" b="-578095"/>
+                          </a:stretch>
+                        </a:blipFill>
+                      </a:tcPr>
+                    </a:tc>
+                    <a:extLst>
+                      <a:ext uri="{0D108BD9-81ED-4DB2-BD59-A6C34878D82A}">
+                        <a16:rowId xmlns:a16="http://schemas.microsoft.com/office/drawing/2014/main" val="134890465"/>
+                      </a:ext>
+                    </a:extLst>
+                  </a:tr>
+                  <a:tr h="640080">
+                    <a:tc>
+                      <a:txBody>
+                        <a:bodyPr/>
+                        <a:lstStyle/>
+                        <a:p>
+                          <a:endParaRPr lang="es-MX"/>
+                        </a:p>
+                      </a:txBody>
+                      <a:tcPr>
+                        <a:blipFill>
+                          <a:blip r:embed="rId2"/>
+                          <a:stretch>
+                            <a:fillRect l="-174" t="-220952" r="-200870" b="-478095"/>
+                          </a:stretch>
+                        </a:blipFill>
+                      </a:tcPr>
+                    </a:tc>
+                    <a:tc>
+                      <a:txBody>
+                        <a:bodyPr/>
+                        <a:lstStyle/>
+                        <a:p>
+                          <a:endParaRPr lang="es-MX"/>
+                        </a:p>
+                      </a:txBody>
+                      <a:tcPr>
+                        <a:blipFill>
+                          <a:blip r:embed="rId2"/>
+                          <a:stretch>
+                            <a:fillRect l="-100000" t="-220952" r="-100521" b="-478095"/>
+                          </a:stretch>
+                        </a:blipFill>
+                      </a:tcPr>
+                    </a:tc>
+                    <a:tc>
+                      <a:txBody>
+                        <a:bodyPr/>
+                        <a:lstStyle/>
+                        <a:p>
+                          <a:endParaRPr lang="es-MX"/>
+                        </a:p>
+                      </a:txBody>
+                      <a:tcPr>
+                        <a:blipFill>
+                          <a:blip r:embed="rId2"/>
+                          <a:stretch>
+                            <a:fillRect l="-200348" t="-220952" r="-696" b="-478095"/>
+                          </a:stretch>
+                        </a:blipFill>
+                      </a:tcPr>
+                    </a:tc>
+                    <a:extLst>
+                      <a:ext uri="{0D108BD9-81ED-4DB2-BD59-A6C34878D82A}">
+                        <a16:rowId xmlns:a16="http://schemas.microsoft.com/office/drawing/2014/main" val="1572141380"/>
+                      </a:ext>
+                    </a:extLst>
+                  </a:tr>
+                  <a:tr h="370840">
+                    <a:tc>
+                      <a:txBody>
+                        <a:bodyPr/>
+                        <a:lstStyle/>
+                        <a:p>
+                          <a:endParaRPr lang="es-MX"/>
+                        </a:p>
+                      </a:txBody>
+                      <a:tcPr>
+                        <a:blipFill>
+                          <a:blip r:embed="rId2"/>
+                          <a:stretch>
+                            <a:fillRect l="-174" t="-552459" r="-200870" b="-722951"/>
+                          </a:stretch>
+                        </a:blipFill>
+                      </a:tcPr>
+                    </a:tc>
+                    <a:tc>
+                      <a:txBody>
+                        <a:bodyPr/>
+                        <a:lstStyle/>
+                        <a:p>
+                          <a:pPr algn="ctr"/>
+                          <a:r>
+                            <a:rPr lang="es-MX" dirty="0"/>
+                            <a:t>Tasa de Conexión</a:t>
+                          </a:r>
+                        </a:p>
+                      </a:txBody>
+                      <a:tcPr/>
+                    </a:tc>
+                    <a:tc>
+                      <a:txBody>
+                        <a:bodyPr/>
+                        <a:lstStyle/>
+                        <a:p>
+                          <a:endParaRPr lang="es-MX"/>
+                        </a:p>
+                      </a:txBody>
+                      <a:tcPr>
+                        <a:blipFill>
+                          <a:blip r:embed="rId2"/>
+                          <a:stretch>
+                            <a:fillRect l="-200348" t="-552459" r="-696" b="-722951"/>
+                          </a:stretch>
+                        </a:blipFill>
+                      </a:tcPr>
+                    </a:tc>
+                    <a:extLst>
+                      <a:ext uri="{0D108BD9-81ED-4DB2-BD59-A6C34878D82A}">
+                        <a16:rowId xmlns:a16="http://schemas.microsoft.com/office/drawing/2014/main" val="2119256988"/>
+                      </a:ext>
+                    </a:extLst>
+                  </a:tr>
+                  <a:tr h="370840">
+                    <a:tc>
+                      <a:txBody>
+                        <a:bodyPr/>
+                        <a:lstStyle/>
+                        <a:p>
+                          <a:endParaRPr lang="es-MX"/>
+                        </a:p>
+                      </a:txBody>
+                      <a:tcPr>
+                        <a:blipFill>
+                          <a:blip r:embed="rId2"/>
+                          <a:stretch>
+                            <a:fillRect l="-174" t="-652459" r="-200870" b="-622951"/>
+                          </a:stretch>
+                        </a:blipFill>
+                      </a:tcPr>
+                    </a:tc>
+                    <a:tc>
+                      <a:txBody>
+                        <a:bodyPr/>
+                        <a:lstStyle/>
+                        <a:p>
+                          <a:pPr algn="ctr"/>
+                          <a:r>
+                            <a:rPr lang="es-MX" dirty="0"/>
+                            <a:t>Tasa de Descarga General</a:t>
+                          </a:r>
+                        </a:p>
+                      </a:txBody>
+                      <a:tcPr/>
+                    </a:tc>
+                    <a:tc>
+                      <a:txBody>
+                        <a:bodyPr/>
+                        <a:lstStyle/>
+                        <a:p>
+                          <a:endParaRPr lang="es-MX"/>
+                        </a:p>
+                      </a:txBody>
+                      <a:tcPr>
+                        <a:blipFill>
+                          <a:blip r:embed="rId2"/>
+                          <a:stretch>
+                            <a:fillRect l="-200348" t="-652459" r="-696" b="-622951"/>
+                          </a:stretch>
+                        </a:blipFill>
+                      </a:tcPr>
+                    </a:tc>
+                    <a:extLst>
+                      <a:ext uri="{0D108BD9-81ED-4DB2-BD59-A6C34878D82A}">
+                        <a16:rowId xmlns:a16="http://schemas.microsoft.com/office/drawing/2014/main" val="97365205"/>
+                      </a:ext>
+                    </a:extLst>
+                  </a:tr>
+                  <a:tr h="370840">
+                    <a:tc>
+                      <a:txBody>
+                        <a:bodyPr/>
+                        <a:lstStyle/>
+                        <a:p>
+                          <a:endParaRPr lang="es-MX"/>
+                        </a:p>
+                      </a:txBody>
+                      <a:tcPr>
+                        <a:blipFill>
+                          <a:blip r:embed="rId2"/>
+                          <a:stretch>
+                            <a:fillRect l="-174" t="-752459" r="-200870" b="-522951"/>
+                          </a:stretch>
+                        </a:blipFill>
+                      </a:tcPr>
+                    </a:tc>
+                    <a:tc>
+                      <a:txBody>
+                        <a:bodyPr/>
+                        <a:lstStyle/>
+                        <a:p>
+                          <a:pPr algn="ctr"/>
+                          <a:r>
+                            <a:rPr lang="es-MX" dirty="0"/>
+                            <a:t>Tasa de Subida General</a:t>
+                          </a:r>
+                        </a:p>
+                      </a:txBody>
+                      <a:tcPr/>
+                    </a:tc>
+                    <a:tc>
+                      <a:txBody>
+                        <a:bodyPr/>
+                        <a:lstStyle/>
+                        <a:p>
+                          <a:endParaRPr lang="es-MX"/>
+                        </a:p>
+                      </a:txBody>
+                      <a:tcPr>
+                        <a:blipFill>
+                          <a:blip r:embed="rId2"/>
+                          <a:stretch>
+                            <a:fillRect l="-200348" t="-752459" r="-696" b="-522951"/>
+                          </a:stretch>
+                        </a:blipFill>
+                      </a:tcPr>
+                    </a:tc>
+                    <a:extLst>
+                      <a:ext uri="{0D108BD9-81ED-4DB2-BD59-A6C34878D82A}">
+                        <a16:rowId xmlns:a16="http://schemas.microsoft.com/office/drawing/2014/main" val="2044312216"/>
+                      </a:ext>
+                    </a:extLst>
+                  </a:tr>
+                  <a:tr h="370840">
+                    <a:tc>
+                      <a:txBody>
+                        <a:bodyPr/>
+                        <a:lstStyle/>
+                        <a:p>
+                          <a:endParaRPr lang="es-MX"/>
+                        </a:p>
+                      </a:txBody>
+                      <a:tcPr>
+                        <a:blipFill>
+                          <a:blip r:embed="rId2"/>
+                          <a:stretch>
+                            <a:fillRect l="-174" t="-866667" r="-200870" b="-431667"/>
+                          </a:stretch>
+                        </a:blipFill>
+                      </a:tcPr>
+                    </a:tc>
+                    <a:tc>
+                      <a:txBody>
+                        <a:bodyPr/>
+                        <a:lstStyle/>
+                        <a:p>
+                          <a:pPr algn="ctr"/>
+                          <a:r>
+                            <a:rPr lang="es-MX" dirty="0"/>
+                            <a:t>Tasa de Subida de la red CDN</a:t>
+                          </a:r>
+                        </a:p>
+                      </a:txBody>
+                      <a:tcPr/>
+                    </a:tc>
+                    <a:tc>
+                      <a:txBody>
+                        <a:bodyPr/>
+                        <a:lstStyle/>
+                        <a:p>
+                          <a:endParaRPr lang="es-MX"/>
+                        </a:p>
+                      </a:txBody>
+                      <a:tcPr>
+                        <a:blipFill>
+                          <a:blip r:embed="rId2"/>
+                          <a:stretch>
+                            <a:fillRect l="-200348" t="-866667" r="-696" b="-431667"/>
+                          </a:stretch>
+                        </a:blipFill>
+                      </a:tcPr>
+                    </a:tc>
+                    <a:extLst>
+                      <a:ext uri="{0D108BD9-81ED-4DB2-BD59-A6C34878D82A}">
+                        <a16:rowId xmlns:a16="http://schemas.microsoft.com/office/drawing/2014/main" val="3777218271"/>
+                      </a:ext>
+                    </a:extLst>
+                  </a:tr>
+                  <a:tr h="370840">
+                    <a:tc>
+                      <a:txBody>
+                        <a:bodyPr/>
+                        <a:lstStyle/>
+                        <a:p>
+                          <a:endParaRPr lang="es-MX"/>
+                        </a:p>
+                      </a:txBody>
+                      <a:tcPr>
+                        <a:blipFill>
+                          <a:blip r:embed="rId2"/>
+                          <a:stretch>
+                            <a:fillRect l="-174" t="-950820" r="-200870" b="-324590"/>
+                          </a:stretch>
+                        </a:blipFill>
+                      </a:tcPr>
+                    </a:tc>
+                    <a:tc>
+                      <a:txBody>
+                        <a:bodyPr/>
+                        <a:lstStyle/>
+                        <a:p>
+                          <a:pPr algn="ctr"/>
+                          <a:r>
+                            <a:rPr lang="es-MX" dirty="0"/>
+                            <a:t>Tasa de Descarga de un </a:t>
+                          </a:r>
+                          <a:r>
+                            <a:rPr lang="es-MX" i="1" dirty="0"/>
+                            <a:t>peer</a:t>
+                          </a:r>
+                          <a:endParaRPr lang="es-MX" dirty="0"/>
+                        </a:p>
+                      </a:txBody>
+                      <a:tcPr/>
+                    </a:tc>
+                    <a:tc>
+                      <a:txBody>
+                        <a:bodyPr/>
+                        <a:lstStyle/>
+                        <a:p>
+                          <a:endParaRPr lang="es-MX"/>
+                        </a:p>
+                      </a:txBody>
+                      <a:tcPr>
+                        <a:blipFill>
+                          <a:blip r:embed="rId2"/>
+                          <a:stretch>
+                            <a:fillRect l="-200348" t="-950820" r="-696" b="-324590"/>
+                          </a:stretch>
+                        </a:blipFill>
+                      </a:tcPr>
+                    </a:tc>
+                    <a:extLst>
+                      <a:ext uri="{0D108BD9-81ED-4DB2-BD59-A6C34878D82A}">
+                        <a16:rowId xmlns:a16="http://schemas.microsoft.com/office/drawing/2014/main" val="1565276827"/>
+                      </a:ext>
+                    </a:extLst>
+                  </a:tr>
+                  <a:tr h="370840">
+                    <a:tc>
+                      <a:txBody>
+                        <a:bodyPr/>
+                        <a:lstStyle/>
+                        <a:p>
+                          <a:endParaRPr lang="es-MX"/>
+                        </a:p>
+                      </a:txBody>
+                      <a:tcPr>
+                        <a:blipFill>
+                          <a:blip r:embed="rId2"/>
+                          <a:stretch>
+                            <a:fillRect l="-174" t="-1050820" r="-200870" b="-224590"/>
+                          </a:stretch>
+                        </a:blipFill>
+                      </a:tcPr>
+                    </a:tc>
+                    <a:tc>
+                      <a:txBody>
+                        <a:bodyPr/>
+                        <a:lstStyle/>
+                        <a:p>
+                          <a:pPr algn="ctr"/>
+                          <a:r>
+                            <a:rPr lang="es-MX" dirty="0"/>
+                            <a:t>Tasa de Subida de un </a:t>
+                          </a:r>
+                          <a:r>
+                            <a:rPr lang="es-MX" i="1" dirty="0"/>
+                            <a:t>peer</a:t>
+                          </a:r>
+                          <a:endParaRPr lang="es-MX" dirty="0"/>
+                        </a:p>
+                      </a:txBody>
+                      <a:tcPr/>
+                    </a:tc>
+                    <a:tc>
+                      <a:txBody>
+                        <a:bodyPr/>
+                        <a:lstStyle/>
+                        <a:p>
+                          <a:endParaRPr lang="es-MX"/>
+                        </a:p>
+                      </a:txBody>
+                      <a:tcPr>
+                        <a:blipFill>
+                          <a:blip r:embed="rId2"/>
+                          <a:stretch>
+                            <a:fillRect l="-200348" t="-1050820" r="-696" b="-224590"/>
+                          </a:stretch>
+                        </a:blipFill>
+                      </a:tcPr>
+                    </a:tc>
+                    <a:extLst>
+                      <a:ext uri="{0D108BD9-81ED-4DB2-BD59-A6C34878D82A}">
+                        <a16:rowId xmlns:a16="http://schemas.microsoft.com/office/drawing/2014/main" val="2823960207"/>
+                      </a:ext>
+                    </a:extLst>
+                  </a:tr>
+                  <a:tr h="370840">
+                    <a:tc>
+                      <a:txBody>
+                        <a:bodyPr/>
+                        <a:lstStyle/>
+                        <a:p>
+                          <a:endParaRPr lang="es-MX"/>
+                        </a:p>
+                      </a:txBody>
+                      <a:tcPr>
+                        <a:blipFill>
+                          <a:blip r:embed="rId2"/>
+                          <a:stretch>
+                            <a:fillRect l="-174" t="-1150820" r="-200870" b="-124590"/>
+                          </a:stretch>
+                        </a:blipFill>
+                      </a:tcPr>
+                    </a:tc>
+                    <a:tc>
+                      <a:txBody>
+                        <a:bodyPr/>
+                        <a:lstStyle/>
+                        <a:p>
+                          <a:pPr algn="ctr"/>
+                          <a:r>
+                            <a:rPr lang="es-MX" dirty="0"/>
+                            <a:t>Tasa de Producción del Video</a:t>
+                          </a:r>
+                        </a:p>
+                      </a:txBody>
+                      <a:tcPr/>
+                    </a:tc>
+                    <a:tc>
+                      <a:txBody>
+                        <a:bodyPr/>
+                        <a:lstStyle/>
+                        <a:p>
+                          <a:endParaRPr lang="es-MX"/>
+                        </a:p>
+                      </a:txBody>
+                      <a:tcPr>
+                        <a:blipFill>
+                          <a:blip r:embed="rId2"/>
+                          <a:stretch>
+                            <a:fillRect l="-200348" t="-1150820" r="-696" b="-124590"/>
+                          </a:stretch>
+                        </a:blipFill>
+                      </a:tcPr>
+                    </a:tc>
+                    <a:extLst>
+                      <a:ext uri="{0D108BD9-81ED-4DB2-BD59-A6C34878D82A}">
+                        <a16:rowId xmlns:a16="http://schemas.microsoft.com/office/drawing/2014/main" val="4158510133"/>
+                      </a:ext>
+                    </a:extLst>
+                  </a:tr>
+                  <a:tr h="370840">
+                    <a:tc>
+                      <a:txBody>
+                        <a:bodyPr/>
+                        <a:lstStyle/>
+                        <a:p>
+                          <a:endParaRPr lang="es-MX"/>
+                        </a:p>
+                      </a:txBody>
+                      <a:tcPr>
+                        <a:blipFill>
+                          <a:blip r:embed="rId2"/>
+                          <a:stretch>
+                            <a:fillRect l="-174" t="-1250820" r="-200870" b="-24590"/>
+                          </a:stretch>
+                        </a:blipFill>
+                      </a:tcPr>
+                    </a:tc>
+                    <a:tc>
+                      <a:txBody>
+                        <a:bodyPr/>
+                        <a:lstStyle/>
+                        <a:p>
+                          <a:pPr algn="ctr"/>
+                          <a:r>
+                            <a:rPr lang="es-MX" dirty="0"/>
+                            <a:t>Número de Ventanas hacia atrás</a:t>
+                          </a:r>
+                        </a:p>
+                      </a:txBody>
+                      <a:tcPr/>
+                    </a:tc>
+                    <a:tc>
+                      <a:txBody>
+                        <a:bodyPr/>
+                        <a:lstStyle/>
+                        <a:p>
+                          <a:endParaRPr lang="es-MX"/>
+                        </a:p>
+                      </a:txBody>
+                      <a:tcPr>
+                        <a:blipFill>
+                          <a:blip r:embed="rId2"/>
+                          <a:stretch>
+                            <a:fillRect l="-200348" t="-1250820" r="-696" b="-24590"/>
+                          </a:stretch>
+                        </a:blipFill>
+                      </a:tcPr>
+                    </a:tc>
+                    <a:extLst>
+                      <a:ext uri="{0D108BD9-81ED-4DB2-BD59-A6C34878D82A}">
+                        <a16:rowId xmlns:a16="http://schemas.microsoft.com/office/drawing/2014/main" val="737193433"/>
+                      </a:ext>
+                    </a:extLst>
+                  </a:tr>
+                </a:tbl>
+              </a:graphicData>
+            </a:graphic>
+          </p:graphicFrame>
+        </mc:Fallback>
+      </mc:AlternateContent>
+      <mc:AlternateContent xmlns:mc="http://schemas.openxmlformats.org/markup-compatibility/2006">
+        <mc:Choice xmlns:a14="http://schemas.microsoft.com/office/drawing/2010/main" Requires="a14">
+          <p:sp>
+            <p:nvSpPr>
+              <p:cNvPr id="5" name="CuadroTexto 4">
+                <a:extLst>
+                  <a:ext uri="{FF2B5EF4-FFF2-40B4-BE49-F238E27FC236}">
+                    <a16:creationId xmlns:a16="http://schemas.microsoft.com/office/drawing/2014/main" id="{6481A17C-7A97-1BD7-9A86-A1CA51F74FB6}"/>
+                  </a:ext>
+                </a:extLst>
+              </p:cNvPr>
+              <p:cNvSpPr txBox="1"/>
+              <p:nvPr/>
+            </p:nvSpPr>
+            <p:spPr>
+              <a:xfrm>
+                <a:off x="930479" y="6140741"/>
+                <a:ext cx="10234569" cy="646331"/>
+              </a:xfrm>
+              <a:prstGeom prst="rect">
+                <a:avLst/>
+              </a:prstGeom>
+              <a:noFill/>
+            </p:spPr>
+            <p:txBody>
+              <a:bodyPr wrap="square" rtlCol="0">
+                <a:spAutoFit/>
+              </a:bodyPr>
+              <a:lstStyle/>
+              <a:p>
+                <a:r>
+                  <a:rPr lang="es-MX" dirty="0"/>
+                  <a:t>*</a:t>
+                </a:r>
+                <a:r>
+                  <a:rPr lang="es-MX" b="0" dirty="0"/>
+                  <a:t> </a:t>
+                </a:r>
+                <a14:m>
+                  <m:oMath xmlns:m="http://schemas.openxmlformats.org/officeDocument/2006/math">
+                    <m:r>
+                      <a:rPr lang="es-MX" b="0" i="1" smtClean="0">
+                        <a:latin typeface="Cambria Math" panose="02040503050406030204" pitchFamily="18" charset="0"/>
+                      </a:rPr>
+                      <m:t>𝑄</m:t>
+                    </m:r>
+                    <m:r>
+                      <a:rPr lang="es-MX" b="0" i="1" smtClean="0">
+                        <a:latin typeface="Cambria Math" panose="02040503050406030204" pitchFamily="18" charset="0"/>
+                      </a:rPr>
+                      <m:t> </m:t>
+                    </m:r>
+                  </m:oMath>
+                </a14:m>
+                <a:r>
+                  <a:rPr lang="es-MX" dirty="0"/>
+                  <a:t>es un parámetro exclusivo para el esquema de asignación de recursos Q ventanas hacia atrás </a:t>
+                </a:r>
+              </a:p>
+              <a:p>
+                <a:endParaRPr lang="es-MX" dirty="0"/>
+              </a:p>
+            </p:txBody>
+          </p:sp>
+        </mc:Choice>
+        <mc:Fallback>
+          <p:sp>
+            <p:nvSpPr>
+              <p:cNvPr id="5" name="CuadroTexto 4">
+                <a:extLst>
+                  <a:ext uri="{FF2B5EF4-FFF2-40B4-BE49-F238E27FC236}">
+                    <a16:creationId xmlns:a16="http://schemas.microsoft.com/office/drawing/2014/main" id="{6481A17C-7A97-1BD7-9A86-A1CA51F74FB6}"/>
+                  </a:ext>
+                </a:extLst>
+              </p:cNvPr>
+              <p:cNvSpPr txBox="1">
+                <a:spLocks noRot="1" noChangeAspect="1" noMove="1" noResize="1" noEditPoints="1" noAdjustHandles="1" noChangeArrowheads="1" noChangeShapeType="1" noTextEdit="1"/>
+              </p:cNvSpPr>
+              <p:nvPr/>
+            </p:nvSpPr>
+            <p:spPr>
+              <a:xfrm>
+                <a:off x="930479" y="6140741"/>
+                <a:ext cx="10234569" cy="646331"/>
+              </a:xfrm>
+              <a:prstGeom prst="rect">
+                <a:avLst/>
+              </a:prstGeom>
+              <a:blipFill>
+                <a:blip r:embed="rId3"/>
+                <a:stretch>
+                  <a:fillRect l="-536" t="-4717"/>
+                </a:stretch>
+              </a:blipFill>
+            </p:spPr>
+            <p:txBody>
+              <a:bodyPr/>
+              <a:lstStyle/>
+              <a:p>
+                <a:r>
+                  <a:rPr lang="es-MX">
+                    <a:noFill/>
+                  </a:rPr>
+                  <a:t> </a:t>
+                </a:r>
+              </a:p>
+            </p:txBody>
+          </p:sp>
+        </mc:Fallback>
+      </mc:AlternateContent>
+    </p:spTree>
+    <p:extLst>
+      <p:ext uri="{BB962C8B-B14F-4D97-AF65-F5344CB8AC3E}">
+        <p14:creationId xmlns:p14="http://schemas.microsoft.com/office/powerpoint/2010/main" val="901632273"/>
+      </p:ext>
+    </p:extLst>
+  </p:cSld>
+  <p:clrMapOvr>
+    <a:masterClrMapping/>
+  </p:clrMapOvr>
+</p:sld>
+</file>
+
+<file path=ppt/slides/slide8.xml><?xml version="1.0" encoding="utf-8"?>
+<p:sld xmlns:a="http://schemas.openxmlformats.org/drawingml/2006/main" xmlns:r="http://schemas.openxmlformats.org/officeDocument/2006/relationships" xmlns:p="http://schemas.openxmlformats.org/presentationml/2006/main">
+  <p:cSld>
+    <p:spTree>
+      <p:nvGrpSpPr>
+        <p:cNvPr id="1" name=""/>
+        <p:cNvGrpSpPr/>
+        <p:nvPr/>
+      </p:nvGrpSpPr>
+      <p:grpSpPr>
+        <a:xfrm>
+          <a:off x="0" y="0"/>
+          <a:ext cx="0" cy="0"/>
+          <a:chOff x="0" y="0"/>
+          <a:chExt cx="0" cy="0"/>
+        </a:xfrm>
+      </p:grpSpPr>
+      <p:sp>
+        <p:nvSpPr>
+          <p:cNvPr id="2" name="Título 1">
+            <a:extLst>
+              <a:ext uri="{FF2B5EF4-FFF2-40B4-BE49-F238E27FC236}">
                 <a16:creationId xmlns:a16="http://schemas.microsoft.com/office/drawing/2014/main" id="{02EF3EA3-6A17-C9DF-F2BC-BA6E884CD5FC}"/>
               </a:ext>
             </a:extLst>
@@ -11694,7 +14850,7 @@
 </p:sld>
 </file>
 
-<file path=ppt/slides/slide8.xml><?xml version="1.0" encoding="utf-8"?>
+<file path=ppt/slides/slide9.xml><?xml version="1.0" encoding="utf-8"?>
 <p:sld xmlns:a="http://schemas.openxmlformats.org/drawingml/2006/main" xmlns:r="http://schemas.openxmlformats.org/officeDocument/2006/relationships" xmlns:p="http://schemas.openxmlformats.org/presentationml/2006/main">
   <p:cSld>
     <p:spTree>
@@ -13209,1521 +16365,6 @@
 </p:sld>
 </file>
 
-<file path=ppt/slides/slide9.xml><?xml version="1.0" encoding="utf-8"?>
-<p:sld xmlns:a="http://schemas.openxmlformats.org/drawingml/2006/main" xmlns:r="http://schemas.openxmlformats.org/officeDocument/2006/relationships" xmlns:p="http://schemas.openxmlformats.org/presentationml/2006/main">
-  <p:cSld>
-    <p:spTree>
-      <p:nvGrpSpPr>
-        <p:cNvPr id="1" name=""/>
-        <p:cNvGrpSpPr/>
-        <p:nvPr/>
-      </p:nvGrpSpPr>
-      <p:grpSpPr>
-        <a:xfrm>
-          <a:off x="0" y="0"/>
-          <a:ext cx="0" cy="0"/>
-          <a:chOff x="0" y="0"/>
-          <a:chExt cx="0" cy="0"/>
-        </a:xfrm>
-      </p:grpSpPr>
-      <p:sp>
-        <p:nvSpPr>
-          <p:cNvPr id="2" name="Título 1">
-            <a:extLst>
-              <a:ext uri="{FF2B5EF4-FFF2-40B4-BE49-F238E27FC236}">
-                <a16:creationId xmlns:a16="http://schemas.microsoft.com/office/drawing/2014/main" id="{32691174-20F9-D4FC-F56B-CF040D76952A}"/>
-              </a:ext>
-            </a:extLst>
-          </p:cNvPr>
-          <p:cNvSpPr>
-            <a:spLocks noGrp="1"/>
-          </p:cNvSpPr>
-          <p:nvPr>
-            <p:ph type="title"/>
-          </p:nvPr>
-        </p:nvSpPr>
-        <p:spPr/>
-        <p:txBody>
-          <a:bodyPr/>
-          <a:lstStyle/>
-          <a:p>
-            <a:pPr algn="ctr"/>
-            <a:r>
-              <a:rPr lang="es-MX" dirty="0"/>
-              <a:t>Penuria</a:t>
-            </a:r>
-          </a:p>
-        </p:txBody>
-      </p:sp>
-      <mc:AlternateContent xmlns:mc="http://schemas.openxmlformats.org/markup-compatibility/2006" xmlns:a14="http://schemas.microsoft.com/office/drawing/2010/main">
-        <mc:Choice Requires="a14">
-          <p:sp>
-            <p:nvSpPr>
-              <p:cNvPr id="3" name="Marcador de contenido 2">
-                <a:extLst>
-                  <a:ext uri="{FF2B5EF4-FFF2-40B4-BE49-F238E27FC236}">
-                    <a16:creationId xmlns:a16="http://schemas.microsoft.com/office/drawing/2014/main" id="{CF2555D5-EEDD-1F82-F4B6-F4C4ABDE29D4}"/>
-                  </a:ext>
-                </a:extLst>
-              </p:cNvPr>
-              <p:cNvSpPr>
-                <a:spLocks noGrp="1"/>
-              </p:cNvSpPr>
-              <p:nvPr>
-                <p:ph idx="1"/>
-              </p:nvPr>
-            </p:nvSpPr>
-            <p:spPr/>
-            <p:txBody>
-              <a:bodyPr/>
-              <a:lstStyle/>
-              <a:p>
-                <a:pPr marL="0" indent="0">
-                  <a:buNone/>
-                </a:pPr>
-                <a14:m>
-                  <m:oMathPara xmlns:m="http://schemas.openxmlformats.org/officeDocument/2006/math">
-                    <m:oMathParaPr>
-                      <m:jc m:val="centerGroup"/>
-                    </m:oMathParaPr>
-                    <m:oMath xmlns:m="http://schemas.openxmlformats.org/officeDocument/2006/math">
-                      <m:sSubSup>
-                        <m:sSubSupPr>
-                          <m:ctrlPr>
-                            <a:rPr lang="es-MX" sz="2800" i="1" smtClean="0">
-                              <a:effectLst/>
-                              <a:latin typeface="Cambria Math" panose="02040503050406030204" pitchFamily="18" charset="0"/>
-                              <a:cs typeface="Arial" panose="020B0604020202020204" pitchFamily="34" charset="0"/>
-                            </a:rPr>
-                          </m:ctrlPr>
-                        </m:sSubSupPr>
-                        <m:e>
-                          <m:r>
-                            <a:rPr lang="es-ES" sz="2800" i="1">
-                              <a:effectLst/>
-                              <a:latin typeface="Cambria Math" panose="02040503050406030204" pitchFamily="18" charset="0"/>
-                              <a:ea typeface="Times New Roman" panose="02020603050405020304" pitchFamily="18" charset="0"/>
-                              <a:cs typeface="Arial" panose="020B0604020202020204" pitchFamily="34" charset="0"/>
-                            </a:rPr>
-                            <m:t>𝐵</m:t>
-                          </m:r>
-                        </m:e>
-                        <m:sub>
-                          <m:r>
-                            <a:rPr lang="es-ES" sz="2800" i="1">
-                              <a:effectLst/>
-                              <a:latin typeface="Cambria Math" panose="02040503050406030204" pitchFamily="18" charset="0"/>
-                              <a:ea typeface="Times New Roman" panose="02020603050405020304" pitchFamily="18" charset="0"/>
-                              <a:cs typeface="Arial" panose="020B0604020202020204" pitchFamily="34" charset="0"/>
-                            </a:rPr>
-                            <m:t>𝑑</m:t>
-                          </m:r>
-                        </m:sub>
-                        <m:sup>
-                          <m:r>
-                            <a:rPr lang="es-ES" sz="2800" i="1">
-                              <a:effectLst/>
-                              <a:latin typeface="Cambria Math" panose="02040503050406030204" pitchFamily="18" charset="0"/>
-                              <a:ea typeface="Times New Roman" panose="02020603050405020304" pitchFamily="18" charset="0"/>
-                              <a:cs typeface="Arial" panose="020B0604020202020204" pitchFamily="34" charset="0"/>
-                            </a:rPr>
-                            <m:t>𝑖</m:t>
-                          </m:r>
-                        </m:sup>
-                      </m:sSubSup>
-                      <m:r>
-                        <a:rPr lang="es-ES" sz="2800" i="1">
-                          <a:effectLst/>
-                          <a:latin typeface="Cambria Math" panose="02040503050406030204" pitchFamily="18" charset="0"/>
-                          <a:ea typeface="Times New Roman" panose="02020603050405020304" pitchFamily="18" charset="0"/>
-                          <a:cs typeface="Arial" panose="020B0604020202020204" pitchFamily="34" charset="0"/>
-                        </a:rPr>
-                        <m:t>=</m:t>
-                      </m:r>
-                      <m:sSub>
-                        <m:sSubPr>
-                          <m:ctrlPr>
-                            <a:rPr lang="es-MX" sz="2800" i="1">
-                              <a:effectLst/>
-                              <a:latin typeface="Cambria Math" panose="02040503050406030204" pitchFamily="18" charset="0"/>
-                              <a:cs typeface="Arial" panose="020B0604020202020204" pitchFamily="34" charset="0"/>
-                            </a:rPr>
-                          </m:ctrlPr>
-                        </m:sSubPr>
-                        <m:e>
-                          <m:r>
-                            <a:rPr lang="es-ES" sz="2800" i="1">
-                              <a:effectLst/>
-                              <a:latin typeface="Cambria Math" panose="02040503050406030204" pitchFamily="18" charset="0"/>
-                              <a:ea typeface="Times New Roman" panose="02020603050405020304" pitchFamily="18" charset="0"/>
-                              <a:cs typeface="Arial" panose="020B0604020202020204" pitchFamily="34" charset="0"/>
-                            </a:rPr>
-                            <m:t>𝐶</m:t>
-                          </m:r>
-                        </m:e>
-                        <m:sub>
-                          <m:r>
-                            <a:rPr lang="es-ES" sz="2800" i="1">
-                              <a:effectLst/>
-                              <a:latin typeface="Cambria Math" panose="02040503050406030204" pitchFamily="18" charset="0"/>
-                              <a:ea typeface="Times New Roman" panose="02020603050405020304" pitchFamily="18" charset="0"/>
-                              <a:cs typeface="Arial" panose="020B0604020202020204" pitchFamily="34" charset="0"/>
-                            </a:rPr>
-                            <m:t>𝜔</m:t>
-                          </m:r>
-                        </m:sub>
-                      </m:sSub>
-                      <m:r>
-                        <a:rPr lang="es-ES" sz="2800" i="1">
-                          <a:effectLst/>
-                          <a:latin typeface="Cambria Math" panose="02040503050406030204" pitchFamily="18" charset="0"/>
-                          <a:ea typeface="Times New Roman" panose="02020603050405020304" pitchFamily="18" charset="0"/>
-                          <a:cs typeface="Arial" panose="020B0604020202020204" pitchFamily="34" charset="0"/>
-                        </a:rPr>
-                        <m:t>∗</m:t>
-                      </m:r>
-                      <m:sSub>
-                        <m:sSubPr>
-                          <m:ctrlPr>
-                            <a:rPr lang="es-MX" sz="2800" i="1">
-                              <a:effectLst/>
-                              <a:latin typeface="Cambria Math" panose="02040503050406030204" pitchFamily="18" charset="0"/>
-                              <a:cs typeface="Arial" panose="020B0604020202020204" pitchFamily="34" charset="0"/>
-                            </a:rPr>
-                          </m:ctrlPr>
-                        </m:sSubPr>
-                        <m:e>
-                          <m:r>
-                            <a:rPr lang="es-ES" sz="2800" i="1">
-                              <a:effectLst/>
-                              <a:latin typeface="Cambria Math" panose="02040503050406030204" pitchFamily="18" charset="0"/>
-                              <a:ea typeface="Times New Roman" panose="02020603050405020304" pitchFamily="18" charset="0"/>
-                              <a:cs typeface="Arial" panose="020B0604020202020204" pitchFamily="34" charset="0"/>
-                            </a:rPr>
-                            <m:t>𝑋</m:t>
-                          </m:r>
-                        </m:e>
-                        <m:sub>
-                          <m:r>
-                            <a:rPr lang="es-ES" sz="2800" i="1">
-                              <a:effectLst/>
-                              <a:latin typeface="Cambria Math" panose="02040503050406030204" pitchFamily="18" charset="0"/>
-                              <a:ea typeface="Times New Roman" panose="02020603050405020304" pitchFamily="18" charset="0"/>
-                              <a:cs typeface="Arial" panose="020B0604020202020204" pitchFamily="34" charset="0"/>
-                            </a:rPr>
-                            <m:t>𝑖</m:t>
-                          </m:r>
-                        </m:sub>
-                      </m:sSub>
-                      <m:r>
-                        <a:rPr lang="es-MX" sz="2800" b="0" i="1" smtClean="0">
-                          <a:effectLst/>
-                          <a:latin typeface="Cambria Math" panose="02040503050406030204" pitchFamily="18" charset="0"/>
-                          <a:ea typeface="Times New Roman" panose="02020603050405020304" pitchFamily="18" charset="0"/>
-                          <a:cs typeface="Arial" panose="020B0604020202020204" pitchFamily="34" charset="0"/>
-                        </a:rPr>
-                        <m:t>(</m:t>
-                      </m:r>
-                      <m:r>
-                        <a:rPr lang="es-MX" sz="2800" b="0" i="1" smtClean="0">
-                          <a:effectLst/>
-                          <a:latin typeface="Cambria Math" panose="02040503050406030204" pitchFamily="18" charset="0"/>
-                          <a:ea typeface="Times New Roman" panose="02020603050405020304" pitchFamily="18" charset="0"/>
-                          <a:cs typeface="Arial" panose="020B0604020202020204" pitchFamily="34" charset="0"/>
-                        </a:rPr>
-                        <m:t>𝐵𝑊</m:t>
-                      </m:r>
-                      <m:r>
-                        <a:rPr lang="es-MX" sz="2800" b="0" i="1" smtClean="0">
-                          <a:effectLst/>
-                          <a:latin typeface="Cambria Math" panose="02040503050406030204" pitchFamily="18" charset="0"/>
-                          <a:ea typeface="Times New Roman" panose="02020603050405020304" pitchFamily="18" charset="0"/>
-                          <a:cs typeface="Arial" panose="020B0604020202020204" pitchFamily="34" charset="0"/>
-                        </a:rPr>
-                        <m:t>)</m:t>
-                      </m:r>
-                    </m:oMath>
-                  </m:oMathPara>
-                </a14:m>
-                <a:endParaRPr lang="es-MX" dirty="0"/>
-              </a:p>
-            </p:txBody>
-          </p:sp>
-        </mc:Choice>
-        <mc:Fallback xmlns="">
-          <p:sp>
-            <p:nvSpPr>
-              <p:cNvPr id="3" name="Marcador de contenido 2">
-                <a:extLst>
-                  <a:ext uri="{FF2B5EF4-FFF2-40B4-BE49-F238E27FC236}">
-                    <a16:creationId xmlns:a16="http://schemas.microsoft.com/office/drawing/2014/main" id="{CF2555D5-EEDD-1F82-F4B6-F4C4ABDE29D4}"/>
-                  </a:ext>
-                </a:extLst>
-              </p:cNvPr>
-              <p:cNvSpPr>
-                <a:spLocks noGrp="1" noRot="1" noChangeAspect="1" noMove="1" noResize="1" noEditPoints="1" noAdjustHandles="1" noChangeArrowheads="1" noChangeShapeType="1" noTextEdit="1"/>
-              </p:cNvSpPr>
-              <p:nvPr>
-                <p:ph idx="1"/>
-              </p:nvPr>
-            </p:nvSpPr>
-            <p:spPr>
-              <a:blipFill>
-                <a:blip r:embed="rId2"/>
-                <a:stretch>
-                  <a:fillRect/>
-                </a:stretch>
-              </a:blipFill>
-            </p:spPr>
-            <p:txBody>
-              <a:bodyPr/>
-              <a:lstStyle/>
-              <a:p>
-                <a:r>
-                  <a:rPr lang="es-MX">
-                    <a:noFill/>
-                  </a:rPr>
-                  <a:t> </a:t>
-                </a:r>
-              </a:p>
-            </p:txBody>
-          </p:sp>
-        </mc:Fallback>
-      </mc:AlternateContent>
-      <mc:AlternateContent xmlns:mc="http://schemas.openxmlformats.org/markup-compatibility/2006" xmlns:a14="http://schemas.microsoft.com/office/drawing/2010/main">
-        <mc:Choice Requires="a14">
-          <p:sp>
-            <p:nvSpPr>
-              <p:cNvPr id="4" name="CuadroTexto 3">
-                <a:extLst>
-                  <a:ext uri="{FF2B5EF4-FFF2-40B4-BE49-F238E27FC236}">
-                    <a16:creationId xmlns:a16="http://schemas.microsoft.com/office/drawing/2014/main" id="{184FA38F-2D90-639F-A569-5EF6EC277F0F}"/>
-                  </a:ext>
-                </a:extLst>
-              </p:cNvPr>
-              <p:cNvSpPr txBox="1"/>
-              <p:nvPr/>
-            </p:nvSpPr>
-            <p:spPr>
-              <a:xfrm>
-                <a:off x="3730304" y="2425517"/>
-                <a:ext cx="5044580" cy="1154611"/>
-              </a:xfrm>
-              <a:prstGeom prst="rect">
-                <a:avLst/>
-              </a:prstGeom>
-              <a:noFill/>
-            </p:spPr>
-            <p:txBody>
-              <a:bodyPr wrap="square" rtlCol="0">
-                <a:spAutoFit/>
-              </a:bodyPr>
-              <a:lstStyle/>
-              <a:p>
-                <a:pPr/>
-                <a14:m>
-                  <m:oMathPara xmlns:m="http://schemas.openxmlformats.org/officeDocument/2006/math">
-                    <m:oMathParaPr>
-                      <m:jc m:val="centerGroup"/>
-                    </m:oMathParaPr>
-                    <m:oMath xmlns:m="http://schemas.openxmlformats.org/officeDocument/2006/math">
-                      <m:sSubSup>
-                        <m:sSubSupPr>
-                          <m:ctrlPr>
-                            <a:rPr lang="es-MX" sz="2800" i="1" smtClean="0">
-                              <a:effectLst/>
-                              <a:latin typeface="Cambria Math" panose="02040503050406030204" pitchFamily="18" charset="0"/>
-                              <a:cs typeface="Arial" panose="020B0604020202020204" pitchFamily="34" charset="0"/>
-                            </a:rPr>
-                          </m:ctrlPr>
-                        </m:sSubSupPr>
-                        <m:e>
-                          <m:r>
-                            <a:rPr lang="es-ES" sz="2800" i="1">
-                              <a:effectLst/>
-                              <a:latin typeface="Cambria Math" panose="02040503050406030204" pitchFamily="18" charset="0"/>
-                              <a:ea typeface="Times New Roman" panose="02020603050405020304" pitchFamily="18" charset="0"/>
-                              <a:cs typeface="Arial" panose="020B0604020202020204" pitchFamily="34" charset="0"/>
-                            </a:rPr>
-                            <m:t>𝐵</m:t>
-                          </m:r>
-                        </m:e>
-                        <m:sub>
-                          <m:r>
-                            <a:rPr lang="es-ES" sz="2800" i="1">
-                              <a:effectLst/>
-                              <a:latin typeface="Cambria Math" panose="02040503050406030204" pitchFamily="18" charset="0"/>
-                              <a:ea typeface="Times New Roman" panose="02020603050405020304" pitchFamily="18" charset="0"/>
-                              <a:cs typeface="Arial" panose="020B0604020202020204" pitchFamily="34" charset="0"/>
-                            </a:rPr>
-                            <m:t>𝑝</m:t>
-                          </m:r>
-                          <m:r>
-                            <a:rPr lang="es-MX" sz="2800" b="0" i="1" smtClean="0">
-                              <a:effectLst/>
-                              <a:latin typeface="Cambria Math" panose="02040503050406030204" pitchFamily="18" charset="0"/>
-                              <a:ea typeface="Times New Roman" panose="02020603050405020304" pitchFamily="18" charset="0"/>
-                              <a:cs typeface="Arial" panose="020B0604020202020204" pitchFamily="34" charset="0"/>
-                            </a:rPr>
-                            <m:t>2</m:t>
-                          </m:r>
-                          <m:r>
-                            <a:rPr lang="es-MX" sz="2800" b="0" i="1" smtClean="0">
-                              <a:effectLst/>
-                              <a:latin typeface="Cambria Math" panose="02040503050406030204" pitchFamily="18" charset="0"/>
-                              <a:ea typeface="Times New Roman" panose="02020603050405020304" pitchFamily="18" charset="0"/>
-                              <a:cs typeface="Arial" panose="020B0604020202020204" pitchFamily="34" charset="0"/>
-                            </a:rPr>
-                            <m:t>𝑝</m:t>
-                          </m:r>
-                        </m:sub>
-                        <m:sup>
-                          <m:r>
-                            <a:rPr lang="es-ES" sz="2800" i="1">
-                              <a:effectLst/>
-                              <a:latin typeface="Cambria Math" panose="02040503050406030204" pitchFamily="18" charset="0"/>
-                              <a:ea typeface="Times New Roman" panose="02020603050405020304" pitchFamily="18" charset="0"/>
-                              <a:cs typeface="Arial" panose="020B0604020202020204" pitchFamily="34" charset="0"/>
-                            </a:rPr>
-                            <m:t>𝑖</m:t>
-                          </m:r>
-                        </m:sup>
-                      </m:sSubSup>
-                      <m:r>
-                        <a:rPr lang="es-MX" sz="2800" i="1">
-                          <a:effectLst/>
-                          <a:latin typeface="Cambria Math" panose="02040503050406030204" pitchFamily="18" charset="0"/>
-                          <a:ea typeface="Times New Roman" panose="02020603050405020304" pitchFamily="18" charset="0"/>
-                          <a:cs typeface="Arial" panose="020B0604020202020204" pitchFamily="34" charset="0"/>
-                        </a:rPr>
-                        <m:t>=</m:t>
-                      </m:r>
-                      <m:r>
-                        <m:rPr>
-                          <m:sty m:val="p"/>
-                        </m:rPr>
-                        <a:rPr lang="es-ES" sz="2800">
-                          <a:latin typeface="Cambria Math" panose="02040503050406030204" pitchFamily="18" charset="0"/>
-                          <a:ea typeface="Times New Roman" panose="02020603050405020304" pitchFamily="18" charset="0"/>
-                          <a:cs typeface="Arial" panose="020B0604020202020204" pitchFamily="34" charset="0"/>
-                        </a:rPr>
-                        <m:t>min</m:t>
-                      </m:r>
-                      <m:r>
-                        <a:rPr lang="es-ES" sz="2800" i="1">
-                          <a:latin typeface="Cambria Math" panose="02040503050406030204" pitchFamily="18" charset="0"/>
-                          <a:ea typeface="Times New Roman" panose="02020603050405020304" pitchFamily="18" charset="0"/>
-                          <a:cs typeface="Arial" panose="020B0604020202020204" pitchFamily="34" charset="0"/>
-                        </a:rPr>
-                        <m:t>⁡{</m:t>
-                      </m:r>
-                      <m:sSubSup>
-                        <m:sSubSupPr>
-                          <m:ctrlPr>
-                            <a:rPr lang="es-MX" sz="2800" i="1">
-                              <a:latin typeface="Cambria Math" panose="02040503050406030204" pitchFamily="18" charset="0"/>
-                              <a:cs typeface="Arial" panose="020B0604020202020204" pitchFamily="34" charset="0"/>
-                            </a:rPr>
-                          </m:ctrlPr>
-                        </m:sSubSupPr>
-                        <m:e>
-                          <m:r>
-                            <a:rPr lang="es-ES" sz="2800" i="1">
-                              <a:latin typeface="Cambria Math" panose="02040503050406030204" pitchFamily="18" charset="0"/>
-                              <a:ea typeface="Times New Roman" panose="02020603050405020304" pitchFamily="18" charset="0"/>
-                              <a:cs typeface="Arial" panose="020B0604020202020204" pitchFamily="34" charset="0"/>
-                            </a:rPr>
-                            <m:t>𝐵</m:t>
-                          </m:r>
-                        </m:e>
-                        <m:sub>
-                          <m:r>
-                            <a:rPr lang="es-ES" sz="2800" i="1">
-                              <a:latin typeface="Cambria Math" panose="02040503050406030204" pitchFamily="18" charset="0"/>
-                              <a:ea typeface="Times New Roman" panose="02020603050405020304" pitchFamily="18" charset="0"/>
-                              <a:cs typeface="Arial" panose="020B0604020202020204" pitchFamily="34" charset="0"/>
-                            </a:rPr>
-                            <m:t>𝑑</m:t>
-                          </m:r>
-                        </m:sub>
-                        <m:sup>
-                          <m:r>
-                            <a:rPr lang="es-ES" sz="2800" i="1">
-                              <a:latin typeface="Cambria Math" panose="02040503050406030204" pitchFamily="18" charset="0"/>
-                              <a:ea typeface="Times New Roman" panose="02020603050405020304" pitchFamily="18" charset="0"/>
-                              <a:cs typeface="Arial" panose="020B0604020202020204" pitchFamily="34" charset="0"/>
-                            </a:rPr>
-                            <m:t>𝑖</m:t>
-                          </m:r>
-                        </m:sup>
-                      </m:sSubSup>
-                      <m:r>
-                        <a:rPr lang="es-ES" sz="2800" i="1">
-                          <a:latin typeface="Cambria Math" panose="02040503050406030204" pitchFamily="18" charset="0"/>
-                          <a:ea typeface="Times New Roman" panose="02020603050405020304" pitchFamily="18" charset="0"/>
-                          <a:cs typeface="Arial" panose="020B0604020202020204" pitchFamily="34" charset="0"/>
-                        </a:rPr>
-                        <m:t>,</m:t>
-                      </m:r>
-                      <m:sSubSup>
-                        <m:sSubSupPr>
-                          <m:ctrlPr>
-                            <a:rPr lang="es-MX" sz="2800" i="1">
-                              <a:latin typeface="Cambria Math" panose="02040503050406030204" pitchFamily="18" charset="0"/>
-                              <a:cs typeface="Arial" panose="020B0604020202020204" pitchFamily="34" charset="0"/>
-                            </a:rPr>
-                          </m:ctrlPr>
-                        </m:sSubSupPr>
-                        <m:e>
-                          <m:r>
-                            <a:rPr lang="es-ES" sz="2800" i="1">
-                              <a:latin typeface="Cambria Math" panose="02040503050406030204" pitchFamily="18" charset="0"/>
-                              <a:ea typeface="Times New Roman" panose="02020603050405020304" pitchFamily="18" charset="0"/>
-                              <a:cs typeface="Arial" panose="020B0604020202020204" pitchFamily="34" charset="0"/>
-                            </a:rPr>
-                            <m:t>𝐵</m:t>
-                          </m:r>
-                        </m:e>
-                        <m:sub>
-                          <m:r>
-                            <a:rPr lang="es-ES" sz="2800" i="1">
-                              <a:latin typeface="Cambria Math" panose="02040503050406030204" pitchFamily="18" charset="0"/>
-                              <a:ea typeface="Times New Roman" panose="02020603050405020304" pitchFamily="18" charset="0"/>
-                              <a:cs typeface="Arial" panose="020B0604020202020204" pitchFamily="34" charset="0"/>
-                            </a:rPr>
-                            <m:t>𝑢</m:t>
-                          </m:r>
-                          <m:r>
-                            <a:rPr lang="es-ES" sz="2800" i="1">
-                              <a:latin typeface="Cambria Math" panose="02040503050406030204" pitchFamily="18" charset="0"/>
-                              <a:ea typeface="Times New Roman" panose="02020603050405020304" pitchFamily="18" charset="0"/>
-                              <a:cs typeface="Arial" panose="020B0604020202020204" pitchFamily="34" charset="0"/>
-                            </a:rPr>
-                            <m:t>,</m:t>
-                          </m:r>
-                          <m:r>
-                            <a:rPr lang="es-ES" sz="2800" i="1">
-                              <a:latin typeface="Cambria Math" panose="02040503050406030204" pitchFamily="18" charset="0"/>
-                              <a:ea typeface="Times New Roman" panose="02020603050405020304" pitchFamily="18" charset="0"/>
-                              <a:cs typeface="Arial" panose="020B0604020202020204" pitchFamily="34" charset="0"/>
-                            </a:rPr>
-                            <m:t>𝑝</m:t>
-                          </m:r>
-                        </m:sub>
-                        <m:sup>
-                          <m:r>
-                            <a:rPr lang="es-ES" sz="2800" i="1">
-                              <a:latin typeface="Cambria Math" panose="02040503050406030204" pitchFamily="18" charset="0"/>
-                              <a:ea typeface="Times New Roman" panose="02020603050405020304" pitchFamily="18" charset="0"/>
-                              <a:cs typeface="Arial" panose="020B0604020202020204" pitchFamily="34" charset="0"/>
-                            </a:rPr>
-                            <m:t>𝑖</m:t>
-                          </m:r>
-                        </m:sup>
-                      </m:sSubSup>
-                      <m:r>
-                        <a:rPr lang="es-ES" sz="2800" i="1">
-                          <a:latin typeface="Cambria Math" panose="02040503050406030204" pitchFamily="18" charset="0"/>
-                          <a:ea typeface="Times New Roman" panose="02020603050405020304" pitchFamily="18" charset="0"/>
-                          <a:cs typeface="Arial" panose="020B0604020202020204" pitchFamily="34" charset="0"/>
-                        </a:rPr>
-                        <m:t>}</m:t>
-                      </m:r>
-                    </m:oMath>
-                  </m:oMathPara>
-                </a14:m>
-                <a:endParaRPr lang="es-MX" sz="2800" dirty="0"/>
-              </a:p>
-              <a:p>
-                <a:endParaRPr lang="es-MX" dirty="0"/>
-              </a:p>
-              <a:p>
-                <a:endParaRPr lang="es-MX" dirty="0"/>
-              </a:p>
-            </p:txBody>
-          </p:sp>
-        </mc:Choice>
-        <mc:Fallback xmlns="">
-          <p:sp>
-            <p:nvSpPr>
-              <p:cNvPr id="4" name="CuadroTexto 3">
-                <a:extLst>
-                  <a:ext uri="{FF2B5EF4-FFF2-40B4-BE49-F238E27FC236}">
-                    <a16:creationId xmlns:a16="http://schemas.microsoft.com/office/drawing/2014/main" id="{184FA38F-2D90-639F-A569-5EF6EC277F0F}"/>
-                  </a:ext>
-                </a:extLst>
-              </p:cNvPr>
-              <p:cNvSpPr txBox="1">
-                <a:spLocks noRot="1" noChangeAspect="1" noMove="1" noResize="1" noEditPoints="1" noAdjustHandles="1" noChangeArrowheads="1" noChangeShapeType="1" noTextEdit="1"/>
-              </p:cNvSpPr>
-              <p:nvPr/>
-            </p:nvSpPr>
-            <p:spPr>
-              <a:xfrm>
-                <a:off x="3730304" y="2425517"/>
-                <a:ext cx="5044580" cy="1154611"/>
-              </a:xfrm>
-              <a:prstGeom prst="rect">
-                <a:avLst/>
-              </a:prstGeom>
-              <a:blipFill>
-                <a:blip r:embed="rId3"/>
-                <a:stretch>
-                  <a:fillRect/>
-                </a:stretch>
-              </a:blipFill>
-            </p:spPr>
-            <p:txBody>
-              <a:bodyPr/>
-              <a:lstStyle/>
-              <a:p>
-                <a:r>
-                  <a:rPr lang="es-MX">
-                    <a:noFill/>
-                  </a:rPr>
-                  <a:t> </a:t>
-                </a:r>
-              </a:p>
-            </p:txBody>
-          </p:sp>
-        </mc:Fallback>
-      </mc:AlternateContent>
-      <mc:AlternateContent xmlns:mc="http://schemas.openxmlformats.org/markup-compatibility/2006" xmlns:a14="http://schemas.microsoft.com/office/drawing/2010/main">
-        <mc:Choice Requires="a14">
-          <p:sp>
-            <p:nvSpPr>
-              <p:cNvPr id="5" name="CuadroTexto 4">
-                <a:extLst>
-                  <a:ext uri="{FF2B5EF4-FFF2-40B4-BE49-F238E27FC236}">
-                    <a16:creationId xmlns:a16="http://schemas.microsoft.com/office/drawing/2014/main" id="{B81F4E12-E35D-307C-1755-6611306B74FA}"/>
-                  </a:ext>
-                </a:extLst>
-              </p:cNvPr>
-              <p:cNvSpPr txBox="1"/>
-              <p:nvPr/>
-            </p:nvSpPr>
-            <p:spPr>
-              <a:xfrm>
-                <a:off x="838200" y="3779833"/>
-                <a:ext cx="2307672" cy="1621021"/>
-              </a:xfrm>
-              <a:prstGeom prst="rect">
-                <a:avLst/>
-              </a:prstGeom>
-              <a:noFill/>
-            </p:spPr>
-            <p:txBody>
-              <a:bodyPr wrap="square" rtlCol="0">
-                <a:spAutoFit/>
-              </a:bodyPr>
-              <a:lstStyle/>
-              <a:p>
-                <a:pPr algn="ctr"/>
-                <a:r>
-                  <a:rPr lang="es-MX" dirty="0"/>
-                  <a:t>Caso </a:t>
-                </a:r>
-                <a14:m>
-                  <m:oMath xmlns:m="http://schemas.openxmlformats.org/officeDocument/2006/math">
-                    <m:sSubSup>
-                      <m:sSubSupPr>
-                        <m:ctrlPr>
-                          <a:rPr lang="es-MX" sz="1800" i="1" smtClean="0">
-                            <a:effectLst/>
-                            <a:latin typeface="Cambria Math" panose="02040503050406030204" pitchFamily="18" charset="0"/>
-                            <a:cs typeface="Arial" panose="020B0604020202020204" pitchFamily="34" charset="0"/>
-                          </a:rPr>
-                        </m:ctrlPr>
-                      </m:sSubSupPr>
-                      <m:e>
-                        <m:r>
-                          <a:rPr lang="es-ES" sz="1800" i="1">
-                            <a:effectLst/>
-                            <a:latin typeface="Cambria Math" panose="02040503050406030204" pitchFamily="18" charset="0"/>
-                            <a:ea typeface="Times New Roman" panose="02020603050405020304" pitchFamily="18" charset="0"/>
-                            <a:cs typeface="Arial" panose="020B0604020202020204" pitchFamily="34" charset="0"/>
-                          </a:rPr>
-                          <m:t>𝐵</m:t>
-                        </m:r>
-                      </m:e>
-                      <m:sub>
-                        <m:r>
-                          <a:rPr lang="es-ES" sz="1800" i="1">
-                            <a:effectLst/>
-                            <a:latin typeface="Cambria Math" panose="02040503050406030204" pitchFamily="18" charset="0"/>
-                            <a:ea typeface="Times New Roman" panose="02020603050405020304" pitchFamily="18" charset="0"/>
-                            <a:cs typeface="Arial" panose="020B0604020202020204" pitchFamily="34" charset="0"/>
-                          </a:rPr>
-                          <m:t>𝑝</m:t>
-                        </m:r>
-                        <m:r>
-                          <a:rPr lang="es-MX" sz="1800" b="0" i="1" smtClean="0">
-                            <a:effectLst/>
-                            <a:latin typeface="Cambria Math" panose="02040503050406030204" pitchFamily="18" charset="0"/>
-                            <a:ea typeface="Times New Roman" panose="02020603050405020304" pitchFamily="18" charset="0"/>
-                            <a:cs typeface="Arial" panose="020B0604020202020204" pitchFamily="34" charset="0"/>
-                          </a:rPr>
-                          <m:t>2</m:t>
-                        </m:r>
-                        <m:r>
-                          <a:rPr lang="es-MX" sz="1800" b="0" i="1" smtClean="0">
-                            <a:effectLst/>
-                            <a:latin typeface="Cambria Math" panose="02040503050406030204" pitchFamily="18" charset="0"/>
-                            <a:ea typeface="Times New Roman" panose="02020603050405020304" pitchFamily="18" charset="0"/>
-                            <a:cs typeface="Arial" panose="020B0604020202020204" pitchFamily="34" charset="0"/>
-                          </a:rPr>
-                          <m:t>𝑝</m:t>
-                        </m:r>
-                      </m:sub>
-                      <m:sup>
-                        <m:r>
-                          <a:rPr lang="es-ES" sz="1800" i="1">
-                            <a:effectLst/>
-                            <a:latin typeface="Cambria Math" panose="02040503050406030204" pitchFamily="18" charset="0"/>
-                            <a:ea typeface="Times New Roman" panose="02020603050405020304" pitchFamily="18" charset="0"/>
-                            <a:cs typeface="Arial" panose="020B0604020202020204" pitchFamily="34" charset="0"/>
-                          </a:rPr>
-                          <m:t>𝑖</m:t>
-                        </m:r>
-                      </m:sup>
-                    </m:sSubSup>
-                    <m:r>
-                      <a:rPr lang="es-MX" sz="1800" i="1">
-                        <a:effectLst/>
-                        <a:latin typeface="Cambria Math" panose="02040503050406030204" pitchFamily="18" charset="0"/>
-                        <a:ea typeface="Times New Roman" panose="02020603050405020304" pitchFamily="18" charset="0"/>
-                        <a:cs typeface="Arial" panose="020B0604020202020204" pitchFamily="34" charset="0"/>
-                      </a:rPr>
-                      <m:t>=</m:t>
-                    </m:r>
-                    <m:sSubSup>
-                      <m:sSubSupPr>
-                        <m:ctrlPr>
-                          <a:rPr lang="es-MX" sz="1800" i="1">
-                            <a:latin typeface="Cambria Math" panose="02040503050406030204" pitchFamily="18" charset="0"/>
-                            <a:cs typeface="Arial" panose="020B0604020202020204" pitchFamily="34" charset="0"/>
-                          </a:rPr>
-                        </m:ctrlPr>
-                      </m:sSubSupPr>
-                      <m:e>
-                        <m:r>
-                          <a:rPr lang="es-ES" sz="1800" i="1">
-                            <a:latin typeface="Cambria Math" panose="02040503050406030204" pitchFamily="18" charset="0"/>
-                            <a:ea typeface="Times New Roman" panose="02020603050405020304" pitchFamily="18" charset="0"/>
-                            <a:cs typeface="Arial" panose="020B0604020202020204" pitchFamily="34" charset="0"/>
-                          </a:rPr>
-                          <m:t>𝐵</m:t>
-                        </m:r>
-                      </m:e>
-                      <m:sub>
-                        <m:r>
-                          <a:rPr lang="es-ES" sz="1800" i="1">
-                            <a:latin typeface="Cambria Math" panose="02040503050406030204" pitchFamily="18" charset="0"/>
-                            <a:ea typeface="Times New Roman" panose="02020603050405020304" pitchFamily="18" charset="0"/>
-                            <a:cs typeface="Arial" panose="020B0604020202020204" pitchFamily="34" charset="0"/>
-                          </a:rPr>
-                          <m:t>𝑑</m:t>
-                        </m:r>
-                      </m:sub>
-                      <m:sup>
-                        <m:r>
-                          <a:rPr lang="es-ES" sz="1800" i="1">
-                            <a:latin typeface="Cambria Math" panose="02040503050406030204" pitchFamily="18" charset="0"/>
-                            <a:ea typeface="Times New Roman" panose="02020603050405020304" pitchFamily="18" charset="0"/>
-                            <a:cs typeface="Arial" panose="020B0604020202020204" pitchFamily="34" charset="0"/>
-                          </a:rPr>
-                          <m:t>𝑖</m:t>
-                        </m:r>
-                      </m:sup>
-                    </m:sSubSup>
-                  </m:oMath>
-                </a14:m>
-                <a:endParaRPr lang="es-MX" dirty="0"/>
-              </a:p>
-              <a:p>
-                <a:pPr algn="ctr"/>
-                <a:endParaRPr lang="es-MX" dirty="0"/>
-              </a:p>
-              <a:p>
-                <a:pPr algn="ctr"/>
-                <a14:m>
-                  <m:oMath xmlns:m="http://schemas.openxmlformats.org/officeDocument/2006/math">
-                    <m:sSubSup>
-                      <m:sSubSupPr>
-                        <m:ctrlPr>
-                          <a:rPr lang="es-MX" sz="1800" i="1" smtClean="0">
-                            <a:effectLst/>
-                            <a:latin typeface="Cambria Math" panose="02040503050406030204" pitchFamily="18" charset="0"/>
-                            <a:cs typeface="Arial" panose="020B0604020202020204" pitchFamily="34" charset="0"/>
-                          </a:rPr>
-                        </m:ctrlPr>
-                      </m:sSubSupPr>
-                      <m:e>
-                        <m:r>
-                          <a:rPr lang="es-ES" sz="1800" i="1">
-                            <a:effectLst/>
-                            <a:latin typeface="Cambria Math" panose="02040503050406030204" pitchFamily="18" charset="0"/>
-                            <a:ea typeface="Times New Roman" panose="02020603050405020304" pitchFamily="18" charset="0"/>
-                            <a:cs typeface="Arial" panose="020B0604020202020204" pitchFamily="34" charset="0"/>
-                          </a:rPr>
-                          <m:t>𝐵</m:t>
-                        </m:r>
-                      </m:e>
-                      <m:sub>
-                        <m:r>
-                          <a:rPr lang="es-MX" sz="1800" b="0" i="1" smtClean="0">
-                            <a:effectLst/>
-                            <a:latin typeface="Cambria Math" panose="02040503050406030204" pitchFamily="18" charset="0"/>
-                            <a:ea typeface="Times New Roman" panose="02020603050405020304" pitchFamily="18" charset="0"/>
-                            <a:cs typeface="Arial" panose="020B0604020202020204" pitchFamily="34" charset="0"/>
-                          </a:rPr>
-                          <m:t>𝑠𝑒𝑟𝑣</m:t>
-                        </m:r>
-                      </m:sub>
-                      <m:sup>
-                        <m:r>
-                          <a:rPr lang="es-ES" sz="1800" i="1">
-                            <a:effectLst/>
-                            <a:latin typeface="Cambria Math" panose="02040503050406030204" pitchFamily="18" charset="0"/>
-                            <a:ea typeface="Times New Roman" panose="02020603050405020304" pitchFamily="18" charset="0"/>
-                            <a:cs typeface="Arial" panose="020B0604020202020204" pitchFamily="34" charset="0"/>
-                          </a:rPr>
-                          <m:t>𝑖</m:t>
-                        </m:r>
-                      </m:sup>
-                    </m:sSubSup>
-                    <m:r>
-                      <a:rPr lang="es-MX" sz="1800" i="1">
-                        <a:effectLst/>
-                        <a:latin typeface="Cambria Math" panose="02040503050406030204" pitchFamily="18" charset="0"/>
-                        <a:ea typeface="Times New Roman" panose="02020603050405020304" pitchFamily="18" charset="0"/>
-                        <a:cs typeface="Arial" panose="020B0604020202020204" pitchFamily="34" charset="0"/>
-                      </a:rPr>
-                      <m:t>=</m:t>
-                    </m:r>
-                    <m:sSubSup>
-                      <m:sSubSupPr>
-                        <m:ctrlPr>
-                          <a:rPr lang="es-MX" i="1">
-                            <a:latin typeface="Cambria Math" panose="02040503050406030204" pitchFamily="18" charset="0"/>
-                            <a:cs typeface="Arial" panose="020B0604020202020204" pitchFamily="34" charset="0"/>
-                          </a:rPr>
-                        </m:ctrlPr>
-                      </m:sSubSupPr>
-                      <m:e>
-                        <m:r>
-                          <a:rPr lang="es-ES" i="1">
-                            <a:latin typeface="Cambria Math" panose="02040503050406030204" pitchFamily="18" charset="0"/>
-                            <a:ea typeface="Times New Roman" panose="02020603050405020304" pitchFamily="18" charset="0"/>
-                            <a:cs typeface="Arial" panose="020B0604020202020204" pitchFamily="34" charset="0"/>
-                          </a:rPr>
-                          <m:t>𝐵</m:t>
-                        </m:r>
-                      </m:e>
-                      <m:sub>
-                        <m:r>
-                          <a:rPr lang="es-ES" i="1">
-                            <a:latin typeface="Cambria Math" panose="02040503050406030204" pitchFamily="18" charset="0"/>
-                            <a:ea typeface="Times New Roman" panose="02020603050405020304" pitchFamily="18" charset="0"/>
-                            <a:cs typeface="Arial" panose="020B0604020202020204" pitchFamily="34" charset="0"/>
-                          </a:rPr>
-                          <m:t>𝑑</m:t>
-                        </m:r>
-                      </m:sub>
-                      <m:sup>
-                        <m:r>
-                          <a:rPr lang="es-ES" i="1">
-                            <a:latin typeface="Cambria Math" panose="02040503050406030204" pitchFamily="18" charset="0"/>
-                            <a:ea typeface="Times New Roman" panose="02020603050405020304" pitchFamily="18" charset="0"/>
-                            <a:cs typeface="Arial" panose="020B0604020202020204" pitchFamily="34" charset="0"/>
-                          </a:rPr>
-                          <m:t>𝑖</m:t>
-                        </m:r>
-                      </m:sup>
-                    </m:sSubSup>
-                  </m:oMath>
-                </a14:m>
-                <a:r>
-                  <a:rPr lang="es-MX" dirty="0"/>
-                  <a:t>-</a:t>
-                </a:r>
-                <a:r>
-                  <a:rPr lang="es-MX" dirty="0">
-                    <a:cs typeface="Arial" panose="020B0604020202020204" pitchFamily="34" charset="0"/>
-                  </a:rPr>
-                  <a:t> </a:t>
-                </a:r>
-                <a14:m>
-                  <m:oMath xmlns:m="http://schemas.openxmlformats.org/officeDocument/2006/math">
-                    <m:sSubSup>
-                      <m:sSubSupPr>
-                        <m:ctrlPr>
-                          <a:rPr lang="es-MX" i="1">
-                            <a:latin typeface="Cambria Math" panose="02040503050406030204" pitchFamily="18" charset="0"/>
-                            <a:cs typeface="Arial" panose="020B0604020202020204" pitchFamily="34" charset="0"/>
-                          </a:rPr>
-                        </m:ctrlPr>
-                      </m:sSubSupPr>
-                      <m:e>
-                        <m:r>
-                          <a:rPr lang="es-ES" i="1">
-                            <a:latin typeface="Cambria Math" panose="02040503050406030204" pitchFamily="18" charset="0"/>
-                            <a:ea typeface="Times New Roman" panose="02020603050405020304" pitchFamily="18" charset="0"/>
-                            <a:cs typeface="Arial" panose="020B0604020202020204" pitchFamily="34" charset="0"/>
-                          </a:rPr>
-                          <m:t>𝐵</m:t>
-                        </m:r>
-                      </m:e>
-                      <m:sub>
-                        <m:r>
-                          <a:rPr lang="es-ES" i="1">
-                            <a:latin typeface="Cambria Math" panose="02040503050406030204" pitchFamily="18" charset="0"/>
-                            <a:ea typeface="Times New Roman" panose="02020603050405020304" pitchFamily="18" charset="0"/>
-                            <a:cs typeface="Arial" panose="020B0604020202020204" pitchFamily="34" charset="0"/>
-                          </a:rPr>
-                          <m:t>𝑝</m:t>
-                        </m:r>
-                        <m:r>
-                          <a:rPr lang="es-MX" i="1">
-                            <a:latin typeface="Cambria Math" panose="02040503050406030204" pitchFamily="18" charset="0"/>
-                            <a:ea typeface="Times New Roman" panose="02020603050405020304" pitchFamily="18" charset="0"/>
-                            <a:cs typeface="Arial" panose="020B0604020202020204" pitchFamily="34" charset="0"/>
-                          </a:rPr>
-                          <m:t>2</m:t>
-                        </m:r>
-                        <m:r>
-                          <a:rPr lang="es-MX" i="1">
-                            <a:latin typeface="Cambria Math" panose="02040503050406030204" pitchFamily="18" charset="0"/>
-                            <a:ea typeface="Times New Roman" panose="02020603050405020304" pitchFamily="18" charset="0"/>
-                            <a:cs typeface="Arial" panose="020B0604020202020204" pitchFamily="34" charset="0"/>
-                          </a:rPr>
-                          <m:t>𝑝</m:t>
-                        </m:r>
-                      </m:sub>
-                      <m:sup>
-                        <m:r>
-                          <a:rPr lang="es-ES" i="1">
-                            <a:latin typeface="Cambria Math" panose="02040503050406030204" pitchFamily="18" charset="0"/>
-                            <a:ea typeface="Times New Roman" panose="02020603050405020304" pitchFamily="18" charset="0"/>
-                            <a:cs typeface="Arial" panose="020B0604020202020204" pitchFamily="34" charset="0"/>
-                          </a:rPr>
-                          <m:t>𝑖</m:t>
-                        </m:r>
-                      </m:sup>
-                    </m:sSubSup>
-                  </m:oMath>
-                </a14:m>
-                <a:endParaRPr lang="es-MX" dirty="0"/>
-              </a:p>
-              <a:p>
-                <a:pPr algn="ctr"/>
-                <a:endParaRPr lang="es-MX" dirty="0"/>
-              </a:p>
-              <a:p>
-                <a:pPr algn="ctr"/>
-                <a14:m>
-                  <m:oMathPara xmlns:m="http://schemas.openxmlformats.org/officeDocument/2006/math">
-                    <m:oMathParaPr>
-                      <m:jc m:val="centerGroup"/>
-                    </m:oMathParaPr>
-                    <m:oMath xmlns:m="http://schemas.openxmlformats.org/officeDocument/2006/math">
-                      <m:sSubSup>
-                        <m:sSubSupPr>
-                          <m:ctrlPr>
-                            <a:rPr lang="es-MX" sz="1800" i="1" smtClean="0">
-                              <a:effectLst/>
-                              <a:latin typeface="Cambria Math" panose="02040503050406030204" pitchFamily="18" charset="0"/>
-                              <a:cs typeface="Arial" panose="020B0604020202020204" pitchFamily="34" charset="0"/>
-                            </a:rPr>
-                          </m:ctrlPr>
-                        </m:sSubSupPr>
-                        <m:e>
-                          <m:r>
-                            <a:rPr lang="es-ES" sz="1800" i="1">
-                              <a:effectLst/>
-                              <a:latin typeface="Cambria Math" panose="02040503050406030204" pitchFamily="18" charset="0"/>
-                              <a:ea typeface="Times New Roman" panose="02020603050405020304" pitchFamily="18" charset="0"/>
-                              <a:cs typeface="Arial" panose="020B0604020202020204" pitchFamily="34" charset="0"/>
-                            </a:rPr>
-                            <m:t>𝐵</m:t>
-                          </m:r>
-                        </m:e>
-                        <m:sub>
-                          <m:r>
-                            <a:rPr lang="es-MX" sz="1800" b="0" i="1" smtClean="0">
-                              <a:effectLst/>
-                              <a:latin typeface="Cambria Math" panose="02040503050406030204" pitchFamily="18" charset="0"/>
-                              <a:ea typeface="Times New Roman" panose="02020603050405020304" pitchFamily="18" charset="0"/>
-                              <a:cs typeface="Arial" panose="020B0604020202020204" pitchFamily="34" charset="0"/>
-                            </a:rPr>
-                            <m:t>𝑠𝑒𝑟𝑣</m:t>
-                          </m:r>
-                        </m:sub>
-                        <m:sup>
-                          <m:r>
-                            <a:rPr lang="es-ES" sz="1800" i="1">
-                              <a:effectLst/>
-                              <a:latin typeface="Cambria Math" panose="02040503050406030204" pitchFamily="18" charset="0"/>
-                              <a:ea typeface="Times New Roman" panose="02020603050405020304" pitchFamily="18" charset="0"/>
-                              <a:cs typeface="Arial" panose="020B0604020202020204" pitchFamily="34" charset="0"/>
-                            </a:rPr>
-                            <m:t>𝑖</m:t>
-                          </m:r>
-                        </m:sup>
-                      </m:sSubSup>
-                      <m:r>
-                        <a:rPr lang="es-MX" sz="1800" i="1">
-                          <a:effectLst/>
-                          <a:latin typeface="Cambria Math" panose="02040503050406030204" pitchFamily="18" charset="0"/>
-                          <a:ea typeface="Times New Roman" panose="02020603050405020304" pitchFamily="18" charset="0"/>
-                          <a:cs typeface="Arial" panose="020B0604020202020204" pitchFamily="34" charset="0"/>
-                        </a:rPr>
-                        <m:t>=</m:t>
-                      </m:r>
-                      <m:r>
-                        <a:rPr lang="es-MX" sz="1800" b="0" i="1" smtClean="0">
-                          <a:effectLst/>
-                          <a:latin typeface="Cambria Math" panose="02040503050406030204" pitchFamily="18" charset="0"/>
-                          <a:ea typeface="Times New Roman" panose="02020603050405020304" pitchFamily="18" charset="0"/>
-                          <a:cs typeface="Arial" panose="020B0604020202020204" pitchFamily="34" charset="0"/>
-                        </a:rPr>
-                        <m:t>0</m:t>
-                      </m:r>
-                    </m:oMath>
-                  </m:oMathPara>
-                </a14:m>
-                <a:endParaRPr lang="es-MX" dirty="0"/>
-              </a:p>
-            </p:txBody>
-          </p:sp>
-        </mc:Choice>
-        <mc:Fallback xmlns="">
-          <p:sp>
-            <p:nvSpPr>
-              <p:cNvPr id="5" name="CuadroTexto 4">
-                <a:extLst>
-                  <a:ext uri="{FF2B5EF4-FFF2-40B4-BE49-F238E27FC236}">
-                    <a16:creationId xmlns:a16="http://schemas.microsoft.com/office/drawing/2014/main" id="{B81F4E12-E35D-307C-1755-6611306B74FA}"/>
-                  </a:ext>
-                </a:extLst>
-              </p:cNvPr>
-              <p:cNvSpPr txBox="1">
-                <a:spLocks noRot="1" noChangeAspect="1" noMove="1" noResize="1" noEditPoints="1" noAdjustHandles="1" noChangeArrowheads="1" noChangeShapeType="1" noTextEdit="1"/>
-              </p:cNvSpPr>
-              <p:nvPr/>
-            </p:nvSpPr>
-            <p:spPr>
-              <a:xfrm>
-                <a:off x="838200" y="3779833"/>
-                <a:ext cx="2307672" cy="1621021"/>
-              </a:xfrm>
-              <a:prstGeom prst="rect">
-                <a:avLst/>
-              </a:prstGeom>
-              <a:blipFill>
-                <a:blip r:embed="rId4"/>
-                <a:stretch>
-                  <a:fillRect t="-376"/>
-                </a:stretch>
-              </a:blipFill>
-            </p:spPr>
-            <p:txBody>
-              <a:bodyPr/>
-              <a:lstStyle/>
-              <a:p>
-                <a:r>
-                  <a:rPr lang="es-MX">
-                    <a:noFill/>
-                  </a:rPr>
-                  <a:t> </a:t>
-                </a:r>
-              </a:p>
-            </p:txBody>
-          </p:sp>
-        </mc:Fallback>
-      </mc:AlternateContent>
-      <mc:AlternateContent xmlns:mc="http://schemas.openxmlformats.org/markup-compatibility/2006" xmlns:a14="http://schemas.microsoft.com/office/drawing/2010/main">
-        <mc:Choice Requires="a14">
-          <p:sp>
-            <p:nvSpPr>
-              <p:cNvPr id="7" name="CuadroTexto 6">
-                <a:extLst>
-                  <a:ext uri="{FF2B5EF4-FFF2-40B4-BE49-F238E27FC236}">
-                    <a16:creationId xmlns:a16="http://schemas.microsoft.com/office/drawing/2014/main" id="{4EC06DB4-FD3B-F67A-CBEB-D1C8E057DE51}"/>
-                  </a:ext>
-                </a:extLst>
-              </p:cNvPr>
-              <p:cNvSpPr txBox="1"/>
-              <p:nvPr/>
-            </p:nvSpPr>
-            <p:spPr>
-              <a:xfrm>
-                <a:off x="8774884" y="3715065"/>
-                <a:ext cx="2307672" cy="1580113"/>
-              </a:xfrm>
-              <a:prstGeom prst="rect">
-                <a:avLst/>
-              </a:prstGeom>
-              <a:noFill/>
-            </p:spPr>
-            <p:txBody>
-              <a:bodyPr wrap="square" rtlCol="0">
-                <a:spAutoFit/>
-              </a:bodyPr>
-              <a:lstStyle/>
-              <a:p>
-                <a:pPr algn="ctr"/>
-                <a:r>
-                  <a:rPr lang="es-MX" dirty="0"/>
-                  <a:t>Caso </a:t>
-                </a:r>
-                <a14:m>
-                  <m:oMath xmlns:m="http://schemas.openxmlformats.org/officeDocument/2006/math">
-                    <m:sSubSup>
-                      <m:sSubSupPr>
-                        <m:ctrlPr>
-                          <a:rPr lang="es-MX" sz="1800" i="1" smtClean="0">
-                            <a:effectLst/>
-                            <a:latin typeface="Cambria Math" panose="02040503050406030204" pitchFamily="18" charset="0"/>
-                            <a:cs typeface="Arial" panose="020B0604020202020204" pitchFamily="34" charset="0"/>
-                          </a:rPr>
-                        </m:ctrlPr>
-                      </m:sSubSupPr>
-                      <m:e>
-                        <m:r>
-                          <a:rPr lang="es-ES" sz="1800" i="1">
-                            <a:effectLst/>
-                            <a:latin typeface="Cambria Math" panose="02040503050406030204" pitchFamily="18" charset="0"/>
-                            <a:ea typeface="Times New Roman" panose="02020603050405020304" pitchFamily="18" charset="0"/>
-                            <a:cs typeface="Arial" panose="020B0604020202020204" pitchFamily="34" charset="0"/>
-                          </a:rPr>
-                          <m:t>𝐵</m:t>
-                        </m:r>
-                      </m:e>
-                      <m:sub>
-                        <m:r>
-                          <a:rPr lang="es-ES" sz="1800" i="1">
-                            <a:effectLst/>
-                            <a:latin typeface="Cambria Math" panose="02040503050406030204" pitchFamily="18" charset="0"/>
-                            <a:ea typeface="Times New Roman" panose="02020603050405020304" pitchFamily="18" charset="0"/>
-                            <a:cs typeface="Arial" panose="020B0604020202020204" pitchFamily="34" charset="0"/>
-                          </a:rPr>
-                          <m:t>𝑝</m:t>
-                        </m:r>
-                        <m:r>
-                          <a:rPr lang="es-MX" sz="1800" b="0" i="1" smtClean="0">
-                            <a:effectLst/>
-                            <a:latin typeface="Cambria Math" panose="02040503050406030204" pitchFamily="18" charset="0"/>
-                            <a:ea typeface="Times New Roman" panose="02020603050405020304" pitchFamily="18" charset="0"/>
-                            <a:cs typeface="Arial" panose="020B0604020202020204" pitchFamily="34" charset="0"/>
-                          </a:rPr>
-                          <m:t>2</m:t>
-                        </m:r>
-                        <m:r>
-                          <a:rPr lang="es-MX" sz="1800" b="0" i="1" smtClean="0">
-                            <a:effectLst/>
-                            <a:latin typeface="Cambria Math" panose="02040503050406030204" pitchFamily="18" charset="0"/>
-                            <a:ea typeface="Times New Roman" panose="02020603050405020304" pitchFamily="18" charset="0"/>
-                            <a:cs typeface="Arial" panose="020B0604020202020204" pitchFamily="34" charset="0"/>
-                          </a:rPr>
-                          <m:t>𝑝</m:t>
-                        </m:r>
-                      </m:sub>
-                      <m:sup>
-                        <m:r>
-                          <a:rPr lang="es-ES" sz="1800" i="1">
-                            <a:effectLst/>
-                            <a:latin typeface="Cambria Math" panose="02040503050406030204" pitchFamily="18" charset="0"/>
-                            <a:ea typeface="Times New Roman" panose="02020603050405020304" pitchFamily="18" charset="0"/>
-                            <a:cs typeface="Arial" panose="020B0604020202020204" pitchFamily="34" charset="0"/>
-                          </a:rPr>
-                          <m:t>𝑖</m:t>
-                        </m:r>
-                      </m:sup>
-                    </m:sSubSup>
-                    <m:r>
-                      <a:rPr lang="es-MX" sz="1800" i="1">
-                        <a:effectLst/>
-                        <a:latin typeface="Cambria Math" panose="02040503050406030204" pitchFamily="18" charset="0"/>
-                        <a:ea typeface="Times New Roman" panose="02020603050405020304" pitchFamily="18" charset="0"/>
-                        <a:cs typeface="Arial" panose="020B0604020202020204" pitchFamily="34" charset="0"/>
-                      </a:rPr>
-                      <m:t>=</m:t>
-                    </m:r>
-                    <m:sSubSup>
-                      <m:sSubSupPr>
-                        <m:ctrlPr>
-                          <a:rPr lang="es-MX" i="1">
-                            <a:latin typeface="Cambria Math" panose="02040503050406030204" pitchFamily="18" charset="0"/>
-                            <a:cs typeface="Arial" panose="020B0604020202020204" pitchFamily="34" charset="0"/>
-                          </a:rPr>
-                        </m:ctrlPr>
-                      </m:sSubSupPr>
-                      <m:e>
-                        <m:r>
-                          <a:rPr lang="es-ES" i="1">
-                            <a:latin typeface="Cambria Math" panose="02040503050406030204" pitchFamily="18" charset="0"/>
-                            <a:ea typeface="Times New Roman" panose="02020603050405020304" pitchFamily="18" charset="0"/>
-                            <a:cs typeface="Arial" panose="020B0604020202020204" pitchFamily="34" charset="0"/>
-                          </a:rPr>
-                          <m:t>𝐵</m:t>
-                        </m:r>
-                      </m:e>
-                      <m:sub>
-                        <m:r>
-                          <a:rPr lang="es-ES" i="1">
-                            <a:latin typeface="Cambria Math" panose="02040503050406030204" pitchFamily="18" charset="0"/>
-                            <a:ea typeface="Times New Roman" panose="02020603050405020304" pitchFamily="18" charset="0"/>
-                            <a:cs typeface="Arial" panose="020B0604020202020204" pitchFamily="34" charset="0"/>
-                          </a:rPr>
-                          <m:t>𝑢</m:t>
-                        </m:r>
-                        <m:r>
-                          <a:rPr lang="es-ES" i="1">
-                            <a:latin typeface="Cambria Math" panose="02040503050406030204" pitchFamily="18" charset="0"/>
-                            <a:ea typeface="Times New Roman" panose="02020603050405020304" pitchFamily="18" charset="0"/>
-                            <a:cs typeface="Arial" panose="020B0604020202020204" pitchFamily="34" charset="0"/>
-                          </a:rPr>
-                          <m:t>,</m:t>
-                        </m:r>
-                        <m:r>
-                          <a:rPr lang="es-ES" i="1">
-                            <a:latin typeface="Cambria Math" panose="02040503050406030204" pitchFamily="18" charset="0"/>
-                            <a:ea typeface="Times New Roman" panose="02020603050405020304" pitchFamily="18" charset="0"/>
-                            <a:cs typeface="Arial" panose="020B0604020202020204" pitchFamily="34" charset="0"/>
-                          </a:rPr>
-                          <m:t>𝑝</m:t>
-                        </m:r>
-                      </m:sub>
-                      <m:sup>
-                        <m:r>
-                          <a:rPr lang="es-ES" i="1">
-                            <a:latin typeface="Cambria Math" panose="02040503050406030204" pitchFamily="18" charset="0"/>
-                            <a:ea typeface="Times New Roman" panose="02020603050405020304" pitchFamily="18" charset="0"/>
-                            <a:cs typeface="Arial" panose="020B0604020202020204" pitchFamily="34" charset="0"/>
-                          </a:rPr>
-                          <m:t>𝑖</m:t>
-                        </m:r>
-                      </m:sup>
-                    </m:sSubSup>
-                  </m:oMath>
-                </a14:m>
-                <a:endParaRPr lang="es-MX" dirty="0"/>
-              </a:p>
-              <a:p>
-                <a:pPr algn="ctr"/>
-                <a:endParaRPr lang="es-MX" dirty="0"/>
-              </a:p>
-              <a:p>
-                <a:pPr algn="ctr"/>
-                <a14:m>
-                  <m:oMath xmlns:m="http://schemas.openxmlformats.org/officeDocument/2006/math">
-                    <m:sSubSup>
-                      <m:sSubSupPr>
-                        <m:ctrlPr>
-                          <a:rPr lang="es-MX" sz="1800" i="1" smtClean="0">
-                            <a:effectLst/>
-                            <a:latin typeface="Cambria Math" panose="02040503050406030204" pitchFamily="18" charset="0"/>
-                            <a:cs typeface="Arial" panose="020B0604020202020204" pitchFamily="34" charset="0"/>
-                          </a:rPr>
-                        </m:ctrlPr>
-                      </m:sSubSupPr>
-                      <m:e>
-                        <m:r>
-                          <a:rPr lang="es-ES" sz="1800" i="1">
-                            <a:effectLst/>
-                            <a:latin typeface="Cambria Math" panose="02040503050406030204" pitchFamily="18" charset="0"/>
-                            <a:ea typeface="Times New Roman" panose="02020603050405020304" pitchFamily="18" charset="0"/>
-                            <a:cs typeface="Arial" panose="020B0604020202020204" pitchFamily="34" charset="0"/>
-                          </a:rPr>
-                          <m:t>𝐵</m:t>
-                        </m:r>
-                      </m:e>
-                      <m:sub>
-                        <m:r>
-                          <a:rPr lang="es-MX" sz="1800" b="0" i="1" smtClean="0">
-                            <a:effectLst/>
-                            <a:latin typeface="Cambria Math" panose="02040503050406030204" pitchFamily="18" charset="0"/>
-                            <a:ea typeface="Times New Roman" panose="02020603050405020304" pitchFamily="18" charset="0"/>
-                            <a:cs typeface="Arial" panose="020B0604020202020204" pitchFamily="34" charset="0"/>
-                          </a:rPr>
-                          <m:t>𝑠𝑒𝑟𝑣</m:t>
-                        </m:r>
-                      </m:sub>
-                      <m:sup>
-                        <m:r>
-                          <a:rPr lang="es-ES" sz="1800" i="1">
-                            <a:effectLst/>
-                            <a:latin typeface="Cambria Math" panose="02040503050406030204" pitchFamily="18" charset="0"/>
-                            <a:ea typeface="Times New Roman" panose="02020603050405020304" pitchFamily="18" charset="0"/>
-                            <a:cs typeface="Arial" panose="020B0604020202020204" pitchFamily="34" charset="0"/>
-                          </a:rPr>
-                          <m:t>𝑖</m:t>
-                        </m:r>
-                      </m:sup>
-                    </m:sSubSup>
-                    <m:r>
-                      <a:rPr lang="es-MX" sz="1800" i="1">
-                        <a:effectLst/>
-                        <a:latin typeface="Cambria Math" panose="02040503050406030204" pitchFamily="18" charset="0"/>
-                        <a:ea typeface="Times New Roman" panose="02020603050405020304" pitchFamily="18" charset="0"/>
-                        <a:cs typeface="Arial" panose="020B0604020202020204" pitchFamily="34" charset="0"/>
-                      </a:rPr>
-                      <m:t>=</m:t>
-                    </m:r>
-                    <m:sSubSup>
-                      <m:sSubSupPr>
-                        <m:ctrlPr>
-                          <a:rPr lang="es-MX" i="1">
-                            <a:latin typeface="Cambria Math" panose="02040503050406030204" pitchFamily="18" charset="0"/>
-                            <a:cs typeface="Arial" panose="020B0604020202020204" pitchFamily="34" charset="0"/>
-                          </a:rPr>
-                        </m:ctrlPr>
-                      </m:sSubSupPr>
-                      <m:e>
-                        <m:r>
-                          <a:rPr lang="es-ES" i="1">
-                            <a:latin typeface="Cambria Math" panose="02040503050406030204" pitchFamily="18" charset="0"/>
-                            <a:ea typeface="Times New Roman" panose="02020603050405020304" pitchFamily="18" charset="0"/>
-                            <a:cs typeface="Arial" panose="020B0604020202020204" pitchFamily="34" charset="0"/>
-                          </a:rPr>
-                          <m:t>𝐵</m:t>
-                        </m:r>
-                      </m:e>
-                      <m:sub>
-                        <m:r>
-                          <a:rPr lang="es-ES" i="1">
-                            <a:latin typeface="Cambria Math" panose="02040503050406030204" pitchFamily="18" charset="0"/>
-                            <a:ea typeface="Times New Roman" panose="02020603050405020304" pitchFamily="18" charset="0"/>
-                            <a:cs typeface="Arial" panose="020B0604020202020204" pitchFamily="34" charset="0"/>
-                          </a:rPr>
-                          <m:t>𝑑</m:t>
-                        </m:r>
-                      </m:sub>
-                      <m:sup>
-                        <m:r>
-                          <a:rPr lang="es-ES" i="1">
-                            <a:latin typeface="Cambria Math" panose="02040503050406030204" pitchFamily="18" charset="0"/>
-                            <a:ea typeface="Times New Roman" panose="02020603050405020304" pitchFamily="18" charset="0"/>
-                            <a:cs typeface="Arial" panose="020B0604020202020204" pitchFamily="34" charset="0"/>
-                          </a:rPr>
-                          <m:t>𝑖</m:t>
-                        </m:r>
-                      </m:sup>
-                    </m:sSubSup>
-                  </m:oMath>
-                </a14:m>
-                <a:r>
-                  <a:rPr lang="es-MX" dirty="0"/>
-                  <a:t>-</a:t>
-                </a:r>
-                <a:r>
-                  <a:rPr lang="es-MX" dirty="0">
-                    <a:cs typeface="Arial" panose="020B0604020202020204" pitchFamily="34" charset="0"/>
-                  </a:rPr>
-                  <a:t> </a:t>
-                </a:r>
-                <a14:m>
-                  <m:oMath xmlns:m="http://schemas.openxmlformats.org/officeDocument/2006/math">
-                    <m:sSubSup>
-                      <m:sSubSupPr>
-                        <m:ctrlPr>
-                          <a:rPr lang="es-MX" i="1">
-                            <a:latin typeface="Cambria Math" panose="02040503050406030204" pitchFamily="18" charset="0"/>
-                            <a:cs typeface="Arial" panose="020B0604020202020204" pitchFamily="34" charset="0"/>
-                          </a:rPr>
-                        </m:ctrlPr>
-                      </m:sSubSupPr>
-                      <m:e>
-                        <m:r>
-                          <a:rPr lang="es-ES" i="1">
-                            <a:latin typeface="Cambria Math" panose="02040503050406030204" pitchFamily="18" charset="0"/>
-                            <a:ea typeface="Times New Roman" panose="02020603050405020304" pitchFamily="18" charset="0"/>
-                            <a:cs typeface="Arial" panose="020B0604020202020204" pitchFamily="34" charset="0"/>
-                          </a:rPr>
-                          <m:t>𝐵</m:t>
-                        </m:r>
-                      </m:e>
-                      <m:sub>
-                        <m:r>
-                          <a:rPr lang="es-ES" i="1">
-                            <a:latin typeface="Cambria Math" panose="02040503050406030204" pitchFamily="18" charset="0"/>
-                            <a:ea typeface="Times New Roman" panose="02020603050405020304" pitchFamily="18" charset="0"/>
-                            <a:cs typeface="Arial" panose="020B0604020202020204" pitchFamily="34" charset="0"/>
-                          </a:rPr>
-                          <m:t>𝑝</m:t>
-                        </m:r>
-                        <m:r>
-                          <a:rPr lang="es-MX" i="1">
-                            <a:latin typeface="Cambria Math" panose="02040503050406030204" pitchFamily="18" charset="0"/>
-                            <a:ea typeface="Times New Roman" panose="02020603050405020304" pitchFamily="18" charset="0"/>
-                            <a:cs typeface="Arial" panose="020B0604020202020204" pitchFamily="34" charset="0"/>
-                          </a:rPr>
-                          <m:t>2</m:t>
-                        </m:r>
-                        <m:r>
-                          <a:rPr lang="es-MX" i="1">
-                            <a:latin typeface="Cambria Math" panose="02040503050406030204" pitchFamily="18" charset="0"/>
-                            <a:ea typeface="Times New Roman" panose="02020603050405020304" pitchFamily="18" charset="0"/>
-                            <a:cs typeface="Arial" panose="020B0604020202020204" pitchFamily="34" charset="0"/>
-                          </a:rPr>
-                          <m:t>𝑝</m:t>
-                        </m:r>
-                      </m:sub>
-                      <m:sup>
-                        <m:r>
-                          <a:rPr lang="es-ES" i="1">
-                            <a:latin typeface="Cambria Math" panose="02040503050406030204" pitchFamily="18" charset="0"/>
-                            <a:ea typeface="Times New Roman" panose="02020603050405020304" pitchFamily="18" charset="0"/>
-                            <a:cs typeface="Arial" panose="020B0604020202020204" pitchFamily="34" charset="0"/>
-                          </a:rPr>
-                          <m:t>𝑖</m:t>
-                        </m:r>
-                      </m:sup>
-                    </m:sSubSup>
-                  </m:oMath>
-                </a14:m>
-                <a:endParaRPr lang="es-MX" dirty="0"/>
-              </a:p>
-              <a:p>
-                <a:pPr algn="ctr"/>
-                <a:endParaRPr lang="es-MX" dirty="0"/>
-              </a:p>
-              <a:p>
-                <a:pPr algn="ctr"/>
-                <a14:m>
-                  <m:oMathPara xmlns:m="http://schemas.openxmlformats.org/officeDocument/2006/math">
-                    <m:oMathParaPr>
-                      <m:jc m:val="centerGroup"/>
-                    </m:oMathParaPr>
-                    <m:oMath xmlns:m="http://schemas.openxmlformats.org/officeDocument/2006/math">
-                      <m:sSubSup>
-                        <m:sSubSupPr>
-                          <m:ctrlPr>
-                            <a:rPr lang="es-MX" sz="1800" i="1" smtClean="0">
-                              <a:effectLst/>
-                              <a:latin typeface="Cambria Math" panose="02040503050406030204" pitchFamily="18" charset="0"/>
-                              <a:cs typeface="Arial" panose="020B0604020202020204" pitchFamily="34" charset="0"/>
-                            </a:rPr>
-                          </m:ctrlPr>
-                        </m:sSubSupPr>
-                        <m:e>
-                          <m:r>
-                            <a:rPr lang="es-ES" sz="1800" i="1">
-                              <a:effectLst/>
-                              <a:latin typeface="Cambria Math" panose="02040503050406030204" pitchFamily="18" charset="0"/>
-                              <a:ea typeface="Times New Roman" panose="02020603050405020304" pitchFamily="18" charset="0"/>
-                              <a:cs typeface="Arial" panose="020B0604020202020204" pitchFamily="34" charset="0"/>
-                            </a:rPr>
-                            <m:t>𝐵</m:t>
-                          </m:r>
-                        </m:e>
-                        <m:sub>
-                          <m:r>
-                            <a:rPr lang="es-MX" sz="1800" b="0" i="1" smtClean="0">
-                              <a:effectLst/>
-                              <a:latin typeface="Cambria Math" panose="02040503050406030204" pitchFamily="18" charset="0"/>
-                              <a:ea typeface="Times New Roman" panose="02020603050405020304" pitchFamily="18" charset="0"/>
-                              <a:cs typeface="Arial" panose="020B0604020202020204" pitchFamily="34" charset="0"/>
-                            </a:rPr>
-                            <m:t>𝑠𝑒𝑟𝑣</m:t>
-                          </m:r>
-                        </m:sub>
-                        <m:sup>
-                          <m:r>
-                            <a:rPr lang="es-ES" sz="1800" i="1">
-                              <a:effectLst/>
-                              <a:latin typeface="Cambria Math" panose="02040503050406030204" pitchFamily="18" charset="0"/>
-                              <a:ea typeface="Times New Roman" panose="02020603050405020304" pitchFamily="18" charset="0"/>
-                              <a:cs typeface="Arial" panose="020B0604020202020204" pitchFamily="34" charset="0"/>
-                            </a:rPr>
-                            <m:t>𝑖</m:t>
-                          </m:r>
-                        </m:sup>
-                      </m:sSubSup>
-                      <m:r>
-                        <a:rPr lang="es-MX" i="1">
-                          <a:latin typeface="Cambria Math" panose="02040503050406030204" pitchFamily="18" charset="0"/>
-                          <a:ea typeface="Times New Roman" panose="02020603050405020304" pitchFamily="18" charset="0"/>
-                          <a:cs typeface="Arial" panose="020B0604020202020204" pitchFamily="34" charset="0"/>
-                        </a:rPr>
-                        <m:t>≠</m:t>
-                      </m:r>
-                      <m:r>
-                        <a:rPr lang="es-MX" sz="1800" b="0" i="1" smtClean="0">
-                          <a:effectLst/>
-                          <a:latin typeface="Cambria Math" panose="02040503050406030204" pitchFamily="18" charset="0"/>
-                          <a:ea typeface="Times New Roman" panose="02020603050405020304" pitchFamily="18" charset="0"/>
-                          <a:cs typeface="Arial" panose="020B0604020202020204" pitchFamily="34" charset="0"/>
-                        </a:rPr>
-                        <m:t>0</m:t>
-                      </m:r>
-                    </m:oMath>
-                  </m:oMathPara>
-                </a14:m>
-                <a:endParaRPr lang="es-MX" dirty="0"/>
-              </a:p>
-            </p:txBody>
-          </p:sp>
-        </mc:Choice>
-        <mc:Fallback xmlns="">
-          <p:sp>
-            <p:nvSpPr>
-              <p:cNvPr id="7" name="CuadroTexto 6">
-                <a:extLst>
-                  <a:ext uri="{FF2B5EF4-FFF2-40B4-BE49-F238E27FC236}">
-                    <a16:creationId xmlns:a16="http://schemas.microsoft.com/office/drawing/2014/main" id="{4EC06DB4-FD3B-F67A-CBEB-D1C8E057DE51}"/>
-                  </a:ext>
-                </a:extLst>
-              </p:cNvPr>
-              <p:cNvSpPr txBox="1">
-                <a:spLocks noRot="1" noChangeAspect="1" noMove="1" noResize="1" noEditPoints="1" noAdjustHandles="1" noChangeArrowheads="1" noChangeShapeType="1" noTextEdit="1"/>
-              </p:cNvSpPr>
-              <p:nvPr/>
-            </p:nvSpPr>
-            <p:spPr>
-              <a:xfrm>
-                <a:off x="8774884" y="3715065"/>
-                <a:ext cx="2307672" cy="1580113"/>
-              </a:xfrm>
-              <a:prstGeom prst="rect">
-                <a:avLst/>
-              </a:prstGeom>
-              <a:blipFill>
-                <a:blip r:embed="rId5"/>
-                <a:stretch>
-                  <a:fillRect t="-385"/>
-                </a:stretch>
-              </a:blipFill>
-            </p:spPr>
-            <p:txBody>
-              <a:bodyPr/>
-              <a:lstStyle/>
-              <a:p>
-                <a:r>
-                  <a:rPr lang="es-MX">
-                    <a:noFill/>
-                  </a:rPr>
-                  <a:t> </a:t>
-                </a:r>
-              </a:p>
-            </p:txBody>
-          </p:sp>
-        </mc:Fallback>
-      </mc:AlternateContent>
-    </p:spTree>
-    <p:extLst>
-      <p:ext uri="{BB962C8B-B14F-4D97-AF65-F5344CB8AC3E}">
-        <p14:creationId xmlns:p14="http://schemas.microsoft.com/office/powerpoint/2010/main" val="2121186853"/>
-      </p:ext>
-    </p:extLst>
-  </p:cSld>
-  <p:clrMapOvr>
-    <a:masterClrMapping/>
-  </p:clrMapOvr>
-</p:sld>
-</file>
-
 <file path=ppt/theme/theme1.xml><?xml version="1.0" encoding="utf-8"?>
 <a:theme xmlns:a="http://schemas.openxmlformats.org/drawingml/2006/main" name="Tema de Office">
   <a:themeElements>
